--- a/PPT/第一部分 软件测试概述/2 软件测试背景.pptx
+++ b/PPT/第一部分 软件测试概述/2 软件测试背景.pptx
@@ -1,8 +1,8 @@
 
 <file path=ppt/presentation.xml><?xml version="1.0" encoding="utf-8"?>
-<p:presentation xmlns:a="http://schemas.openxmlformats.org/drawingml/2006/main" xmlns:r="http://schemas.openxmlformats.org/officeDocument/2006/relationships" xmlns:p="http://schemas.openxmlformats.org/presentationml/2006/main" saveSubsetFonts="1">
+<p:presentation xmlns:a="http://schemas.openxmlformats.org/drawingml/2006/main" xmlns:r="http://schemas.openxmlformats.org/officeDocument/2006/relationships" xmlns:p="http://schemas.openxmlformats.org/presentationml/2006/main">
   <p:sldMasterIdLst>
-    <p:sldMasterId id="2147483776" r:id="rId1"/>
+    <p:sldMasterId id="2147483648" r:id="rId1"/>
   </p:sldMasterIdLst>
   <p:notesMasterIdLst>
     <p:notesMasterId r:id="rId15"/>
@@ -25,7 +25,7 @@
     <p:sldId id="319" r:id="rId13"/>
     <p:sldId id="316" r:id="rId14"/>
   </p:sldIdLst>
-  <p:sldSz cx="9144000" cy="6858000" type="screen4x3"/>
+  <p:sldSz cx="9144000" cy="5143500" type="screen16x9"/>
   <p:notesSz cx="6858000" cy="9144000"/>
   <p:defaultTextStyle>
     <a:defPPr>
@@ -42,8 +42,8 @@
         <a:solidFill>
           <a:schemeClr val="tx1"/>
         </a:solidFill>
-        <a:latin typeface="Verdana" pitchFamily="34" charset="0"/>
-        <a:ea typeface="宋体" charset="-122"/>
+        <a:latin typeface="Verdana" panose="020B0604030504040204" pitchFamily="34" charset="0"/>
+        <a:ea typeface="宋体" panose="02010600030101010101" pitchFamily="2" charset="-122"/>
         <a:cs typeface="+mn-cs"/>
       </a:defRPr>
     </a:lvl1pPr>
@@ -58,8 +58,8 @@
         <a:solidFill>
           <a:schemeClr val="tx1"/>
         </a:solidFill>
-        <a:latin typeface="Verdana" pitchFamily="34" charset="0"/>
-        <a:ea typeface="宋体" charset="-122"/>
+        <a:latin typeface="Verdana" panose="020B0604030504040204" pitchFamily="34" charset="0"/>
+        <a:ea typeface="宋体" panose="02010600030101010101" pitchFamily="2" charset="-122"/>
         <a:cs typeface="+mn-cs"/>
       </a:defRPr>
     </a:lvl2pPr>
@@ -74,8 +74,8 @@
         <a:solidFill>
           <a:schemeClr val="tx1"/>
         </a:solidFill>
-        <a:latin typeface="Verdana" pitchFamily="34" charset="0"/>
-        <a:ea typeface="宋体" charset="-122"/>
+        <a:latin typeface="Verdana" panose="020B0604030504040204" pitchFamily="34" charset="0"/>
+        <a:ea typeface="宋体" panose="02010600030101010101" pitchFamily="2" charset="-122"/>
         <a:cs typeface="+mn-cs"/>
       </a:defRPr>
     </a:lvl3pPr>
@@ -90,8 +90,8 @@
         <a:solidFill>
           <a:schemeClr val="tx1"/>
         </a:solidFill>
-        <a:latin typeface="Verdana" pitchFamily="34" charset="0"/>
-        <a:ea typeface="宋体" charset="-122"/>
+        <a:latin typeface="Verdana" panose="020B0604030504040204" pitchFamily="34" charset="0"/>
+        <a:ea typeface="宋体" panose="02010600030101010101" pitchFamily="2" charset="-122"/>
         <a:cs typeface="+mn-cs"/>
       </a:defRPr>
     </a:lvl4pPr>
@@ -106,8 +106,8 @@
         <a:solidFill>
           <a:schemeClr val="tx1"/>
         </a:solidFill>
-        <a:latin typeface="Verdana" pitchFamily="34" charset="0"/>
-        <a:ea typeface="宋体" charset="-122"/>
+        <a:latin typeface="Verdana" panose="020B0604030504040204" pitchFamily="34" charset="0"/>
+        <a:ea typeface="宋体" panose="02010600030101010101" pitchFamily="2" charset="-122"/>
         <a:cs typeface="+mn-cs"/>
       </a:defRPr>
     </a:lvl5pPr>
@@ -116,8 +116,8 @@
         <a:solidFill>
           <a:schemeClr val="tx1"/>
         </a:solidFill>
-        <a:latin typeface="Verdana" pitchFamily="34" charset="0"/>
-        <a:ea typeface="宋体" charset="-122"/>
+        <a:latin typeface="Verdana" panose="020B0604030504040204" pitchFamily="34" charset="0"/>
+        <a:ea typeface="宋体" panose="02010600030101010101" pitchFamily="2" charset="-122"/>
         <a:cs typeface="+mn-cs"/>
       </a:defRPr>
     </a:lvl6pPr>
@@ -126,8 +126,8 @@
         <a:solidFill>
           <a:schemeClr val="tx1"/>
         </a:solidFill>
-        <a:latin typeface="Verdana" pitchFamily="34" charset="0"/>
-        <a:ea typeface="宋体" charset="-122"/>
+        <a:latin typeface="Verdana" panose="020B0604030504040204" pitchFamily="34" charset="0"/>
+        <a:ea typeface="宋体" panose="02010600030101010101" pitchFamily="2" charset="-122"/>
         <a:cs typeface="+mn-cs"/>
       </a:defRPr>
     </a:lvl7pPr>
@@ -136,8 +136,8 @@
         <a:solidFill>
           <a:schemeClr val="tx1"/>
         </a:solidFill>
-        <a:latin typeface="Verdana" pitchFamily="34" charset="0"/>
-        <a:ea typeface="宋体" charset="-122"/>
+        <a:latin typeface="Verdana" panose="020B0604030504040204" pitchFamily="34" charset="0"/>
+        <a:ea typeface="宋体" panose="02010600030101010101" pitchFamily="2" charset="-122"/>
         <a:cs typeface="+mn-cs"/>
       </a:defRPr>
     </a:lvl8pPr>
@@ -146,8 +146,8 @@
         <a:solidFill>
           <a:schemeClr val="tx1"/>
         </a:solidFill>
-        <a:latin typeface="Verdana" pitchFamily="34" charset="0"/>
-        <a:ea typeface="宋体" charset="-122"/>
+        <a:latin typeface="Verdana" panose="020B0604030504040204" pitchFamily="34" charset="0"/>
+        <a:ea typeface="宋体" panose="02010600030101010101" pitchFamily="2" charset="-122"/>
         <a:cs typeface="+mn-cs"/>
       </a:defRPr>
     </a:lvl9pPr>
@@ -202,22 +202,16 @@
           <a:ln w="9525">
             <a:noFill/>
             <a:miter lim="800000"/>
-            <a:headEnd/>
-            <a:tailEnd/>
           </a:ln>
           <a:effectLst/>
         </p:spPr>
         <p:txBody>
-          <a:bodyPr vert="horz" wrap="square" lIns="91440" tIns="45720" rIns="91440" bIns="45720" numCol="1" anchor="t" anchorCtr="0" compatLnSpc="1">
-            <a:prstTxWarp prst="textNoShape">
-              <a:avLst/>
-            </a:prstTxWarp>
-          </a:bodyPr>
+          <a:bodyPr vert="horz" wrap="square" lIns="91440" tIns="45720" rIns="91440" bIns="45720" numCol="1" anchor="t" anchorCtr="0" compatLnSpc="1"/>
           <a:lstStyle>
             <a:lvl1pPr>
               <a:defRPr sz="1200">
-                <a:latin typeface="Arial" charset="0"/>
-                <a:ea typeface="宋体" pitchFamily="2" charset="-122"/>
+                <a:latin typeface="Arial" panose="020B0604020202020204" pitchFamily="34" charset="0"/>
+                <a:ea typeface="宋体" panose="02010600030101010101" pitchFamily="2" charset="-122"/>
               </a:defRPr>
             </a:lvl1pPr>
           </a:lstStyle>
@@ -251,22 +245,16 @@
           <a:ln w="9525">
             <a:noFill/>
             <a:miter lim="800000"/>
-            <a:headEnd/>
-            <a:tailEnd/>
           </a:ln>
           <a:effectLst/>
         </p:spPr>
         <p:txBody>
-          <a:bodyPr vert="horz" wrap="square" lIns="91440" tIns="45720" rIns="91440" bIns="45720" numCol="1" anchor="t" anchorCtr="0" compatLnSpc="1">
-            <a:prstTxWarp prst="textNoShape">
-              <a:avLst/>
-            </a:prstTxWarp>
-          </a:bodyPr>
+          <a:bodyPr vert="horz" wrap="square" lIns="91440" tIns="45720" rIns="91440" bIns="45720" numCol="1" anchor="t" anchorCtr="0" compatLnSpc="1"/>
           <a:lstStyle>
             <a:lvl1pPr algn="r">
               <a:defRPr sz="1200">
-                <a:latin typeface="Arial" charset="0"/>
-                <a:ea typeface="宋体" pitchFamily="2" charset="-122"/>
+                <a:latin typeface="Arial" panose="020B0604020202020204" pitchFamily="34" charset="0"/>
+                <a:ea typeface="宋体" panose="02010600030101010101" pitchFamily="2" charset="-122"/>
               </a:defRPr>
             </a:lvl1pPr>
           </a:lstStyle>
@@ -300,22 +288,16 @@
           <a:ln w="9525">
             <a:noFill/>
             <a:miter lim="800000"/>
-            <a:headEnd/>
-            <a:tailEnd/>
           </a:ln>
           <a:effectLst/>
         </p:spPr>
         <p:txBody>
-          <a:bodyPr vert="horz" wrap="square" lIns="91440" tIns="45720" rIns="91440" bIns="45720" numCol="1" anchor="b" anchorCtr="0" compatLnSpc="1">
-            <a:prstTxWarp prst="textNoShape">
-              <a:avLst/>
-            </a:prstTxWarp>
-          </a:bodyPr>
+          <a:bodyPr vert="horz" wrap="square" lIns="91440" tIns="45720" rIns="91440" bIns="45720" numCol="1" anchor="b" anchorCtr="0" compatLnSpc="1"/>
           <a:lstStyle>
             <a:lvl1pPr>
               <a:defRPr sz="1200">
-                <a:latin typeface="Arial" charset="0"/>
-                <a:ea typeface="宋体" pitchFamily="2" charset="-122"/>
+                <a:latin typeface="Arial" panose="020B0604020202020204" pitchFamily="34" charset="0"/>
+                <a:ea typeface="宋体" panose="02010600030101010101" pitchFamily="2" charset="-122"/>
               </a:defRPr>
             </a:lvl1pPr>
           </a:lstStyle>
@@ -349,22 +331,16 @@
           <a:ln w="9525">
             <a:noFill/>
             <a:miter lim="800000"/>
-            <a:headEnd/>
-            <a:tailEnd/>
           </a:ln>
           <a:effectLst/>
         </p:spPr>
         <p:txBody>
-          <a:bodyPr vert="horz" wrap="square" lIns="91440" tIns="45720" rIns="91440" bIns="45720" numCol="1" anchor="b" anchorCtr="0" compatLnSpc="1">
-            <a:prstTxWarp prst="textNoShape">
-              <a:avLst/>
-            </a:prstTxWarp>
-          </a:bodyPr>
+          <a:bodyPr vert="horz" wrap="square" lIns="91440" tIns="45720" rIns="91440" bIns="45720" numCol="1" anchor="b" anchorCtr="0" compatLnSpc="1"/>
           <a:lstStyle>
             <a:lvl1pPr algn="r">
               <a:defRPr sz="1200">
-                <a:latin typeface="Arial" charset="0"/>
-                <a:ea typeface="宋体" pitchFamily="2" charset="-122"/>
+                <a:latin typeface="Arial" panose="020B0604020202020204" pitchFamily="34" charset="0"/>
+                <a:ea typeface="宋体" panose="02010600030101010101" pitchFamily="2" charset="-122"/>
               </a:defRPr>
             </a:lvl1pPr>
           </a:lstStyle>
@@ -374,9 +350,6 @@
             </a:pPr>
             <a:fld id="{7BE119F4-F7CC-4430-A1DB-88C455E8BC26}" type="slidenum">
               <a:rPr lang="en-US" altLang="zh-CN"/>
-              <a:pPr>
-                <a:defRPr/>
-              </a:pPr>
               <a:t>‹#›</a:t>
             </a:fld>
             <a:endParaRPr lang="en-US" altLang="zh-CN"/>
@@ -386,7 +359,7 @@
     </p:spTree>
     <p:extLst>
       <p:ext uri="{BB962C8B-B14F-4D97-AF65-F5344CB8AC3E}">
-        <p14:creationId xmlns:p14="http://schemas.microsoft.com/office/powerpoint/2010/main" val="276209965"/>
+        <p14:creationId xmlns:p14="http://schemas.microsoft.com/office/powerpoint/2010/main" val="3629104781"/>
       </p:ext>
     </p:extLst>
   </p:cSld>
@@ -441,22 +414,16 @@
           <a:ln w="9525">
             <a:noFill/>
             <a:miter lim="800000"/>
-            <a:headEnd/>
-            <a:tailEnd/>
           </a:ln>
           <a:effectLst/>
         </p:spPr>
         <p:txBody>
-          <a:bodyPr vert="horz" wrap="square" lIns="91440" tIns="45720" rIns="91440" bIns="45720" numCol="1" anchor="t" anchorCtr="0" compatLnSpc="1">
-            <a:prstTxWarp prst="textNoShape">
-              <a:avLst/>
-            </a:prstTxWarp>
-          </a:bodyPr>
+          <a:bodyPr vert="horz" wrap="square" lIns="91440" tIns="45720" rIns="91440" bIns="45720" numCol="1" anchor="t" anchorCtr="0" compatLnSpc="1"/>
           <a:lstStyle>
             <a:lvl1pPr>
               <a:defRPr sz="1200">
-                <a:latin typeface="Arial" charset="0"/>
-                <a:ea typeface="宋体" pitchFamily="2" charset="-122"/>
+                <a:latin typeface="Arial" panose="020B0604020202020204" pitchFamily="34" charset="0"/>
+                <a:ea typeface="宋体" panose="02010600030101010101" pitchFamily="2" charset="-122"/>
               </a:defRPr>
             </a:lvl1pPr>
           </a:lstStyle>
@@ -490,22 +457,16 @@
           <a:ln w="9525">
             <a:noFill/>
             <a:miter lim="800000"/>
-            <a:headEnd/>
-            <a:tailEnd/>
           </a:ln>
           <a:effectLst/>
         </p:spPr>
         <p:txBody>
-          <a:bodyPr vert="horz" wrap="square" lIns="91440" tIns="45720" rIns="91440" bIns="45720" numCol="1" anchor="t" anchorCtr="0" compatLnSpc="1">
-            <a:prstTxWarp prst="textNoShape">
-              <a:avLst/>
-            </a:prstTxWarp>
-          </a:bodyPr>
+          <a:bodyPr vert="horz" wrap="square" lIns="91440" tIns="45720" rIns="91440" bIns="45720" numCol="1" anchor="t" anchorCtr="0" compatLnSpc="1"/>
           <a:lstStyle>
             <a:lvl1pPr algn="r">
               <a:defRPr sz="1200">
-                <a:latin typeface="Arial" charset="0"/>
-                <a:ea typeface="宋体" pitchFamily="2" charset="-122"/>
+                <a:latin typeface="Arial" panose="020B0604020202020204" pitchFamily="34" charset="0"/>
+                <a:ea typeface="宋体" panose="02010600030101010101" pitchFamily="2" charset="-122"/>
               </a:defRPr>
             </a:lvl1pPr>
           </a:lstStyle>
@@ -529,8 +490,8 @@
         </p:nvSpPr>
         <p:spPr bwMode="auto">
           <a:xfrm>
-            <a:off x="1143000" y="685800"/>
-            <a:ext cx="4572000" cy="3429000"/>
+            <a:off x="381533" y="685800"/>
+            <a:ext cx="6094934" cy="3429000"/>
           </a:xfrm>
           <a:prstGeom prst="rect">
             <a:avLst/>
@@ -541,8 +502,6 @@
               <a:srgbClr val="000000"/>
             </a:solidFill>
             <a:miter lim="800000"/>
-            <a:headEnd/>
-            <a:tailEnd/>
           </a:ln>
           <a:extLst>
             <a:ext uri="{909E8E84-426E-40DD-AFC4-6F175D3DCCD1}">
@@ -577,17 +536,11 @@
           <a:ln w="9525">
             <a:noFill/>
             <a:miter lim="800000"/>
-            <a:headEnd/>
-            <a:tailEnd/>
           </a:ln>
           <a:effectLst/>
         </p:spPr>
         <p:txBody>
-          <a:bodyPr vert="horz" wrap="square" lIns="91440" tIns="45720" rIns="91440" bIns="45720" numCol="1" anchor="t" anchorCtr="0" compatLnSpc="1">
-            <a:prstTxWarp prst="textNoShape">
-              <a:avLst/>
-            </a:prstTxWarp>
-          </a:bodyPr>
+          <a:bodyPr vert="horz" wrap="square" lIns="91440" tIns="45720" rIns="91440" bIns="45720" numCol="1" anchor="t" anchorCtr="0" compatLnSpc="1"/>
           <a:lstStyle/>
           <a:p>
             <a:pPr lvl="0"/>
@@ -648,22 +601,16 @@
           <a:ln w="9525">
             <a:noFill/>
             <a:miter lim="800000"/>
-            <a:headEnd/>
-            <a:tailEnd/>
           </a:ln>
           <a:effectLst/>
         </p:spPr>
         <p:txBody>
-          <a:bodyPr vert="horz" wrap="square" lIns="91440" tIns="45720" rIns="91440" bIns="45720" numCol="1" anchor="b" anchorCtr="0" compatLnSpc="1">
-            <a:prstTxWarp prst="textNoShape">
-              <a:avLst/>
-            </a:prstTxWarp>
-          </a:bodyPr>
+          <a:bodyPr vert="horz" wrap="square" lIns="91440" tIns="45720" rIns="91440" bIns="45720" numCol="1" anchor="b" anchorCtr="0" compatLnSpc="1"/>
           <a:lstStyle>
             <a:lvl1pPr>
               <a:defRPr sz="1200">
-                <a:latin typeface="Arial" charset="0"/>
-                <a:ea typeface="宋体" pitchFamily="2" charset="-122"/>
+                <a:latin typeface="Arial" panose="020B0604020202020204" pitchFamily="34" charset="0"/>
+                <a:ea typeface="宋体" panose="02010600030101010101" pitchFamily="2" charset="-122"/>
               </a:defRPr>
             </a:lvl1pPr>
           </a:lstStyle>
@@ -697,22 +644,16 @@
           <a:ln w="9525">
             <a:noFill/>
             <a:miter lim="800000"/>
-            <a:headEnd/>
-            <a:tailEnd/>
           </a:ln>
           <a:effectLst/>
         </p:spPr>
         <p:txBody>
-          <a:bodyPr vert="horz" wrap="square" lIns="91440" tIns="45720" rIns="91440" bIns="45720" numCol="1" anchor="b" anchorCtr="0" compatLnSpc="1">
-            <a:prstTxWarp prst="textNoShape">
-              <a:avLst/>
-            </a:prstTxWarp>
-          </a:bodyPr>
+          <a:bodyPr vert="horz" wrap="square" lIns="91440" tIns="45720" rIns="91440" bIns="45720" numCol="1" anchor="b" anchorCtr="0" compatLnSpc="1"/>
           <a:lstStyle>
             <a:lvl1pPr algn="r">
               <a:defRPr sz="1200">
-                <a:latin typeface="Arial" charset="0"/>
-                <a:ea typeface="宋体" pitchFamily="2" charset="-122"/>
+                <a:latin typeface="Arial" panose="020B0604020202020204" pitchFamily="34" charset="0"/>
+                <a:ea typeface="宋体" panose="02010600030101010101" pitchFamily="2" charset="-122"/>
               </a:defRPr>
             </a:lvl1pPr>
           </a:lstStyle>
@@ -722,9 +663,6 @@
             </a:pPr>
             <a:fld id="{06DBFBB8-2C88-4EF5-ACA0-AB33D3C579D0}" type="slidenum">
               <a:rPr lang="en-US" altLang="zh-CN"/>
-              <a:pPr>
-                <a:defRPr/>
-              </a:pPr>
               <a:t>‹#›</a:t>
             </a:fld>
             <a:endParaRPr lang="en-US" altLang="zh-CN"/>
@@ -734,7 +672,7 @@
     </p:spTree>
     <p:extLst>
       <p:ext uri="{BB962C8B-B14F-4D97-AF65-F5344CB8AC3E}">
-        <p14:creationId xmlns:p14="http://schemas.microsoft.com/office/powerpoint/2010/main" val="2953713297"/>
+        <p14:creationId xmlns:p14="http://schemas.microsoft.com/office/powerpoint/2010/main" val="69570497"/>
       </p:ext>
     </p:extLst>
   </p:cSld>
@@ -751,8 +689,8 @@
         <a:solidFill>
           <a:schemeClr val="tx1"/>
         </a:solidFill>
-        <a:latin typeface="Arial" charset="0"/>
-        <a:ea typeface="宋体" pitchFamily="2" charset="-122"/>
+        <a:latin typeface="Arial" panose="020B0604020202020204" pitchFamily="34" charset="0"/>
+        <a:ea typeface="宋体" panose="02010600030101010101" pitchFamily="2" charset="-122"/>
         <a:cs typeface="+mn-cs"/>
       </a:defRPr>
     </a:lvl1pPr>
@@ -767,8 +705,8 @@
         <a:solidFill>
           <a:schemeClr val="tx1"/>
         </a:solidFill>
-        <a:latin typeface="Arial" charset="0"/>
-        <a:ea typeface="宋体" pitchFamily="2" charset="-122"/>
+        <a:latin typeface="Arial" panose="020B0604020202020204" pitchFamily="34" charset="0"/>
+        <a:ea typeface="宋体" panose="02010600030101010101" pitchFamily="2" charset="-122"/>
         <a:cs typeface="+mn-cs"/>
       </a:defRPr>
     </a:lvl2pPr>
@@ -783,8 +721,8 @@
         <a:solidFill>
           <a:schemeClr val="tx1"/>
         </a:solidFill>
-        <a:latin typeface="Arial" charset="0"/>
-        <a:ea typeface="宋体" pitchFamily="2" charset="-122"/>
+        <a:latin typeface="Arial" panose="020B0604020202020204" pitchFamily="34" charset="0"/>
+        <a:ea typeface="宋体" panose="02010600030101010101" pitchFamily="2" charset="-122"/>
         <a:cs typeface="+mn-cs"/>
       </a:defRPr>
     </a:lvl3pPr>
@@ -799,8 +737,8 @@
         <a:solidFill>
           <a:schemeClr val="tx1"/>
         </a:solidFill>
-        <a:latin typeface="Arial" charset="0"/>
-        <a:ea typeface="宋体" pitchFamily="2" charset="-122"/>
+        <a:latin typeface="Arial" panose="020B0604020202020204" pitchFamily="34" charset="0"/>
+        <a:ea typeface="宋体" panose="02010600030101010101" pitchFamily="2" charset="-122"/>
         <a:cs typeface="+mn-cs"/>
       </a:defRPr>
     </a:lvl4pPr>
@@ -815,8 +753,8 @@
         <a:solidFill>
           <a:schemeClr val="tx1"/>
         </a:solidFill>
-        <a:latin typeface="Arial" charset="0"/>
-        <a:ea typeface="宋体" pitchFamily="2" charset="-122"/>
+        <a:latin typeface="Arial" panose="020B0604020202020204" pitchFamily="34" charset="0"/>
+        <a:ea typeface="宋体" panose="02010600030101010101" pitchFamily="2" charset="-122"/>
         <a:cs typeface="+mn-cs"/>
       </a:defRPr>
     </a:lvl5pPr>
@@ -864,6 +802,242 @@
 </p:notesMaster>
 </file>
 
+<file path=ppt/notesSlides/notesSlide1.xml><?xml version="1.0" encoding="utf-8"?>
+<p:notes xmlns:a="http://schemas.openxmlformats.org/drawingml/2006/main" xmlns:r="http://schemas.openxmlformats.org/officeDocument/2006/relationships" xmlns:p="http://schemas.openxmlformats.org/presentationml/2006/main">
+  <p:cSld>
+    <p:spTree>
+      <p:nvGrpSpPr>
+        <p:cNvPr id="1" name=""/>
+        <p:cNvGrpSpPr/>
+        <p:nvPr/>
+      </p:nvGrpSpPr>
+      <p:grpSpPr>
+        <a:xfrm>
+          <a:off x="0" y="0"/>
+          <a:ext cx="0" cy="0"/>
+          <a:chOff x="0" y="0"/>
+          <a:chExt cx="0" cy="0"/>
+        </a:xfrm>
+      </p:grpSpPr>
+      <p:sp>
+        <p:nvSpPr>
+          <p:cNvPr id="2" name="幻灯片图像占位符 1"/>
+          <p:cNvSpPr>
+            <a:spLocks noGrp="1" noRot="1" noChangeAspect="1"/>
+          </p:cNvSpPr>
+          <p:nvPr>
+            <p:ph type="sldImg" idx="2"/>
+          </p:nvPr>
+        </p:nvSpPr>
+        <p:spPr/>
+      </p:sp>
+      <p:sp>
+        <p:nvSpPr>
+          <p:cNvPr id="3" name="文本占位符 2"/>
+          <p:cNvSpPr>
+            <a:spLocks noGrp="1"/>
+          </p:cNvSpPr>
+          <p:nvPr>
+            <p:ph type="body" idx="3"/>
+          </p:nvPr>
+        </p:nvSpPr>
+        <p:spPr/>
+        <p:txBody>
+          <a:bodyPr/>
+          <a:lstStyle/>
+          <a:p>
+            <a:r>
+              <a:rPr lang="zh-CN" altLang="en-US"/>
+              <a:t>从这一页往后的几页，讲软件测试的发展历程及现状，都是和书上对应着的。</a:t>
+            </a:r>
+          </a:p>
+        </p:txBody>
+      </p:sp>
+    </p:spTree>
+  </p:cSld>
+  <p:clrMapOvr>
+    <a:masterClrMapping/>
+  </p:clrMapOvr>
+</p:notes>
+</file>
+
+<file path=ppt/notesSlides/notesSlide2.xml><?xml version="1.0" encoding="utf-8"?>
+<p:notes xmlns:a="http://schemas.openxmlformats.org/drawingml/2006/main" xmlns:r="http://schemas.openxmlformats.org/officeDocument/2006/relationships" xmlns:p="http://schemas.openxmlformats.org/presentationml/2006/main">
+  <p:cSld>
+    <p:spTree>
+      <p:nvGrpSpPr>
+        <p:cNvPr id="1" name=""/>
+        <p:cNvGrpSpPr/>
+        <p:nvPr/>
+      </p:nvGrpSpPr>
+      <p:grpSpPr>
+        <a:xfrm>
+          <a:off x="0" y="0"/>
+          <a:ext cx="0" cy="0"/>
+          <a:chOff x="0" y="0"/>
+          <a:chExt cx="0" cy="0"/>
+        </a:xfrm>
+      </p:grpSpPr>
+      <p:sp>
+        <p:nvSpPr>
+          <p:cNvPr id="2" name="幻灯片图像占位符 1"/>
+          <p:cNvSpPr>
+            <a:spLocks noGrp="1" noRot="1" noChangeAspect="1"/>
+          </p:cNvSpPr>
+          <p:nvPr>
+            <p:ph type="sldImg" idx="2"/>
+          </p:nvPr>
+        </p:nvSpPr>
+        <p:spPr/>
+      </p:sp>
+      <p:sp>
+        <p:nvSpPr>
+          <p:cNvPr id="3" name="文本占位符 2"/>
+          <p:cNvSpPr>
+            <a:spLocks noGrp="1"/>
+          </p:cNvSpPr>
+          <p:nvPr>
+            <p:ph type="body" idx="3"/>
+          </p:nvPr>
+        </p:nvSpPr>
+        <p:spPr/>
+        <p:txBody>
+          <a:bodyPr/>
+          <a:lstStyle/>
+          <a:p>
+            <a:r>
+              <a:rPr lang="zh-CN" altLang="en-US"/>
+              <a:t>这里的研究热点书上也有</a:t>
+            </a:r>
+          </a:p>
+        </p:txBody>
+      </p:sp>
+    </p:spTree>
+  </p:cSld>
+  <p:clrMapOvr>
+    <a:masterClrMapping/>
+  </p:clrMapOvr>
+</p:notes>
+</file>
+
+<file path=ppt/notesSlides/notesSlide3.xml><?xml version="1.0" encoding="utf-8"?>
+<p:notes xmlns:a="http://schemas.openxmlformats.org/drawingml/2006/main" xmlns:r="http://schemas.openxmlformats.org/officeDocument/2006/relationships" xmlns:p="http://schemas.openxmlformats.org/presentationml/2006/main">
+  <p:cSld>
+    <p:spTree>
+      <p:nvGrpSpPr>
+        <p:cNvPr id="1" name=""/>
+        <p:cNvGrpSpPr/>
+        <p:nvPr/>
+      </p:nvGrpSpPr>
+      <p:grpSpPr>
+        <a:xfrm>
+          <a:off x="0" y="0"/>
+          <a:ext cx="0" cy="0"/>
+          <a:chOff x="0" y="0"/>
+          <a:chExt cx="0" cy="0"/>
+        </a:xfrm>
+      </p:grpSpPr>
+      <p:sp>
+        <p:nvSpPr>
+          <p:cNvPr id="2" name="幻灯片图像占位符 1"/>
+          <p:cNvSpPr>
+            <a:spLocks noGrp="1" noRot="1" noChangeAspect="1"/>
+          </p:cNvSpPr>
+          <p:nvPr>
+            <p:ph type="sldImg" idx="2"/>
+          </p:nvPr>
+        </p:nvSpPr>
+        <p:spPr/>
+      </p:sp>
+      <p:sp>
+        <p:nvSpPr>
+          <p:cNvPr id="3" name="文本占位符 2"/>
+          <p:cNvSpPr>
+            <a:spLocks noGrp="1"/>
+          </p:cNvSpPr>
+          <p:nvPr>
+            <p:ph type="body" idx="3"/>
+          </p:nvPr>
+        </p:nvSpPr>
+        <p:spPr/>
+        <p:txBody>
+          <a:bodyPr/>
+          <a:lstStyle/>
+          <a:p>
+            <a:r>
+              <a:rPr lang="zh-CN" altLang="en-US"/>
+              <a:t>这里应该可以打开一个网页，招聘网站让大家看看。并且对照书上也是有的。</a:t>
+            </a:r>
+          </a:p>
+        </p:txBody>
+      </p:sp>
+    </p:spTree>
+  </p:cSld>
+  <p:clrMapOvr>
+    <a:masterClrMapping/>
+  </p:clrMapOvr>
+</p:notes>
+</file>
+
+<file path=ppt/notesSlides/notesSlide4.xml><?xml version="1.0" encoding="utf-8"?>
+<p:notes xmlns:a="http://schemas.openxmlformats.org/drawingml/2006/main" xmlns:r="http://schemas.openxmlformats.org/officeDocument/2006/relationships" xmlns:p="http://schemas.openxmlformats.org/presentationml/2006/main">
+  <p:cSld>
+    <p:spTree>
+      <p:nvGrpSpPr>
+        <p:cNvPr id="1" name=""/>
+        <p:cNvGrpSpPr/>
+        <p:nvPr/>
+      </p:nvGrpSpPr>
+      <p:grpSpPr>
+        <a:xfrm>
+          <a:off x="0" y="0"/>
+          <a:ext cx="0" cy="0"/>
+          <a:chOff x="0" y="0"/>
+          <a:chExt cx="0" cy="0"/>
+        </a:xfrm>
+      </p:grpSpPr>
+      <p:sp>
+        <p:nvSpPr>
+          <p:cNvPr id="2" name="幻灯片图像占位符 1"/>
+          <p:cNvSpPr>
+            <a:spLocks noGrp="1" noRot="1" noChangeAspect="1"/>
+          </p:cNvSpPr>
+          <p:nvPr>
+            <p:ph type="sldImg" idx="2"/>
+          </p:nvPr>
+        </p:nvSpPr>
+        <p:spPr/>
+      </p:sp>
+      <p:sp>
+        <p:nvSpPr>
+          <p:cNvPr id="3" name="文本占位符 2"/>
+          <p:cNvSpPr>
+            <a:spLocks noGrp="1"/>
+          </p:cNvSpPr>
+          <p:nvPr>
+            <p:ph type="body" idx="3"/>
+          </p:nvPr>
+        </p:nvSpPr>
+        <p:spPr/>
+        <p:txBody>
+          <a:bodyPr/>
+          <a:lstStyle/>
+          <a:p>
+            <a:r>
+              <a:rPr lang="zh-CN" altLang="en-US"/>
+              <a:t>后面这两页可以从书上调查现状的表中分析出来，这里讲的时候可以结合课本。</a:t>
+            </a:r>
+          </a:p>
+        </p:txBody>
+      </p:sp>
+    </p:spTree>
+  </p:cSld>
+  <p:clrMapOvr>
+    <a:masterClrMapping/>
+  </p:clrMapOvr>
+</p:notes>
+</file>
+
 <file path=ppt/slideLayouts/slideLayout1.xml><?xml version="1.0" encoding="utf-8"?>
 <p:sldLayout xmlns:a="http://schemas.openxmlformats.org/drawingml/2006/main" xmlns:r="http://schemas.openxmlformats.org/officeDocument/2006/relationships" xmlns:p="http://schemas.openxmlformats.org/presentationml/2006/main" showMasterSp="0" type="title" preserve="1">
   <p:cSld name="标题幻灯片">
@@ -891,8 +1065,8 @@
         </p:nvSpPr>
         <p:spPr bwMode="auto">
           <a:xfrm>
-            <a:off x="685800" y="2132856"/>
-            <a:ext cx="7772400" cy="109538"/>
+            <a:off x="685800" y="2676525"/>
+            <a:ext cx="7772400" cy="202565"/>
           </a:xfrm>
           <a:custGeom>
             <a:avLst/>
@@ -975,96 +1149,30 @@
               <a:schemeClr val="accent2"/>
             </a:solidFill>
             <a:round/>
-            <a:headEnd/>
-            <a:tailEnd/>
           </a:ln>
         </p:spPr>
         <p:txBody>
           <a:bodyPr/>
           <a:lstStyle/>
           <a:p>
-            <a:endParaRPr lang="zh-CN" altLang="en-US"/>
-          </a:p>
-        </p:txBody>
-      </p:sp>
-      <p:sp>
-        <p:nvSpPr>
-          <p:cNvPr id="184322" name="Rectangle 2"/>
+            <a:endParaRPr lang="zh-CN" altLang="en-US" sz="100"/>
+          </a:p>
+        </p:txBody>
+      </p:sp>
+      <p:sp>
+        <p:nvSpPr>
+          <p:cNvPr id="5" name="Rectangle 4"/>
           <p:cNvSpPr>
             <a:spLocks noGrp="1" noChangeArrowheads="1"/>
           </p:cNvSpPr>
           <p:nvPr>
-            <p:ph type="ctrTitle"/>
+            <p:ph type="dt" sz="half" idx="10"/>
           </p:nvPr>
         </p:nvSpPr>
         <p:spPr>
           <a:xfrm>
-            <a:off x="709735" y="761256"/>
-            <a:ext cx="7772400" cy="1371600"/>
-          </a:xfrm>
-        </p:spPr>
-        <p:txBody>
-          <a:bodyPr/>
-          <a:lstStyle>
-            <a:lvl1pPr>
-              <a:defRPr sz="4000"/>
-            </a:lvl1pPr>
-          </a:lstStyle>
-          <a:p>
-            <a:r>
-              <a:rPr lang="zh-CN" altLang="en-US"/>
-              <a:t>单击此处编辑母版标题样式</a:t>
-            </a:r>
-          </a:p>
-        </p:txBody>
-      </p:sp>
-      <p:sp>
-        <p:nvSpPr>
-          <p:cNvPr id="184323" name="Rectangle 3"/>
-          <p:cNvSpPr>
-            <a:spLocks noGrp="1" noChangeArrowheads="1"/>
-          </p:cNvSpPr>
-          <p:nvPr>
-            <p:ph type="subTitle" idx="1"/>
-          </p:nvPr>
-        </p:nvSpPr>
-        <p:spPr>
-          <a:xfrm>
-            <a:off x="1447800" y="3429000"/>
-            <a:ext cx="7010400" cy="1600200"/>
-          </a:xfrm>
-        </p:spPr>
-        <p:txBody>
-          <a:bodyPr/>
-          <a:lstStyle>
-            <a:lvl1pPr marL="0" indent="0">
-              <a:buFont typeface="Wingdings" pitchFamily="2" charset="2"/>
-              <a:buNone/>
-              <a:defRPr sz="2800"/>
-            </a:lvl1pPr>
-          </a:lstStyle>
-          <a:p>
-            <a:r>
-              <a:rPr lang="zh-CN" altLang="en-US"/>
-              <a:t>单击此处编辑母版副标题样式</a:t>
-            </a:r>
-          </a:p>
-        </p:txBody>
-      </p:sp>
-      <p:sp>
-        <p:nvSpPr>
-          <p:cNvPr id="5" name="Rectangle 4"/>
-          <p:cNvSpPr>
-            <a:spLocks noGrp="1" noChangeArrowheads="1"/>
-          </p:cNvSpPr>
-          <p:nvPr>
-            <p:ph type="dt" sz="half" idx="10"/>
-          </p:nvPr>
-        </p:nvSpPr>
-        <p:spPr>
-          <a:xfrm>
-            <a:off x="685800" y="6248400"/>
-            <a:ext cx="1905000" cy="457200"/>
+            <a:off x="685800" y="4687120"/>
+            <a:ext cx="1905000" cy="342960"/>
           </a:xfrm>
         </p:spPr>
         <p:txBody>
@@ -1094,8 +1202,8 @@
         </p:nvSpPr>
         <p:spPr>
           <a:xfrm>
-            <a:off x="3124200" y="6248400"/>
-            <a:ext cx="2895600" cy="457200"/>
+            <a:off x="3124200" y="4687120"/>
+            <a:ext cx="2895600" cy="342960"/>
           </a:xfrm>
         </p:spPr>
         <p:txBody>
@@ -1125,8 +1233,8 @@
         </p:nvSpPr>
         <p:spPr>
           <a:xfrm>
-            <a:off x="6553200" y="6248400"/>
-            <a:ext cx="1905000" cy="457200"/>
+            <a:off x="6553200" y="4687120"/>
+            <a:ext cx="1905000" cy="342960"/>
           </a:xfrm>
         </p:spPr>
         <p:txBody>
@@ -1142,9 +1250,6 @@
             </a:pPr>
             <a:fld id="{D69D5A50-F480-4E46-95E7-D0B4288BA79C}" type="slidenum">
               <a:rPr lang="en-US" altLang="zh-CN"/>
-              <a:pPr>
-                <a:defRPr/>
-              </a:pPr>
               <a:t>‹#›</a:t>
             </a:fld>
             <a:endParaRPr lang="en-US" altLang="zh-CN"/>
@@ -1152,11 +1257,6 @@
         </p:txBody>
       </p:sp>
     </p:spTree>
-    <p:extLst>
-      <p:ext uri="{BB962C8B-B14F-4D97-AF65-F5344CB8AC3E}">
-        <p14:creationId xmlns:p14="http://schemas.microsoft.com/office/powerpoint/2010/main" val="2717098660"/>
-      </p:ext>
-    </p:extLst>
   </p:cSld>
   <p:clrMapOvr>
     <a:masterClrMapping/>
@@ -1269,9 +1369,7 @@
             <p:ph type="dt" sz="half" idx="10"/>
           </p:nvPr>
         </p:nvSpPr>
-        <p:spPr>
-          <a:ln/>
-        </p:spPr>
+        <p:spPr/>
         <p:txBody>
           <a:bodyPr/>
           <a:lstStyle>
@@ -1297,9 +1395,7 @@
             <p:ph type="ftr" sz="quarter" idx="11"/>
           </p:nvPr>
         </p:nvSpPr>
-        <p:spPr>
-          <a:ln/>
-        </p:spPr>
+        <p:spPr/>
         <p:txBody>
           <a:bodyPr/>
           <a:lstStyle>
@@ -1325,9 +1421,7 @@
             <p:ph type="sldNum" sz="quarter" idx="12"/>
           </p:nvPr>
         </p:nvSpPr>
-        <p:spPr>
-          <a:ln/>
-        </p:spPr>
+        <p:spPr/>
         <p:txBody>
           <a:bodyPr/>
           <a:lstStyle>
@@ -1341,9 +1435,6 @@
             </a:pPr>
             <a:fld id="{2C1FE9ED-E41B-4993-8722-08A68182A6AF}" type="slidenum">
               <a:rPr lang="en-US" altLang="zh-CN"/>
-              <a:pPr>
-                <a:defRPr/>
-              </a:pPr>
               <a:t>‹#›</a:t>
             </a:fld>
             <a:endParaRPr lang="en-US" altLang="zh-CN"/>
@@ -1351,11 +1442,6 @@
         </p:txBody>
       </p:sp>
     </p:spTree>
-    <p:extLst>
-      <p:ext uri="{BB962C8B-B14F-4D97-AF65-F5344CB8AC3E}">
-        <p14:creationId xmlns:p14="http://schemas.microsoft.com/office/powerpoint/2010/main" val="1428435696"/>
-      </p:ext>
-    </p:extLst>
   </p:cSld>
   <p:clrMapOvr>
     <a:masterClrMapping/>
@@ -1395,8 +1481,8 @@
         </p:nvSpPr>
         <p:spPr>
           <a:xfrm>
-            <a:off x="6573838" y="304800"/>
-            <a:ext cx="2001837" cy="5715000"/>
+            <a:off x="6573838" y="228640"/>
+            <a:ext cx="2001837" cy="4287000"/>
           </a:xfrm>
         </p:spPr>
         <p:txBody>
@@ -1423,8 +1509,8 @@
         </p:nvSpPr>
         <p:spPr>
           <a:xfrm>
-            <a:off x="566738" y="304800"/>
-            <a:ext cx="5854700" cy="5715000"/>
+            <a:off x="566738" y="228640"/>
+            <a:ext cx="5854700" cy="4287000"/>
           </a:xfrm>
         </p:spPr>
         <p:txBody>
@@ -1478,9 +1564,7 @@
             <p:ph type="dt" sz="half" idx="10"/>
           </p:nvPr>
         </p:nvSpPr>
-        <p:spPr>
-          <a:ln/>
-        </p:spPr>
+        <p:spPr/>
         <p:txBody>
           <a:bodyPr/>
           <a:lstStyle>
@@ -1506,9 +1590,7 @@
             <p:ph type="ftr" sz="quarter" idx="11"/>
           </p:nvPr>
         </p:nvSpPr>
-        <p:spPr>
-          <a:ln/>
-        </p:spPr>
+        <p:spPr/>
         <p:txBody>
           <a:bodyPr/>
           <a:lstStyle>
@@ -1534,9 +1616,7 @@
             <p:ph type="sldNum" sz="quarter" idx="12"/>
           </p:nvPr>
         </p:nvSpPr>
-        <p:spPr>
-          <a:ln/>
-        </p:spPr>
+        <p:spPr/>
         <p:txBody>
           <a:bodyPr/>
           <a:lstStyle>
@@ -1550,9 +1630,6 @@
             </a:pPr>
             <a:fld id="{A00FBCB0-EB75-4744-AB94-B5CA9DF67A6E}" type="slidenum">
               <a:rPr lang="en-US" altLang="zh-CN"/>
-              <a:pPr>
-                <a:defRPr/>
-              </a:pPr>
               <a:t>‹#›</a:t>
             </a:fld>
             <a:endParaRPr lang="en-US" altLang="zh-CN"/>
@@ -1560,11 +1637,6 @@
         </p:txBody>
       </p:sp>
     </p:spTree>
-    <p:extLst>
-      <p:ext uri="{BB962C8B-B14F-4D97-AF65-F5344CB8AC3E}">
-        <p14:creationId xmlns:p14="http://schemas.microsoft.com/office/powerpoint/2010/main" val="4261817502"/>
-      </p:ext>
-    </p:extLst>
   </p:cSld>
   <p:clrMapOvr>
     <a:masterClrMapping/>
@@ -1604,8 +1676,8 @@
         </p:nvSpPr>
         <p:spPr>
           <a:xfrm>
-            <a:off x="574675" y="304800"/>
-            <a:ext cx="8001000" cy="1216025"/>
+            <a:off x="574675" y="228640"/>
+            <a:ext cx="8001000" cy="912178"/>
           </a:xfrm>
         </p:spPr>
         <p:txBody>
@@ -1632,8 +1704,8 @@
         </p:nvSpPr>
         <p:spPr>
           <a:xfrm>
-            <a:off x="566738" y="1752600"/>
-            <a:ext cx="3924300" cy="4267200"/>
+            <a:off x="566738" y="1314680"/>
+            <a:ext cx="3924300" cy="3200960"/>
           </a:xfrm>
         </p:spPr>
         <p:txBody>
@@ -1689,8 +1761,8 @@
         </p:nvSpPr>
         <p:spPr>
           <a:xfrm>
-            <a:off x="4643438" y="1752600"/>
-            <a:ext cx="3924300" cy="4267200"/>
+            <a:off x="4643438" y="1314680"/>
+            <a:ext cx="3924300" cy="3200960"/>
           </a:xfrm>
         </p:spPr>
         <p:txBody>
@@ -1744,9 +1816,7 @@
             <p:ph type="dt" sz="half" idx="10"/>
           </p:nvPr>
         </p:nvSpPr>
-        <p:spPr>
-          <a:ln/>
-        </p:spPr>
+        <p:spPr/>
         <p:txBody>
           <a:bodyPr/>
           <a:lstStyle>
@@ -1772,9 +1842,7 @@
             <p:ph type="ftr" sz="quarter" idx="11"/>
           </p:nvPr>
         </p:nvSpPr>
-        <p:spPr>
-          <a:ln/>
-        </p:spPr>
+        <p:spPr/>
         <p:txBody>
           <a:bodyPr/>
           <a:lstStyle>
@@ -1800,9 +1868,7 @@
             <p:ph type="sldNum" sz="quarter" idx="12"/>
           </p:nvPr>
         </p:nvSpPr>
-        <p:spPr>
-          <a:ln/>
-        </p:spPr>
+        <p:spPr/>
         <p:txBody>
           <a:bodyPr/>
           <a:lstStyle>
@@ -1816,9 +1882,6 @@
             </a:pPr>
             <a:fld id="{C0D9B90C-8D6C-44F7-ACFA-2BD1EE647654}" type="slidenum">
               <a:rPr lang="en-US" altLang="zh-CN"/>
-              <a:pPr>
-                <a:defRPr/>
-              </a:pPr>
               <a:t>‹#›</a:t>
             </a:fld>
             <a:endParaRPr lang="en-US" altLang="zh-CN"/>
@@ -1826,11 +1889,6 @@
         </p:txBody>
       </p:sp>
     </p:spTree>
-    <p:extLst>
-      <p:ext uri="{BB962C8B-B14F-4D97-AF65-F5344CB8AC3E}">
-        <p14:creationId xmlns:p14="http://schemas.microsoft.com/office/powerpoint/2010/main" val="3081117666"/>
-      </p:ext>
-    </p:extLst>
   </p:cSld>
   <p:clrMapOvr>
     <a:masterClrMapping/>
@@ -1943,9 +2001,7 @@
             <p:ph type="dt" sz="half" idx="10"/>
           </p:nvPr>
         </p:nvSpPr>
-        <p:spPr>
-          <a:ln/>
-        </p:spPr>
+        <p:spPr/>
         <p:txBody>
           <a:bodyPr/>
           <a:lstStyle>
@@ -1971,9 +2027,7 @@
             <p:ph type="ftr" sz="quarter" idx="11"/>
           </p:nvPr>
         </p:nvSpPr>
-        <p:spPr>
-          <a:ln/>
-        </p:spPr>
+        <p:spPr/>
         <p:txBody>
           <a:bodyPr/>
           <a:lstStyle>
@@ -1999,9 +2053,7 @@
             <p:ph type="sldNum" sz="quarter" idx="12"/>
           </p:nvPr>
         </p:nvSpPr>
-        <p:spPr>
-          <a:ln/>
-        </p:spPr>
+        <p:spPr/>
         <p:txBody>
           <a:bodyPr/>
           <a:lstStyle>
@@ -2015,9 +2067,6 @@
             </a:pPr>
             <a:fld id="{B59BECC1-663C-4EC7-820E-2D2742E2A471}" type="slidenum">
               <a:rPr lang="en-US" altLang="zh-CN"/>
-              <a:pPr>
-                <a:defRPr/>
-              </a:pPr>
               <a:t>‹#›</a:t>
             </a:fld>
             <a:endParaRPr lang="en-US" altLang="zh-CN"/>
@@ -2025,11 +2074,6 @@
         </p:txBody>
       </p:sp>
     </p:spTree>
-    <p:extLst>
-      <p:ext uri="{BB962C8B-B14F-4D97-AF65-F5344CB8AC3E}">
-        <p14:creationId xmlns:p14="http://schemas.microsoft.com/office/powerpoint/2010/main" val="3364467347"/>
-      </p:ext>
-    </p:extLst>
   </p:cSld>
   <p:clrMapOvr>
     <a:masterClrMapping/>
@@ -2069,15 +2113,15 @@
         </p:nvSpPr>
         <p:spPr>
           <a:xfrm>
-            <a:off x="722313" y="4406900"/>
-            <a:ext cx="7772400" cy="1362075"/>
+            <a:off x="722313" y="3305753"/>
+            <a:ext cx="7772400" cy="1021735"/>
           </a:xfrm>
         </p:spPr>
         <p:txBody>
           <a:bodyPr anchor="t"/>
           <a:lstStyle>
             <a:lvl1pPr algn="l">
-              <a:defRPr sz="4000" b="1" cap="all"/>
+              <a:defRPr sz="3000" b="1" cap="all"/>
             </a:lvl1pPr>
           </a:lstStyle>
           <a:p>
@@ -2101,8 +2145,8 @@
         </p:nvSpPr>
         <p:spPr>
           <a:xfrm>
-            <a:off x="722313" y="2906713"/>
-            <a:ext cx="7772400" cy="1500187"/>
+            <a:off x="722313" y="2180416"/>
+            <a:ext cx="7772400" cy="1125337"/>
           </a:xfrm>
         </p:spPr>
         <p:txBody>
@@ -2110,39 +2154,39 @@
           <a:lstStyle>
             <a:lvl1pPr marL="0" indent="0">
               <a:buNone/>
-              <a:defRPr sz="2000"/>
+              <a:defRPr sz="1500"/>
             </a:lvl1pPr>
-            <a:lvl2pPr marL="457200" indent="0">
+            <a:lvl2pPr marL="342900" indent="0">
               <a:buNone/>
-              <a:defRPr sz="1800"/>
+              <a:defRPr sz="1350"/>
             </a:lvl2pPr>
-            <a:lvl3pPr marL="914400" indent="0">
+            <a:lvl3pPr marL="685800" indent="0">
               <a:buNone/>
-              <a:defRPr sz="1600"/>
+              <a:defRPr sz="1200"/>
             </a:lvl3pPr>
-            <a:lvl4pPr marL="1371600" indent="0">
+            <a:lvl4pPr marL="1028700" indent="0">
               <a:buNone/>
-              <a:defRPr sz="1400"/>
+              <a:defRPr sz="1050"/>
             </a:lvl4pPr>
-            <a:lvl5pPr marL="1828800" indent="0">
+            <a:lvl5pPr marL="1371600" indent="0">
               <a:buNone/>
-              <a:defRPr sz="1400"/>
+              <a:defRPr sz="1050"/>
             </a:lvl5pPr>
-            <a:lvl6pPr marL="2286000" indent="0">
+            <a:lvl6pPr marL="1714500" indent="0">
               <a:buNone/>
-              <a:defRPr sz="1400"/>
+              <a:defRPr sz="1050"/>
             </a:lvl6pPr>
-            <a:lvl7pPr marL="2743200" indent="0">
+            <a:lvl7pPr marL="2058035" indent="0">
               <a:buNone/>
-              <a:defRPr sz="1400"/>
+              <a:defRPr sz="1050"/>
             </a:lvl7pPr>
-            <a:lvl8pPr marL="3200400" indent="0">
+            <a:lvl8pPr marL="2400935" indent="0">
               <a:buNone/>
-              <a:defRPr sz="1400"/>
+              <a:defRPr sz="1050"/>
             </a:lvl8pPr>
-            <a:lvl9pPr marL="3657600" indent="0">
+            <a:lvl9pPr marL="2743835" indent="0">
               <a:buNone/>
-              <a:defRPr sz="1400"/>
+              <a:defRPr sz="1050"/>
             </a:lvl9pPr>
           </a:lstStyle>
           <a:p>
@@ -2164,9 +2208,7 @@
             <p:ph type="dt" sz="half" idx="10"/>
           </p:nvPr>
         </p:nvSpPr>
-        <p:spPr>
-          <a:ln/>
-        </p:spPr>
+        <p:spPr/>
         <p:txBody>
           <a:bodyPr/>
           <a:lstStyle>
@@ -2192,9 +2234,7 @@
             <p:ph type="ftr" sz="quarter" idx="11"/>
           </p:nvPr>
         </p:nvSpPr>
-        <p:spPr>
-          <a:ln/>
-        </p:spPr>
+        <p:spPr/>
         <p:txBody>
           <a:bodyPr/>
           <a:lstStyle>
@@ -2220,9 +2260,7 @@
             <p:ph type="sldNum" sz="quarter" idx="12"/>
           </p:nvPr>
         </p:nvSpPr>
-        <p:spPr>
-          <a:ln/>
-        </p:spPr>
+        <p:spPr/>
         <p:txBody>
           <a:bodyPr/>
           <a:lstStyle>
@@ -2236,9 +2274,6 @@
             </a:pPr>
             <a:fld id="{B62FBA93-7C77-4D32-BA8C-F7EFDB1910E6}" type="slidenum">
               <a:rPr lang="en-US" altLang="zh-CN"/>
-              <a:pPr>
-                <a:defRPr/>
-              </a:pPr>
               <a:t>‹#›</a:t>
             </a:fld>
             <a:endParaRPr lang="en-US" altLang="zh-CN"/>
@@ -2246,11 +2281,6 @@
         </p:txBody>
       </p:sp>
     </p:spTree>
-    <p:extLst>
-      <p:ext uri="{BB962C8B-B14F-4D97-AF65-F5344CB8AC3E}">
-        <p14:creationId xmlns:p14="http://schemas.microsoft.com/office/powerpoint/2010/main" val="1355284535"/>
-      </p:ext>
-    </p:extLst>
   </p:cSld>
   <p:clrMapOvr>
     <a:masterClrMapping/>
@@ -2313,39 +2343,39 @@
         </p:nvSpPr>
         <p:spPr>
           <a:xfrm>
-            <a:off x="566738" y="1752600"/>
-            <a:ext cx="3924300" cy="4267200"/>
+            <a:off x="566738" y="1314680"/>
+            <a:ext cx="3924300" cy="3200960"/>
           </a:xfrm>
         </p:spPr>
         <p:txBody>
           <a:bodyPr/>
           <a:lstStyle>
             <a:lvl1pPr>
-              <a:defRPr sz="2800"/>
+              <a:defRPr sz="2100"/>
             </a:lvl1pPr>
             <a:lvl2pPr>
-              <a:defRPr sz="2400"/>
+              <a:defRPr sz="1800"/>
             </a:lvl2pPr>
             <a:lvl3pPr>
-              <a:defRPr sz="2000"/>
+              <a:defRPr sz="1500"/>
             </a:lvl3pPr>
             <a:lvl4pPr>
-              <a:defRPr sz="1800"/>
+              <a:defRPr sz="1350"/>
             </a:lvl4pPr>
             <a:lvl5pPr>
-              <a:defRPr sz="1800"/>
+              <a:defRPr sz="1350"/>
             </a:lvl5pPr>
             <a:lvl6pPr>
-              <a:defRPr sz="1800"/>
+              <a:defRPr sz="1350"/>
             </a:lvl6pPr>
             <a:lvl7pPr>
-              <a:defRPr sz="1800"/>
+              <a:defRPr sz="1350"/>
             </a:lvl7pPr>
             <a:lvl8pPr>
-              <a:defRPr sz="1800"/>
+              <a:defRPr sz="1350"/>
             </a:lvl8pPr>
             <a:lvl9pPr>
-              <a:defRPr sz="1800"/>
+              <a:defRPr sz="1350"/>
             </a:lvl9pPr>
           </a:lstStyle>
           <a:p>
@@ -2398,39 +2428,39 @@
         </p:nvSpPr>
         <p:spPr>
           <a:xfrm>
-            <a:off x="4643438" y="1752600"/>
-            <a:ext cx="3924300" cy="4267200"/>
+            <a:off x="4643438" y="1314680"/>
+            <a:ext cx="3924300" cy="3200960"/>
           </a:xfrm>
         </p:spPr>
         <p:txBody>
           <a:bodyPr/>
           <a:lstStyle>
             <a:lvl1pPr>
-              <a:defRPr sz="2800"/>
+              <a:defRPr sz="2100"/>
             </a:lvl1pPr>
             <a:lvl2pPr>
-              <a:defRPr sz="2400"/>
+              <a:defRPr sz="1800"/>
             </a:lvl2pPr>
             <a:lvl3pPr>
-              <a:defRPr sz="2000"/>
+              <a:defRPr sz="1500"/>
             </a:lvl3pPr>
             <a:lvl4pPr>
-              <a:defRPr sz="1800"/>
+              <a:defRPr sz="1350"/>
             </a:lvl4pPr>
             <a:lvl5pPr>
-              <a:defRPr sz="1800"/>
+              <a:defRPr sz="1350"/>
             </a:lvl5pPr>
             <a:lvl6pPr>
-              <a:defRPr sz="1800"/>
+              <a:defRPr sz="1350"/>
             </a:lvl6pPr>
             <a:lvl7pPr>
-              <a:defRPr sz="1800"/>
+              <a:defRPr sz="1350"/>
             </a:lvl7pPr>
             <a:lvl8pPr>
-              <a:defRPr sz="1800"/>
+              <a:defRPr sz="1350"/>
             </a:lvl8pPr>
             <a:lvl9pPr>
-              <a:defRPr sz="1800"/>
+              <a:defRPr sz="1350"/>
             </a:lvl9pPr>
           </a:lstStyle>
           <a:p>
@@ -2481,9 +2511,7 @@
             <p:ph type="dt" sz="half" idx="10"/>
           </p:nvPr>
         </p:nvSpPr>
-        <p:spPr>
-          <a:ln/>
-        </p:spPr>
+        <p:spPr/>
         <p:txBody>
           <a:bodyPr/>
           <a:lstStyle>
@@ -2509,9 +2537,7 @@
             <p:ph type="ftr" sz="quarter" idx="11"/>
           </p:nvPr>
         </p:nvSpPr>
-        <p:spPr>
-          <a:ln/>
-        </p:spPr>
+        <p:spPr/>
         <p:txBody>
           <a:bodyPr/>
           <a:lstStyle>
@@ -2537,9 +2563,7 @@
             <p:ph type="sldNum" sz="quarter" idx="12"/>
           </p:nvPr>
         </p:nvSpPr>
-        <p:spPr>
-          <a:ln/>
-        </p:spPr>
+        <p:spPr/>
         <p:txBody>
           <a:bodyPr/>
           <a:lstStyle>
@@ -2553,9 +2577,6 @@
             </a:pPr>
             <a:fld id="{85100CE9-0662-4089-B8E8-68467DB42791}" type="slidenum">
               <a:rPr lang="en-US" altLang="zh-CN"/>
-              <a:pPr>
-                <a:defRPr/>
-              </a:pPr>
               <a:t>‹#›</a:t>
             </a:fld>
             <a:endParaRPr lang="en-US" altLang="zh-CN"/>
@@ -2563,11 +2584,6 @@
         </p:txBody>
       </p:sp>
     </p:spTree>
-    <p:extLst>
-      <p:ext uri="{BB962C8B-B14F-4D97-AF65-F5344CB8AC3E}">
-        <p14:creationId xmlns:p14="http://schemas.microsoft.com/office/powerpoint/2010/main" val="2246299959"/>
-      </p:ext>
-    </p:extLst>
   </p:cSld>
   <p:clrMapOvr>
     <a:masterClrMapping/>
@@ -2607,8 +2623,8 @@
         </p:nvSpPr>
         <p:spPr>
           <a:xfrm>
-            <a:off x="457200" y="274638"/>
-            <a:ext cx="8229600" cy="1143000"/>
+            <a:off x="457200" y="206015"/>
+            <a:ext cx="8229600" cy="857400"/>
           </a:xfrm>
         </p:spPr>
         <p:txBody>
@@ -2639,8 +2655,8 @@
         </p:nvSpPr>
         <p:spPr>
           <a:xfrm>
-            <a:off x="457200" y="1535113"/>
-            <a:ext cx="4040188" cy="639762"/>
+            <a:off x="457200" y="1151536"/>
+            <a:ext cx="4040188" cy="479905"/>
           </a:xfrm>
         </p:spPr>
         <p:txBody>
@@ -2648,39 +2664,39 @@
           <a:lstStyle>
             <a:lvl1pPr marL="0" indent="0">
               <a:buNone/>
-              <a:defRPr sz="2400" b="1"/>
+              <a:defRPr sz="1800" b="1"/>
             </a:lvl1pPr>
-            <a:lvl2pPr marL="457200" indent="0">
+            <a:lvl2pPr marL="342900" indent="0">
               <a:buNone/>
-              <a:defRPr sz="2000" b="1"/>
+              <a:defRPr sz="1500" b="1"/>
             </a:lvl2pPr>
-            <a:lvl3pPr marL="914400" indent="0">
+            <a:lvl3pPr marL="685800" indent="0">
               <a:buNone/>
-              <a:defRPr sz="1800" b="1"/>
+              <a:defRPr sz="1350" b="1"/>
             </a:lvl3pPr>
-            <a:lvl4pPr marL="1371600" indent="0">
+            <a:lvl4pPr marL="1028700" indent="0">
               <a:buNone/>
-              <a:defRPr sz="1600" b="1"/>
+              <a:defRPr sz="1200" b="1"/>
             </a:lvl4pPr>
-            <a:lvl5pPr marL="1828800" indent="0">
+            <a:lvl5pPr marL="1371600" indent="0">
               <a:buNone/>
-              <a:defRPr sz="1600" b="1"/>
+              <a:defRPr sz="1200" b="1"/>
             </a:lvl5pPr>
-            <a:lvl6pPr marL="2286000" indent="0">
+            <a:lvl6pPr marL="1714500" indent="0">
               <a:buNone/>
-              <a:defRPr sz="1600" b="1"/>
+              <a:defRPr sz="1200" b="1"/>
             </a:lvl6pPr>
-            <a:lvl7pPr marL="2743200" indent="0">
+            <a:lvl7pPr marL="2058035" indent="0">
               <a:buNone/>
-              <a:defRPr sz="1600" b="1"/>
+              <a:defRPr sz="1200" b="1"/>
             </a:lvl7pPr>
-            <a:lvl8pPr marL="3200400" indent="0">
+            <a:lvl8pPr marL="2400935" indent="0">
               <a:buNone/>
-              <a:defRPr sz="1600" b="1"/>
+              <a:defRPr sz="1200" b="1"/>
             </a:lvl8pPr>
-            <a:lvl9pPr marL="3657600" indent="0">
+            <a:lvl9pPr marL="2743835" indent="0">
               <a:buNone/>
-              <a:defRPr sz="1600" b="1"/>
+              <a:defRPr sz="1200" b="1"/>
             </a:lvl9pPr>
           </a:lstStyle>
           <a:p>
@@ -2704,39 +2720,39 @@
         </p:nvSpPr>
         <p:spPr>
           <a:xfrm>
-            <a:off x="457200" y="2174875"/>
-            <a:ext cx="4040188" cy="3951288"/>
+            <a:off x="457200" y="1631442"/>
+            <a:ext cx="4040188" cy="2963984"/>
           </a:xfrm>
         </p:spPr>
         <p:txBody>
           <a:bodyPr/>
           <a:lstStyle>
             <a:lvl1pPr>
-              <a:defRPr sz="2400"/>
+              <a:defRPr sz="1800"/>
             </a:lvl1pPr>
             <a:lvl2pPr>
-              <a:defRPr sz="2000"/>
+              <a:defRPr sz="1500"/>
             </a:lvl2pPr>
             <a:lvl3pPr>
-              <a:defRPr sz="1800"/>
+              <a:defRPr sz="1350"/>
             </a:lvl3pPr>
             <a:lvl4pPr>
-              <a:defRPr sz="1600"/>
+              <a:defRPr sz="1200"/>
             </a:lvl4pPr>
             <a:lvl5pPr>
-              <a:defRPr sz="1600"/>
+              <a:defRPr sz="1200"/>
             </a:lvl5pPr>
             <a:lvl6pPr>
-              <a:defRPr sz="1600"/>
+              <a:defRPr sz="1200"/>
             </a:lvl6pPr>
             <a:lvl7pPr>
-              <a:defRPr sz="1600"/>
+              <a:defRPr sz="1200"/>
             </a:lvl7pPr>
             <a:lvl8pPr>
-              <a:defRPr sz="1600"/>
+              <a:defRPr sz="1200"/>
             </a:lvl8pPr>
             <a:lvl9pPr>
-              <a:defRPr sz="1600"/>
+              <a:defRPr sz="1200"/>
             </a:lvl9pPr>
           </a:lstStyle>
           <a:p>
@@ -2789,8 +2805,8 @@
         </p:nvSpPr>
         <p:spPr>
           <a:xfrm>
-            <a:off x="4645025" y="1535113"/>
-            <a:ext cx="4041775" cy="639762"/>
+            <a:off x="4645025" y="1151536"/>
+            <a:ext cx="4041775" cy="479905"/>
           </a:xfrm>
         </p:spPr>
         <p:txBody>
@@ -2798,39 +2814,39 @@
           <a:lstStyle>
             <a:lvl1pPr marL="0" indent="0">
               <a:buNone/>
-              <a:defRPr sz="2400" b="1"/>
+              <a:defRPr sz="1800" b="1"/>
             </a:lvl1pPr>
-            <a:lvl2pPr marL="457200" indent="0">
+            <a:lvl2pPr marL="342900" indent="0">
               <a:buNone/>
-              <a:defRPr sz="2000" b="1"/>
+              <a:defRPr sz="1500" b="1"/>
             </a:lvl2pPr>
-            <a:lvl3pPr marL="914400" indent="0">
+            <a:lvl3pPr marL="685800" indent="0">
               <a:buNone/>
-              <a:defRPr sz="1800" b="1"/>
+              <a:defRPr sz="1350" b="1"/>
             </a:lvl3pPr>
-            <a:lvl4pPr marL="1371600" indent="0">
+            <a:lvl4pPr marL="1028700" indent="0">
               <a:buNone/>
-              <a:defRPr sz="1600" b="1"/>
+              <a:defRPr sz="1200" b="1"/>
             </a:lvl4pPr>
-            <a:lvl5pPr marL="1828800" indent="0">
+            <a:lvl5pPr marL="1371600" indent="0">
               <a:buNone/>
-              <a:defRPr sz="1600" b="1"/>
+              <a:defRPr sz="1200" b="1"/>
             </a:lvl5pPr>
-            <a:lvl6pPr marL="2286000" indent="0">
+            <a:lvl6pPr marL="1714500" indent="0">
               <a:buNone/>
-              <a:defRPr sz="1600" b="1"/>
+              <a:defRPr sz="1200" b="1"/>
             </a:lvl6pPr>
-            <a:lvl7pPr marL="2743200" indent="0">
+            <a:lvl7pPr marL="2058035" indent="0">
               <a:buNone/>
-              <a:defRPr sz="1600" b="1"/>
+              <a:defRPr sz="1200" b="1"/>
             </a:lvl7pPr>
-            <a:lvl8pPr marL="3200400" indent="0">
+            <a:lvl8pPr marL="2400935" indent="0">
               <a:buNone/>
-              <a:defRPr sz="1600" b="1"/>
+              <a:defRPr sz="1200" b="1"/>
             </a:lvl8pPr>
-            <a:lvl9pPr marL="3657600" indent="0">
+            <a:lvl9pPr marL="2743835" indent="0">
               <a:buNone/>
-              <a:defRPr sz="1600" b="1"/>
+              <a:defRPr sz="1200" b="1"/>
             </a:lvl9pPr>
           </a:lstStyle>
           <a:p>
@@ -2854,39 +2870,39 @@
         </p:nvSpPr>
         <p:spPr>
           <a:xfrm>
-            <a:off x="4645025" y="2174875"/>
-            <a:ext cx="4041775" cy="3951288"/>
+            <a:off x="4645025" y="1631442"/>
+            <a:ext cx="4041775" cy="2963984"/>
           </a:xfrm>
         </p:spPr>
         <p:txBody>
           <a:bodyPr/>
           <a:lstStyle>
             <a:lvl1pPr>
-              <a:defRPr sz="2400"/>
+              <a:defRPr sz="1800"/>
             </a:lvl1pPr>
             <a:lvl2pPr>
-              <a:defRPr sz="2000"/>
+              <a:defRPr sz="1500"/>
             </a:lvl2pPr>
             <a:lvl3pPr>
-              <a:defRPr sz="1800"/>
+              <a:defRPr sz="1350"/>
             </a:lvl3pPr>
             <a:lvl4pPr>
-              <a:defRPr sz="1600"/>
+              <a:defRPr sz="1200"/>
             </a:lvl4pPr>
             <a:lvl5pPr>
-              <a:defRPr sz="1600"/>
+              <a:defRPr sz="1200"/>
             </a:lvl5pPr>
             <a:lvl6pPr>
-              <a:defRPr sz="1600"/>
+              <a:defRPr sz="1200"/>
             </a:lvl6pPr>
             <a:lvl7pPr>
-              <a:defRPr sz="1600"/>
+              <a:defRPr sz="1200"/>
             </a:lvl7pPr>
             <a:lvl8pPr>
-              <a:defRPr sz="1600"/>
+              <a:defRPr sz="1200"/>
             </a:lvl8pPr>
             <a:lvl9pPr>
-              <a:defRPr sz="1600"/>
+              <a:defRPr sz="1200"/>
             </a:lvl9pPr>
           </a:lstStyle>
           <a:p>
@@ -2937,9 +2953,7 @@
             <p:ph type="dt" sz="half" idx="10"/>
           </p:nvPr>
         </p:nvSpPr>
-        <p:spPr>
-          <a:ln/>
-        </p:spPr>
+        <p:spPr/>
         <p:txBody>
           <a:bodyPr/>
           <a:lstStyle>
@@ -2965,9 +2979,7 @@
             <p:ph type="ftr" sz="quarter" idx="11"/>
           </p:nvPr>
         </p:nvSpPr>
-        <p:spPr>
-          <a:ln/>
-        </p:spPr>
+        <p:spPr/>
         <p:txBody>
           <a:bodyPr/>
           <a:lstStyle>
@@ -2993,9 +3005,7 @@
             <p:ph type="sldNum" sz="quarter" idx="12"/>
           </p:nvPr>
         </p:nvSpPr>
-        <p:spPr>
-          <a:ln/>
-        </p:spPr>
+        <p:spPr/>
         <p:txBody>
           <a:bodyPr/>
           <a:lstStyle>
@@ -3009,9 +3019,6 @@
             </a:pPr>
             <a:fld id="{CDEF245F-F9E4-4F3E-81FB-EEF687345EF1}" type="slidenum">
               <a:rPr lang="en-US" altLang="zh-CN"/>
-              <a:pPr>
-                <a:defRPr/>
-              </a:pPr>
               <a:t>‹#›</a:t>
             </a:fld>
             <a:endParaRPr lang="en-US" altLang="zh-CN"/>
@@ -3019,11 +3026,6 @@
         </p:txBody>
       </p:sp>
     </p:spTree>
-    <p:extLst>
-      <p:ext uri="{BB962C8B-B14F-4D97-AF65-F5344CB8AC3E}">
-        <p14:creationId xmlns:p14="http://schemas.microsoft.com/office/powerpoint/2010/main" val="2139534530"/>
-      </p:ext>
-    </p:extLst>
   </p:cSld>
   <p:clrMapOvr>
     <a:masterClrMapping/>
@@ -3084,9 +3086,7 @@
             <p:ph type="dt" sz="half" idx="10"/>
           </p:nvPr>
         </p:nvSpPr>
-        <p:spPr>
-          <a:ln/>
-        </p:spPr>
+        <p:spPr/>
         <p:txBody>
           <a:bodyPr/>
           <a:lstStyle>
@@ -3112,9 +3112,7 @@
             <p:ph type="ftr" sz="quarter" idx="11"/>
           </p:nvPr>
         </p:nvSpPr>
-        <p:spPr>
-          <a:ln/>
-        </p:spPr>
+        <p:spPr/>
         <p:txBody>
           <a:bodyPr/>
           <a:lstStyle>
@@ -3140,9 +3138,7 @@
             <p:ph type="sldNum" sz="quarter" idx="12"/>
           </p:nvPr>
         </p:nvSpPr>
-        <p:spPr>
-          <a:ln/>
-        </p:spPr>
+        <p:spPr/>
         <p:txBody>
           <a:bodyPr/>
           <a:lstStyle>
@@ -3156,9 +3152,6 @@
             </a:pPr>
             <a:fld id="{15209603-DA32-4E08-B993-D56C85C4BB77}" type="slidenum">
               <a:rPr lang="en-US" altLang="zh-CN"/>
-              <a:pPr>
-                <a:defRPr/>
-              </a:pPr>
               <a:t>‹#›</a:t>
             </a:fld>
             <a:endParaRPr lang="en-US" altLang="zh-CN"/>
@@ -3166,11 +3159,6 @@
         </p:txBody>
       </p:sp>
     </p:spTree>
-    <p:extLst>
-      <p:ext uri="{BB962C8B-B14F-4D97-AF65-F5344CB8AC3E}">
-        <p14:creationId xmlns:p14="http://schemas.microsoft.com/office/powerpoint/2010/main" val="2443479709"/>
-      </p:ext>
-    </p:extLst>
   </p:cSld>
   <p:clrMapOvr>
     <a:masterClrMapping/>
@@ -3208,9 +3196,7 @@
             <p:ph type="dt" sz="half" idx="10"/>
           </p:nvPr>
         </p:nvSpPr>
-        <p:spPr>
-          <a:ln/>
-        </p:spPr>
+        <p:spPr/>
         <p:txBody>
           <a:bodyPr/>
           <a:lstStyle>
@@ -3236,9 +3222,7 @@
             <p:ph type="ftr" sz="quarter" idx="11"/>
           </p:nvPr>
         </p:nvSpPr>
-        <p:spPr>
-          <a:ln/>
-        </p:spPr>
+        <p:spPr/>
         <p:txBody>
           <a:bodyPr/>
           <a:lstStyle>
@@ -3264,9 +3248,7 @@
             <p:ph type="sldNum" sz="quarter" idx="12"/>
           </p:nvPr>
         </p:nvSpPr>
-        <p:spPr>
-          <a:ln/>
-        </p:spPr>
+        <p:spPr/>
         <p:txBody>
           <a:bodyPr/>
           <a:lstStyle>
@@ -3280,9 +3262,6 @@
             </a:pPr>
             <a:fld id="{24A3A36E-5E1C-48CB-9C0F-D595A43F278E}" type="slidenum">
               <a:rPr lang="en-US" altLang="zh-CN"/>
-              <a:pPr>
-                <a:defRPr/>
-              </a:pPr>
               <a:t>‹#›</a:t>
             </a:fld>
             <a:endParaRPr lang="en-US" altLang="zh-CN"/>
@@ -3290,11 +3269,6 @@
         </p:txBody>
       </p:sp>
     </p:spTree>
-    <p:extLst>
-      <p:ext uri="{BB962C8B-B14F-4D97-AF65-F5344CB8AC3E}">
-        <p14:creationId xmlns:p14="http://schemas.microsoft.com/office/powerpoint/2010/main" val="3628042098"/>
-      </p:ext>
-    </p:extLst>
   </p:cSld>
   <p:clrMapOvr>
     <a:masterClrMapping/>
@@ -3334,15 +3308,15 @@
         </p:nvSpPr>
         <p:spPr>
           <a:xfrm>
-            <a:off x="457200" y="273050"/>
-            <a:ext cx="3008313" cy="1162050"/>
+            <a:off x="457200" y="204823"/>
+            <a:ext cx="3008313" cy="871690"/>
           </a:xfrm>
         </p:spPr>
         <p:txBody>
           <a:bodyPr/>
           <a:lstStyle>
             <a:lvl1pPr algn="l">
-              <a:defRPr sz="2000" b="1"/>
+              <a:defRPr sz="1500" b="1"/>
             </a:lvl1pPr>
           </a:lstStyle>
           <a:p>
@@ -3366,39 +3340,39 @@
         </p:nvSpPr>
         <p:spPr>
           <a:xfrm>
-            <a:off x="3575050" y="273050"/>
-            <a:ext cx="5111750" cy="5853113"/>
+            <a:off x="3575050" y="204823"/>
+            <a:ext cx="5111750" cy="4390603"/>
           </a:xfrm>
         </p:spPr>
         <p:txBody>
           <a:bodyPr/>
           <a:lstStyle>
             <a:lvl1pPr>
-              <a:defRPr sz="3200"/>
+              <a:defRPr sz="2400"/>
             </a:lvl1pPr>
             <a:lvl2pPr>
-              <a:defRPr sz="2800"/>
+              <a:defRPr sz="2100"/>
             </a:lvl2pPr>
             <a:lvl3pPr>
-              <a:defRPr sz="2400"/>
+              <a:defRPr sz="1800"/>
             </a:lvl3pPr>
             <a:lvl4pPr>
-              <a:defRPr sz="2000"/>
+              <a:defRPr sz="1500"/>
             </a:lvl4pPr>
             <a:lvl5pPr>
-              <a:defRPr sz="2000"/>
+              <a:defRPr sz="1500"/>
             </a:lvl5pPr>
             <a:lvl6pPr>
-              <a:defRPr sz="2000"/>
+              <a:defRPr sz="1500"/>
             </a:lvl6pPr>
             <a:lvl7pPr>
-              <a:defRPr sz="2000"/>
+              <a:defRPr sz="1500"/>
             </a:lvl7pPr>
             <a:lvl8pPr>
-              <a:defRPr sz="2000"/>
+              <a:defRPr sz="1500"/>
             </a:lvl8pPr>
             <a:lvl9pPr>
-              <a:defRPr sz="2000"/>
+              <a:defRPr sz="1500"/>
             </a:lvl9pPr>
           </a:lstStyle>
           <a:p>
@@ -3451,8 +3425,8 @@
         </p:nvSpPr>
         <p:spPr>
           <a:xfrm>
-            <a:off x="457200" y="1435100"/>
-            <a:ext cx="3008313" cy="4691063"/>
+            <a:off x="457200" y="1076513"/>
+            <a:ext cx="3008313" cy="3518913"/>
           </a:xfrm>
         </p:spPr>
         <p:txBody>
@@ -3460,39 +3434,39 @@
           <a:lstStyle>
             <a:lvl1pPr marL="0" indent="0">
               <a:buNone/>
-              <a:defRPr sz="1400"/>
+              <a:defRPr sz="1050"/>
             </a:lvl1pPr>
-            <a:lvl2pPr marL="457200" indent="0">
-              <a:buNone/>
-              <a:defRPr sz="1200"/>
-            </a:lvl2pPr>
-            <a:lvl3pPr marL="914400" indent="0">
-              <a:buNone/>
-              <a:defRPr sz="1000"/>
-            </a:lvl3pPr>
-            <a:lvl4pPr marL="1371600" indent="0">
+            <a:lvl2pPr marL="342900" indent="0">
               <a:buNone/>
               <a:defRPr sz="900"/>
+            </a:lvl2pPr>
+            <a:lvl3pPr marL="685800" indent="0">
+              <a:buNone/>
+              <a:defRPr sz="750"/>
+            </a:lvl3pPr>
+            <a:lvl4pPr marL="1028700" indent="0">
+              <a:buNone/>
+              <a:defRPr sz="675"/>
             </a:lvl4pPr>
-            <a:lvl5pPr marL="1828800" indent="0">
+            <a:lvl5pPr marL="1371600" indent="0">
               <a:buNone/>
-              <a:defRPr sz="900"/>
+              <a:defRPr sz="675"/>
             </a:lvl5pPr>
-            <a:lvl6pPr marL="2286000" indent="0">
+            <a:lvl6pPr marL="1714500" indent="0">
               <a:buNone/>
-              <a:defRPr sz="900"/>
+              <a:defRPr sz="675"/>
             </a:lvl6pPr>
-            <a:lvl7pPr marL="2743200" indent="0">
+            <a:lvl7pPr marL="2058035" indent="0">
               <a:buNone/>
-              <a:defRPr sz="900"/>
+              <a:defRPr sz="675"/>
             </a:lvl7pPr>
-            <a:lvl8pPr marL="3200400" indent="0">
+            <a:lvl8pPr marL="2400935" indent="0">
               <a:buNone/>
-              <a:defRPr sz="900"/>
+              <a:defRPr sz="675"/>
             </a:lvl8pPr>
-            <a:lvl9pPr marL="3657600" indent="0">
+            <a:lvl9pPr marL="2743835" indent="0">
               <a:buNone/>
-              <a:defRPr sz="900"/>
+              <a:defRPr sz="675"/>
             </a:lvl9pPr>
           </a:lstStyle>
           <a:p>
@@ -3514,9 +3488,7 @@
             <p:ph type="dt" sz="half" idx="10"/>
           </p:nvPr>
         </p:nvSpPr>
-        <p:spPr>
-          <a:ln/>
-        </p:spPr>
+        <p:spPr/>
         <p:txBody>
           <a:bodyPr/>
           <a:lstStyle>
@@ -3542,9 +3514,7 @@
             <p:ph type="ftr" sz="quarter" idx="11"/>
           </p:nvPr>
         </p:nvSpPr>
-        <p:spPr>
-          <a:ln/>
-        </p:spPr>
+        <p:spPr/>
         <p:txBody>
           <a:bodyPr/>
           <a:lstStyle>
@@ -3570,9 +3540,7 @@
             <p:ph type="sldNum" sz="quarter" idx="12"/>
           </p:nvPr>
         </p:nvSpPr>
-        <p:spPr>
-          <a:ln/>
-        </p:spPr>
+        <p:spPr/>
         <p:txBody>
           <a:bodyPr/>
           <a:lstStyle>
@@ -3586,9 +3554,6 @@
             </a:pPr>
             <a:fld id="{277E3919-B6BD-497D-AE80-1DDDF0F10E89}" type="slidenum">
               <a:rPr lang="en-US" altLang="zh-CN"/>
-              <a:pPr>
-                <a:defRPr/>
-              </a:pPr>
               <a:t>‹#›</a:t>
             </a:fld>
             <a:endParaRPr lang="en-US" altLang="zh-CN"/>
@@ -3596,11 +3561,6 @@
         </p:txBody>
       </p:sp>
     </p:spTree>
-    <p:extLst>
-      <p:ext uri="{BB962C8B-B14F-4D97-AF65-F5344CB8AC3E}">
-        <p14:creationId xmlns:p14="http://schemas.microsoft.com/office/powerpoint/2010/main" val="1752109067"/>
-      </p:ext>
-    </p:extLst>
   </p:cSld>
   <p:clrMapOvr>
     <a:masterClrMapping/>
@@ -3640,15 +3600,15 @@
         </p:nvSpPr>
         <p:spPr>
           <a:xfrm>
-            <a:off x="1792288" y="4800600"/>
-            <a:ext cx="5486400" cy="566738"/>
+            <a:off x="1792288" y="3601080"/>
+            <a:ext cx="5486400" cy="425128"/>
           </a:xfrm>
         </p:spPr>
         <p:txBody>
           <a:bodyPr/>
           <a:lstStyle>
             <a:lvl1pPr algn="l">
-              <a:defRPr sz="2000" b="1"/>
+              <a:defRPr sz="1500" b="1"/>
             </a:lvl1pPr>
           </a:lstStyle>
           <a:p>
@@ -3672,8 +3632,8 @@
         </p:nvSpPr>
         <p:spPr>
           <a:xfrm>
-            <a:off x="1792288" y="612775"/>
-            <a:ext cx="5486400" cy="4114800"/>
+            <a:off x="1792288" y="459662"/>
+            <a:ext cx="5486400" cy="3086640"/>
           </a:xfrm>
         </p:spPr>
         <p:txBody>
@@ -3681,39 +3641,39 @@
           <a:lstStyle>
             <a:lvl1pPr marL="0" indent="0">
               <a:buNone/>
-              <a:defRPr sz="3200"/>
+              <a:defRPr sz="2400"/>
             </a:lvl1pPr>
-            <a:lvl2pPr marL="457200" indent="0">
+            <a:lvl2pPr marL="342900" indent="0">
               <a:buNone/>
-              <a:defRPr sz="2800"/>
+              <a:defRPr sz="2100"/>
             </a:lvl2pPr>
-            <a:lvl3pPr marL="914400" indent="0">
+            <a:lvl3pPr marL="685800" indent="0">
               <a:buNone/>
-              <a:defRPr sz="2400"/>
+              <a:defRPr sz="1800"/>
             </a:lvl3pPr>
-            <a:lvl4pPr marL="1371600" indent="0">
+            <a:lvl4pPr marL="1028700" indent="0">
               <a:buNone/>
-              <a:defRPr sz="2000"/>
+              <a:defRPr sz="1500"/>
             </a:lvl4pPr>
-            <a:lvl5pPr marL="1828800" indent="0">
+            <a:lvl5pPr marL="1371600" indent="0">
               <a:buNone/>
-              <a:defRPr sz="2000"/>
+              <a:defRPr sz="1500"/>
             </a:lvl5pPr>
-            <a:lvl6pPr marL="2286000" indent="0">
+            <a:lvl6pPr marL="1714500" indent="0">
               <a:buNone/>
-              <a:defRPr sz="2000"/>
+              <a:defRPr sz="1500"/>
             </a:lvl6pPr>
-            <a:lvl7pPr marL="2743200" indent="0">
+            <a:lvl7pPr marL="2058035" indent="0">
               <a:buNone/>
-              <a:defRPr sz="2000"/>
+              <a:defRPr sz="1500"/>
             </a:lvl7pPr>
-            <a:lvl8pPr marL="3200400" indent="0">
+            <a:lvl8pPr marL="2400935" indent="0">
               <a:buNone/>
-              <a:defRPr sz="2000"/>
+              <a:defRPr sz="1500"/>
             </a:lvl8pPr>
-            <a:lvl9pPr marL="3657600" indent="0">
+            <a:lvl9pPr marL="2743835" indent="0">
               <a:buNone/>
-              <a:defRPr sz="2000"/>
+              <a:defRPr sz="1500"/>
             </a:lvl9pPr>
           </a:lstStyle>
           <a:p>
@@ -3734,8 +3694,8 @@
         </p:nvSpPr>
         <p:spPr>
           <a:xfrm>
-            <a:off x="1792288" y="5367338"/>
-            <a:ext cx="5486400" cy="804862"/>
+            <a:off x="1792288" y="4026208"/>
+            <a:ext cx="5486400" cy="603752"/>
           </a:xfrm>
         </p:spPr>
         <p:txBody>
@@ -3743,39 +3703,39 @@
           <a:lstStyle>
             <a:lvl1pPr marL="0" indent="0">
               <a:buNone/>
-              <a:defRPr sz="1400"/>
+              <a:defRPr sz="1050"/>
             </a:lvl1pPr>
-            <a:lvl2pPr marL="457200" indent="0">
-              <a:buNone/>
-              <a:defRPr sz="1200"/>
-            </a:lvl2pPr>
-            <a:lvl3pPr marL="914400" indent="0">
-              <a:buNone/>
-              <a:defRPr sz="1000"/>
-            </a:lvl3pPr>
-            <a:lvl4pPr marL="1371600" indent="0">
+            <a:lvl2pPr marL="342900" indent="0">
               <a:buNone/>
               <a:defRPr sz="900"/>
+            </a:lvl2pPr>
+            <a:lvl3pPr marL="685800" indent="0">
+              <a:buNone/>
+              <a:defRPr sz="750"/>
+            </a:lvl3pPr>
+            <a:lvl4pPr marL="1028700" indent="0">
+              <a:buNone/>
+              <a:defRPr sz="675"/>
             </a:lvl4pPr>
-            <a:lvl5pPr marL="1828800" indent="0">
+            <a:lvl5pPr marL="1371600" indent="0">
               <a:buNone/>
-              <a:defRPr sz="900"/>
+              <a:defRPr sz="675"/>
             </a:lvl5pPr>
-            <a:lvl6pPr marL="2286000" indent="0">
+            <a:lvl6pPr marL="1714500" indent="0">
               <a:buNone/>
-              <a:defRPr sz="900"/>
+              <a:defRPr sz="675"/>
             </a:lvl6pPr>
-            <a:lvl7pPr marL="2743200" indent="0">
+            <a:lvl7pPr marL="2058035" indent="0">
               <a:buNone/>
-              <a:defRPr sz="900"/>
+              <a:defRPr sz="675"/>
             </a:lvl7pPr>
-            <a:lvl8pPr marL="3200400" indent="0">
+            <a:lvl8pPr marL="2400935" indent="0">
               <a:buNone/>
-              <a:defRPr sz="900"/>
+              <a:defRPr sz="675"/>
             </a:lvl8pPr>
-            <a:lvl9pPr marL="3657600" indent="0">
+            <a:lvl9pPr marL="2743835" indent="0">
               <a:buNone/>
-              <a:defRPr sz="900"/>
+              <a:defRPr sz="675"/>
             </a:lvl9pPr>
           </a:lstStyle>
           <a:p>
@@ -3797,9 +3757,7 @@
             <p:ph type="dt" sz="half" idx="10"/>
           </p:nvPr>
         </p:nvSpPr>
-        <p:spPr>
-          <a:ln/>
-        </p:spPr>
+        <p:spPr/>
         <p:txBody>
           <a:bodyPr/>
           <a:lstStyle>
@@ -3825,9 +3783,7 @@
             <p:ph type="ftr" sz="quarter" idx="11"/>
           </p:nvPr>
         </p:nvSpPr>
-        <p:spPr>
-          <a:ln/>
-        </p:spPr>
+        <p:spPr/>
         <p:txBody>
           <a:bodyPr/>
           <a:lstStyle>
@@ -3853,9 +3809,7 @@
             <p:ph type="sldNum" sz="quarter" idx="12"/>
           </p:nvPr>
         </p:nvSpPr>
-        <p:spPr>
-          <a:ln/>
-        </p:spPr>
+        <p:spPr/>
         <p:txBody>
           <a:bodyPr/>
           <a:lstStyle>
@@ -3869,9 +3823,6 @@
             </a:pPr>
             <a:fld id="{043FF7F8-154B-4D0A-BF3C-6472E2EB5401}" type="slidenum">
               <a:rPr lang="en-US" altLang="zh-CN"/>
-              <a:pPr>
-                <a:defRPr/>
-              </a:pPr>
               <a:t>‹#›</a:t>
             </a:fld>
             <a:endParaRPr lang="en-US" altLang="zh-CN"/>
@@ -3879,11 +3830,6 @@
         </p:txBody>
       </p:sp>
     </p:spTree>
-    <p:extLst>
-      <p:ext uri="{BB962C8B-B14F-4D97-AF65-F5344CB8AC3E}">
-        <p14:creationId xmlns:p14="http://schemas.microsoft.com/office/powerpoint/2010/main" val="2497244441"/>
-      </p:ext>
-    </p:extLst>
   </p:cSld>
   <p:clrMapOvr>
     <a:masterClrMapping/>
@@ -3936,8 +3882,8 @@
         </p:nvSpPr>
         <p:spPr bwMode="auto">
           <a:xfrm>
-            <a:off x="574675" y="304800"/>
-            <a:ext cx="8001000" cy="1216025"/>
+            <a:off x="574675" y="228640"/>
+            <a:ext cx="8001000" cy="912178"/>
           </a:xfrm>
           <a:prstGeom prst="rect">
             <a:avLst/>
@@ -3967,11 +3913,7 @@
           </a:extLst>
         </p:spPr>
         <p:txBody>
-          <a:bodyPr vert="horz" wrap="square" lIns="91440" tIns="45720" rIns="91440" bIns="45720" numCol="1" anchor="b" anchorCtr="0" compatLnSpc="1">
-            <a:prstTxWarp prst="textNoShape">
-              <a:avLst/>
-            </a:prstTxWarp>
-          </a:bodyPr>
+          <a:bodyPr vert="horz" wrap="square" lIns="91440" tIns="45720" rIns="91440" bIns="45720" numCol="1" anchor="b" anchorCtr="0" compatLnSpc="1"/>
           <a:lstStyle/>
           <a:p>
             <a:pPr lvl="0"/>
@@ -3994,8 +3936,8 @@
         </p:nvSpPr>
         <p:spPr bwMode="auto">
           <a:xfrm>
-            <a:off x="566738" y="1752600"/>
-            <a:ext cx="8001000" cy="4267200"/>
+            <a:off x="566738" y="1314680"/>
+            <a:ext cx="8001000" cy="3200960"/>
           </a:xfrm>
           <a:prstGeom prst="rect">
             <a:avLst/>
@@ -4025,11 +3967,7 @@
           </a:extLst>
         </p:spPr>
         <p:txBody>
-          <a:bodyPr vert="horz" wrap="square" lIns="91440" tIns="45720" rIns="91440" bIns="45720" numCol="1" anchor="t" anchorCtr="0" compatLnSpc="1">
-            <a:prstTxWarp prst="textNoShape">
-              <a:avLst/>
-            </a:prstTxWarp>
-          </a:bodyPr>
+          <a:bodyPr vert="horz" wrap="square" lIns="91440" tIns="45720" rIns="91440" bIns="45720" numCol="1" anchor="t" anchorCtr="0" compatLnSpc="1"/>
           <a:lstStyle/>
           <a:p>
             <a:pPr lvl="0"/>
@@ -4078,8 +4016,8 @@
         </p:nvSpPr>
         <p:spPr bwMode="auto">
           <a:xfrm>
-            <a:off x="609600" y="1566863"/>
-            <a:ext cx="7958138" cy="109537"/>
+            <a:off x="609600" y="1175353"/>
+            <a:ext cx="7958138" cy="82167"/>
           </a:xfrm>
           <a:custGeom>
             <a:avLst/>
@@ -4162,15 +4100,13 @@
               <a:schemeClr val="accent2"/>
             </a:solidFill>
             <a:round/>
-            <a:headEnd/>
-            <a:tailEnd/>
           </a:ln>
         </p:spPr>
         <p:txBody>
           <a:bodyPr/>
           <a:lstStyle/>
           <a:p>
-            <a:endParaRPr lang="zh-CN" altLang="en-US"/>
+            <a:endParaRPr lang="zh-CN" altLang="en-US" sz="100"/>
           </a:p>
         </p:txBody>
       </p:sp>
@@ -4184,7 +4120,7 @@
         </p:nvSpPr>
         <p:spPr bwMode="auto">
           <a:xfrm flipV="1">
-            <a:off x="609600" y="6172200"/>
+            <a:off x="609600" y="4629960"/>
             <a:ext cx="7924800" cy="0"/>
           </a:xfrm>
           <a:prstGeom prst="line">
@@ -4196,8 +4132,6 @@
               <a:schemeClr val="accent2"/>
             </a:solidFill>
             <a:round/>
-            <a:headEnd/>
-            <a:tailEnd/>
           </a:ln>
           <a:extLst>
             <a:ext uri="{909E8E84-426E-40DD-AFC4-6F175D3DCCD1}">
@@ -4211,7 +4145,7 @@
           <a:bodyPr/>
           <a:lstStyle/>
           <a:p>
-            <a:endParaRPr lang="zh-CN" altLang="en-US"/>
+            <a:endParaRPr lang="zh-CN" altLang="en-US" sz="100"/>
           </a:p>
         </p:txBody>
       </p:sp>
@@ -4227,8 +4161,8 @@
         </p:nvSpPr>
         <p:spPr bwMode="auto">
           <a:xfrm>
-            <a:off x="609600" y="6245225"/>
-            <a:ext cx="1981200" cy="476250"/>
+            <a:off x="609600" y="4684738"/>
+            <a:ext cx="1981200" cy="357250"/>
           </a:xfrm>
           <a:prstGeom prst="rect">
             <a:avLst/>
@@ -4237,21 +4171,15 @@
           <a:ln w="9525">
             <a:noFill/>
             <a:miter lim="800000"/>
-            <a:headEnd/>
-            <a:tailEnd/>
           </a:ln>
           <a:effectLst/>
         </p:spPr>
         <p:txBody>
-          <a:bodyPr vert="horz" wrap="square" lIns="91440" tIns="45720" rIns="91440" bIns="45720" numCol="1" anchor="t" anchorCtr="0" compatLnSpc="1">
-            <a:prstTxWarp prst="textNoShape">
-              <a:avLst/>
-            </a:prstTxWarp>
-          </a:bodyPr>
+          <a:bodyPr vert="horz" wrap="square" lIns="91440" tIns="45720" rIns="91440" bIns="45720" numCol="1" anchor="t" anchorCtr="0" compatLnSpc="1"/>
           <a:lstStyle>
             <a:lvl1pPr>
-              <a:defRPr sz="1200">
-                <a:ea typeface="宋体" pitchFamily="2" charset="-122"/>
+              <a:defRPr sz="900">
+                <a:ea typeface="宋体" panose="02010600030101010101" pitchFamily="2" charset="-122"/>
               </a:defRPr>
             </a:lvl1pPr>
           </a:lstStyle>
@@ -4275,8 +4203,8 @@
         </p:nvSpPr>
         <p:spPr bwMode="auto">
           <a:xfrm>
-            <a:off x="3124200" y="6245225"/>
-            <a:ext cx="2895600" cy="476250"/>
+            <a:off x="3124200" y="4684738"/>
+            <a:ext cx="2895600" cy="357250"/>
           </a:xfrm>
           <a:prstGeom prst="rect">
             <a:avLst/>
@@ -4285,21 +4213,15 @@
           <a:ln w="9525">
             <a:noFill/>
             <a:miter lim="800000"/>
-            <a:headEnd/>
-            <a:tailEnd/>
           </a:ln>
           <a:effectLst/>
         </p:spPr>
         <p:txBody>
-          <a:bodyPr vert="horz" wrap="square" lIns="91440" tIns="45720" rIns="91440" bIns="45720" numCol="1" anchor="t" anchorCtr="0" compatLnSpc="1">
-            <a:prstTxWarp prst="textNoShape">
-              <a:avLst/>
-            </a:prstTxWarp>
-          </a:bodyPr>
+          <a:bodyPr vert="horz" wrap="square" lIns="91440" tIns="45720" rIns="91440" bIns="45720" numCol="1" anchor="t" anchorCtr="0" compatLnSpc="1"/>
           <a:lstStyle>
             <a:lvl1pPr algn="ctr">
-              <a:defRPr sz="1200">
-                <a:ea typeface="宋体" pitchFamily="2" charset="-122"/>
+              <a:defRPr sz="900">
+                <a:ea typeface="宋体" panose="02010600030101010101" pitchFamily="2" charset="-122"/>
               </a:defRPr>
             </a:lvl1pPr>
           </a:lstStyle>
@@ -4323,8 +4245,8 @@
         </p:nvSpPr>
         <p:spPr bwMode="auto">
           <a:xfrm>
-            <a:off x="6553200" y="6245225"/>
-            <a:ext cx="1981200" cy="476250"/>
+            <a:off x="6553200" y="4684738"/>
+            <a:ext cx="1981200" cy="357250"/>
           </a:xfrm>
           <a:prstGeom prst="rect">
             <a:avLst/>
@@ -4333,21 +4255,15 @@
           <a:ln w="9525">
             <a:noFill/>
             <a:miter lim="800000"/>
-            <a:headEnd/>
-            <a:tailEnd/>
           </a:ln>
           <a:effectLst/>
         </p:spPr>
         <p:txBody>
-          <a:bodyPr vert="horz" wrap="square" lIns="91440" tIns="45720" rIns="91440" bIns="45720" numCol="1" anchor="t" anchorCtr="0" compatLnSpc="1">
-            <a:prstTxWarp prst="textNoShape">
-              <a:avLst/>
-            </a:prstTxWarp>
-          </a:bodyPr>
+          <a:bodyPr vert="horz" wrap="square" lIns="91440" tIns="45720" rIns="91440" bIns="45720" numCol="1" anchor="t" anchorCtr="0" compatLnSpc="1"/>
           <a:lstStyle>
             <a:lvl1pPr algn="r">
-              <a:defRPr sz="1200">
-                <a:ea typeface="宋体" pitchFamily="2" charset="-122"/>
+              <a:defRPr sz="900">
+                <a:ea typeface="宋体" panose="02010600030101010101" pitchFamily="2" charset="-122"/>
               </a:defRPr>
             </a:lvl1pPr>
           </a:lstStyle>
@@ -4357,9 +4273,6 @@
             </a:pPr>
             <a:fld id="{39E445DD-EDA8-418B-8EE0-595795A13E99}" type="slidenum">
               <a:rPr lang="en-US" altLang="zh-CN"/>
-              <a:pPr>
-                <a:defRPr/>
-              </a:pPr>
               <a:t>‹#›</a:t>
             </a:fld>
             <a:endParaRPr lang="en-US" altLang="zh-CN"/>
@@ -4370,18 +4283,18 @@
   </p:cSld>
   <p:clrMap bg1="lt1" tx1="dk1" bg2="lt2" tx2="dk2" accent1="accent1" accent2="accent2" accent3="accent3" accent4="accent4" accent5="accent5" accent6="accent6" hlink="hlink" folHlink="folHlink"/>
   <p:sldLayoutIdLst>
-    <p:sldLayoutId id="2147483892" r:id="rId1"/>
-    <p:sldLayoutId id="2147483881" r:id="rId2"/>
-    <p:sldLayoutId id="2147483882" r:id="rId3"/>
-    <p:sldLayoutId id="2147483883" r:id="rId4"/>
-    <p:sldLayoutId id="2147483884" r:id="rId5"/>
-    <p:sldLayoutId id="2147483885" r:id="rId6"/>
-    <p:sldLayoutId id="2147483886" r:id="rId7"/>
-    <p:sldLayoutId id="2147483887" r:id="rId8"/>
-    <p:sldLayoutId id="2147483888" r:id="rId9"/>
-    <p:sldLayoutId id="2147483889" r:id="rId10"/>
-    <p:sldLayoutId id="2147483890" r:id="rId11"/>
-    <p:sldLayoutId id="2147483891" r:id="rId12"/>
+    <p:sldLayoutId id="2147483649" r:id="rId1"/>
+    <p:sldLayoutId id="2147483650" r:id="rId2"/>
+    <p:sldLayoutId id="2147483651" r:id="rId3"/>
+    <p:sldLayoutId id="2147483652" r:id="rId4"/>
+    <p:sldLayoutId id="2147483653" r:id="rId5"/>
+    <p:sldLayoutId id="2147483654" r:id="rId6"/>
+    <p:sldLayoutId id="2147483655" r:id="rId7"/>
+    <p:sldLayoutId id="2147483656" r:id="rId8"/>
+    <p:sldLayoutId id="2147483657" r:id="rId9"/>
+    <p:sldLayoutId id="2147483658" r:id="rId10"/>
+    <p:sldLayoutId id="2147483659" r:id="rId11"/>
+    <p:sldLayoutId id="2147483660" r:id="rId12"/>
   </p:sldLayoutIdLst>
   <p:transition>
     <p:blinds dir="vert"/>
@@ -4403,7 +4316,7 @@
         <a:spcAft>
           <a:spcPct val="0"/>
         </a:spcAft>
-        <a:defRPr sz="3800">
+        <a:defRPr sz="2850">
           <a:solidFill>
             <a:schemeClr val="tx2"/>
           </a:solidFill>
@@ -4423,8 +4336,8 @@
           <a:solidFill>
             <a:schemeClr val="tx2"/>
           </a:solidFill>
-          <a:latin typeface="Verdana" pitchFamily="34" charset="0"/>
-          <a:ea typeface="宋体" pitchFamily="2" charset="-122"/>
+          <a:latin typeface="Verdana" panose="020B0604030504040204" pitchFamily="34" charset="0"/>
+          <a:ea typeface="宋体" panose="02010600030101010101" pitchFamily="2" charset="-122"/>
         </a:defRPr>
       </a:lvl2pPr>
       <a:lvl3pPr algn="l" rtl="0" eaLnBrk="0" fontAlgn="base" hangingPunct="0">
@@ -4438,8 +4351,8 @@
           <a:solidFill>
             <a:schemeClr val="tx2"/>
           </a:solidFill>
-          <a:latin typeface="Verdana" pitchFamily="34" charset="0"/>
-          <a:ea typeface="宋体" pitchFamily="2" charset="-122"/>
+          <a:latin typeface="Verdana" panose="020B0604030504040204" pitchFamily="34" charset="0"/>
+          <a:ea typeface="宋体" panose="02010600030101010101" pitchFamily="2" charset="-122"/>
         </a:defRPr>
       </a:lvl3pPr>
       <a:lvl4pPr algn="l" rtl="0" eaLnBrk="0" fontAlgn="base" hangingPunct="0">
@@ -4453,8 +4366,8 @@
           <a:solidFill>
             <a:schemeClr val="tx2"/>
           </a:solidFill>
-          <a:latin typeface="Verdana" pitchFamily="34" charset="0"/>
-          <a:ea typeface="宋体" pitchFamily="2" charset="-122"/>
+          <a:latin typeface="Verdana" panose="020B0604030504040204" pitchFamily="34" charset="0"/>
+          <a:ea typeface="宋体" panose="02010600030101010101" pitchFamily="2" charset="-122"/>
         </a:defRPr>
       </a:lvl4pPr>
       <a:lvl5pPr algn="l" rtl="0" eaLnBrk="0" fontAlgn="base" hangingPunct="0">
@@ -4468,8 +4381,8 @@
           <a:solidFill>
             <a:schemeClr val="tx2"/>
           </a:solidFill>
-          <a:latin typeface="Verdana" pitchFamily="34" charset="0"/>
-          <a:ea typeface="宋体" pitchFamily="2" charset="-122"/>
+          <a:latin typeface="Verdana" panose="020B0604030504040204" pitchFamily="34" charset="0"/>
+          <a:ea typeface="宋体" panose="02010600030101010101" pitchFamily="2" charset="-122"/>
         </a:defRPr>
       </a:lvl5pPr>
       <a:lvl6pPr marL="457200" algn="l" rtl="0" fontAlgn="base">
@@ -4483,8 +4396,8 @@
           <a:solidFill>
             <a:schemeClr val="tx2"/>
           </a:solidFill>
-          <a:latin typeface="Verdana" pitchFamily="34" charset="0"/>
-          <a:ea typeface="宋体" pitchFamily="2" charset="-122"/>
+          <a:latin typeface="Verdana" panose="020B0604030504040204" pitchFamily="34" charset="0"/>
+          <a:ea typeface="宋体" panose="02010600030101010101" pitchFamily="2" charset="-122"/>
         </a:defRPr>
       </a:lvl6pPr>
       <a:lvl7pPr marL="914400" algn="l" rtl="0" fontAlgn="base">
@@ -4498,8 +4411,8 @@
           <a:solidFill>
             <a:schemeClr val="tx2"/>
           </a:solidFill>
-          <a:latin typeface="Verdana" pitchFamily="34" charset="0"/>
-          <a:ea typeface="宋体" pitchFamily="2" charset="-122"/>
+          <a:latin typeface="Verdana" panose="020B0604030504040204" pitchFamily="34" charset="0"/>
+          <a:ea typeface="宋体" panose="02010600030101010101" pitchFamily="2" charset="-122"/>
         </a:defRPr>
       </a:lvl7pPr>
       <a:lvl8pPr marL="1371600" algn="l" rtl="0" fontAlgn="base">
@@ -4513,8 +4426,8 @@
           <a:solidFill>
             <a:schemeClr val="tx2"/>
           </a:solidFill>
-          <a:latin typeface="Verdana" pitchFamily="34" charset="0"/>
-          <a:ea typeface="宋体" pitchFamily="2" charset="-122"/>
+          <a:latin typeface="Verdana" panose="020B0604030504040204" pitchFamily="34" charset="0"/>
+          <a:ea typeface="宋体" panose="02010600030101010101" pitchFamily="2" charset="-122"/>
         </a:defRPr>
       </a:lvl8pPr>
       <a:lvl9pPr marL="1828800" algn="l" rtl="0" fontAlgn="base">
@@ -4528,15 +4441,15 @@
           <a:solidFill>
             <a:schemeClr val="tx2"/>
           </a:solidFill>
-          <a:latin typeface="Verdana" pitchFamily="34" charset="0"/>
-          <a:ea typeface="宋体" pitchFamily="2" charset="-122"/>
+          <a:latin typeface="Verdana" panose="020B0604030504040204" pitchFamily="34" charset="0"/>
+          <a:ea typeface="宋体" panose="02010600030101010101" pitchFamily="2" charset="-122"/>
         </a:defRPr>
       </a:lvl9pPr>
     </p:titleStyle>
     <p:bodyStyle>
-      <a:lvl1pPr marL="469900" indent="-469900" algn="l" rtl="0" eaLnBrk="0" fontAlgn="base" hangingPunct="0">
+      <a:lvl1pPr marL="352425" indent="-352425" algn="l" rtl="0" eaLnBrk="0" fontAlgn="base" hangingPunct="0">
         <a:spcBef>
-          <a:spcPct val="20000"/>
+          <a:spcPct val="15000"/>
         </a:spcBef>
         <a:spcAft>
           <a:spcPct val="0"/>
@@ -4544,9 +4457,9 @@
         <a:buClr>
           <a:schemeClr val="accent2"/>
         </a:buClr>
-        <a:buFont typeface="Wingdings" pitchFamily="2" charset="2"/>
+        <a:buFont typeface="Wingdings" panose="05000000000000000000" pitchFamily="2" charset="2"/>
         <a:buChar char="o"/>
-        <a:defRPr sz="3000">
+        <a:defRPr sz="2250">
           <a:solidFill>
             <a:schemeClr val="tx1"/>
           </a:solidFill>
@@ -4555,9 +4468,9 @@
           <a:cs typeface="+mn-cs"/>
         </a:defRPr>
       </a:lvl1pPr>
-      <a:lvl2pPr marL="908050" indent="-436563" algn="l" rtl="0" eaLnBrk="0" fontAlgn="base" hangingPunct="0">
+      <a:lvl2pPr marL="681355" indent="-327660" algn="l" rtl="0" eaLnBrk="0" fontAlgn="base" hangingPunct="0">
         <a:spcBef>
-          <a:spcPct val="20000"/>
+          <a:spcPct val="15000"/>
         </a:spcBef>
         <a:spcAft>
           <a:spcPct val="0"/>
@@ -4565,9 +4478,9 @@
         <a:buClr>
           <a:schemeClr val="accent2"/>
         </a:buClr>
-        <a:buFont typeface="Wingdings" pitchFamily="2" charset="2"/>
+        <a:buFont typeface="Wingdings" panose="05000000000000000000" pitchFamily="2" charset="2"/>
         <a:buChar char="n"/>
-        <a:defRPr sz="2600">
+        <a:defRPr sz="1950">
           <a:solidFill>
             <a:schemeClr val="tx1"/>
           </a:solidFill>
@@ -4575,9 +4488,9 @@
           <a:ea typeface="+mn-ea"/>
         </a:defRPr>
       </a:lvl2pPr>
-      <a:lvl3pPr marL="1304925" indent="-395288" algn="l" rtl="0" eaLnBrk="0" fontAlgn="base" hangingPunct="0">
+      <a:lvl3pPr marL="979170" indent="-296545" algn="l" rtl="0" eaLnBrk="0" fontAlgn="base" hangingPunct="0">
         <a:spcBef>
-          <a:spcPct val="20000"/>
+          <a:spcPct val="15000"/>
         </a:spcBef>
         <a:spcAft>
           <a:spcPct val="0"/>
@@ -4585,9 +4498,9 @@
         <a:buClr>
           <a:schemeClr val="accent2"/>
         </a:buClr>
-        <a:buFont typeface="Wingdings" pitchFamily="2" charset="2"/>
+        <a:buFont typeface="Wingdings" panose="05000000000000000000" pitchFamily="2" charset="2"/>
         <a:buChar char="o"/>
-        <a:defRPr sz="2300">
+        <a:defRPr sz="1725">
           <a:solidFill>
             <a:schemeClr val="tx1"/>
           </a:solidFill>
@@ -4595,9 +4508,9 @@
           <a:ea typeface="+mn-ea"/>
         </a:defRPr>
       </a:lvl3pPr>
-      <a:lvl4pPr marL="1693863" indent="-387350" algn="l" rtl="0" eaLnBrk="0" fontAlgn="base" hangingPunct="0">
+      <a:lvl4pPr marL="1270635" indent="-290830" algn="l" rtl="0" eaLnBrk="0" fontAlgn="base" hangingPunct="0">
         <a:spcBef>
-          <a:spcPct val="20000"/>
+          <a:spcPct val="15000"/>
         </a:spcBef>
         <a:spcAft>
           <a:spcPct val="0"/>
@@ -4605,9 +4518,9 @@
         <a:buClr>
           <a:schemeClr val="accent2"/>
         </a:buClr>
-        <a:buFont typeface="Wingdings" pitchFamily="2" charset="2"/>
+        <a:buFont typeface="Wingdings" panose="05000000000000000000" pitchFamily="2" charset="2"/>
         <a:buChar char="n"/>
-        <a:defRPr sz="2000">
+        <a:defRPr sz="1500">
           <a:solidFill>
             <a:schemeClr val="tx1"/>
           </a:solidFill>
@@ -4615,9 +4528,9 @@
           <a:ea typeface="+mn-ea"/>
         </a:defRPr>
       </a:lvl4pPr>
-      <a:lvl5pPr marL="2093913" indent="-398463" algn="l" rtl="0" eaLnBrk="0" fontAlgn="base" hangingPunct="0">
+      <a:lvl5pPr marL="1570990" indent="-299085" algn="l" rtl="0" eaLnBrk="0" fontAlgn="base" hangingPunct="0">
         <a:spcBef>
-          <a:spcPct val="25000"/>
+          <a:spcPts val="90"/>
         </a:spcBef>
         <a:spcAft>
           <a:spcPct val="0"/>
@@ -4625,9 +4538,9 @@
         <a:buClr>
           <a:schemeClr val="accent2"/>
         </a:buClr>
-        <a:buFont typeface="Wingdings" pitchFamily="2" charset="2"/>
+        <a:buFont typeface="Wingdings" panose="05000000000000000000" pitchFamily="2" charset="2"/>
         <a:buChar char="§"/>
-        <a:defRPr sz="2000">
+        <a:defRPr sz="1500">
           <a:solidFill>
             <a:schemeClr val="tx1"/>
           </a:solidFill>
@@ -4635,9 +4548,9 @@
           <a:ea typeface="+mn-ea"/>
         </a:defRPr>
       </a:lvl5pPr>
-      <a:lvl6pPr marL="2551113" indent="-398463" algn="l" rtl="0" fontAlgn="base">
+      <a:lvl6pPr marL="1913890" indent="-299085" algn="l" rtl="0" fontAlgn="base">
         <a:spcBef>
-          <a:spcPct val="25000"/>
+          <a:spcPts val="90"/>
         </a:spcBef>
         <a:spcAft>
           <a:spcPct val="0"/>
@@ -4645,9 +4558,9 @@
         <a:buClr>
           <a:schemeClr val="accent2"/>
         </a:buClr>
-        <a:buFont typeface="Wingdings" pitchFamily="2" charset="2"/>
+        <a:buFont typeface="Wingdings" panose="05000000000000000000" pitchFamily="2" charset="2"/>
         <a:buChar char="§"/>
-        <a:defRPr sz="2000">
+        <a:defRPr sz="1500">
           <a:solidFill>
             <a:schemeClr val="tx1"/>
           </a:solidFill>
@@ -4655,9 +4568,9 @@
           <a:ea typeface="+mn-ea"/>
         </a:defRPr>
       </a:lvl6pPr>
-      <a:lvl7pPr marL="3008313" indent="-398463" algn="l" rtl="0" fontAlgn="base">
+      <a:lvl7pPr marL="2256790" indent="-299085" algn="l" rtl="0" fontAlgn="base">
         <a:spcBef>
-          <a:spcPct val="25000"/>
+          <a:spcPts val="90"/>
         </a:spcBef>
         <a:spcAft>
           <a:spcPct val="0"/>
@@ -4665,9 +4578,9 @@
         <a:buClr>
           <a:schemeClr val="accent2"/>
         </a:buClr>
-        <a:buFont typeface="Wingdings" pitchFamily="2" charset="2"/>
+        <a:buFont typeface="Wingdings" panose="05000000000000000000" pitchFamily="2" charset="2"/>
         <a:buChar char="§"/>
-        <a:defRPr sz="2000">
+        <a:defRPr sz="1500">
           <a:solidFill>
             <a:schemeClr val="tx1"/>
           </a:solidFill>
@@ -4675,9 +4588,9 @@
           <a:ea typeface="+mn-ea"/>
         </a:defRPr>
       </a:lvl7pPr>
-      <a:lvl8pPr marL="3465513" indent="-398463" algn="l" rtl="0" fontAlgn="base">
+      <a:lvl8pPr marL="2599690" indent="-299085" algn="l" rtl="0" fontAlgn="base">
         <a:spcBef>
-          <a:spcPct val="25000"/>
+          <a:spcPts val="90"/>
         </a:spcBef>
         <a:spcAft>
           <a:spcPct val="0"/>
@@ -4685,9 +4598,9 @@
         <a:buClr>
           <a:schemeClr val="accent2"/>
         </a:buClr>
-        <a:buFont typeface="Wingdings" pitchFamily="2" charset="2"/>
+        <a:buFont typeface="Wingdings" panose="05000000000000000000" pitchFamily="2" charset="2"/>
         <a:buChar char="§"/>
-        <a:defRPr sz="2000">
+        <a:defRPr sz="1500">
           <a:solidFill>
             <a:schemeClr val="tx1"/>
           </a:solidFill>
@@ -4695,9 +4608,9 @@
           <a:ea typeface="+mn-ea"/>
         </a:defRPr>
       </a:lvl8pPr>
-      <a:lvl9pPr marL="3922713" indent="-398463" algn="l" rtl="0" fontAlgn="base">
+      <a:lvl9pPr marL="2942590" indent="-299085" algn="l" rtl="0" fontAlgn="base">
         <a:spcBef>
-          <a:spcPct val="25000"/>
+          <a:spcPts val="90"/>
         </a:spcBef>
         <a:spcAft>
           <a:spcPct val="0"/>
@@ -4705,9 +4618,9 @@
         <a:buClr>
           <a:schemeClr val="accent2"/>
         </a:buClr>
-        <a:buFont typeface="Wingdings" pitchFamily="2" charset="2"/>
+        <a:buFont typeface="Wingdings" panose="05000000000000000000" pitchFamily="2" charset="2"/>
         <a:buChar char="§"/>
-        <a:defRPr sz="2000">
+        <a:defRPr sz="1500">
           <a:solidFill>
             <a:schemeClr val="tx1"/>
           </a:solidFill>
@@ -4720,8 +4633,8 @@
       <a:defPPr>
         <a:defRPr lang="zh-CN"/>
       </a:defPPr>
-      <a:lvl1pPr marL="0" algn="l" defTabSz="914400" rtl="0" eaLnBrk="1" latinLnBrk="0" hangingPunct="1">
-        <a:defRPr sz="1800" kern="1200">
+      <a:lvl1pPr marL="0" algn="l" defTabSz="685800" rtl="0" eaLnBrk="1" latinLnBrk="0" hangingPunct="1">
+        <a:defRPr sz="1350" kern="1200">
           <a:solidFill>
             <a:schemeClr val="tx1"/>
           </a:solidFill>
@@ -4730,8 +4643,8 @@
           <a:cs typeface="+mn-cs"/>
         </a:defRPr>
       </a:lvl1pPr>
-      <a:lvl2pPr marL="457200" algn="l" defTabSz="914400" rtl="0" eaLnBrk="1" latinLnBrk="0" hangingPunct="1">
-        <a:defRPr sz="1800" kern="1200">
+      <a:lvl2pPr marL="342900" algn="l" defTabSz="685800" rtl="0" eaLnBrk="1" latinLnBrk="0" hangingPunct="1">
+        <a:defRPr sz="1350" kern="1200">
           <a:solidFill>
             <a:schemeClr val="tx1"/>
           </a:solidFill>
@@ -4740,8 +4653,8 @@
           <a:cs typeface="+mn-cs"/>
         </a:defRPr>
       </a:lvl2pPr>
-      <a:lvl3pPr marL="914400" algn="l" defTabSz="914400" rtl="0" eaLnBrk="1" latinLnBrk="0" hangingPunct="1">
-        <a:defRPr sz="1800" kern="1200">
+      <a:lvl3pPr marL="685800" algn="l" defTabSz="685800" rtl="0" eaLnBrk="1" latinLnBrk="0" hangingPunct="1">
+        <a:defRPr sz="1350" kern="1200">
           <a:solidFill>
             <a:schemeClr val="tx1"/>
           </a:solidFill>
@@ -4750,8 +4663,8 @@
           <a:cs typeface="+mn-cs"/>
         </a:defRPr>
       </a:lvl3pPr>
-      <a:lvl4pPr marL="1371600" algn="l" defTabSz="914400" rtl="0" eaLnBrk="1" latinLnBrk="0" hangingPunct="1">
-        <a:defRPr sz="1800" kern="1200">
+      <a:lvl4pPr marL="1028700" algn="l" defTabSz="685800" rtl="0" eaLnBrk="1" latinLnBrk="0" hangingPunct="1">
+        <a:defRPr sz="1350" kern="1200">
           <a:solidFill>
             <a:schemeClr val="tx1"/>
           </a:solidFill>
@@ -4760,8 +4673,8 @@
           <a:cs typeface="+mn-cs"/>
         </a:defRPr>
       </a:lvl4pPr>
-      <a:lvl5pPr marL="1828800" algn="l" defTabSz="914400" rtl="0" eaLnBrk="1" latinLnBrk="0" hangingPunct="1">
-        <a:defRPr sz="1800" kern="1200">
+      <a:lvl5pPr marL="1371600" algn="l" defTabSz="685800" rtl="0" eaLnBrk="1" latinLnBrk="0" hangingPunct="1">
+        <a:defRPr sz="1350" kern="1200">
           <a:solidFill>
             <a:schemeClr val="tx1"/>
           </a:solidFill>
@@ -4770,8 +4683,8 @@
           <a:cs typeface="+mn-cs"/>
         </a:defRPr>
       </a:lvl5pPr>
-      <a:lvl6pPr marL="2286000" algn="l" defTabSz="914400" rtl="0" eaLnBrk="1" latinLnBrk="0" hangingPunct="1">
-        <a:defRPr sz="1800" kern="1200">
+      <a:lvl6pPr marL="1714500" algn="l" defTabSz="685800" rtl="0" eaLnBrk="1" latinLnBrk="0" hangingPunct="1">
+        <a:defRPr sz="1350" kern="1200">
           <a:solidFill>
             <a:schemeClr val="tx1"/>
           </a:solidFill>
@@ -4780,8 +4693,8 @@
           <a:cs typeface="+mn-cs"/>
         </a:defRPr>
       </a:lvl6pPr>
-      <a:lvl7pPr marL="2743200" algn="l" defTabSz="914400" rtl="0" eaLnBrk="1" latinLnBrk="0" hangingPunct="1">
-        <a:defRPr sz="1800" kern="1200">
+      <a:lvl7pPr marL="2058035" algn="l" defTabSz="685800" rtl="0" eaLnBrk="1" latinLnBrk="0" hangingPunct="1">
+        <a:defRPr sz="1350" kern="1200">
           <a:solidFill>
             <a:schemeClr val="tx1"/>
           </a:solidFill>
@@ -4790,8 +4703,8 @@
           <a:cs typeface="+mn-cs"/>
         </a:defRPr>
       </a:lvl7pPr>
-      <a:lvl8pPr marL="3200400" algn="l" defTabSz="914400" rtl="0" eaLnBrk="1" latinLnBrk="0" hangingPunct="1">
-        <a:defRPr sz="1800" kern="1200">
+      <a:lvl8pPr marL="2400935" algn="l" defTabSz="685800" rtl="0" eaLnBrk="1" latinLnBrk="0" hangingPunct="1">
+        <a:defRPr sz="1350" kern="1200">
           <a:solidFill>
             <a:schemeClr val="tx1"/>
           </a:solidFill>
@@ -4800,8 +4713,8 @@
           <a:cs typeface="+mn-cs"/>
         </a:defRPr>
       </a:lvl8pPr>
-      <a:lvl9pPr marL="3657600" algn="l" defTabSz="914400" rtl="0" eaLnBrk="1" latinLnBrk="0" hangingPunct="1">
-        <a:defRPr sz="1800" kern="1200">
+      <a:lvl9pPr marL="2743835" algn="l" defTabSz="685800" rtl="0" eaLnBrk="1" latinLnBrk="0" hangingPunct="1">
+        <a:defRPr sz="1350" kern="1200">
           <a:solidFill>
             <a:schemeClr val="tx1"/>
           </a:solidFill>
@@ -4844,7 +4757,6 @@
         </p:nvSpPr>
         <p:spPr>
           <a:noFill/>
-          <a:ln/>
           <a:extLst>
             <a:ext uri="{909E8E84-426E-40DD-AFC4-6F175D3DCCD1}">
               <a14:hiddenFill xmlns:a14="http://schemas.microsoft.com/office/drawing/2010/main">
@@ -4873,8 +4785,8 @@
                 <a:solidFill>
                   <a:schemeClr val="tx1"/>
                 </a:solidFill>
-                <a:latin typeface="Verdana" pitchFamily="34" charset="0"/>
-                <a:ea typeface="宋体" charset="-122"/>
+                <a:latin typeface="Verdana" panose="020B0604030504040204" pitchFamily="34" charset="0"/>
+                <a:ea typeface="宋体" panose="02010600030101010101" pitchFamily="2" charset="-122"/>
               </a:defRPr>
             </a:lvl1pPr>
             <a:lvl2pPr marL="742950" indent="-285750" eaLnBrk="0" hangingPunct="0">
@@ -4882,8 +4794,8 @@
                 <a:solidFill>
                   <a:schemeClr val="tx1"/>
                 </a:solidFill>
-                <a:latin typeface="Verdana" pitchFamily="34" charset="0"/>
-                <a:ea typeface="宋体" charset="-122"/>
+                <a:latin typeface="Verdana" panose="020B0604030504040204" pitchFamily="34" charset="0"/>
+                <a:ea typeface="宋体" panose="02010600030101010101" pitchFamily="2" charset="-122"/>
               </a:defRPr>
             </a:lvl2pPr>
             <a:lvl3pPr marL="1143000" indent="-228600" eaLnBrk="0" hangingPunct="0">
@@ -4891,8 +4803,8 @@
                 <a:solidFill>
                   <a:schemeClr val="tx1"/>
                 </a:solidFill>
-                <a:latin typeface="Verdana" pitchFamily="34" charset="0"/>
-                <a:ea typeface="宋体" charset="-122"/>
+                <a:latin typeface="Verdana" panose="020B0604030504040204" pitchFamily="34" charset="0"/>
+                <a:ea typeface="宋体" panose="02010600030101010101" pitchFamily="2" charset="-122"/>
               </a:defRPr>
             </a:lvl3pPr>
             <a:lvl4pPr marL="1600200" indent="-228600" eaLnBrk="0" hangingPunct="0">
@@ -4900,8 +4812,8 @@
                 <a:solidFill>
                   <a:schemeClr val="tx1"/>
                 </a:solidFill>
-                <a:latin typeface="Verdana" pitchFamily="34" charset="0"/>
-                <a:ea typeface="宋体" charset="-122"/>
+                <a:latin typeface="Verdana" panose="020B0604030504040204" pitchFamily="34" charset="0"/>
+                <a:ea typeface="宋体" panose="02010600030101010101" pitchFamily="2" charset="-122"/>
               </a:defRPr>
             </a:lvl4pPr>
             <a:lvl5pPr marL="2057400" indent="-228600" eaLnBrk="0" hangingPunct="0">
@@ -4909,8 +4821,8 @@
                 <a:solidFill>
                   <a:schemeClr val="tx1"/>
                 </a:solidFill>
-                <a:latin typeface="Verdana" pitchFamily="34" charset="0"/>
-                <a:ea typeface="宋体" charset="-122"/>
+                <a:latin typeface="Verdana" panose="020B0604030504040204" pitchFamily="34" charset="0"/>
+                <a:ea typeface="宋体" panose="02010600030101010101" pitchFamily="2" charset="-122"/>
               </a:defRPr>
             </a:lvl5pPr>
             <a:lvl6pPr marL="2514600" indent="-228600" eaLnBrk="0" fontAlgn="base" hangingPunct="0">
@@ -4924,8 +4836,8 @@
                 <a:solidFill>
                   <a:schemeClr val="tx1"/>
                 </a:solidFill>
-                <a:latin typeface="Verdana" pitchFamily="34" charset="0"/>
-                <a:ea typeface="宋体" charset="-122"/>
+                <a:latin typeface="Verdana" panose="020B0604030504040204" pitchFamily="34" charset="0"/>
+                <a:ea typeface="宋体" panose="02010600030101010101" pitchFamily="2" charset="-122"/>
               </a:defRPr>
             </a:lvl6pPr>
             <a:lvl7pPr marL="2971800" indent="-228600" eaLnBrk="0" fontAlgn="base" hangingPunct="0">
@@ -4939,8 +4851,8 @@
                 <a:solidFill>
                   <a:schemeClr val="tx1"/>
                 </a:solidFill>
-                <a:latin typeface="Verdana" pitchFamily="34" charset="0"/>
-                <a:ea typeface="宋体" charset="-122"/>
+                <a:latin typeface="Verdana" panose="020B0604030504040204" pitchFamily="34" charset="0"/>
+                <a:ea typeface="宋体" panose="02010600030101010101" pitchFamily="2" charset="-122"/>
               </a:defRPr>
             </a:lvl7pPr>
             <a:lvl8pPr marL="3429000" indent="-228600" eaLnBrk="0" fontAlgn="base" hangingPunct="0">
@@ -4954,8 +4866,8 @@
                 <a:solidFill>
                   <a:schemeClr val="tx1"/>
                 </a:solidFill>
-                <a:latin typeface="Verdana" pitchFamily="34" charset="0"/>
-                <a:ea typeface="宋体" charset="-122"/>
+                <a:latin typeface="Verdana" panose="020B0604030504040204" pitchFamily="34" charset="0"/>
+                <a:ea typeface="宋体" panose="02010600030101010101" pitchFamily="2" charset="-122"/>
               </a:defRPr>
             </a:lvl8pPr>
             <a:lvl9pPr marL="3886200" indent="-228600" eaLnBrk="0" fontAlgn="base" hangingPunct="0">
@@ -4969,19 +4881,18 @@
                 <a:solidFill>
                   <a:schemeClr val="tx1"/>
                 </a:solidFill>
-                <a:latin typeface="Verdana" pitchFamily="34" charset="0"/>
-                <a:ea typeface="宋体" charset="-122"/>
+                <a:latin typeface="Verdana" panose="020B0604030504040204" pitchFamily="34" charset="0"/>
+                <a:ea typeface="宋体" panose="02010600030101010101" pitchFamily="2" charset="-122"/>
               </a:defRPr>
             </a:lvl9pPr>
           </a:lstStyle>
           <a:p>
             <a:pPr eaLnBrk="1" hangingPunct="1"/>
             <a:fld id="{C7EB6D9D-86B9-40C8-A0D0-EF860905F87B}" type="slidenum">
-              <a:rPr lang="en-US" altLang="zh-CN" smtClean="0"/>
-              <a:pPr eaLnBrk="1" hangingPunct="1"/>
+              <a:rPr lang="en-US" altLang="zh-CN" sz="900" smtClean="0"/>
               <a:t>1</a:t>
             </a:fld>
-            <a:endParaRPr lang="en-US" altLang="zh-CN" smtClean="0"/>
+            <a:endParaRPr lang="en-US" altLang="zh-CN" sz="900" smtClean="0"/>
           </a:p>
         </p:txBody>
       </p:sp>
@@ -4995,71 +4906,60 @@
             <p:ph type="ctrTitle"/>
           </p:nvPr>
         </p:nvSpPr>
-        <p:spPr/>
+        <p:spPr>
+          <a:xfrm>
+            <a:off x="709735" y="571042"/>
+            <a:ext cx="7772400" cy="1028880"/>
+          </a:xfrm>
+        </p:spPr>
         <p:txBody>
           <a:bodyPr/>
           <a:lstStyle/>
           <a:p>
             <a:pPr algn="ctr" eaLnBrk="1" hangingPunct="1"/>
             <a:r>
-              <a:rPr lang="zh-CN" altLang="en-US" sz="6000" b="1" smtClean="0">
-                <a:ea typeface="华文隶书" pitchFamily="2" charset="-122"/>
+              <a:rPr lang="zh-CN" altLang="en-US" sz="4500" b="1" smtClean="0">
+                <a:ea typeface="华文隶书" panose="02010800040101010101" pitchFamily="2" charset="-122"/>
               </a:rPr>
-              <a:t>软件测试实用教程</a:t>
-            </a:r>
-            <a:r>
-              <a:rPr lang="en-US" altLang="zh-CN" sz="6000" b="1" smtClean="0">
-                <a:ea typeface="华文隶书" pitchFamily="2" charset="-122"/>
+              <a:t>软件测试基础</a:t>
+            </a:r>
+          </a:p>
+        </p:txBody>
+      </p:sp>
+      <p:sp>
+        <p:nvSpPr>
+          <p:cNvPr id="3076" name="Rectangle 3"/>
+          <p:cNvSpPr>
+            <a:spLocks noGrp="1" noChangeArrowheads="1"/>
+          </p:cNvSpPr>
+          <p:nvPr>
+            <p:ph type="subTitle" idx="1"/>
+          </p:nvPr>
+        </p:nvSpPr>
+        <p:spPr>
+          <a:xfrm>
+            <a:off x="1160780" y="2141670"/>
+            <a:ext cx="7010400" cy="1200360"/>
+          </a:xfrm>
+        </p:spPr>
+        <p:txBody>
+          <a:bodyPr/>
+          <a:lstStyle/>
+          <a:p>
+            <a:pPr marL="0" indent="0" algn="ctr" eaLnBrk="1" hangingPunct="1">
+              <a:buNone/>
+            </a:pPr>
+            <a:r>
+              <a:rPr lang="en-US" altLang="zh-CN" sz="3300" b="1" smtClean="0">
+                <a:latin typeface="华文隶书" panose="02010800040101010101" pitchFamily="2" charset="-122"/>
+                <a:ea typeface="华文隶书" panose="02010800040101010101" pitchFamily="2" charset="-122"/>
               </a:rPr>
-              <a:t/>
-            </a:r>
-            <a:br>
-              <a:rPr lang="en-US" altLang="zh-CN" sz="6000" b="1" smtClean="0">
-                <a:ea typeface="华文隶书" pitchFamily="2" charset="-122"/>
-              </a:rPr>
-            </a:br>
-            <a:r>
-              <a:rPr lang="en-US" altLang="zh-CN" sz="6000" b="1" smtClean="0">
-                <a:ea typeface="华文隶书" pitchFamily="2" charset="-122"/>
-              </a:rPr>
-              <a:t>——</a:t>
-            </a:r>
-            <a:r>
-              <a:rPr lang="zh-CN" altLang="en-US" sz="6000" b="1" smtClean="0">
-                <a:ea typeface="华文隶书" pitchFamily="2" charset="-122"/>
-              </a:rPr>
-              <a:t>方法与实践</a:t>
-            </a:r>
-          </a:p>
-        </p:txBody>
-      </p:sp>
-      <p:sp>
-        <p:nvSpPr>
-          <p:cNvPr id="3076" name="Rectangle 3"/>
-          <p:cNvSpPr>
-            <a:spLocks noGrp="1" noChangeArrowheads="1"/>
-          </p:cNvSpPr>
-          <p:nvPr>
-            <p:ph type="subTitle" idx="1"/>
-          </p:nvPr>
-        </p:nvSpPr>
-        <p:spPr/>
-        <p:txBody>
-          <a:bodyPr/>
-          <a:lstStyle/>
-          <a:p>
-            <a:pPr algn="ctr" eaLnBrk="1" hangingPunct="1"/>
-            <a:r>
-              <a:rPr lang="en-US" altLang="zh-CN" sz="4400" b="1" smtClean="0">
-                <a:latin typeface="华文隶书" pitchFamily="2" charset="-122"/>
-                <a:ea typeface="华文隶书" pitchFamily="2" charset="-122"/>
-              </a:rPr>
-              <a:t>PartI </a:t>
-            </a:r>
-            <a:r>
-              <a:rPr lang="zh-CN" altLang="en-US" sz="4400" b="1" smtClean="0">
-                <a:latin typeface="华文隶书" pitchFamily="2" charset="-122"/>
-                <a:ea typeface="华文隶书" pitchFamily="2" charset="-122"/>
+              <a:t>PartI    </a:t>
+            </a:r>
+            <a:r>
+              <a:rPr lang="zh-CN" altLang="en-US" sz="3300" b="1" smtClean="0">
+                <a:latin typeface="华文隶书" panose="02010800040101010101" pitchFamily="2" charset="-122"/>
+                <a:ea typeface="华文隶书" panose="02010800040101010101" pitchFamily="2" charset="-122"/>
               </a:rPr>
               <a:t>软件测试概述</a:t>
             </a:r>
@@ -5111,7 +5011,6 @@
         </p:nvSpPr>
         <p:spPr>
           <a:noFill/>
-          <a:ln/>
           <a:extLst>
             <a:ext uri="{909E8E84-426E-40DD-AFC4-6F175D3DCCD1}">
               <a14:hiddenFill xmlns:a14="http://schemas.microsoft.com/office/drawing/2010/main">
@@ -5140,8 +5039,8 @@
                 <a:solidFill>
                   <a:schemeClr val="tx1"/>
                 </a:solidFill>
-                <a:latin typeface="Verdana" pitchFamily="34" charset="0"/>
-                <a:ea typeface="宋体" charset="-122"/>
+                <a:latin typeface="Verdana" panose="020B0604030504040204" pitchFamily="34" charset="0"/>
+                <a:ea typeface="宋体" panose="02010600030101010101" pitchFamily="2" charset="-122"/>
               </a:defRPr>
             </a:lvl1pPr>
             <a:lvl2pPr marL="742950" indent="-285750" eaLnBrk="0" hangingPunct="0">
@@ -5149,8 +5048,8 @@
                 <a:solidFill>
                   <a:schemeClr val="tx1"/>
                 </a:solidFill>
-                <a:latin typeface="Verdana" pitchFamily="34" charset="0"/>
-                <a:ea typeface="宋体" charset="-122"/>
+                <a:latin typeface="Verdana" panose="020B0604030504040204" pitchFamily="34" charset="0"/>
+                <a:ea typeface="宋体" panose="02010600030101010101" pitchFamily="2" charset="-122"/>
               </a:defRPr>
             </a:lvl2pPr>
             <a:lvl3pPr marL="1143000" indent="-228600" eaLnBrk="0" hangingPunct="0">
@@ -5158,8 +5057,8 @@
                 <a:solidFill>
                   <a:schemeClr val="tx1"/>
                 </a:solidFill>
-                <a:latin typeface="Verdana" pitchFamily="34" charset="0"/>
-                <a:ea typeface="宋体" charset="-122"/>
+                <a:latin typeface="Verdana" panose="020B0604030504040204" pitchFamily="34" charset="0"/>
+                <a:ea typeface="宋体" panose="02010600030101010101" pitchFamily="2" charset="-122"/>
               </a:defRPr>
             </a:lvl3pPr>
             <a:lvl4pPr marL="1600200" indent="-228600" eaLnBrk="0" hangingPunct="0">
@@ -5167,8 +5066,8 @@
                 <a:solidFill>
                   <a:schemeClr val="tx1"/>
                 </a:solidFill>
-                <a:latin typeface="Verdana" pitchFamily="34" charset="0"/>
-                <a:ea typeface="宋体" charset="-122"/>
+                <a:latin typeface="Verdana" panose="020B0604030504040204" pitchFamily="34" charset="0"/>
+                <a:ea typeface="宋体" panose="02010600030101010101" pitchFamily="2" charset="-122"/>
               </a:defRPr>
             </a:lvl4pPr>
             <a:lvl5pPr marL="2057400" indent="-228600" eaLnBrk="0" hangingPunct="0">
@@ -5176,8 +5075,8 @@
                 <a:solidFill>
                   <a:schemeClr val="tx1"/>
                 </a:solidFill>
-                <a:latin typeface="Verdana" pitchFamily="34" charset="0"/>
-                <a:ea typeface="宋体" charset="-122"/>
+                <a:latin typeface="Verdana" panose="020B0604030504040204" pitchFamily="34" charset="0"/>
+                <a:ea typeface="宋体" panose="02010600030101010101" pitchFamily="2" charset="-122"/>
               </a:defRPr>
             </a:lvl5pPr>
             <a:lvl6pPr marL="2514600" indent="-228600" eaLnBrk="0" fontAlgn="base" hangingPunct="0">
@@ -5191,8 +5090,8 @@
                 <a:solidFill>
                   <a:schemeClr val="tx1"/>
                 </a:solidFill>
-                <a:latin typeface="Verdana" pitchFamily="34" charset="0"/>
-                <a:ea typeface="宋体" charset="-122"/>
+                <a:latin typeface="Verdana" panose="020B0604030504040204" pitchFamily="34" charset="0"/>
+                <a:ea typeface="宋体" panose="02010600030101010101" pitchFamily="2" charset="-122"/>
               </a:defRPr>
             </a:lvl6pPr>
             <a:lvl7pPr marL="2971800" indent="-228600" eaLnBrk="0" fontAlgn="base" hangingPunct="0">
@@ -5206,8 +5105,8 @@
                 <a:solidFill>
                   <a:schemeClr val="tx1"/>
                 </a:solidFill>
-                <a:latin typeface="Verdana" pitchFamily="34" charset="0"/>
-                <a:ea typeface="宋体" charset="-122"/>
+                <a:latin typeface="Verdana" panose="020B0604030504040204" pitchFamily="34" charset="0"/>
+                <a:ea typeface="宋体" panose="02010600030101010101" pitchFamily="2" charset="-122"/>
               </a:defRPr>
             </a:lvl7pPr>
             <a:lvl8pPr marL="3429000" indent="-228600" eaLnBrk="0" fontAlgn="base" hangingPunct="0">
@@ -5221,8 +5120,8 @@
                 <a:solidFill>
                   <a:schemeClr val="tx1"/>
                 </a:solidFill>
-                <a:latin typeface="Verdana" pitchFamily="34" charset="0"/>
-                <a:ea typeface="宋体" charset="-122"/>
+                <a:latin typeface="Verdana" panose="020B0604030504040204" pitchFamily="34" charset="0"/>
+                <a:ea typeface="宋体" panose="02010600030101010101" pitchFamily="2" charset="-122"/>
               </a:defRPr>
             </a:lvl8pPr>
             <a:lvl9pPr marL="3886200" indent="-228600" eaLnBrk="0" fontAlgn="base" hangingPunct="0">
@@ -5236,19 +5135,18 @@
                 <a:solidFill>
                   <a:schemeClr val="tx1"/>
                 </a:solidFill>
-                <a:latin typeface="Verdana" pitchFamily="34" charset="0"/>
-                <a:ea typeface="宋体" charset="-122"/>
+                <a:latin typeface="Verdana" panose="020B0604030504040204" pitchFamily="34" charset="0"/>
+                <a:ea typeface="宋体" panose="02010600030101010101" pitchFamily="2" charset="-122"/>
               </a:defRPr>
             </a:lvl9pPr>
           </a:lstStyle>
           <a:p>
             <a:pPr eaLnBrk="1" hangingPunct="1"/>
             <a:fld id="{3499A8DA-B8EF-43D9-8310-C4B3F2E4DE35}" type="slidenum">
-              <a:rPr lang="en-US" altLang="zh-CN" smtClean="0"/>
-              <a:pPr eaLnBrk="1" hangingPunct="1"/>
+              <a:rPr lang="en-US" altLang="zh-CN" sz="900" smtClean="0"/>
               <a:t>10</a:t>
             </a:fld>
-            <a:endParaRPr lang="en-US" altLang="zh-CN" smtClean="0"/>
+            <a:endParaRPr lang="en-US" altLang="zh-CN" sz="900" smtClean="0"/>
           </a:p>
         </p:txBody>
       </p:sp>
@@ -5270,15 +5168,15 @@
             <a:pPr eaLnBrk="1" hangingPunct="1"/>
             <a:r>
               <a:rPr lang="en-US" altLang="zh-CN" b="1" smtClean="0">
-                <a:latin typeface="黑体" pitchFamily="49" charset="-122"/>
-                <a:ea typeface="黑体" pitchFamily="49" charset="-122"/>
+                <a:latin typeface="黑体" panose="02010609060101010101" pitchFamily="49" charset="-122"/>
+                <a:ea typeface="黑体" panose="02010609060101010101" pitchFamily="49" charset="-122"/>
               </a:rPr>
               <a:t>2.4 </a:t>
             </a:r>
             <a:r>
               <a:rPr lang="zh-CN" altLang="en-US" b="1" smtClean="0">
-                <a:latin typeface="黑体" pitchFamily="49" charset="-122"/>
-                <a:ea typeface="黑体" pitchFamily="49" charset="-122"/>
+                <a:latin typeface="黑体" panose="02010609060101010101" pitchFamily="49" charset="-122"/>
+                <a:ea typeface="黑体" panose="02010609060101010101" pitchFamily="49" charset="-122"/>
               </a:rPr>
               <a:t>国内软件测试职业现状</a:t>
             </a:r>
@@ -5297,8 +5195,8 @@
         </p:nvSpPr>
         <p:spPr>
           <a:xfrm>
-            <a:off x="566738" y="1752600"/>
-            <a:ext cx="7966075" cy="4267200"/>
+            <a:off x="562958" y="1314680"/>
+            <a:ext cx="5975601" cy="3200960"/>
           </a:xfrm>
         </p:spPr>
         <p:txBody>
@@ -5307,10 +5205,10 @@
           <a:p>
             <a:pPr algn="just" eaLnBrk="1" hangingPunct="1"/>
             <a:r>
-              <a:rPr lang="zh-CN" altLang="en-US" sz="3400" b="1" smtClean="0"/>
+              <a:rPr lang="zh-CN" altLang="en-US" sz="2550" b="1" smtClean="0"/>
               <a:t>总体职业特点</a:t>
             </a:r>
-            <a:endParaRPr lang="en-US" altLang="zh-CN" sz="3400" b="1" smtClean="0"/>
+            <a:endParaRPr lang="en-US" altLang="zh-CN" sz="2550" b="1" smtClean="0"/>
           </a:p>
           <a:p>
             <a:pPr lvl="1" algn="just" eaLnBrk="1" hangingPunct="1"/>
@@ -5390,7 +5288,6 @@
         </p:nvSpPr>
         <p:spPr>
           <a:noFill/>
-          <a:ln/>
           <a:extLst>
             <a:ext uri="{909E8E84-426E-40DD-AFC4-6F175D3DCCD1}">
               <a14:hiddenFill xmlns:a14="http://schemas.microsoft.com/office/drawing/2010/main">
@@ -5419,8 +5316,8 @@
                 <a:solidFill>
                   <a:schemeClr val="tx1"/>
                 </a:solidFill>
-                <a:latin typeface="Verdana" pitchFamily="34" charset="0"/>
-                <a:ea typeface="宋体" charset="-122"/>
+                <a:latin typeface="Verdana" panose="020B0604030504040204" pitchFamily="34" charset="0"/>
+                <a:ea typeface="宋体" panose="02010600030101010101" pitchFamily="2" charset="-122"/>
               </a:defRPr>
             </a:lvl1pPr>
             <a:lvl2pPr marL="742950" indent="-285750" eaLnBrk="0" hangingPunct="0">
@@ -5428,8 +5325,8 @@
                 <a:solidFill>
                   <a:schemeClr val="tx1"/>
                 </a:solidFill>
-                <a:latin typeface="Verdana" pitchFamily="34" charset="0"/>
-                <a:ea typeface="宋体" charset="-122"/>
+                <a:latin typeface="Verdana" panose="020B0604030504040204" pitchFamily="34" charset="0"/>
+                <a:ea typeface="宋体" panose="02010600030101010101" pitchFamily="2" charset="-122"/>
               </a:defRPr>
             </a:lvl2pPr>
             <a:lvl3pPr marL="1143000" indent="-228600" eaLnBrk="0" hangingPunct="0">
@@ -5437,8 +5334,8 @@
                 <a:solidFill>
                   <a:schemeClr val="tx1"/>
                 </a:solidFill>
-                <a:latin typeface="Verdana" pitchFamily="34" charset="0"/>
-                <a:ea typeface="宋体" charset="-122"/>
+                <a:latin typeface="Verdana" panose="020B0604030504040204" pitchFamily="34" charset="0"/>
+                <a:ea typeface="宋体" panose="02010600030101010101" pitchFamily="2" charset="-122"/>
               </a:defRPr>
             </a:lvl3pPr>
             <a:lvl4pPr marL="1600200" indent="-228600" eaLnBrk="0" hangingPunct="0">
@@ -5446,8 +5343,8 @@
                 <a:solidFill>
                   <a:schemeClr val="tx1"/>
                 </a:solidFill>
-                <a:latin typeface="Verdana" pitchFamily="34" charset="0"/>
-                <a:ea typeface="宋体" charset="-122"/>
+                <a:latin typeface="Verdana" panose="020B0604030504040204" pitchFamily="34" charset="0"/>
+                <a:ea typeface="宋体" panose="02010600030101010101" pitchFamily="2" charset="-122"/>
               </a:defRPr>
             </a:lvl4pPr>
             <a:lvl5pPr marL="2057400" indent="-228600" eaLnBrk="0" hangingPunct="0">
@@ -5455,8 +5352,8 @@
                 <a:solidFill>
                   <a:schemeClr val="tx1"/>
                 </a:solidFill>
-                <a:latin typeface="Verdana" pitchFamily="34" charset="0"/>
-                <a:ea typeface="宋体" charset="-122"/>
+                <a:latin typeface="Verdana" panose="020B0604030504040204" pitchFamily="34" charset="0"/>
+                <a:ea typeface="宋体" panose="02010600030101010101" pitchFamily="2" charset="-122"/>
               </a:defRPr>
             </a:lvl5pPr>
             <a:lvl6pPr marL="2514600" indent="-228600" eaLnBrk="0" fontAlgn="base" hangingPunct="0">
@@ -5470,8 +5367,8 @@
                 <a:solidFill>
                   <a:schemeClr val="tx1"/>
                 </a:solidFill>
-                <a:latin typeface="Verdana" pitchFamily="34" charset="0"/>
-                <a:ea typeface="宋体" charset="-122"/>
+                <a:latin typeface="Verdana" panose="020B0604030504040204" pitchFamily="34" charset="0"/>
+                <a:ea typeface="宋体" panose="02010600030101010101" pitchFamily="2" charset="-122"/>
               </a:defRPr>
             </a:lvl6pPr>
             <a:lvl7pPr marL="2971800" indent="-228600" eaLnBrk="0" fontAlgn="base" hangingPunct="0">
@@ -5485,8 +5382,8 @@
                 <a:solidFill>
                   <a:schemeClr val="tx1"/>
                 </a:solidFill>
-                <a:latin typeface="Verdana" pitchFamily="34" charset="0"/>
-                <a:ea typeface="宋体" charset="-122"/>
+                <a:latin typeface="Verdana" panose="020B0604030504040204" pitchFamily="34" charset="0"/>
+                <a:ea typeface="宋体" panose="02010600030101010101" pitchFamily="2" charset="-122"/>
               </a:defRPr>
             </a:lvl7pPr>
             <a:lvl8pPr marL="3429000" indent="-228600" eaLnBrk="0" fontAlgn="base" hangingPunct="0">
@@ -5500,8 +5397,8 @@
                 <a:solidFill>
                   <a:schemeClr val="tx1"/>
                 </a:solidFill>
-                <a:latin typeface="Verdana" pitchFamily="34" charset="0"/>
-                <a:ea typeface="宋体" charset="-122"/>
+                <a:latin typeface="Verdana" panose="020B0604030504040204" pitchFamily="34" charset="0"/>
+                <a:ea typeface="宋体" panose="02010600030101010101" pitchFamily="2" charset="-122"/>
               </a:defRPr>
             </a:lvl8pPr>
             <a:lvl9pPr marL="3886200" indent="-228600" eaLnBrk="0" fontAlgn="base" hangingPunct="0">
@@ -5515,19 +5412,18 @@
                 <a:solidFill>
                   <a:schemeClr val="tx1"/>
                 </a:solidFill>
-                <a:latin typeface="Verdana" pitchFamily="34" charset="0"/>
-                <a:ea typeface="宋体" charset="-122"/>
+                <a:latin typeface="Verdana" panose="020B0604030504040204" pitchFamily="34" charset="0"/>
+                <a:ea typeface="宋体" panose="02010600030101010101" pitchFamily="2" charset="-122"/>
               </a:defRPr>
             </a:lvl9pPr>
           </a:lstStyle>
           <a:p>
             <a:pPr eaLnBrk="1" hangingPunct="1"/>
             <a:fld id="{4FE8EB93-6665-44CC-9EE4-1994B5F2441B}" type="slidenum">
-              <a:rPr lang="en-US" altLang="zh-CN" smtClean="0"/>
-              <a:pPr eaLnBrk="1" hangingPunct="1"/>
+              <a:rPr lang="en-US" altLang="zh-CN" sz="900" smtClean="0"/>
               <a:t>11</a:t>
             </a:fld>
-            <a:endParaRPr lang="en-US" altLang="zh-CN" smtClean="0"/>
+            <a:endParaRPr lang="en-US" altLang="zh-CN" sz="900" smtClean="0"/>
           </a:p>
         </p:txBody>
       </p:sp>
@@ -5549,15 +5445,15 @@
             <a:pPr eaLnBrk="1" hangingPunct="1"/>
             <a:r>
               <a:rPr lang="en-US" altLang="zh-CN" b="1" dirty="0" smtClean="0">
-                <a:latin typeface="黑体" pitchFamily="49" charset="-122"/>
-                <a:ea typeface="黑体" pitchFamily="49" charset="-122"/>
+                <a:latin typeface="黑体" panose="02010609060101010101" pitchFamily="49" charset="-122"/>
+                <a:ea typeface="黑体" panose="02010609060101010101" pitchFamily="49" charset="-122"/>
               </a:rPr>
               <a:t>2.4 </a:t>
             </a:r>
             <a:r>
               <a:rPr lang="zh-CN" altLang="en-US" b="1" dirty="0" smtClean="0">
-                <a:latin typeface="黑体" pitchFamily="49" charset="-122"/>
-                <a:ea typeface="黑体" pitchFamily="49" charset="-122"/>
+                <a:latin typeface="黑体" panose="02010609060101010101" pitchFamily="49" charset="-122"/>
+                <a:ea typeface="黑体" panose="02010609060101010101" pitchFamily="49" charset="-122"/>
               </a:rPr>
               <a:t>开发转测试与测试方向的区别</a:t>
             </a:r>
@@ -5576,8 +5472,8 @@
         </p:nvSpPr>
         <p:spPr>
           <a:xfrm>
-            <a:off x="566738" y="1752600"/>
-            <a:ext cx="7966075" cy="4267200"/>
+            <a:off x="562958" y="884150"/>
+            <a:ext cx="5975601" cy="3200960"/>
           </a:xfrm>
         </p:spPr>
         <p:txBody>
@@ -5585,45 +5481,47 @@
           <a:lstStyle/>
           <a:p>
             <a:pPr marL="0" indent="0" algn="just" eaLnBrk="1" hangingPunct="1">
-              <a:buFont typeface="Wingdings" pitchFamily="2" charset="2"/>
+              <a:buFont typeface="Wingdings" panose="05000000000000000000" pitchFamily="2" charset="2"/>
               <a:buNone/>
               <a:defRPr/>
             </a:pPr>
-            <a:r>
-              <a:rPr lang="zh-CN" altLang="en-US" sz="3400" b="1" dirty="0" smtClean="0"/>
-              <a:t>因为专业技能不同，导致：</a:t>
-            </a:r>
-            <a:endParaRPr lang="en-US" altLang="zh-CN" sz="3400" b="1" dirty="0"/>
+            <a:endParaRPr lang="zh-CN" altLang="en-US" sz="2550" b="1" dirty="0" smtClean="0"/>
           </a:p>
           <a:p>
             <a:pPr algn="just" eaLnBrk="1" hangingPunct="1">
               <a:defRPr/>
             </a:pPr>
             <a:r>
-              <a:rPr lang="zh-CN" altLang="en-US" sz="3400" b="1" dirty="0" smtClean="0"/>
-              <a:t>就业单位不同</a:t>
-            </a:r>
-            <a:endParaRPr lang="en-US" altLang="zh-CN" sz="3400" b="1" dirty="0" smtClean="0"/>
-          </a:p>
-          <a:p>
-            <a:pPr algn="just" eaLnBrk="1" hangingPunct="1">
+              <a:rPr lang="zh-CN" altLang="en-US" sz="2550" b="1" dirty="0" smtClean="0"/>
+              <a:t>因为专业技能不同，导致：</a:t>
+            </a:r>
+          </a:p>
+          <a:p>
+            <a:pPr lvl="1" algn="just" eaLnBrk="1" hangingPunct="1">
               <a:defRPr/>
             </a:pPr>
             <a:r>
-              <a:rPr lang="zh-CN" altLang="en-US" sz="3400" b="1" dirty="0" smtClean="0"/>
-              <a:t>工资不同</a:t>
-            </a:r>
-            <a:endParaRPr lang="en-US" altLang="zh-CN" sz="3400" b="1" dirty="0" smtClean="0"/>
-          </a:p>
-          <a:p>
-            <a:pPr algn="just" eaLnBrk="1" hangingPunct="1">
+              <a:rPr lang="zh-CN" altLang="en-US" sz="2210" b="1" dirty="0" smtClean="0"/>
+              <a:t>就业单位不同</a:t>
+            </a:r>
+          </a:p>
+          <a:p>
+            <a:pPr lvl="1" algn="just" eaLnBrk="1" hangingPunct="1">
               <a:defRPr/>
             </a:pPr>
             <a:r>
-              <a:rPr lang="zh-CN" altLang="en-US" sz="3400" b="1" dirty="0" smtClean="0"/>
+              <a:rPr lang="zh-CN" altLang="en-US" sz="2210" b="1" dirty="0" smtClean="0"/>
+              <a:t>工资不同</a:t>
+            </a:r>
+          </a:p>
+          <a:p>
+            <a:pPr lvl="1" algn="just" eaLnBrk="1" hangingPunct="1">
+              <a:defRPr/>
+            </a:pPr>
+            <a:r>
+              <a:rPr lang="zh-CN" altLang="en-US" sz="2210" b="1" dirty="0" smtClean="0"/>
               <a:t>发展前景不同</a:t>
             </a:r>
-            <a:endParaRPr lang="en-US" altLang="zh-CN" sz="3400" b="1" dirty="0" smtClean="0"/>
           </a:p>
         </p:txBody>
       </p:sp>
@@ -5677,15 +5575,15 @@
           <a:p>
             <a:r>
               <a:rPr lang="en-US" altLang="zh-CN" b="1" dirty="0">
-                <a:latin typeface="黑体" pitchFamily="49" charset="-122"/>
-                <a:ea typeface="黑体" pitchFamily="49" charset="-122"/>
+                <a:latin typeface="黑体" panose="02010609060101010101" pitchFamily="49" charset="-122"/>
+                <a:ea typeface="黑体" panose="02010609060101010101" pitchFamily="49" charset="-122"/>
               </a:rPr>
               <a:t>2.5</a:t>
             </a:r>
             <a:r>
               <a:rPr lang="zh-CN" altLang="en-US" b="1" dirty="0">
-                <a:latin typeface="黑体" pitchFamily="49" charset="-122"/>
-                <a:ea typeface="黑体" pitchFamily="49" charset="-122"/>
+                <a:latin typeface="黑体" panose="02010609060101010101" pitchFamily="49" charset="-122"/>
+                <a:ea typeface="黑体" panose="02010609060101010101" pitchFamily="49" charset="-122"/>
               </a:rPr>
               <a:t>目前软件测试职业者的危机</a:t>
             </a:r>
@@ -5704,8 +5602,8 @@
         </p:nvSpPr>
         <p:spPr>
           <a:xfrm>
-            <a:off x="107504" y="1752600"/>
-            <a:ext cx="9190037" cy="4267200"/>
+            <a:off x="577215" y="1314450"/>
+            <a:ext cx="7998460" cy="3201035"/>
           </a:xfrm>
         </p:spPr>
         <p:txBody>
@@ -5713,44 +5611,44 @@
           <a:lstStyle/>
           <a:p>
             <a:r>
-              <a:rPr lang="zh-CN" altLang="en-US" sz="2400" b="1" dirty="0"/>
+              <a:rPr lang="zh-CN" altLang="en-US" sz="2200" b="1" dirty="0"/>
               <a:t>单纯的手工测试人员必须思考职业转型，否则必将逐渐被时代淘汰</a:t>
             </a:r>
-            <a:endParaRPr lang="en-US" altLang="zh-CN" sz="2400" b="1" dirty="0"/>
-          </a:p>
-          <a:p>
-            <a:r>
-              <a:rPr lang="zh-CN" altLang="en-US" sz="2400" b="1" dirty="0"/>
+            <a:endParaRPr lang="en-US" altLang="zh-CN" sz="2200" b="1" dirty="0"/>
+          </a:p>
+          <a:p>
+            <a:r>
+              <a:rPr lang="zh-CN" altLang="en-US" sz="2200" b="1" dirty="0"/>
               <a:t>互联网测试职业一定以技术为依托，没有技术含量的测试逐渐失去竞争力</a:t>
             </a:r>
-            <a:endParaRPr lang="en-US" altLang="zh-CN" sz="2400" b="1" dirty="0"/>
-          </a:p>
-          <a:p>
-            <a:r>
-              <a:rPr lang="zh-CN" altLang="en-US" sz="2400" b="1" dirty="0"/>
+            <a:endParaRPr lang="en-US" altLang="zh-CN" sz="2200" b="1" dirty="0"/>
+          </a:p>
+          <a:p>
+            <a:r>
+              <a:rPr lang="zh-CN" altLang="en-US" sz="2200" b="1" dirty="0"/>
               <a:t>互联网测试不会只侧重一个层面，必须是</a:t>
             </a:r>
             <a:r>
-              <a:rPr lang="en-US" altLang="zh-CN" sz="2400" b="1" dirty="0"/>
+              <a:rPr lang="en-US" altLang="zh-CN" sz="2200" b="1" dirty="0"/>
               <a:t>web</a:t>
             </a:r>
             <a:r>
-              <a:rPr lang="zh-CN" altLang="en-US" sz="2400" b="1" dirty="0"/>
+              <a:rPr lang="zh-CN" altLang="en-US" sz="2200" b="1" dirty="0"/>
               <a:t>端、移动端、服务端甚至微信端、云端的多重维度性的综合性测试，此为未来软件测试职业人才的职业竞争力精髓所在</a:t>
             </a:r>
-            <a:endParaRPr lang="en-US" altLang="zh-CN" sz="2400" b="1" dirty="0"/>
-          </a:p>
-          <a:p>
-            <a:r>
-              <a:rPr lang="zh-CN" altLang="en-US" sz="2400" b="1" dirty="0"/>
+            <a:endParaRPr lang="en-US" altLang="zh-CN" sz="2200" b="1" dirty="0"/>
+          </a:p>
+          <a:p>
+            <a:r>
+              <a:rPr lang="zh-CN" altLang="en-US" sz="2200" b="1" dirty="0"/>
               <a:t>传统手工测试需要基于自身的测试从业经验，分析个人技能体系，根据期望的职业转型路线去针对性的提高自己，从此在</a:t>
             </a:r>
             <a:r>
-              <a:rPr lang="en-US" altLang="zh-CN" sz="2400" b="1" dirty="0"/>
+              <a:rPr lang="en-US" altLang="zh-CN" sz="2200" b="1" dirty="0"/>
               <a:t>IT</a:t>
             </a:r>
             <a:r>
-              <a:rPr lang="zh-CN" altLang="en-US" sz="2400" b="1" dirty="0"/>
+              <a:rPr lang="zh-CN" altLang="en-US" sz="2200" b="1" dirty="0"/>
               <a:t>行业立于不败之地！</a:t>
             </a:r>
           </a:p>
@@ -5768,7 +5666,6 @@
         </p:nvSpPr>
         <p:spPr>
           <a:noFill/>
-          <a:ln/>
           <a:extLst>
             <a:ext uri="{909E8E84-426E-40DD-AFC4-6F175D3DCCD1}">
               <a14:hiddenFill xmlns:a14="http://schemas.microsoft.com/office/drawing/2010/main">
@@ -5797,8 +5694,8 @@
                 <a:solidFill>
                   <a:schemeClr val="tx1"/>
                 </a:solidFill>
-                <a:latin typeface="Verdana" pitchFamily="34" charset="0"/>
-                <a:ea typeface="宋体" charset="-122"/>
+                <a:latin typeface="Verdana" panose="020B0604030504040204" pitchFamily="34" charset="0"/>
+                <a:ea typeface="宋体" panose="02010600030101010101" pitchFamily="2" charset="-122"/>
               </a:defRPr>
             </a:lvl1pPr>
             <a:lvl2pPr marL="742950" indent="-285750" eaLnBrk="0" hangingPunct="0">
@@ -5806,8 +5703,8 @@
                 <a:solidFill>
                   <a:schemeClr val="tx1"/>
                 </a:solidFill>
-                <a:latin typeface="Verdana" pitchFamily="34" charset="0"/>
-                <a:ea typeface="宋体" charset="-122"/>
+                <a:latin typeface="Verdana" panose="020B0604030504040204" pitchFamily="34" charset="0"/>
+                <a:ea typeface="宋体" panose="02010600030101010101" pitchFamily="2" charset="-122"/>
               </a:defRPr>
             </a:lvl2pPr>
             <a:lvl3pPr marL="1143000" indent="-228600" eaLnBrk="0" hangingPunct="0">
@@ -5815,8 +5712,8 @@
                 <a:solidFill>
                   <a:schemeClr val="tx1"/>
                 </a:solidFill>
-                <a:latin typeface="Verdana" pitchFamily="34" charset="0"/>
-                <a:ea typeface="宋体" charset="-122"/>
+                <a:latin typeface="Verdana" panose="020B0604030504040204" pitchFamily="34" charset="0"/>
+                <a:ea typeface="宋体" panose="02010600030101010101" pitchFamily="2" charset="-122"/>
               </a:defRPr>
             </a:lvl3pPr>
             <a:lvl4pPr marL="1600200" indent="-228600" eaLnBrk="0" hangingPunct="0">
@@ -5824,8 +5721,8 @@
                 <a:solidFill>
                   <a:schemeClr val="tx1"/>
                 </a:solidFill>
-                <a:latin typeface="Verdana" pitchFamily="34" charset="0"/>
-                <a:ea typeface="宋体" charset="-122"/>
+                <a:latin typeface="Verdana" panose="020B0604030504040204" pitchFamily="34" charset="0"/>
+                <a:ea typeface="宋体" panose="02010600030101010101" pitchFamily="2" charset="-122"/>
               </a:defRPr>
             </a:lvl4pPr>
             <a:lvl5pPr marL="2057400" indent="-228600" eaLnBrk="0" hangingPunct="0">
@@ -5833,8 +5730,8 @@
                 <a:solidFill>
                   <a:schemeClr val="tx1"/>
                 </a:solidFill>
-                <a:latin typeface="Verdana" pitchFamily="34" charset="0"/>
-                <a:ea typeface="宋体" charset="-122"/>
+                <a:latin typeface="Verdana" panose="020B0604030504040204" pitchFamily="34" charset="0"/>
+                <a:ea typeface="宋体" panose="02010600030101010101" pitchFamily="2" charset="-122"/>
               </a:defRPr>
             </a:lvl5pPr>
             <a:lvl6pPr marL="2514600" indent="-228600" eaLnBrk="0" fontAlgn="base" hangingPunct="0">
@@ -5848,8 +5745,8 @@
                 <a:solidFill>
                   <a:schemeClr val="tx1"/>
                 </a:solidFill>
-                <a:latin typeface="Verdana" pitchFamily="34" charset="0"/>
-                <a:ea typeface="宋体" charset="-122"/>
+                <a:latin typeface="Verdana" panose="020B0604030504040204" pitchFamily="34" charset="0"/>
+                <a:ea typeface="宋体" panose="02010600030101010101" pitchFamily="2" charset="-122"/>
               </a:defRPr>
             </a:lvl6pPr>
             <a:lvl7pPr marL="2971800" indent="-228600" eaLnBrk="0" fontAlgn="base" hangingPunct="0">
@@ -5863,8 +5760,8 @@
                 <a:solidFill>
                   <a:schemeClr val="tx1"/>
                 </a:solidFill>
-                <a:latin typeface="Verdana" pitchFamily="34" charset="0"/>
-                <a:ea typeface="宋体" charset="-122"/>
+                <a:latin typeface="Verdana" panose="020B0604030504040204" pitchFamily="34" charset="0"/>
+                <a:ea typeface="宋体" panose="02010600030101010101" pitchFamily="2" charset="-122"/>
               </a:defRPr>
             </a:lvl7pPr>
             <a:lvl8pPr marL="3429000" indent="-228600" eaLnBrk="0" fontAlgn="base" hangingPunct="0">
@@ -5878,8 +5775,8 @@
                 <a:solidFill>
                   <a:schemeClr val="tx1"/>
                 </a:solidFill>
-                <a:latin typeface="Verdana" pitchFamily="34" charset="0"/>
-                <a:ea typeface="宋体" charset="-122"/>
+                <a:latin typeface="Verdana" panose="020B0604030504040204" pitchFamily="34" charset="0"/>
+                <a:ea typeface="宋体" panose="02010600030101010101" pitchFamily="2" charset="-122"/>
               </a:defRPr>
             </a:lvl8pPr>
             <a:lvl9pPr marL="3886200" indent="-228600" eaLnBrk="0" fontAlgn="base" hangingPunct="0">
@@ -5893,19 +5790,18 @@
                 <a:solidFill>
                   <a:schemeClr val="tx1"/>
                 </a:solidFill>
-                <a:latin typeface="Verdana" pitchFamily="34" charset="0"/>
-                <a:ea typeface="宋体" charset="-122"/>
+                <a:latin typeface="Verdana" panose="020B0604030504040204" pitchFamily="34" charset="0"/>
+                <a:ea typeface="宋体" panose="02010600030101010101" pitchFamily="2" charset="-122"/>
               </a:defRPr>
             </a:lvl9pPr>
           </a:lstStyle>
           <a:p>
             <a:pPr eaLnBrk="1" hangingPunct="1"/>
             <a:fld id="{78D09F26-387D-4283-9716-E13D8B25F342}" type="slidenum">
-              <a:rPr lang="en-US" altLang="zh-CN" smtClean="0"/>
-              <a:pPr eaLnBrk="1" hangingPunct="1"/>
+              <a:rPr lang="en-US" altLang="zh-CN" sz="900" smtClean="0"/>
               <a:t>12</a:t>
             </a:fld>
-            <a:endParaRPr lang="en-US" altLang="zh-CN" smtClean="0"/>
+            <a:endParaRPr lang="en-US" altLang="zh-CN" sz="900" smtClean="0"/>
           </a:p>
         </p:txBody>
       </p:sp>
@@ -5951,13 +5847,13 @@
             <a:spLocks noGrp="1"/>
           </p:cNvSpPr>
           <p:nvPr>
-            <p:ph idx="1"/>
+            <p:ph idx="4294967295"/>
           </p:nvPr>
         </p:nvSpPr>
         <p:spPr>
           <a:xfrm>
-            <a:off x="467544" y="2595776"/>
-            <a:ext cx="8001000" cy="1769328"/>
+            <a:off x="1506855" y="2018665"/>
+            <a:ext cx="6002020" cy="1327785"/>
           </a:xfrm>
         </p:spPr>
         <p:txBody>
@@ -5968,13 +5864,13 @@
               <a:buNone/>
             </a:pPr>
             <a:r>
-              <a:rPr lang="zh-CN" altLang="en-US" sz="4400" b="1" dirty="0">
-                <a:latin typeface="黑体" pitchFamily="49" charset="-122"/>
-                <a:ea typeface="黑体" pitchFamily="49" charset="-122"/>
+              <a:rPr lang="zh-CN" altLang="en-US" sz="3300" b="1" dirty="0">
+                <a:latin typeface="黑体" panose="02010609060101010101" pitchFamily="49" charset="-122"/>
+                <a:ea typeface="黑体" panose="02010609060101010101" pitchFamily="49" charset="-122"/>
               </a:rPr>
               <a:t>谢 谢</a:t>
             </a:r>
-            <a:endParaRPr lang="zh-CN" altLang="en-US" sz="4400" dirty="0" smtClean="0"/>
+            <a:endParaRPr lang="zh-CN" altLang="en-US" sz="3300" dirty="0" smtClean="0"/>
           </a:p>
         </p:txBody>
       </p:sp>
@@ -5990,7 +5886,6 @@
         </p:nvSpPr>
         <p:spPr>
           <a:noFill/>
-          <a:ln/>
           <a:extLst>
             <a:ext uri="{909E8E84-426E-40DD-AFC4-6F175D3DCCD1}">
               <a14:hiddenFill xmlns:a14="http://schemas.microsoft.com/office/drawing/2010/main">
@@ -6019,8 +5914,8 @@
                 <a:solidFill>
                   <a:schemeClr val="tx1"/>
                 </a:solidFill>
-                <a:latin typeface="Verdana" pitchFamily="34" charset="0"/>
-                <a:ea typeface="宋体" charset="-122"/>
+                <a:latin typeface="Verdana" panose="020B0604030504040204" pitchFamily="34" charset="0"/>
+                <a:ea typeface="宋体" panose="02010600030101010101" pitchFamily="2" charset="-122"/>
               </a:defRPr>
             </a:lvl1pPr>
             <a:lvl2pPr marL="742950" indent="-285750" eaLnBrk="0" hangingPunct="0">
@@ -6028,8 +5923,8 @@
                 <a:solidFill>
                   <a:schemeClr val="tx1"/>
                 </a:solidFill>
-                <a:latin typeface="Verdana" pitchFamily="34" charset="0"/>
-                <a:ea typeface="宋体" charset="-122"/>
+                <a:latin typeface="Verdana" panose="020B0604030504040204" pitchFamily="34" charset="0"/>
+                <a:ea typeface="宋体" panose="02010600030101010101" pitchFamily="2" charset="-122"/>
               </a:defRPr>
             </a:lvl2pPr>
             <a:lvl3pPr marL="1143000" indent="-228600" eaLnBrk="0" hangingPunct="0">
@@ -6037,8 +5932,8 @@
                 <a:solidFill>
                   <a:schemeClr val="tx1"/>
                 </a:solidFill>
-                <a:latin typeface="Verdana" pitchFamily="34" charset="0"/>
-                <a:ea typeface="宋体" charset="-122"/>
+                <a:latin typeface="Verdana" panose="020B0604030504040204" pitchFamily="34" charset="0"/>
+                <a:ea typeface="宋体" panose="02010600030101010101" pitchFamily="2" charset="-122"/>
               </a:defRPr>
             </a:lvl3pPr>
             <a:lvl4pPr marL="1600200" indent="-228600" eaLnBrk="0" hangingPunct="0">
@@ -6046,8 +5941,8 @@
                 <a:solidFill>
                   <a:schemeClr val="tx1"/>
                 </a:solidFill>
-                <a:latin typeface="Verdana" pitchFamily="34" charset="0"/>
-                <a:ea typeface="宋体" charset="-122"/>
+                <a:latin typeface="Verdana" panose="020B0604030504040204" pitchFamily="34" charset="0"/>
+                <a:ea typeface="宋体" panose="02010600030101010101" pitchFamily="2" charset="-122"/>
               </a:defRPr>
             </a:lvl4pPr>
             <a:lvl5pPr marL="2057400" indent="-228600" eaLnBrk="0" hangingPunct="0">
@@ -6055,8 +5950,8 @@
                 <a:solidFill>
                   <a:schemeClr val="tx1"/>
                 </a:solidFill>
-                <a:latin typeface="Verdana" pitchFamily="34" charset="0"/>
-                <a:ea typeface="宋体" charset="-122"/>
+                <a:latin typeface="Verdana" panose="020B0604030504040204" pitchFamily="34" charset="0"/>
+                <a:ea typeface="宋体" panose="02010600030101010101" pitchFamily="2" charset="-122"/>
               </a:defRPr>
             </a:lvl5pPr>
             <a:lvl6pPr marL="2514600" indent="-228600" eaLnBrk="0" fontAlgn="base" hangingPunct="0">
@@ -6070,8 +5965,8 @@
                 <a:solidFill>
                   <a:schemeClr val="tx1"/>
                 </a:solidFill>
-                <a:latin typeface="Verdana" pitchFamily="34" charset="0"/>
-                <a:ea typeface="宋体" charset="-122"/>
+                <a:latin typeface="Verdana" panose="020B0604030504040204" pitchFamily="34" charset="0"/>
+                <a:ea typeface="宋体" panose="02010600030101010101" pitchFamily="2" charset="-122"/>
               </a:defRPr>
             </a:lvl6pPr>
             <a:lvl7pPr marL="2971800" indent="-228600" eaLnBrk="0" fontAlgn="base" hangingPunct="0">
@@ -6085,8 +5980,8 @@
                 <a:solidFill>
                   <a:schemeClr val="tx1"/>
                 </a:solidFill>
-                <a:latin typeface="Verdana" pitchFamily="34" charset="0"/>
-                <a:ea typeface="宋体" charset="-122"/>
+                <a:latin typeface="Verdana" panose="020B0604030504040204" pitchFamily="34" charset="0"/>
+                <a:ea typeface="宋体" panose="02010600030101010101" pitchFamily="2" charset="-122"/>
               </a:defRPr>
             </a:lvl7pPr>
             <a:lvl8pPr marL="3429000" indent="-228600" eaLnBrk="0" fontAlgn="base" hangingPunct="0">
@@ -6100,8 +5995,8 @@
                 <a:solidFill>
                   <a:schemeClr val="tx1"/>
                 </a:solidFill>
-                <a:latin typeface="Verdana" pitchFamily="34" charset="0"/>
-                <a:ea typeface="宋体" charset="-122"/>
+                <a:latin typeface="Verdana" panose="020B0604030504040204" pitchFamily="34" charset="0"/>
+                <a:ea typeface="宋体" panose="02010600030101010101" pitchFamily="2" charset="-122"/>
               </a:defRPr>
             </a:lvl8pPr>
             <a:lvl9pPr marL="3886200" indent="-228600" eaLnBrk="0" fontAlgn="base" hangingPunct="0">
@@ -6115,19 +6010,18 @@
                 <a:solidFill>
                   <a:schemeClr val="tx1"/>
                 </a:solidFill>
-                <a:latin typeface="Verdana" pitchFamily="34" charset="0"/>
-                <a:ea typeface="宋体" charset="-122"/>
+                <a:latin typeface="Verdana" panose="020B0604030504040204" pitchFamily="34" charset="0"/>
+                <a:ea typeface="宋体" panose="02010600030101010101" pitchFamily="2" charset="-122"/>
               </a:defRPr>
             </a:lvl9pPr>
           </a:lstStyle>
           <a:p>
             <a:pPr eaLnBrk="1" hangingPunct="1"/>
             <a:fld id="{EE5BA688-2E35-430C-85C4-5CF899299DA8}" type="slidenum">
-              <a:rPr lang="en-US" altLang="zh-CN" smtClean="0"/>
-              <a:pPr eaLnBrk="1" hangingPunct="1"/>
+              <a:rPr lang="en-US" altLang="zh-CN" sz="900" smtClean="0"/>
               <a:t>13</a:t>
             </a:fld>
-            <a:endParaRPr lang="en-US" altLang="zh-CN" smtClean="0"/>
+            <a:endParaRPr lang="en-US" altLang="zh-CN" sz="900" smtClean="0"/>
           </a:p>
         </p:txBody>
       </p:sp>
@@ -6176,7 +6070,6 @@
         </p:nvSpPr>
         <p:spPr>
           <a:noFill/>
-          <a:ln/>
           <a:extLst>
             <a:ext uri="{909E8E84-426E-40DD-AFC4-6F175D3DCCD1}">
               <a14:hiddenFill xmlns:a14="http://schemas.microsoft.com/office/drawing/2010/main">
@@ -6205,8 +6098,8 @@
                 <a:solidFill>
                   <a:schemeClr val="tx1"/>
                 </a:solidFill>
-                <a:latin typeface="Verdana" pitchFamily="34" charset="0"/>
-                <a:ea typeface="宋体" charset="-122"/>
+                <a:latin typeface="Verdana" panose="020B0604030504040204" pitchFamily="34" charset="0"/>
+                <a:ea typeface="宋体" panose="02010600030101010101" pitchFamily="2" charset="-122"/>
               </a:defRPr>
             </a:lvl1pPr>
             <a:lvl2pPr marL="742950" indent="-285750" eaLnBrk="0" hangingPunct="0">
@@ -6214,8 +6107,8 @@
                 <a:solidFill>
                   <a:schemeClr val="tx1"/>
                 </a:solidFill>
-                <a:latin typeface="Verdana" pitchFamily="34" charset="0"/>
-                <a:ea typeface="宋体" charset="-122"/>
+                <a:latin typeface="Verdana" panose="020B0604030504040204" pitchFamily="34" charset="0"/>
+                <a:ea typeface="宋体" panose="02010600030101010101" pitchFamily="2" charset="-122"/>
               </a:defRPr>
             </a:lvl2pPr>
             <a:lvl3pPr marL="1143000" indent="-228600" eaLnBrk="0" hangingPunct="0">
@@ -6223,8 +6116,8 @@
                 <a:solidFill>
                   <a:schemeClr val="tx1"/>
                 </a:solidFill>
-                <a:latin typeface="Verdana" pitchFamily="34" charset="0"/>
-                <a:ea typeface="宋体" charset="-122"/>
+                <a:latin typeface="Verdana" panose="020B0604030504040204" pitchFamily="34" charset="0"/>
+                <a:ea typeface="宋体" panose="02010600030101010101" pitchFamily="2" charset="-122"/>
               </a:defRPr>
             </a:lvl3pPr>
             <a:lvl4pPr marL="1600200" indent="-228600" eaLnBrk="0" hangingPunct="0">
@@ -6232,8 +6125,8 @@
                 <a:solidFill>
                   <a:schemeClr val="tx1"/>
                 </a:solidFill>
-                <a:latin typeface="Verdana" pitchFamily="34" charset="0"/>
-                <a:ea typeface="宋体" charset="-122"/>
+                <a:latin typeface="Verdana" panose="020B0604030504040204" pitchFamily="34" charset="0"/>
+                <a:ea typeface="宋体" panose="02010600030101010101" pitchFamily="2" charset="-122"/>
               </a:defRPr>
             </a:lvl4pPr>
             <a:lvl5pPr marL="2057400" indent="-228600" eaLnBrk="0" hangingPunct="0">
@@ -6241,8 +6134,8 @@
                 <a:solidFill>
                   <a:schemeClr val="tx1"/>
                 </a:solidFill>
-                <a:latin typeface="Verdana" pitchFamily="34" charset="0"/>
-                <a:ea typeface="宋体" charset="-122"/>
+                <a:latin typeface="Verdana" panose="020B0604030504040204" pitchFamily="34" charset="0"/>
+                <a:ea typeface="宋体" panose="02010600030101010101" pitchFamily="2" charset="-122"/>
               </a:defRPr>
             </a:lvl5pPr>
             <a:lvl6pPr marL="2514600" indent="-228600" eaLnBrk="0" fontAlgn="base" hangingPunct="0">
@@ -6256,8 +6149,8 @@
                 <a:solidFill>
                   <a:schemeClr val="tx1"/>
                 </a:solidFill>
-                <a:latin typeface="Verdana" pitchFamily="34" charset="0"/>
-                <a:ea typeface="宋体" charset="-122"/>
+                <a:latin typeface="Verdana" panose="020B0604030504040204" pitchFamily="34" charset="0"/>
+                <a:ea typeface="宋体" panose="02010600030101010101" pitchFamily="2" charset="-122"/>
               </a:defRPr>
             </a:lvl6pPr>
             <a:lvl7pPr marL="2971800" indent="-228600" eaLnBrk="0" fontAlgn="base" hangingPunct="0">
@@ -6271,8 +6164,8 @@
                 <a:solidFill>
                   <a:schemeClr val="tx1"/>
                 </a:solidFill>
-                <a:latin typeface="Verdana" pitchFamily="34" charset="0"/>
-                <a:ea typeface="宋体" charset="-122"/>
+                <a:latin typeface="Verdana" panose="020B0604030504040204" pitchFamily="34" charset="0"/>
+                <a:ea typeface="宋体" panose="02010600030101010101" pitchFamily="2" charset="-122"/>
               </a:defRPr>
             </a:lvl7pPr>
             <a:lvl8pPr marL="3429000" indent="-228600" eaLnBrk="0" fontAlgn="base" hangingPunct="0">
@@ -6286,8 +6179,8 @@
                 <a:solidFill>
                   <a:schemeClr val="tx1"/>
                 </a:solidFill>
-                <a:latin typeface="Verdana" pitchFamily="34" charset="0"/>
-                <a:ea typeface="宋体" charset="-122"/>
+                <a:latin typeface="Verdana" panose="020B0604030504040204" pitchFamily="34" charset="0"/>
+                <a:ea typeface="宋体" panose="02010600030101010101" pitchFamily="2" charset="-122"/>
               </a:defRPr>
             </a:lvl8pPr>
             <a:lvl9pPr marL="3886200" indent="-228600" eaLnBrk="0" fontAlgn="base" hangingPunct="0">
@@ -6301,19 +6194,18 @@
                 <a:solidFill>
                   <a:schemeClr val="tx1"/>
                 </a:solidFill>
-                <a:latin typeface="Verdana" pitchFamily="34" charset="0"/>
-                <a:ea typeface="宋体" charset="-122"/>
+                <a:latin typeface="Verdana" panose="020B0604030504040204" pitchFamily="34" charset="0"/>
+                <a:ea typeface="宋体" panose="02010600030101010101" pitchFamily="2" charset="-122"/>
               </a:defRPr>
             </a:lvl9pPr>
           </a:lstStyle>
           <a:p>
             <a:pPr eaLnBrk="1" hangingPunct="1"/>
             <a:fld id="{0A09FE2D-51BF-41FD-9689-1F068740A7E5}" type="slidenum">
-              <a:rPr lang="en-US" altLang="zh-CN" smtClean="0"/>
-              <a:pPr eaLnBrk="1" hangingPunct="1"/>
+              <a:rPr lang="en-US" altLang="zh-CN" sz="900" smtClean="0"/>
               <a:t>2</a:t>
             </a:fld>
-            <a:endParaRPr lang="en-US" altLang="zh-CN" smtClean="0"/>
+            <a:endParaRPr lang="en-US" altLang="zh-CN" sz="900" smtClean="0"/>
           </a:p>
         </p:txBody>
       </p:sp>
@@ -6335,22 +6227,22 @@
             <a:pPr eaLnBrk="1" hangingPunct="1"/>
             <a:r>
               <a:rPr lang="zh-CN" altLang="en-US" b="1" smtClean="0">
-                <a:latin typeface="黑体" pitchFamily="49" charset="-122"/>
-                <a:ea typeface="黑体" pitchFamily="49" charset="-122"/>
+                <a:latin typeface="黑体" panose="02010609060101010101" pitchFamily="49" charset="-122"/>
+                <a:ea typeface="黑体" panose="02010609060101010101" pitchFamily="49" charset="-122"/>
               </a:rPr>
               <a:t>第</a:t>
             </a:r>
             <a:r>
               <a:rPr lang="en-US" altLang="zh-CN" b="1" smtClean="0">
-                <a:latin typeface="黑体" pitchFamily="49" charset="-122"/>
-                <a:ea typeface="黑体" pitchFamily="49" charset="-122"/>
+                <a:latin typeface="黑体" panose="02010609060101010101" pitchFamily="49" charset="-122"/>
+                <a:ea typeface="黑体" panose="02010609060101010101" pitchFamily="49" charset="-122"/>
               </a:rPr>
               <a:t>2</a:t>
             </a:r>
             <a:r>
               <a:rPr lang="zh-CN" altLang="en-US" b="1" smtClean="0">
-                <a:latin typeface="黑体" pitchFamily="49" charset="-122"/>
-                <a:ea typeface="黑体" pitchFamily="49" charset="-122"/>
+                <a:latin typeface="黑体" panose="02010609060101010101" pitchFamily="49" charset="-122"/>
+                <a:ea typeface="黑体" panose="02010609060101010101" pitchFamily="49" charset="-122"/>
               </a:rPr>
               <a:t>章  软件测试背景</a:t>
             </a:r>
@@ -6374,14 +6266,14 @@
           <a:p>
             <a:pPr eaLnBrk="1" hangingPunct="1"/>
             <a:r>
-              <a:rPr lang="zh-CN" altLang="en-US" sz="3400" b="1" smtClean="0"/>
+              <a:rPr lang="zh-CN" altLang="en-US" sz="2550" b="1" smtClean="0"/>
               <a:t>内容提要</a:t>
             </a:r>
           </a:p>
           <a:p>
             <a:pPr lvl="1" eaLnBrk="1" hangingPunct="1"/>
             <a:r>
-              <a:rPr lang="zh-CN" altLang="en-US" sz="3100" b="1" smtClean="0"/>
+              <a:rPr lang="zh-CN" altLang="en-US" sz="2325" b="1" smtClean="0"/>
               <a:t>介绍软件测试的发展历程、软件测试技术现状、当前软件测试的研究热点和行业现状</a:t>
             </a:r>
           </a:p>
@@ -6432,7 +6324,6 @@
         </p:nvSpPr>
         <p:spPr>
           <a:noFill/>
-          <a:ln/>
           <a:extLst>
             <a:ext uri="{909E8E84-426E-40DD-AFC4-6F175D3DCCD1}">
               <a14:hiddenFill xmlns:a14="http://schemas.microsoft.com/office/drawing/2010/main">
@@ -6461,8 +6352,8 @@
                 <a:solidFill>
                   <a:schemeClr val="tx1"/>
                 </a:solidFill>
-                <a:latin typeface="Verdana" pitchFamily="34" charset="0"/>
-                <a:ea typeface="宋体" charset="-122"/>
+                <a:latin typeface="Verdana" panose="020B0604030504040204" pitchFamily="34" charset="0"/>
+                <a:ea typeface="宋体" panose="02010600030101010101" pitchFamily="2" charset="-122"/>
               </a:defRPr>
             </a:lvl1pPr>
             <a:lvl2pPr marL="742950" indent="-285750" eaLnBrk="0" hangingPunct="0">
@@ -6470,8 +6361,8 @@
                 <a:solidFill>
                   <a:schemeClr val="tx1"/>
                 </a:solidFill>
-                <a:latin typeface="Verdana" pitchFamily="34" charset="0"/>
-                <a:ea typeface="宋体" charset="-122"/>
+                <a:latin typeface="Verdana" panose="020B0604030504040204" pitchFamily="34" charset="0"/>
+                <a:ea typeface="宋体" panose="02010600030101010101" pitchFamily="2" charset="-122"/>
               </a:defRPr>
             </a:lvl2pPr>
             <a:lvl3pPr marL="1143000" indent="-228600" eaLnBrk="0" hangingPunct="0">
@@ -6479,8 +6370,8 @@
                 <a:solidFill>
                   <a:schemeClr val="tx1"/>
                 </a:solidFill>
-                <a:latin typeface="Verdana" pitchFamily="34" charset="0"/>
-                <a:ea typeface="宋体" charset="-122"/>
+                <a:latin typeface="Verdana" panose="020B0604030504040204" pitchFamily="34" charset="0"/>
+                <a:ea typeface="宋体" panose="02010600030101010101" pitchFamily="2" charset="-122"/>
               </a:defRPr>
             </a:lvl3pPr>
             <a:lvl4pPr marL="1600200" indent="-228600" eaLnBrk="0" hangingPunct="0">
@@ -6488,8 +6379,8 @@
                 <a:solidFill>
                   <a:schemeClr val="tx1"/>
                 </a:solidFill>
-                <a:latin typeface="Verdana" pitchFamily="34" charset="0"/>
-                <a:ea typeface="宋体" charset="-122"/>
+                <a:latin typeface="Verdana" panose="020B0604030504040204" pitchFamily="34" charset="0"/>
+                <a:ea typeface="宋体" panose="02010600030101010101" pitchFamily="2" charset="-122"/>
               </a:defRPr>
             </a:lvl4pPr>
             <a:lvl5pPr marL="2057400" indent="-228600" eaLnBrk="0" hangingPunct="0">
@@ -6497,8 +6388,8 @@
                 <a:solidFill>
                   <a:schemeClr val="tx1"/>
                 </a:solidFill>
-                <a:latin typeface="Verdana" pitchFamily="34" charset="0"/>
-                <a:ea typeface="宋体" charset="-122"/>
+                <a:latin typeface="Verdana" panose="020B0604030504040204" pitchFamily="34" charset="0"/>
+                <a:ea typeface="宋体" panose="02010600030101010101" pitchFamily="2" charset="-122"/>
               </a:defRPr>
             </a:lvl5pPr>
             <a:lvl6pPr marL="2514600" indent="-228600" eaLnBrk="0" fontAlgn="base" hangingPunct="0">
@@ -6512,8 +6403,8 @@
                 <a:solidFill>
                   <a:schemeClr val="tx1"/>
                 </a:solidFill>
-                <a:latin typeface="Verdana" pitchFamily="34" charset="0"/>
-                <a:ea typeface="宋体" charset="-122"/>
+                <a:latin typeface="Verdana" panose="020B0604030504040204" pitchFamily="34" charset="0"/>
+                <a:ea typeface="宋体" panose="02010600030101010101" pitchFamily="2" charset="-122"/>
               </a:defRPr>
             </a:lvl6pPr>
             <a:lvl7pPr marL="2971800" indent="-228600" eaLnBrk="0" fontAlgn="base" hangingPunct="0">
@@ -6527,8 +6418,8 @@
                 <a:solidFill>
                   <a:schemeClr val="tx1"/>
                 </a:solidFill>
-                <a:latin typeface="Verdana" pitchFamily="34" charset="0"/>
-                <a:ea typeface="宋体" charset="-122"/>
+                <a:latin typeface="Verdana" panose="020B0604030504040204" pitchFamily="34" charset="0"/>
+                <a:ea typeface="宋体" panose="02010600030101010101" pitchFamily="2" charset="-122"/>
               </a:defRPr>
             </a:lvl7pPr>
             <a:lvl8pPr marL="3429000" indent="-228600" eaLnBrk="0" fontAlgn="base" hangingPunct="0">
@@ -6542,8 +6433,8 @@
                 <a:solidFill>
                   <a:schemeClr val="tx1"/>
                 </a:solidFill>
-                <a:latin typeface="Verdana" pitchFamily="34" charset="0"/>
-                <a:ea typeface="宋体" charset="-122"/>
+                <a:latin typeface="Verdana" panose="020B0604030504040204" pitchFamily="34" charset="0"/>
+                <a:ea typeface="宋体" panose="02010600030101010101" pitchFamily="2" charset="-122"/>
               </a:defRPr>
             </a:lvl8pPr>
             <a:lvl9pPr marL="3886200" indent="-228600" eaLnBrk="0" fontAlgn="base" hangingPunct="0">
@@ -6557,19 +6448,18 @@
                 <a:solidFill>
                   <a:schemeClr val="tx1"/>
                 </a:solidFill>
-                <a:latin typeface="Verdana" pitchFamily="34" charset="0"/>
-                <a:ea typeface="宋体" charset="-122"/>
+                <a:latin typeface="Verdana" panose="020B0604030504040204" pitchFamily="34" charset="0"/>
+                <a:ea typeface="宋体" panose="02010600030101010101" pitchFamily="2" charset="-122"/>
               </a:defRPr>
             </a:lvl9pPr>
           </a:lstStyle>
           <a:p>
             <a:pPr eaLnBrk="1" hangingPunct="1"/>
             <a:fld id="{BD7A0DBD-C07B-4306-A1C1-60FC8D1BF8BC}" type="slidenum">
-              <a:rPr lang="en-US" altLang="zh-CN" smtClean="0"/>
-              <a:pPr eaLnBrk="1" hangingPunct="1"/>
+              <a:rPr lang="en-US" altLang="zh-CN" sz="900" smtClean="0"/>
               <a:t>3</a:t>
             </a:fld>
-            <a:endParaRPr lang="en-US" altLang="zh-CN" smtClean="0"/>
+            <a:endParaRPr lang="en-US" altLang="zh-CN" sz="900" smtClean="0"/>
           </a:p>
         </p:txBody>
       </p:sp>
@@ -6591,22 +6481,22 @@
             <a:pPr eaLnBrk="1" hangingPunct="1"/>
             <a:r>
               <a:rPr lang="zh-CN" altLang="en-US" b="1" smtClean="0">
-                <a:latin typeface="黑体" pitchFamily="49" charset="-122"/>
-                <a:ea typeface="黑体" pitchFamily="49" charset="-122"/>
+                <a:latin typeface="黑体" panose="02010609060101010101" pitchFamily="49" charset="-122"/>
+                <a:ea typeface="黑体" panose="02010609060101010101" pitchFamily="49" charset="-122"/>
               </a:rPr>
               <a:t>第</a:t>
             </a:r>
             <a:r>
               <a:rPr lang="en-US" altLang="zh-CN" b="1" smtClean="0">
-                <a:latin typeface="黑体" pitchFamily="49" charset="-122"/>
-                <a:ea typeface="黑体" pitchFamily="49" charset="-122"/>
+                <a:latin typeface="黑体" panose="02010609060101010101" pitchFamily="49" charset="-122"/>
+                <a:ea typeface="黑体" panose="02010609060101010101" pitchFamily="49" charset="-122"/>
               </a:rPr>
               <a:t>2</a:t>
             </a:r>
             <a:r>
               <a:rPr lang="zh-CN" altLang="en-US" b="1" smtClean="0">
-                <a:latin typeface="黑体" pitchFamily="49" charset="-122"/>
-                <a:ea typeface="黑体" pitchFamily="49" charset="-122"/>
+                <a:latin typeface="黑体" panose="02010609060101010101" pitchFamily="49" charset="-122"/>
+                <a:ea typeface="黑体" panose="02010609060101010101" pitchFamily="49" charset="-122"/>
               </a:rPr>
               <a:t>章  软件测试背景</a:t>
             </a:r>
@@ -6630,54 +6520,54 @@
           <a:p>
             <a:pPr eaLnBrk="1" hangingPunct="1"/>
             <a:r>
-              <a:rPr lang="zh-CN" altLang="en-US" sz="3400" b="1" smtClean="0"/>
+              <a:rPr lang="zh-CN" altLang="en-US" sz="2550" b="1" smtClean="0"/>
               <a:t>本章重点</a:t>
             </a:r>
           </a:p>
           <a:p>
             <a:pPr lvl="1" eaLnBrk="1" hangingPunct="1"/>
             <a:r>
-              <a:rPr lang="zh-CN" altLang="en-US" sz="3100" b="1" smtClean="0"/>
+              <a:rPr lang="zh-CN" altLang="en-US" sz="2325" b="1" smtClean="0"/>
               <a:t>软件测试发展历程</a:t>
             </a:r>
-            <a:endParaRPr lang="en-US" altLang="zh-CN" sz="3100" b="1" smtClean="0"/>
+            <a:endParaRPr lang="en-US" altLang="zh-CN" sz="2325" b="1" smtClean="0"/>
           </a:p>
           <a:p>
             <a:pPr lvl="1" eaLnBrk="1" hangingPunct="1"/>
             <a:r>
-              <a:rPr lang="zh-CN" altLang="en-US" sz="3100" b="1" smtClean="0"/>
+              <a:rPr lang="zh-CN" altLang="en-US" sz="2325" b="1" smtClean="0"/>
               <a:t>软件测试现状</a:t>
             </a:r>
-            <a:endParaRPr lang="en-US" altLang="zh-CN" sz="3100" b="1" smtClean="0"/>
+            <a:endParaRPr lang="en-US" altLang="zh-CN" sz="2325" b="1" smtClean="0"/>
           </a:p>
           <a:p>
             <a:pPr lvl="1" eaLnBrk="1" hangingPunct="1"/>
             <a:r>
-              <a:rPr lang="zh-CN" altLang="en-US" sz="3100" b="1" smtClean="0"/>
+              <a:rPr lang="zh-CN" altLang="en-US" sz="2325" b="1" smtClean="0"/>
               <a:t>外包测试现状</a:t>
             </a:r>
-            <a:endParaRPr lang="en-US" altLang="zh-CN" sz="3100" b="1" smtClean="0"/>
+            <a:endParaRPr lang="en-US" altLang="zh-CN" sz="2325" b="1" smtClean="0"/>
           </a:p>
           <a:p>
             <a:pPr lvl="1" eaLnBrk="1" hangingPunct="1"/>
             <a:r>
-              <a:rPr lang="zh-CN" altLang="en-US" sz="3100" b="1" smtClean="0"/>
+              <a:rPr lang="zh-CN" altLang="en-US" sz="2325" b="1" smtClean="0"/>
               <a:t>软件测试研究热点</a:t>
             </a:r>
-            <a:endParaRPr lang="en-US" altLang="zh-CN" sz="3100" b="1" smtClean="0"/>
+            <a:endParaRPr lang="en-US" altLang="zh-CN" sz="2325" b="1" smtClean="0"/>
           </a:p>
           <a:p>
             <a:pPr lvl="1" eaLnBrk="1" hangingPunct="1"/>
             <a:r>
-              <a:rPr lang="zh-CN" altLang="en-US" sz="3100" b="1" smtClean="0"/>
+              <a:rPr lang="zh-CN" altLang="en-US" sz="2325" b="1" smtClean="0"/>
               <a:t>国内软件测试职业现状</a:t>
             </a:r>
-            <a:endParaRPr lang="en-US" altLang="zh-CN" sz="3100" b="1" smtClean="0"/>
+            <a:endParaRPr lang="en-US" altLang="zh-CN" sz="2325" b="1" smtClean="0"/>
           </a:p>
           <a:p>
             <a:pPr lvl="1" eaLnBrk="1" hangingPunct="1"/>
             <a:r>
-              <a:rPr lang="zh-CN" altLang="en-US" sz="3100" b="1" smtClean="0"/>
+              <a:rPr lang="zh-CN" altLang="en-US" sz="2325" b="1" smtClean="0"/>
               <a:t>软件测试工作</a:t>
             </a:r>
           </a:p>
@@ -6728,7 +6618,6 @@
         </p:nvSpPr>
         <p:spPr>
           <a:noFill/>
-          <a:ln/>
           <a:extLst>
             <a:ext uri="{909E8E84-426E-40DD-AFC4-6F175D3DCCD1}">
               <a14:hiddenFill xmlns:a14="http://schemas.microsoft.com/office/drawing/2010/main">
@@ -6757,8 +6646,8 @@
                 <a:solidFill>
                   <a:schemeClr val="tx1"/>
                 </a:solidFill>
-                <a:latin typeface="Verdana" pitchFamily="34" charset="0"/>
-                <a:ea typeface="宋体" charset="-122"/>
+                <a:latin typeface="Verdana" panose="020B0604030504040204" pitchFamily="34" charset="0"/>
+                <a:ea typeface="宋体" panose="02010600030101010101" pitchFamily="2" charset="-122"/>
               </a:defRPr>
             </a:lvl1pPr>
             <a:lvl2pPr marL="742950" indent="-285750" eaLnBrk="0" hangingPunct="0">
@@ -6766,8 +6655,8 @@
                 <a:solidFill>
                   <a:schemeClr val="tx1"/>
                 </a:solidFill>
-                <a:latin typeface="Verdana" pitchFamily="34" charset="0"/>
-                <a:ea typeface="宋体" charset="-122"/>
+                <a:latin typeface="Verdana" panose="020B0604030504040204" pitchFamily="34" charset="0"/>
+                <a:ea typeface="宋体" panose="02010600030101010101" pitchFamily="2" charset="-122"/>
               </a:defRPr>
             </a:lvl2pPr>
             <a:lvl3pPr marL="1143000" indent="-228600" eaLnBrk="0" hangingPunct="0">
@@ -6775,8 +6664,8 @@
                 <a:solidFill>
                   <a:schemeClr val="tx1"/>
                 </a:solidFill>
-                <a:latin typeface="Verdana" pitchFamily="34" charset="0"/>
-                <a:ea typeface="宋体" charset="-122"/>
+                <a:latin typeface="Verdana" panose="020B0604030504040204" pitchFamily="34" charset="0"/>
+                <a:ea typeface="宋体" panose="02010600030101010101" pitchFamily="2" charset="-122"/>
               </a:defRPr>
             </a:lvl3pPr>
             <a:lvl4pPr marL="1600200" indent="-228600" eaLnBrk="0" hangingPunct="0">
@@ -6784,8 +6673,8 @@
                 <a:solidFill>
                   <a:schemeClr val="tx1"/>
                 </a:solidFill>
-                <a:latin typeface="Verdana" pitchFamily="34" charset="0"/>
-                <a:ea typeface="宋体" charset="-122"/>
+                <a:latin typeface="Verdana" panose="020B0604030504040204" pitchFamily="34" charset="0"/>
+                <a:ea typeface="宋体" panose="02010600030101010101" pitchFamily="2" charset="-122"/>
               </a:defRPr>
             </a:lvl4pPr>
             <a:lvl5pPr marL="2057400" indent="-228600" eaLnBrk="0" hangingPunct="0">
@@ -6793,8 +6682,8 @@
                 <a:solidFill>
                   <a:schemeClr val="tx1"/>
                 </a:solidFill>
-                <a:latin typeface="Verdana" pitchFamily="34" charset="0"/>
-                <a:ea typeface="宋体" charset="-122"/>
+                <a:latin typeface="Verdana" panose="020B0604030504040204" pitchFamily="34" charset="0"/>
+                <a:ea typeface="宋体" panose="02010600030101010101" pitchFamily="2" charset="-122"/>
               </a:defRPr>
             </a:lvl5pPr>
             <a:lvl6pPr marL="2514600" indent="-228600" eaLnBrk="0" fontAlgn="base" hangingPunct="0">
@@ -6808,8 +6697,8 @@
                 <a:solidFill>
                   <a:schemeClr val="tx1"/>
                 </a:solidFill>
-                <a:latin typeface="Verdana" pitchFamily="34" charset="0"/>
-                <a:ea typeface="宋体" charset="-122"/>
+                <a:latin typeface="Verdana" panose="020B0604030504040204" pitchFamily="34" charset="0"/>
+                <a:ea typeface="宋体" panose="02010600030101010101" pitchFamily="2" charset="-122"/>
               </a:defRPr>
             </a:lvl6pPr>
             <a:lvl7pPr marL="2971800" indent="-228600" eaLnBrk="0" fontAlgn="base" hangingPunct="0">
@@ -6823,8 +6712,8 @@
                 <a:solidFill>
                   <a:schemeClr val="tx1"/>
                 </a:solidFill>
-                <a:latin typeface="Verdana" pitchFamily="34" charset="0"/>
-                <a:ea typeface="宋体" charset="-122"/>
+                <a:latin typeface="Verdana" panose="020B0604030504040204" pitchFamily="34" charset="0"/>
+                <a:ea typeface="宋体" panose="02010600030101010101" pitchFamily="2" charset="-122"/>
               </a:defRPr>
             </a:lvl7pPr>
             <a:lvl8pPr marL="3429000" indent="-228600" eaLnBrk="0" fontAlgn="base" hangingPunct="0">
@@ -6838,8 +6727,8 @@
                 <a:solidFill>
                   <a:schemeClr val="tx1"/>
                 </a:solidFill>
-                <a:latin typeface="Verdana" pitchFamily="34" charset="0"/>
-                <a:ea typeface="宋体" charset="-122"/>
+                <a:latin typeface="Verdana" panose="020B0604030504040204" pitchFamily="34" charset="0"/>
+                <a:ea typeface="宋体" panose="02010600030101010101" pitchFamily="2" charset="-122"/>
               </a:defRPr>
             </a:lvl8pPr>
             <a:lvl9pPr marL="3886200" indent="-228600" eaLnBrk="0" fontAlgn="base" hangingPunct="0">
@@ -6853,19 +6742,18 @@
                 <a:solidFill>
                   <a:schemeClr val="tx1"/>
                 </a:solidFill>
-                <a:latin typeface="Verdana" pitchFamily="34" charset="0"/>
-                <a:ea typeface="宋体" charset="-122"/>
+                <a:latin typeface="Verdana" panose="020B0604030504040204" pitchFamily="34" charset="0"/>
+                <a:ea typeface="宋体" panose="02010600030101010101" pitchFamily="2" charset="-122"/>
               </a:defRPr>
             </a:lvl9pPr>
           </a:lstStyle>
           <a:p>
             <a:pPr eaLnBrk="1" hangingPunct="1"/>
             <a:fld id="{FC668308-371F-45F6-8343-74ECE90BB19E}" type="slidenum">
-              <a:rPr lang="en-US" altLang="zh-CN" smtClean="0"/>
-              <a:pPr eaLnBrk="1" hangingPunct="1"/>
+              <a:rPr lang="en-US" altLang="zh-CN" sz="900" smtClean="0"/>
               <a:t>4</a:t>
             </a:fld>
-            <a:endParaRPr lang="en-US" altLang="zh-CN" smtClean="0"/>
+            <a:endParaRPr lang="en-US" altLang="zh-CN" sz="900" smtClean="0"/>
           </a:p>
         </p:txBody>
       </p:sp>
@@ -6887,15 +6775,15 @@
             <a:pPr eaLnBrk="1" hangingPunct="1"/>
             <a:r>
               <a:rPr lang="en-US" altLang="zh-CN" b="1" smtClean="0">
-                <a:latin typeface="黑体" pitchFamily="49" charset="-122"/>
-                <a:ea typeface="黑体" pitchFamily="49" charset="-122"/>
+                <a:latin typeface="黑体" panose="02010609060101010101" pitchFamily="49" charset="-122"/>
+                <a:ea typeface="黑体" panose="02010609060101010101" pitchFamily="49" charset="-122"/>
               </a:rPr>
               <a:t>2.1 </a:t>
             </a:r>
             <a:r>
               <a:rPr lang="zh-CN" altLang="en-US" b="1" smtClean="0">
-                <a:latin typeface="黑体" pitchFamily="49" charset="-122"/>
-                <a:ea typeface="黑体" pitchFamily="49" charset="-122"/>
+                <a:latin typeface="黑体" panose="02010609060101010101" pitchFamily="49" charset="-122"/>
+                <a:ea typeface="黑体" panose="02010609060101010101" pitchFamily="49" charset="-122"/>
               </a:rPr>
               <a:t>引子</a:t>
             </a:r>
@@ -6919,34 +6807,34 @@
           <a:p>
             <a:pPr algn="just" eaLnBrk="1" hangingPunct="1"/>
             <a:r>
-              <a:rPr lang="zh-CN" altLang="en-US" sz="3400" b="1" smtClean="0"/>
+              <a:rPr lang="zh-CN" altLang="en-US" sz="2550" b="1" smtClean="0"/>
               <a:t>软件测试是软件行业的“找茬”职业</a:t>
             </a:r>
-            <a:endParaRPr lang="en-US" altLang="zh-CN" sz="3400" b="1" smtClean="0"/>
+            <a:endParaRPr lang="en-US" altLang="zh-CN" sz="2550" b="1" smtClean="0"/>
           </a:p>
           <a:p>
             <a:pPr algn="just" eaLnBrk="1" hangingPunct="1"/>
             <a:r>
-              <a:rPr lang="zh-CN" altLang="en-US" sz="3400" b="1" smtClean="0"/>
+              <a:rPr lang="zh-CN" altLang="en-US" sz="2550" b="1" smtClean="0"/>
               <a:t>根据信息产业部门发布的最新报告显示，我国软件测试工程师的行业需求超过</a:t>
             </a:r>
             <a:r>
-              <a:rPr lang="en-US" altLang="zh-CN" sz="3400" b="1" smtClean="0"/>
+              <a:rPr lang="en-US" altLang="zh-CN" sz="2550" b="1" smtClean="0"/>
               <a:t>30</a:t>
             </a:r>
             <a:r>
-              <a:rPr lang="zh-CN" altLang="en-US" sz="3400" b="1" smtClean="0"/>
+              <a:rPr lang="zh-CN" altLang="en-US" sz="2550" b="1" smtClean="0"/>
               <a:t>万，业内专家预计，在未来</a:t>
             </a:r>
             <a:r>
-              <a:rPr lang="en-US" altLang="zh-CN" sz="3400" b="1" smtClean="0"/>
+              <a:rPr lang="en-US" altLang="zh-CN" sz="2550" b="1" smtClean="0"/>
               <a:t>5~10</a:t>
             </a:r>
             <a:r>
-              <a:rPr lang="zh-CN" altLang="en-US" sz="3400" b="1" smtClean="0"/>
+              <a:rPr lang="zh-CN" altLang="en-US" sz="2550" b="1" smtClean="0"/>
               <a:t>年，我国企业对测试人才的需求数字还将继续增大。</a:t>
             </a:r>
-            <a:endParaRPr lang="en-US" altLang="zh-CN" sz="3400" b="1" smtClean="0"/>
+            <a:endParaRPr lang="en-US" altLang="zh-CN" sz="2550" b="1" smtClean="0"/>
           </a:p>
         </p:txBody>
       </p:sp>
@@ -6995,7 +6883,6 @@
         </p:nvSpPr>
         <p:spPr>
           <a:noFill/>
-          <a:ln/>
           <a:extLst>
             <a:ext uri="{909E8E84-426E-40DD-AFC4-6F175D3DCCD1}">
               <a14:hiddenFill xmlns:a14="http://schemas.microsoft.com/office/drawing/2010/main">
@@ -7024,8 +6911,8 @@
                 <a:solidFill>
                   <a:schemeClr val="tx1"/>
                 </a:solidFill>
-                <a:latin typeface="Verdana" pitchFamily="34" charset="0"/>
-                <a:ea typeface="宋体" charset="-122"/>
+                <a:latin typeface="Verdana" panose="020B0604030504040204" pitchFamily="34" charset="0"/>
+                <a:ea typeface="宋体" panose="02010600030101010101" pitchFamily="2" charset="-122"/>
               </a:defRPr>
             </a:lvl1pPr>
             <a:lvl2pPr marL="742950" indent="-285750" eaLnBrk="0" hangingPunct="0">
@@ -7033,8 +6920,8 @@
                 <a:solidFill>
                   <a:schemeClr val="tx1"/>
                 </a:solidFill>
-                <a:latin typeface="Verdana" pitchFamily="34" charset="0"/>
-                <a:ea typeface="宋体" charset="-122"/>
+                <a:latin typeface="Verdana" panose="020B0604030504040204" pitchFamily="34" charset="0"/>
+                <a:ea typeface="宋体" panose="02010600030101010101" pitchFamily="2" charset="-122"/>
               </a:defRPr>
             </a:lvl2pPr>
             <a:lvl3pPr marL="1143000" indent="-228600" eaLnBrk="0" hangingPunct="0">
@@ -7042,8 +6929,8 @@
                 <a:solidFill>
                   <a:schemeClr val="tx1"/>
                 </a:solidFill>
-                <a:latin typeface="Verdana" pitchFamily="34" charset="0"/>
-                <a:ea typeface="宋体" charset="-122"/>
+                <a:latin typeface="Verdana" panose="020B0604030504040204" pitchFamily="34" charset="0"/>
+                <a:ea typeface="宋体" panose="02010600030101010101" pitchFamily="2" charset="-122"/>
               </a:defRPr>
             </a:lvl3pPr>
             <a:lvl4pPr marL="1600200" indent="-228600" eaLnBrk="0" hangingPunct="0">
@@ -7051,8 +6938,8 @@
                 <a:solidFill>
                   <a:schemeClr val="tx1"/>
                 </a:solidFill>
-                <a:latin typeface="Verdana" pitchFamily="34" charset="0"/>
-                <a:ea typeface="宋体" charset="-122"/>
+                <a:latin typeface="Verdana" panose="020B0604030504040204" pitchFamily="34" charset="0"/>
+                <a:ea typeface="宋体" panose="02010600030101010101" pitchFamily="2" charset="-122"/>
               </a:defRPr>
             </a:lvl4pPr>
             <a:lvl5pPr marL="2057400" indent="-228600" eaLnBrk="0" hangingPunct="0">
@@ -7060,8 +6947,8 @@
                 <a:solidFill>
                   <a:schemeClr val="tx1"/>
                 </a:solidFill>
-                <a:latin typeface="Verdana" pitchFamily="34" charset="0"/>
-                <a:ea typeface="宋体" charset="-122"/>
+                <a:latin typeface="Verdana" panose="020B0604030504040204" pitchFamily="34" charset="0"/>
+                <a:ea typeface="宋体" panose="02010600030101010101" pitchFamily="2" charset="-122"/>
               </a:defRPr>
             </a:lvl5pPr>
             <a:lvl6pPr marL="2514600" indent="-228600" eaLnBrk="0" fontAlgn="base" hangingPunct="0">
@@ -7075,8 +6962,8 @@
                 <a:solidFill>
                   <a:schemeClr val="tx1"/>
                 </a:solidFill>
-                <a:latin typeface="Verdana" pitchFamily="34" charset="0"/>
-                <a:ea typeface="宋体" charset="-122"/>
+                <a:latin typeface="Verdana" panose="020B0604030504040204" pitchFamily="34" charset="0"/>
+                <a:ea typeface="宋体" panose="02010600030101010101" pitchFamily="2" charset="-122"/>
               </a:defRPr>
             </a:lvl6pPr>
             <a:lvl7pPr marL="2971800" indent="-228600" eaLnBrk="0" fontAlgn="base" hangingPunct="0">
@@ -7090,8 +6977,8 @@
                 <a:solidFill>
                   <a:schemeClr val="tx1"/>
                 </a:solidFill>
-                <a:latin typeface="Verdana" pitchFamily="34" charset="0"/>
-                <a:ea typeface="宋体" charset="-122"/>
+                <a:latin typeface="Verdana" panose="020B0604030504040204" pitchFamily="34" charset="0"/>
+                <a:ea typeface="宋体" panose="02010600030101010101" pitchFamily="2" charset="-122"/>
               </a:defRPr>
             </a:lvl7pPr>
             <a:lvl8pPr marL="3429000" indent="-228600" eaLnBrk="0" fontAlgn="base" hangingPunct="0">
@@ -7105,8 +6992,8 @@
                 <a:solidFill>
                   <a:schemeClr val="tx1"/>
                 </a:solidFill>
-                <a:latin typeface="Verdana" pitchFamily="34" charset="0"/>
-                <a:ea typeface="宋体" charset="-122"/>
+                <a:latin typeface="Verdana" panose="020B0604030504040204" pitchFamily="34" charset="0"/>
+                <a:ea typeface="宋体" panose="02010600030101010101" pitchFamily="2" charset="-122"/>
               </a:defRPr>
             </a:lvl8pPr>
             <a:lvl9pPr marL="3886200" indent="-228600" eaLnBrk="0" fontAlgn="base" hangingPunct="0">
@@ -7120,19 +7007,18 @@
                 <a:solidFill>
                   <a:schemeClr val="tx1"/>
                 </a:solidFill>
-                <a:latin typeface="Verdana" pitchFamily="34" charset="0"/>
-                <a:ea typeface="宋体" charset="-122"/>
+                <a:latin typeface="Verdana" panose="020B0604030504040204" pitchFamily="34" charset="0"/>
+                <a:ea typeface="宋体" panose="02010600030101010101" pitchFamily="2" charset="-122"/>
               </a:defRPr>
             </a:lvl9pPr>
           </a:lstStyle>
           <a:p>
             <a:pPr eaLnBrk="1" hangingPunct="1"/>
             <a:fld id="{B2EF5221-883F-4729-8E9A-9340CC8A783B}" type="slidenum">
-              <a:rPr lang="en-US" altLang="zh-CN" smtClean="0"/>
-              <a:pPr eaLnBrk="1" hangingPunct="1"/>
+              <a:rPr lang="en-US" altLang="zh-CN" sz="900" smtClean="0"/>
               <a:t>5</a:t>
             </a:fld>
-            <a:endParaRPr lang="en-US" altLang="zh-CN" smtClean="0"/>
+            <a:endParaRPr lang="en-US" altLang="zh-CN" sz="900" smtClean="0"/>
           </a:p>
         </p:txBody>
       </p:sp>
@@ -7154,15 +7040,15 @@
             <a:pPr eaLnBrk="1" hangingPunct="1"/>
             <a:r>
               <a:rPr lang="en-US" altLang="zh-CN" b="1" smtClean="0">
-                <a:latin typeface="黑体" pitchFamily="49" charset="-122"/>
-                <a:ea typeface="黑体" pitchFamily="49" charset="-122"/>
+                <a:latin typeface="黑体" panose="02010609060101010101" pitchFamily="49" charset="-122"/>
+                <a:ea typeface="黑体" panose="02010609060101010101" pitchFamily="49" charset="-122"/>
               </a:rPr>
               <a:t>2.2 </a:t>
             </a:r>
             <a:r>
               <a:rPr lang="zh-CN" altLang="en-US" b="1" smtClean="0">
-                <a:latin typeface="黑体" pitchFamily="49" charset="-122"/>
-                <a:ea typeface="黑体" pitchFamily="49" charset="-122"/>
+                <a:latin typeface="黑体" panose="02010609060101010101" pitchFamily="49" charset="-122"/>
+                <a:ea typeface="黑体" panose="02010609060101010101" pitchFamily="49" charset="-122"/>
               </a:rPr>
               <a:t>软件测试的发展历程及现状</a:t>
             </a:r>
@@ -7186,37 +7072,37 @@
           <a:p>
             <a:pPr algn="just" eaLnBrk="1" hangingPunct="1"/>
             <a:r>
-              <a:rPr lang="zh-CN" altLang="en-US" sz="3400" b="1" smtClean="0"/>
+              <a:rPr lang="zh-CN" altLang="en-US" sz="2550" b="1" smtClean="0"/>
               <a:t>软件的测试的发展历程</a:t>
             </a:r>
-            <a:endParaRPr lang="en-US" altLang="zh-CN" sz="3400" b="1" smtClean="0"/>
+            <a:endParaRPr lang="en-US" altLang="zh-CN" sz="2550" b="1" smtClean="0"/>
           </a:p>
           <a:p>
             <a:pPr lvl="1" algn="just"/>
             <a:r>
-              <a:rPr lang="zh-CN" altLang="en-US" sz="3100" b="1" smtClean="0"/>
+              <a:rPr lang="zh-CN" altLang="en-US" sz="2325" b="1" smtClean="0"/>
               <a:t>第一阶段：初始阶段</a:t>
             </a:r>
-            <a:endParaRPr lang="en-US" altLang="zh-CN" sz="3100" b="1" smtClean="0"/>
+            <a:endParaRPr lang="en-US" altLang="zh-CN" sz="2325" b="1" smtClean="0"/>
           </a:p>
           <a:p>
             <a:pPr lvl="1" algn="just"/>
             <a:r>
-              <a:rPr lang="zh-CN" altLang="en-US" sz="3100" b="1" smtClean="0"/>
+              <a:rPr lang="zh-CN" altLang="en-US" sz="2325" b="1" smtClean="0"/>
               <a:t>第二阶段：定义阶段</a:t>
             </a:r>
           </a:p>
           <a:p>
             <a:pPr lvl="1"/>
             <a:r>
-              <a:rPr lang="zh-CN" altLang="en-US" sz="3100" b="1" smtClean="0"/>
+              <a:rPr lang="zh-CN" altLang="en-US" sz="2325" b="1" smtClean="0"/>
               <a:t>第三阶段：集成阶段</a:t>
             </a:r>
           </a:p>
           <a:p>
             <a:pPr lvl="1"/>
             <a:r>
-              <a:rPr lang="zh-CN" altLang="en-US" sz="3100" b="1" smtClean="0"/>
+              <a:rPr lang="zh-CN" altLang="en-US" sz="2325" b="1" smtClean="0"/>
               <a:t>第四阶段：管理、测量和最佳化阶段</a:t>
             </a:r>
           </a:p>
@@ -7267,7 +7153,6 @@
         </p:nvSpPr>
         <p:spPr>
           <a:noFill/>
-          <a:ln/>
           <a:extLst>
             <a:ext uri="{909E8E84-426E-40DD-AFC4-6F175D3DCCD1}">
               <a14:hiddenFill xmlns:a14="http://schemas.microsoft.com/office/drawing/2010/main">
@@ -7296,8 +7181,8 @@
                 <a:solidFill>
                   <a:schemeClr val="tx1"/>
                 </a:solidFill>
-                <a:latin typeface="Verdana" pitchFamily="34" charset="0"/>
-                <a:ea typeface="宋体" charset="-122"/>
+                <a:latin typeface="Verdana" panose="020B0604030504040204" pitchFamily="34" charset="0"/>
+                <a:ea typeface="宋体" panose="02010600030101010101" pitchFamily="2" charset="-122"/>
               </a:defRPr>
             </a:lvl1pPr>
             <a:lvl2pPr marL="742950" indent="-285750" eaLnBrk="0" hangingPunct="0">
@@ -7305,8 +7190,8 @@
                 <a:solidFill>
                   <a:schemeClr val="tx1"/>
                 </a:solidFill>
-                <a:latin typeface="Verdana" pitchFamily="34" charset="0"/>
-                <a:ea typeface="宋体" charset="-122"/>
+                <a:latin typeface="Verdana" panose="020B0604030504040204" pitchFamily="34" charset="0"/>
+                <a:ea typeface="宋体" panose="02010600030101010101" pitchFamily="2" charset="-122"/>
               </a:defRPr>
             </a:lvl2pPr>
             <a:lvl3pPr marL="1143000" indent="-228600" eaLnBrk="0" hangingPunct="0">
@@ -7314,8 +7199,8 @@
                 <a:solidFill>
                   <a:schemeClr val="tx1"/>
                 </a:solidFill>
-                <a:latin typeface="Verdana" pitchFamily="34" charset="0"/>
-                <a:ea typeface="宋体" charset="-122"/>
+                <a:latin typeface="Verdana" panose="020B0604030504040204" pitchFamily="34" charset="0"/>
+                <a:ea typeface="宋体" panose="02010600030101010101" pitchFamily="2" charset="-122"/>
               </a:defRPr>
             </a:lvl3pPr>
             <a:lvl4pPr marL="1600200" indent="-228600" eaLnBrk="0" hangingPunct="0">
@@ -7323,8 +7208,8 @@
                 <a:solidFill>
                   <a:schemeClr val="tx1"/>
                 </a:solidFill>
-                <a:latin typeface="Verdana" pitchFamily="34" charset="0"/>
-                <a:ea typeface="宋体" charset="-122"/>
+                <a:latin typeface="Verdana" panose="020B0604030504040204" pitchFamily="34" charset="0"/>
+                <a:ea typeface="宋体" panose="02010600030101010101" pitchFamily="2" charset="-122"/>
               </a:defRPr>
             </a:lvl4pPr>
             <a:lvl5pPr marL="2057400" indent="-228600" eaLnBrk="0" hangingPunct="0">
@@ -7332,8 +7217,8 @@
                 <a:solidFill>
                   <a:schemeClr val="tx1"/>
                 </a:solidFill>
-                <a:latin typeface="Verdana" pitchFamily="34" charset="0"/>
-                <a:ea typeface="宋体" charset="-122"/>
+                <a:latin typeface="Verdana" panose="020B0604030504040204" pitchFamily="34" charset="0"/>
+                <a:ea typeface="宋体" panose="02010600030101010101" pitchFamily="2" charset="-122"/>
               </a:defRPr>
             </a:lvl5pPr>
             <a:lvl6pPr marL="2514600" indent="-228600" eaLnBrk="0" fontAlgn="base" hangingPunct="0">
@@ -7347,8 +7232,8 @@
                 <a:solidFill>
                   <a:schemeClr val="tx1"/>
                 </a:solidFill>
-                <a:latin typeface="Verdana" pitchFamily="34" charset="0"/>
-                <a:ea typeface="宋体" charset="-122"/>
+                <a:latin typeface="Verdana" panose="020B0604030504040204" pitchFamily="34" charset="0"/>
+                <a:ea typeface="宋体" panose="02010600030101010101" pitchFamily="2" charset="-122"/>
               </a:defRPr>
             </a:lvl6pPr>
             <a:lvl7pPr marL="2971800" indent="-228600" eaLnBrk="0" fontAlgn="base" hangingPunct="0">
@@ -7362,8 +7247,8 @@
                 <a:solidFill>
                   <a:schemeClr val="tx1"/>
                 </a:solidFill>
-                <a:latin typeface="Verdana" pitchFamily="34" charset="0"/>
-                <a:ea typeface="宋体" charset="-122"/>
+                <a:latin typeface="Verdana" panose="020B0604030504040204" pitchFamily="34" charset="0"/>
+                <a:ea typeface="宋体" panose="02010600030101010101" pitchFamily="2" charset="-122"/>
               </a:defRPr>
             </a:lvl7pPr>
             <a:lvl8pPr marL="3429000" indent="-228600" eaLnBrk="0" fontAlgn="base" hangingPunct="0">
@@ -7377,8 +7262,8 @@
                 <a:solidFill>
                   <a:schemeClr val="tx1"/>
                 </a:solidFill>
-                <a:latin typeface="Verdana" pitchFamily="34" charset="0"/>
-                <a:ea typeface="宋体" charset="-122"/>
+                <a:latin typeface="Verdana" panose="020B0604030504040204" pitchFamily="34" charset="0"/>
+                <a:ea typeface="宋体" panose="02010600030101010101" pitchFamily="2" charset="-122"/>
               </a:defRPr>
             </a:lvl8pPr>
             <a:lvl9pPr marL="3886200" indent="-228600" eaLnBrk="0" fontAlgn="base" hangingPunct="0">
@@ -7392,19 +7277,18 @@
                 <a:solidFill>
                   <a:schemeClr val="tx1"/>
                 </a:solidFill>
-                <a:latin typeface="Verdana" pitchFamily="34" charset="0"/>
-                <a:ea typeface="宋体" charset="-122"/>
+                <a:latin typeface="Verdana" panose="020B0604030504040204" pitchFamily="34" charset="0"/>
+                <a:ea typeface="宋体" panose="02010600030101010101" pitchFamily="2" charset="-122"/>
               </a:defRPr>
             </a:lvl9pPr>
           </a:lstStyle>
           <a:p>
             <a:pPr eaLnBrk="1" hangingPunct="1"/>
             <a:fld id="{76E9061D-89ED-4768-8DA6-0DBFF0E12820}" type="slidenum">
-              <a:rPr lang="en-US" altLang="zh-CN" smtClean="0"/>
-              <a:pPr eaLnBrk="1" hangingPunct="1"/>
+              <a:rPr lang="en-US" altLang="zh-CN" sz="900" smtClean="0"/>
               <a:t>6</a:t>
             </a:fld>
-            <a:endParaRPr lang="en-US" altLang="zh-CN" smtClean="0"/>
+            <a:endParaRPr lang="en-US" altLang="zh-CN" sz="900" smtClean="0"/>
           </a:p>
         </p:txBody>
       </p:sp>
@@ -7426,15 +7310,15 @@
             <a:pPr eaLnBrk="1" hangingPunct="1"/>
             <a:r>
               <a:rPr lang="en-US" altLang="zh-CN" b="1" smtClean="0">
-                <a:latin typeface="黑体" pitchFamily="49" charset="-122"/>
-                <a:ea typeface="黑体" pitchFamily="49" charset="-122"/>
+                <a:latin typeface="黑体" panose="02010609060101010101" pitchFamily="49" charset="-122"/>
+                <a:ea typeface="黑体" panose="02010609060101010101" pitchFamily="49" charset="-122"/>
               </a:rPr>
               <a:t>2.2 </a:t>
             </a:r>
             <a:r>
               <a:rPr lang="zh-CN" altLang="en-US" b="1" smtClean="0">
-                <a:latin typeface="黑体" pitchFamily="49" charset="-122"/>
-                <a:ea typeface="黑体" pitchFamily="49" charset="-122"/>
+                <a:latin typeface="黑体" panose="02010609060101010101" pitchFamily="49" charset="-122"/>
+                <a:ea typeface="黑体" panose="02010609060101010101" pitchFamily="49" charset="-122"/>
               </a:rPr>
               <a:t>软件测试的发展历程及现状</a:t>
             </a:r>
@@ -7458,42 +7342,42 @@
           <a:p>
             <a:pPr algn="just" eaLnBrk="1" hangingPunct="1"/>
             <a:r>
-              <a:rPr lang="zh-CN" altLang="en-US" sz="3400" b="1" smtClean="0"/>
+              <a:rPr lang="zh-CN" altLang="en-US" sz="2550" b="1" smtClean="0"/>
               <a:t>软件测试现状：国外现状</a:t>
             </a:r>
-            <a:endParaRPr lang="en-US" altLang="zh-CN" sz="3400" b="1" smtClean="0"/>
+            <a:endParaRPr lang="en-US" altLang="zh-CN" sz="2550" b="1" smtClean="0"/>
           </a:p>
           <a:p>
             <a:pPr algn="just" eaLnBrk="1" hangingPunct="1"/>
             <a:r>
-              <a:rPr lang="zh-CN" altLang="en-US" sz="3400" b="1" smtClean="0"/>
+              <a:rPr lang="zh-CN" altLang="en-US" sz="2550" b="1" smtClean="0"/>
               <a:t>相当成熟，并已成为一个独立的产业</a:t>
             </a:r>
-            <a:endParaRPr lang="en-US" altLang="zh-CN" sz="3400" b="1" smtClean="0"/>
+            <a:endParaRPr lang="en-US" altLang="zh-CN" sz="2550" b="1" smtClean="0"/>
           </a:p>
           <a:p>
             <a:pPr lvl="1" algn="just" eaLnBrk="1" hangingPunct="1"/>
             <a:r>
-              <a:rPr lang="zh-CN" altLang="en-US" sz="3100" b="1" smtClean="0"/>
+              <a:rPr lang="zh-CN" altLang="en-US" sz="2325" b="1" smtClean="0"/>
               <a:t>软件测试在公司中的地位非常重要</a:t>
             </a:r>
-            <a:endParaRPr lang="en-US" altLang="zh-CN" sz="3100" b="1" smtClean="0"/>
+            <a:endParaRPr lang="en-US" altLang="zh-CN" sz="2325" b="1" smtClean="0"/>
           </a:p>
           <a:p>
             <a:pPr lvl="1" algn="just" eaLnBrk="1" hangingPunct="1"/>
             <a:r>
-              <a:rPr lang="zh-CN" altLang="en-US" sz="3100" b="1" smtClean="0"/>
+              <a:rPr lang="zh-CN" altLang="en-US" sz="2325" b="1" smtClean="0"/>
               <a:t>软件测试的理论研究蓬勃发展</a:t>
             </a:r>
-            <a:endParaRPr lang="en-US" altLang="zh-CN" sz="3100" b="1" smtClean="0"/>
+            <a:endParaRPr lang="en-US" altLang="zh-CN" sz="2325" b="1" smtClean="0"/>
           </a:p>
           <a:p>
             <a:pPr lvl="1" algn="just" eaLnBrk="1" hangingPunct="1"/>
             <a:r>
-              <a:rPr lang="zh-CN" altLang="en-US" sz="3100" b="1" smtClean="0"/>
+              <a:rPr lang="zh-CN" altLang="en-US" sz="2325" b="1" smtClean="0"/>
               <a:t>软件测试市场繁荣</a:t>
             </a:r>
-            <a:endParaRPr lang="en-US" altLang="zh-CN" sz="3100" b="1" smtClean="0"/>
+            <a:endParaRPr lang="en-US" altLang="zh-CN" sz="2325" b="1" smtClean="0"/>
           </a:p>
         </p:txBody>
       </p:sp>
@@ -7542,7 +7426,6 @@
         </p:nvSpPr>
         <p:spPr>
           <a:noFill/>
-          <a:ln/>
           <a:extLst>
             <a:ext uri="{909E8E84-426E-40DD-AFC4-6F175D3DCCD1}">
               <a14:hiddenFill xmlns:a14="http://schemas.microsoft.com/office/drawing/2010/main">
@@ -7571,8 +7454,8 @@
                 <a:solidFill>
                   <a:schemeClr val="tx1"/>
                 </a:solidFill>
-                <a:latin typeface="Verdana" pitchFamily="34" charset="0"/>
-                <a:ea typeface="宋体" charset="-122"/>
+                <a:latin typeface="Verdana" panose="020B0604030504040204" pitchFamily="34" charset="0"/>
+                <a:ea typeface="宋体" panose="02010600030101010101" pitchFamily="2" charset="-122"/>
               </a:defRPr>
             </a:lvl1pPr>
             <a:lvl2pPr marL="742950" indent="-285750" eaLnBrk="0" hangingPunct="0">
@@ -7580,8 +7463,8 @@
                 <a:solidFill>
                   <a:schemeClr val="tx1"/>
                 </a:solidFill>
-                <a:latin typeface="Verdana" pitchFamily="34" charset="0"/>
-                <a:ea typeface="宋体" charset="-122"/>
+                <a:latin typeface="Verdana" panose="020B0604030504040204" pitchFamily="34" charset="0"/>
+                <a:ea typeface="宋体" panose="02010600030101010101" pitchFamily="2" charset="-122"/>
               </a:defRPr>
             </a:lvl2pPr>
             <a:lvl3pPr marL="1143000" indent="-228600" eaLnBrk="0" hangingPunct="0">
@@ -7589,8 +7472,8 @@
                 <a:solidFill>
                   <a:schemeClr val="tx1"/>
                 </a:solidFill>
-                <a:latin typeface="Verdana" pitchFamily="34" charset="0"/>
-                <a:ea typeface="宋体" charset="-122"/>
+                <a:latin typeface="Verdana" panose="020B0604030504040204" pitchFamily="34" charset="0"/>
+                <a:ea typeface="宋体" panose="02010600030101010101" pitchFamily="2" charset="-122"/>
               </a:defRPr>
             </a:lvl3pPr>
             <a:lvl4pPr marL="1600200" indent="-228600" eaLnBrk="0" hangingPunct="0">
@@ -7598,8 +7481,8 @@
                 <a:solidFill>
                   <a:schemeClr val="tx1"/>
                 </a:solidFill>
-                <a:latin typeface="Verdana" pitchFamily="34" charset="0"/>
-                <a:ea typeface="宋体" charset="-122"/>
+                <a:latin typeface="Verdana" panose="020B0604030504040204" pitchFamily="34" charset="0"/>
+                <a:ea typeface="宋体" panose="02010600030101010101" pitchFamily="2" charset="-122"/>
               </a:defRPr>
             </a:lvl4pPr>
             <a:lvl5pPr marL="2057400" indent="-228600" eaLnBrk="0" hangingPunct="0">
@@ -7607,8 +7490,8 @@
                 <a:solidFill>
                   <a:schemeClr val="tx1"/>
                 </a:solidFill>
-                <a:latin typeface="Verdana" pitchFamily="34" charset="0"/>
-                <a:ea typeface="宋体" charset="-122"/>
+                <a:latin typeface="Verdana" panose="020B0604030504040204" pitchFamily="34" charset="0"/>
+                <a:ea typeface="宋体" panose="02010600030101010101" pitchFamily="2" charset="-122"/>
               </a:defRPr>
             </a:lvl5pPr>
             <a:lvl6pPr marL="2514600" indent="-228600" eaLnBrk="0" fontAlgn="base" hangingPunct="0">
@@ -7622,8 +7505,8 @@
                 <a:solidFill>
                   <a:schemeClr val="tx1"/>
                 </a:solidFill>
-                <a:latin typeface="Verdana" pitchFamily="34" charset="0"/>
-                <a:ea typeface="宋体" charset="-122"/>
+                <a:latin typeface="Verdana" panose="020B0604030504040204" pitchFamily="34" charset="0"/>
+                <a:ea typeface="宋体" panose="02010600030101010101" pitchFamily="2" charset="-122"/>
               </a:defRPr>
             </a:lvl6pPr>
             <a:lvl7pPr marL="2971800" indent="-228600" eaLnBrk="0" fontAlgn="base" hangingPunct="0">
@@ -7637,8 +7520,8 @@
                 <a:solidFill>
                   <a:schemeClr val="tx1"/>
                 </a:solidFill>
-                <a:latin typeface="Verdana" pitchFamily="34" charset="0"/>
-                <a:ea typeface="宋体" charset="-122"/>
+                <a:latin typeface="Verdana" panose="020B0604030504040204" pitchFamily="34" charset="0"/>
+                <a:ea typeface="宋体" panose="02010600030101010101" pitchFamily="2" charset="-122"/>
               </a:defRPr>
             </a:lvl7pPr>
             <a:lvl8pPr marL="3429000" indent="-228600" eaLnBrk="0" fontAlgn="base" hangingPunct="0">
@@ -7652,8 +7535,8 @@
                 <a:solidFill>
                   <a:schemeClr val="tx1"/>
                 </a:solidFill>
-                <a:latin typeface="Verdana" pitchFamily="34" charset="0"/>
-                <a:ea typeface="宋体" charset="-122"/>
+                <a:latin typeface="Verdana" panose="020B0604030504040204" pitchFamily="34" charset="0"/>
+                <a:ea typeface="宋体" panose="02010600030101010101" pitchFamily="2" charset="-122"/>
               </a:defRPr>
             </a:lvl8pPr>
             <a:lvl9pPr marL="3886200" indent="-228600" eaLnBrk="0" fontAlgn="base" hangingPunct="0">
@@ -7667,19 +7550,18 @@
                 <a:solidFill>
                   <a:schemeClr val="tx1"/>
                 </a:solidFill>
-                <a:latin typeface="Verdana" pitchFamily="34" charset="0"/>
-                <a:ea typeface="宋体" charset="-122"/>
+                <a:latin typeface="Verdana" panose="020B0604030504040204" pitchFamily="34" charset="0"/>
+                <a:ea typeface="宋体" panose="02010600030101010101" pitchFamily="2" charset="-122"/>
               </a:defRPr>
             </a:lvl9pPr>
           </a:lstStyle>
           <a:p>
             <a:pPr eaLnBrk="1" hangingPunct="1"/>
             <a:fld id="{35DEEFEE-6F61-42BF-8BDA-392D39DAA5FA}" type="slidenum">
-              <a:rPr lang="en-US" altLang="zh-CN" smtClean="0"/>
-              <a:pPr eaLnBrk="1" hangingPunct="1"/>
+              <a:rPr lang="en-US" altLang="zh-CN" sz="900" smtClean="0"/>
               <a:t>7</a:t>
             </a:fld>
-            <a:endParaRPr lang="en-US" altLang="zh-CN" smtClean="0"/>
+            <a:endParaRPr lang="en-US" altLang="zh-CN" sz="900" smtClean="0"/>
           </a:p>
         </p:txBody>
       </p:sp>
@@ -7701,15 +7583,15 @@
             <a:pPr eaLnBrk="1" hangingPunct="1"/>
             <a:r>
               <a:rPr lang="en-US" altLang="zh-CN" b="1" smtClean="0">
-                <a:latin typeface="黑体" pitchFamily="49" charset="-122"/>
-                <a:ea typeface="黑体" pitchFamily="49" charset="-122"/>
+                <a:latin typeface="黑体" panose="02010609060101010101" pitchFamily="49" charset="-122"/>
+                <a:ea typeface="黑体" panose="02010609060101010101" pitchFamily="49" charset="-122"/>
               </a:rPr>
               <a:t>2.2 </a:t>
             </a:r>
             <a:r>
               <a:rPr lang="zh-CN" altLang="en-US" b="1" smtClean="0">
-                <a:latin typeface="黑体" pitchFamily="49" charset="-122"/>
-                <a:ea typeface="黑体" pitchFamily="49" charset="-122"/>
+                <a:latin typeface="黑体" panose="02010609060101010101" pitchFamily="49" charset="-122"/>
+                <a:ea typeface="黑体" panose="02010609060101010101" pitchFamily="49" charset="-122"/>
               </a:rPr>
               <a:t>软件测试的发展历程及现状</a:t>
             </a:r>
@@ -7728,8 +7610,8 @@
         </p:nvSpPr>
         <p:spPr>
           <a:xfrm>
-            <a:off x="566738" y="1752600"/>
-            <a:ext cx="8291512" cy="4267200"/>
+            <a:off x="563245" y="1314450"/>
+            <a:ext cx="8012430" cy="3201035"/>
           </a:xfrm>
         </p:spPr>
         <p:txBody>
@@ -7740,32 +7622,32 @@
               <a:defRPr/>
             </a:pPr>
             <a:r>
-              <a:rPr lang="zh-CN" altLang="en-US" sz="3400" b="1" dirty="0" smtClean="0"/>
+              <a:rPr lang="zh-CN" altLang="en-US" sz="2550" b="1" dirty="0" smtClean="0"/>
               <a:t>软件测试现状：国内现状</a:t>
             </a:r>
-            <a:endParaRPr lang="en-US" altLang="zh-CN" sz="3400" b="1" dirty="0" smtClean="0"/>
+            <a:endParaRPr lang="en-US" altLang="zh-CN" sz="2550" b="1" dirty="0" smtClean="0"/>
           </a:p>
           <a:p>
             <a:pPr algn="just" eaLnBrk="1" hangingPunct="1">
               <a:defRPr/>
             </a:pPr>
             <a:r>
-              <a:rPr lang="zh-CN" altLang="en-US" sz="3400" b="1" dirty="0" smtClean="0"/>
+              <a:rPr lang="zh-CN" altLang="en-US" sz="2550" b="1" dirty="0" smtClean="0"/>
               <a:t>萌芽中的市场正在起步</a:t>
             </a:r>
-            <a:endParaRPr lang="en-US" altLang="zh-CN" sz="3400" b="1" dirty="0" smtClean="0"/>
+            <a:endParaRPr lang="en-US" altLang="zh-CN" sz="2550" b="1" dirty="0" smtClean="0"/>
           </a:p>
           <a:p>
             <a:pPr lvl="1" algn="just" eaLnBrk="1" hangingPunct="1">
               <a:defRPr/>
             </a:pPr>
             <a:r>
-              <a:rPr lang="zh-CN" altLang="en-US" sz="3100" b="1" dirty="0" smtClean="0">
+              <a:rPr lang="zh-CN" altLang="en-US" sz="2325" b="1" dirty="0" smtClean="0">
                 <a:cs typeface="+mn-cs"/>
               </a:rPr>
               <a:t>对软件测试的认识和重视程度在不断提高</a:t>
             </a:r>
-            <a:endParaRPr lang="en-US" altLang="zh-CN" sz="3100" b="1" dirty="0" smtClean="0">
+            <a:endParaRPr lang="en-US" altLang="zh-CN" sz="2325" b="1" dirty="0" smtClean="0">
               <a:cs typeface="+mn-cs"/>
             </a:endParaRPr>
           </a:p>
@@ -7774,12 +7656,12 @@
               <a:defRPr/>
             </a:pPr>
             <a:r>
-              <a:rPr lang="zh-CN" altLang="en-US" sz="3100" b="1" dirty="0" smtClean="0">
+              <a:rPr lang="zh-CN" altLang="en-US" sz="2325" b="1" dirty="0" smtClean="0">
                 <a:cs typeface="+mn-cs"/>
               </a:rPr>
               <a:t>对软件产品化测试的技术研究从手动向自动化方式转变</a:t>
             </a:r>
-            <a:endParaRPr lang="en-US" altLang="zh-CN" sz="3100" b="1" dirty="0" smtClean="0">
+            <a:endParaRPr lang="en-US" altLang="zh-CN" sz="2325" b="1" dirty="0" smtClean="0">
               <a:cs typeface="+mn-cs"/>
             </a:endParaRPr>
           </a:p>
@@ -7788,12 +7670,12 @@
               <a:defRPr/>
             </a:pPr>
             <a:r>
-              <a:rPr lang="zh-CN" altLang="en-US" sz="3100" b="1" dirty="0" smtClean="0">
+              <a:rPr lang="zh-CN" altLang="en-US" sz="2325" b="1" dirty="0" smtClean="0">
                 <a:cs typeface="+mn-cs"/>
               </a:rPr>
               <a:t>软件测试人员需求大，人员素质不断提高</a:t>
             </a:r>
-            <a:endParaRPr lang="en-US" altLang="zh-CN" sz="3100" b="1" dirty="0" smtClean="0">
+            <a:endParaRPr lang="en-US" altLang="zh-CN" sz="2325" b="1" dirty="0" smtClean="0">
               <a:cs typeface="+mn-cs"/>
             </a:endParaRPr>
           </a:p>
@@ -7802,7 +7684,7 @@
               <a:defRPr/>
             </a:pPr>
             <a:r>
-              <a:rPr lang="zh-CN" altLang="en-US" sz="3100" b="1" dirty="0" smtClean="0">
+              <a:rPr lang="zh-CN" altLang="en-US" sz="2325" b="1" dirty="0" smtClean="0">
                 <a:cs typeface="+mn-cs"/>
               </a:rPr>
               <a:t>测试服务体系初步形成规模</a:t>
@@ -7855,7 +7737,6 @@
         </p:nvSpPr>
         <p:spPr>
           <a:noFill/>
-          <a:ln/>
           <a:extLst>
             <a:ext uri="{909E8E84-426E-40DD-AFC4-6F175D3DCCD1}">
               <a14:hiddenFill xmlns:a14="http://schemas.microsoft.com/office/drawing/2010/main">
@@ -7884,8 +7765,8 @@
                 <a:solidFill>
                   <a:schemeClr val="tx1"/>
                 </a:solidFill>
-                <a:latin typeface="Verdana" pitchFamily="34" charset="0"/>
-                <a:ea typeface="宋体" charset="-122"/>
+                <a:latin typeface="Verdana" panose="020B0604030504040204" pitchFamily="34" charset="0"/>
+                <a:ea typeface="宋体" panose="02010600030101010101" pitchFamily="2" charset="-122"/>
               </a:defRPr>
             </a:lvl1pPr>
             <a:lvl2pPr marL="742950" indent="-285750" eaLnBrk="0" hangingPunct="0">
@@ -7893,8 +7774,8 @@
                 <a:solidFill>
                   <a:schemeClr val="tx1"/>
                 </a:solidFill>
-                <a:latin typeface="Verdana" pitchFamily="34" charset="0"/>
-                <a:ea typeface="宋体" charset="-122"/>
+                <a:latin typeface="Verdana" panose="020B0604030504040204" pitchFamily="34" charset="0"/>
+                <a:ea typeface="宋体" panose="02010600030101010101" pitchFamily="2" charset="-122"/>
               </a:defRPr>
             </a:lvl2pPr>
             <a:lvl3pPr marL="1143000" indent="-228600" eaLnBrk="0" hangingPunct="0">
@@ -7902,8 +7783,8 @@
                 <a:solidFill>
                   <a:schemeClr val="tx1"/>
                 </a:solidFill>
-                <a:latin typeface="Verdana" pitchFamily="34" charset="0"/>
-                <a:ea typeface="宋体" charset="-122"/>
+                <a:latin typeface="Verdana" panose="020B0604030504040204" pitchFamily="34" charset="0"/>
+                <a:ea typeface="宋体" panose="02010600030101010101" pitchFamily="2" charset="-122"/>
               </a:defRPr>
             </a:lvl3pPr>
             <a:lvl4pPr marL="1600200" indent="-228600" eaLnBrk="0" hangingPunct="0">
@@ -7911,8 +7792,8 @@
                 <a:solidFill>
                   <a:schemeClr val="tx1"/>
                 </a:solidFill>
-                <a:latin typeface="Verdana" pitchFamily="34" charset="0"/>
-                <a:ea typeface="宋体" charset="-122"/>
+                <a:latin typeface="Verdana" panose="020B0604030504040204" pitchFamily="34" charset="0"/>
+                <a:ea typeface="宋体" panose="02010600030101010101" pitchFamily="2" charset="-122"/>
               </a:defRPr>
             </a:lvl4pPr>
             <a:lvl5pPr marL="2057400" indent="-228600" eaLnBrk="0" hangingPunct="0">
@@ -7920,8 +7801,8 @@
                 <a:solidFill>
                   <a:schemeClr val="tx1"/>
                 </a:solidFill>
-                <a:latin typeface="Verdana" pitchFamily="34" charset="0"/>
-                <a:ea typeface="宋体" charset="-122"/>
+                <a:latin typeface="Verdana" panose="020B0604030504040204" pitchFamily="34" charset="0"/>
+                <a:ea typeface="宋体" panose="02010600030101010101" pitchFamily="2" charset="-122"/>
               </a:defRPr>
             </a:lvl5pPr>
             <a:lvl6pPr marL="2514600" indent="-228600" eaLnBrk="0" fontAlgn="base" hangingPunct="0">
@@ -7935,8 +7816,8 @@
                 <a:solidFill>
                   <a:schemeClr val="tx1"/>
                 </a:solidFill>
-                <a:latin typeface="Verdana" pitchFamily="34" charset="0"/>
-                <a:ea typeface="宋体" charset="-122"/>
+                <a:latin typeface="Verdana" panose="020B0604030504040204" pitchFamily="34" charset="0"/>
+                <a:ea typeface="宋体" panose="02010600030101010101" pitchFamily="2" charset="-122"/>
               </a:defRPr>
             </a:lvl6pPr>
             <a:lvl7pPr marL="2971800" indent="-228600" eaLnBrk="0" fontAlgn="base" hangingPunct="0">
@@ -7950,8 +7831,8 @@
                 <a:solidFill>
                   <a:schemeClr val="tx1"/>
                 </a:solidFill>
-                <a:latin typeface="Verdana" pitchFamily="34" charset="0"/>
-                <a:ea typeface="宋体" charset="-122"/>
+                <a:latin typeface="Verdana" panose="020B0604030504040204" pitchFamily="34" charset="0"/>
+                <a:ea typeface="宋体" panose="02010600030101010101" pitchFamily="2" charset="-122"/>
               </a:defRPr>
             </a:lvl7pPr>
             <a:lvl8pPr marL="3429000" indent="-228600" eaLnBrk="0" fontAlgn="base" hangingPunct="0">
@@ -7965,8 +7846,8 @@
                 <a:solidFill>
                   <a:schemeClr val="tx1"/>
                 </a:solidFill>
-                <a:latin typeface="Verdana" pitchFamily="34" charset="0"/>
-                <a:ea typeface="宋体" charset="-122"/>
+                <a:latin typeface="Verdana" panose="020B0604030504040204" pitchFamily="34" charset="0"/>
+                <a:ea typeface="宋体" panose="02010600030101010101" pitchFamily="2" charset="-122"/>
               </a:defRPr>
             </a:lvl8pPr>
             <a:lvl9pPr marL="3886200" indent="-228600" eaLnBrk="0" fontAlgn="base" hangingPunct="0">
@@ -7980,19 +7861,18 @@
                 <a:solidFill>
                   <a:schemeClr val="tx1"/>
                 </a:solidFill>
-                <a:latin typeface="Verdana" pitchFamily="34" charset="0"/>
-                <a:ea typeface="宋体" charset="-122"/>
+                <a:latin typeface="Verdana" panose="020B0604030504040204" pitchFamily="34" charset="0"/>
+                <a:ea typeface="宋体" panose="02010600030101010101" pitchFamily="2" charset="-122"/>
               </a:defRPr>
             </a:lvl9pPr>
           </a:lstStyle>
           <a:p>
             <a:pPr eaLnBrk="1" hangingPunct="1"/>
             <a:fld id="{7A9050C5-671E-4C7E-B5AC-75D8879FC0BC}" type="slidenum">
-              <a:rPr lang="en-US" altLang="zh-CN" smtClean="0"/>
-              <a:pPr eaLnBrk="1" hangingPunct="1"/>
+              <a:rPr lang="en-US" altLang="zh-CN" sz="900" smtClean="0"/>
               <a:t>8</a:t>
             </a:fld>
-            <a:endParaRPr lang="en-US" altLang="zh-CN" smtClean="0"/>
+            <a:endParaRPr lang="en-US" altLang="zh-CN" sz="900" smtClean="0"/>
           </a:p>
         </p:txBody>
       </p:sp>
@@ -8014,15 +7894,15 @@
             <a:pPr eaLnBrk="1" hangingPunct="1"/>
             <a:r>
               <a:rPr lang="en-US" altLang="zh-CN" b="1" smtClean="0">
-                <a:latin typeface="黑体" pitchFamily="49" charset="-122"/>
-                <a:ea typeface="黑体" pitchFamily="49" charset="-122"/>
+                <a:latin typeface="黑体" panose="02010609060101010101" pitchFamily="49" charset="-122"/>
+                <a:ea typeface="黑体" panose="02010609060101010101" pitchFamily="49" charset="-122"/>
               </a:rPr>
               <a:t>2.2 </a:t>
             </a:r>
             <a:r>
               <a:rPr lang="zh-CN" altLang="en-US" b="1" smtClean="0">
-                <a:latin typeface="黑体" pitchFamily="49" charset="-122"/>
-                <a:ea typeface="黑体" pitchFamily="49" charset="-122"/>
+                <a:latin typeface="黑体" panose="02010609060101010101" pitchFamily="49" charset="-122"/>
+                <a:ea typeface="黑体" panose="02010609060101010101" pitchFamily="49" charset="-122"/>
               </a:rPr>
               <a:t>软件测试的发展历程及现状</a:t>
             </a:r>
@@ -8046,68 +7926,68 @@
           <a:p>
             <a:pPr algn="just" eaLnBrk="1" hangingPunct="1"/>
             <a:r>
-              <a:rPr lang="zh-CN" altLang="en-US" sz="3400" b="1" smtClean="0"/>
+              <a:rPr lang="zh-CN" altLang="en-US" sz="2550" b="1" smtClean="0"/>
               <a:t>外包测试现状</a:t>
             </a:r>
-            <a:endParaRPr lang="en-US" altLang="zh-CN" sz="3400" b="1" smtClean="0"/>
+            <a:endParaRPr lang="en-US" altLang="zh-CN" sz="2550" b="1" smtClean="0"/>
           </a:p>
           <a:p>
             <a:pPr algn="just" eaLnBrk="1" hangingPunct="1"/>
             <a:r>
-              <a:rPr lang="zh-CN" altLang="en-US" sz="3400" b="1" smtClean="0"/>
+              <a:rPr lang="zh-CN" altLang="en-US" sz="2550" b="1" smtClean="0"/>
               <a:t>三种模式</a:t>
             </a:r>
-            <a:endParaRPr lang="en-US" altLang="zh-CN" sz="3400" b="1" smtClean="0"/>
+            <a:endParaRPr lang="en-US" altLang="zh-CN" sz="2550" b="1" smtClean="0"/>
           </a:p>
           <a:p>
             <a:pPr lvl="1" algn="just" eaLnBrk="1" hangingPunct="1"/>
             <a:r>
-              <a:rPr lang="zh-CN" altLang="en-US" sz="3100" b="1" smtClean="0"/>
+              <a:rPr lang="zh-CN" altLang="en-US" sz="2325" b="1" smtClean="0"/>
               <a:t>现场测试模式</a:t>
             </a:r>
             <a:r>
-              <a:rPr lang="en-US" altLang="en-US" sz="3100" b="1" smtClean="0"/>
+              <a:rPr lang="en-US" altLang="en-US" sz="2325" b="1" smtClean="0"/>
               <a:t>(On-Site)</a:t>
             </a:r>
           </a:p>
           <a:p>
             <a:pPr lvl="1" algn="just" eaLnBrk="1" hangingPunct="1"/>
             <a:r>
-              <a:rPr lang="zh-CN" altLang="en-US" sz="3100" b="1" smtClean="0"/>
+              <a:rPr lang="zh-CN" altLang="en-US" sz="2325" b="1" smtClean="0"/>
               <a:t>内部测试模式</a:t>
             </a:r>
             <a:r>
-              <a:rPr lang="en-US" altLang="en-US" sz="3100" b="1" smtClean="0"/>
+              <a:rPr lang="en-US" altLang="en-US" sz="2325" b="1" smtClean="0"/>
               <a:t>(In-House)</a:t>
             </a:r>
           </a:p>
           <a:p>
             <a:pPr lvl="2" algn="just" eaLnBrk="1" hangingPunct="1"/>
             <a:r>
-              <a:rPr lang="zh-CN" altLang="en-US" sz="2800" b="1" smtClean="0"/>
+              <a:rPr lang="zh-CN" altLang="en-US" sz="2100" b="1" smtClean="0"/>
               <a:t>完全离岸外包模式</a:t>
             </a:r>
             <a:r>
-              <a:rPr lang="en-US" altLang="en-US" sz="2800" b="1" smtClean="0"/>
+              <a:rPr lang="en-US" altLang="en-US" sz="2100" b="1" smtClean="0"/>
               <a:t>(Off Shore)</a:t>
             </a:r>
-            <a:endParaRPr lang="en-US" altLang="zh-CN" sz="2800" b="1" smtClean="0"/>
+            <a:endParaRPr lang="en-US" altLang="zh-CN" sz="2100" b="1" smtClean="0"/>
           </a:p>
           <a:p>
             <a:pPr lvl="2" algn="just" eaLnBrk="1" hangingPunct="1"/>
             <a:r>
-              <a:rPr lang="zh-CN" altLang="en-US" sz="2800" b="1" smtClean="0"/>
+              <a:rPr lang="zh-CN" altLang="en-US" sz="2100" b="1" smtClean="0"/>
               <a:t>现场增援与离岸结合模式</a:t>
             </a:r>
             <a:r>
-              <a:rPr lang="en-US" altLang="en-US" sz="2800" b="1" smtClean="0"/>
+              <a:rPr lang="en-US" altLang="en-US" sz="2100" b="1" smtClean="0"/>
               <a:t>(On Site+Off Shore)</a:t>
             </a:r>
           </a:p>
           <a:p>
             <a:pPr lvl="1" algn="just" eaLnBrk="1" hangingPunct="1"/>
             <a:r>
-              <a:rPr lang="zh-CN" altLang="en-US" sz="3100" b="1" smtClean="0"/>
+              <a:rPr lang="zh-CN" altLang="en-US" sz="2325" b="1" smtClean="0"/>
               <a:t>设立联合研发中心模式</a:t>
             </a:r>
           </a:p>
@@ -8158,7 +8038,6 @@
         </p:nvSpPr>
         <p:spPr>
           <a:noFill/>
-          <a:ln/>
           <a:extLst>
             <a:ext uri="{909E8E84-426E-40DD-AFC4-6F175D3DCCD1}">
               <a14:hiddenFill xmlns:a14="http://schemas.microsoft.com/office/drawing/2010/main">
@@ -8187,8 +8066,8 @@
                 <a:solidFill>
                   <a:schemeClr val="tx1"/>
                 </a:solidFill>
-                <a:latin typeface="Verdana" pitchFamily="34" charset="0"/>
-                <a:ea typeface="宋体" charset="-122"/>
+                <a:latin typeface="Verdana" panose="020B0604030504040204" pitchFamily="34" charset="0"/>
+                <a:ea typeface="宋体" panose="02010600030101010101" pitchFamily="2" charset="-122"/>
               </a:defRPr>
             </a:lvl1pPr>
             <a:lvl2pPr marL="742950" indent="-285750" eaLnBrk="0" hangingPunct="0">
@@ -8196,8 +8075,8 @@
                 <a:solidFill>
                   <a:schemeClr val="tx1"/>
                 </a:solidFill>
-                <a:latin typeface="Verdana" pitchFamily="34" charset="0"/>
-                <a:ea typeface="宋体" charset="-122"/>
+                <a:latin typeface="Verdana" panose="020B0604030504040204" pitchFamily="34" charset="0"/>
+                <a:ea typeface="宋体" panose="02010600030101010101" pitchFamily="2" charset="-122"/>
               </a:defRPr>
             </a:lvl2pPr>
             <a:lvl3pPr marL="1143000" indent="-228600" eaLnBrk="0" hangingPunct="0">
@@ -8205,8 +8084,8 @@
                 <a:solidFill>
                   <a:schemeClr val="tx1"/>
                 </a:solidFill>
-                <a:latin typeface="Verdana" pitchFamily="34" charset="0"/>
-                <a:ea typeface="宋体" charset="-122"/>
+                <a:latin typeface="Verdana" panose="020B0604030504040204" pitchFamily="34" charset="0"/>
+                <a:ea typeface="宋体" panose="02010600030101010101" pitchFamily="2" charset="-122"/>
               </a:defRPr>
             </a:lvl3pPr>
             <a:lvl4pPr marL="1600200" indent="-228600" eaLnBrk="0" hangingPunct="0">
@@ -8214,8 +8093,8 @@
                 <a:solidFill>
                   <a:schemeClr val="tx1"/>
                 </a:solidFill>
-                <a:latin typeface="Verdana" pitchFamily="34" charset="0"/>
-                <a:ea typeface="宋体" charset="-122"/>
+                <a:latin typeface="Verdana" panose="020B0604030504040204" pitchFamily="34" charset="0"/>
+                <a:ea typeface="宋体" panose="02010600030101010101" pitchFamily="2" charset="-122"/>
               </a:defRPr>
             </a:lvl4pPr>
             <a:lvl5pPr marL="2057400" indent="-228600" eaLnBrk="0" hangingPunct="0">
@@ -8223,8 +8102,8 @@
                 <a:solidFill>
                   <a:schemeClr val="tx1"/>
                 </a:solidFill>
-                <a:latin typeface="Verdana" pitchFamily="34" charset="0"/>
-                <a:ea typeface="宋体" charset="-122"/>
+                <a:latin typeface="Verdana" panose="020B0604030504040204" pitchFamily="34" charset="0"/>
+                <a:ea typeface="宋体" panose="02010600030101010101" pitchFamily="2" charset="-122"/>
               </a:defRPr>
             </a:lvl5pPr>
             <a:lvl6pPr marL="2514600" indent="-228600" eaLnBrk="0" fontAlgn="base" hangingPunct="0">
@@ -8238,8 +8117,8 @@
                 <a:solidFill>
                   <a:schemeClr val="tx1"/>
                 </a:solidFill>
-                <a:latin typeface="Verdana" pitchFamily="34" charset="0"/>
-                <a:ea typeface="宋体" charset="-122"/>
+                <a:latin typeface="Verdana" panose="020B0604030504040204" pitchFamily="34" charset="0"/>
+                <a:ea typeface="宋体" panose="02010600030101010101" pitchFamily="2" charset="-122"/>
               </a:defRPr>
             </a:lvl6pPr>
             <a:lvl7pPr marL="2971800" indent="-228600" eaLnBrk="0" fontAlgn="base" hangingPunct="0">
@@ -8253,8 +8132,8 @@
                 <a:solidFill>
                   <a:schemeClr val="tx1"/>
                 </a:solidFill>
-                <a:latin typeface="Verdana" pitchFamily="34" charset="0"/>
-                <a:ea typeface="宋体" charset="-122"/>
+                <a:latin typeface="Verdana" panose="020B0604030504040204" pitchFamily="34" charset="0"/>
+                <a:ea typeface="宋体" panose="02010600030101010101" pitchFamily="2" charset="-122"/>
               </a:defRPr>
             </a:lvl7pPr>
             <a:lvl8pPr marL="3429000" indent="-228600" eaLnBrk="0" fontAlgn="base" hangingPunct="0">
@@ -8268,8 +8147,8 @@
                 <a:solidFill>
                   <a:schemeClr val="tx1"/>
                 </a:solidFill>
-                <a:latin typeface="Verdana" pitchFamily="34" charset="0"/>
-                <a:ea typeface="宋体" charset="-122"/>
+                <a:latin typeface="Verdana" panose="020B0604030504040204" pitchFamily="34" charset="0"/>
+                <a:ea typeface="宋体" panose="02010600030101010101" pitchFamily="2" charset="-122"/>
               </a:defRPr>
             </a:lvl8pPr>
             <a:lvl9pPr marL="3886200" indent="-228600" eaLnBrk="0" fontAlgn="base" hangingPunct="0">
@@ -8283,19 +8162,18 @@
                 <a:solidFill>
                   <a:schemeClr val="tx1"/>
                 </a:solidFill>
-                <a:latin typeface="Verdana" pitchFamily="34" charset="0"/>
-                <a:ea typeface="宋体" charset="-122"/>
+                <a:latin typeface="Verdana" panose="020B0604030504040204" pitchFamily="34" charset="0"/>
+                <a:ea typeface="宋体" panose="02010600030101010101" pitchFamily="2" charset="-122"/>
               </a:defRPr>
             </a:lvl9pPr>
           </a:lstStyle>
           <a:p>
             <a:pPr eaLnBrk="1" hangingPunct="1"/>
             <a:fld id="{E6A86B9C-59CE-4193-81CA-1B9250AD87C3}" type="slidenum">
-              <a:rPr lang="en-US" altLang="zh-CN" smtClean="0"/>
-              <a:pPr eaLnBrk="1" hangingPunct="1"/>
+              <a:rPr lang="en-US" altLang="zh-CN" sz="900" smtClean="0"/>
               <a:t>9</a:t>
             </a:fld>
-            <a:endParaRPr lang="en-US" altLang="zh-CN" smtClean="0"/>
+            <a:endParaRPr lang="en-US" altLang="zh-CN" sz="900" smtClean="0"/>
           </a:p>
         </p:txBody>
       </p:sp>
@@ -8317,15 +8195,15 @@
             <a:pPr eaLnBrk="1" hangingPunct="1"/>
             <a:r>
               <a:rPr lang="en-US" altLang="zh-CN" b="1" smtClean="0">
-                <a:latin typeface="黑体" pitchFamily="49" charset="-122"/>
-                <a:ea typeface="黑体" pitchFamily="49" charset="-122"/>
+                <a:latin typeface="黑体" panose="02010609060101010101" pitchFamily="49" charset="-122"/>
+                <a:ea typeface="黑体" panose="02010609060101010101" pitchFamily="49" charset="-122"/>
               </a:rPr>
               <a:t>2.3 </a:t>
             </a:r>
             <a:r>
               <a:rPr lang="zh-CN" altLang="en-US" b="1" smtClean="0">
-                <a:latin typeface="黑体" pitchFamily="49" charset="-122"/>
-                <a:ea typeface="黑体" pitchFamily="49" charset="-122"/>
+                <a:latin typeface="黑体" panose="02010609060101010101" pitchFamily="49" charset="-122"/>
+                <a:ea typeface="黑体" panose="02010609060101010101" pitchFamily="49" charset="-122"/>
               </a:rPr>
               <a:t>软件测试的研究热点</a:t>
             </a:r>
@@ -8349,31 +8227,31 @@
           <a:p>
             <a:pPr algn="just" eaLnBrk="1" hangingPunct="1"/>
             <a:r>
-              <a:rPr lang="zh-CN" altLang="en-US" sz="3400" b="1" smtClean="0"/>
+              <a:rPr lang="zh-CN" altLang="en-US" sz="2550" b="1" smtClean="0"/>
               <a:t>针对软件特点而展开的实用软件测试技术和方法的研究</a:t>
             </a:r>
-            <a:endParaRPr lang="en-US" altLang="zh-CN" sz="3400" b="1" smtClean="0"/>
+            <a:endParaRPr lang="en-US" altLang="zh-CN" sz="2550" b="1" smtClean="0"/>
           </a:p>
           <a:p>
             <a:pPr algn="just" eaLnBrk="1" hangingPunct="1"/>
             <a:r>
-              <a:rPr lang="zh-CN" altLang="en-US" sz="3400" b="1" smtClean="0"/>
+              <a:rPr lang="zh-CN" altLang="en-US" sz="2550" b="1" smtClean="0"/>
               <a:t>针对新的软件开发技术展开的软件测试技术研究</a:t>
             </a:r>
-            <a:endParaRPr lang="en-US" altLang="zh-CN" sz="3400" b="1" smtClean="0"/>
+            <a:endParaRPr lang="en-US" altLang="zh-CN" sz="2550" b="1" smtClean="0"/>
           </a:p>
           <a:p>
             <a:pPr algn="just" eaLnBrk="1" hangingPunct="1"/>
             <a:r>
-              <a:rPr lang="zh-CN" altLang="en-US" sz="3400" b="1" smtClean="0"/>
+              <a:rPr lang="zh-CN" altLang="en-US" sz="2550" b="1" smtClean="0"/>
               <a:t>软件自动化测试技术的研究</a:t>
             </a:r>
-            <a:endParaRPr lang="en-US" altLang="zh-CN" sz="3400" b="1" smtClean="0"/>
+            <a:endParaRPr lang="en-US" altLang="zh-CN" sz="2550" b="1" smtClean="0"/>
           </a:p>
           <a:p>
             <a:pPr algn="just" eaLnBrk="1" hangingPunct="1"/>
             <a:r>
-              <a:rPr lang="zh-CN" altLang="en-US" sz="3400" b="1" smtClean="0"/>
+              <a:rPr lang="zh-CN" altLang="en-US" sz="2550" b="1" smtClean="0"/>
               <a:t>软件可信性研究</a:t>
             </a:r>
           </a:p>
@@ -8991,6 +8869,11 @@
       <a:clrMap bg1="lt1" tx1="dk1" bg2="lt2" tx2="dk2" accent1="accent1" accent2="accent2" accent3="accent3" accent4="accent4" accent5="accent5" accent6="accent6" hlink="hlink" folHlink="folHlink"/>
     </a:extraClrScheme>
   </a:extraClrSchemeLst>
+  <a:extLst>
+    <a:ext uri="{05A4C25C-085E-4340-85A3-A5531E510DB2}">
+      <thm15:themeFamily xmlns:thm15="http://schemas.microsoft.com/office/thememl/2012/main" xmlns="" name="Office Theme" id="{62F939B6-93AF-4DB8-9C6B-D6C7DFDC589F}" vid="{4A3C46E8-61CC-4603-A589-7422A47A8E4A}"/>
+    </a:ext>
+  </a:extLst>
 </a:theme>
 </file>
 
@@ -9274,6 +9157,11 @@
   </a:themeElements>
   <a:objectDefaults/>
   <a:extraClrSchemeLst/>
+  <a:extLst>
+    <a:ext uri="{05A4C25C-085E-4340-85A3-A5531E510DB2}">
+      <thm15:themeFamily xmlns:thm15="http://schemas.microsoft.com/office/thememl/2012/main" xmlns="" name="Office Theme" id="{62F939B6-93AF-4DB8-9C6B-D6C7DFDC589F}" vid="{4A3C46E8-61CC-4603-A589-7422A47A8E4A}"/>
+    </a:ext>
+  </a:extLst>
 </a:theme>
 </file>
 
@@ -9557,5 +9445,10 @@
   </a:themeElements>
   <a:objectDefaults/>
   <a:extraClrSchemeLst/>
+  <a:extLst>
+    <a:ext uri="{05A4C25C-085E-4340-85A3-A5531E510DB2}">
+      <thm15:themeFamily xmlns:thm15="http://schemas.microsoft.com/office/thememl/2012/main" xmlns="" name="Office Theme" id="{62F939B6-93AF-4DB8-9C6B-D6C7DFDC589F}" vid="{4A3C46E8-61CC-4603-A589-7422A47A8E4A}"/>
+    </a:ext>
+  </a:extLst>
 </a:theme>
 </file>
--- a/PPT/第一部分 软件测试概述/2 软件测试背景.pptx
+++ b/PPT/第一部分 软件测试概述/2 软件测试背景.pptx
@@ -5,10 +5,10 @@
     <p:sldMasterId id="2147483648" r:id="rId1"/>
   </p:sldMasterIdLst>
   <p:notesMasterIdLst>
-    <p:notesMasterId r:id="rId15"/>
+    <p:notesMasterId r:id="rId20"/>
   </p:notesMasterIdLst>
   <p:handoutMasterIdLst>
-    <p:handoutMasterId r:id="rId16"/>
+    <p:handoutMasterId r:id="rId21"/>
   </p:handoutMasterIdLst>
   <p:sldIdLst>
     <p:sldId id="256" r:id="rId2"/>
@@ -16,14 +16,19 @@
     <p:sldId id="285" r:id="rId4"/>
     <p:sldId id="258" r:id="rId5"/>
     <p:sldId id="259" r:id="rId6"/>
-    <p:sldId id="260" r:id="rId7"/>
-    <p:sldId id="317" r:id="rId8"/>
-    <p:sldId id="263" r:id="rId9"/>
-    <p:sldId id="286" r:id="rId10"/>
-    <p:sldId id="288" r:id="rId11"/>
-    <p:sldId id="318" r:id="rId12"/>
-    <p:sldId id="319" r:id="rId13"/>
-    <p:sldId id="316" r:id="rId14"/>
+    <p:sldId id="320" r:id="rId7"/>
+    <p:sldId id="321" r:id="rId8"/>
+    <p:sldId id="322" r:id="rId9"/>
+    <p:sldId id="323" r:id="rId10"/>
+    <p:sldId id="324" r:id="rId11"/>
+    <p:sldId id="260" r:id="rId12"/>
+    <p:sldId id="317" r:id="rId13"/>
+    <p:sldId id="263" r:id="rId14"/>
+    <p:sldId id="286" r:id="rId15"/>
+    <p:sldId id="288" r:id="rId16"/>
+    <p:sldId id="318" r:id="rId17"/>
+    <p:sldId id="319" r:id="rId18"/>
+    <p:sldId id="316" r:id="rId19"/>
   </p:sldIdLst>
   <p:sldSz cx="9144000" cy="5143500" type="screen16x9"/>
   <p:notesSz cx="6858000" cy="9144000"/>
@@ -846,10 +851,7 @@
           <a:bodyPr/>
           <a:lstStyle/>
           <a:p>
-            <a:r>
-              <a:rPr lang="zh-CN" altLang="en-US"/>
-              <a:t>从这一页往后的几页，讲软件测试的发展历程及现状，都是和书上对应着的。</a:t>
-            </a:r>
+            <a:endParaRPr lang="zh-CN" altLang="en-US"/>
           </a:p>
         </p:txBody>
       </p:sp>
@@ -888,27 +890,29 @@
             <p:ph type="sldImg" idx="2"/>
           </p:nvPr>
         </p:nvSpPr>
+        <p:spPr>
+          <a:xfrm>
+            <a:off x="381000" y="685800"/>
+            <a:ext cx="6096000" cy="3429000"/>
+          </a:xfrm>
+        </p:spPr>
+      </p:sp>
+      <p:sp>
+        <p:nvSpPr>
+          <p:cNvPr id="3" name="文本占位符 2"/>
+          <p:cNvSpPr>
+            <a:spLocks noGrp="1"/>
+          </p:cNvSpPr>
+          <p:nvPr>
+            <p:ph type="body" idx="3"/>
+          </p:nvPr>
+        </p:nvSpPr>
         <p:spPr/>
-      </p:sp>
-      <p:sp>
-        <p:nvSpPr>
-          <p:cNvPr id="3" name="文本占位符 2"/>
-          <p:cNvSpPr>
-            <a:spLocks noGrp="1"/>
-          </p:cNvSpPr>
-          <p:nvPr>
-            <p:ph type="body" idx="3"/>
-          </p:nvPr>
-        </p:nvSpPr>
-        <p:spPr/>
         <p:txBody>
           <a:bodyPr/>
           <a:lstStyle/>
           <a:p>
-            <a:r>
-              <a:rPr lang="zh-CN" altLang="en-US"/>
-              <a:t>这里的研究热点书上也有</a:t>
-            </a:r>
+            <a:endParaRPr lang="zh-CN" altLang="en-US"/>
           </a:p>
         </p:txBody>
       </p:sp>
@@ -947,27 +951,29 @@
             <p:ph type="sldImg" idx="2"/>
           </p:nvPr>
         </p:nvSpPr>
+        <p:spPr>
+          <a:xfrm>
+            <a:off x="381000" y="685800"/>
+            <a:ext cx="6096000" cy="3429000"/>
+          </a:xfrm>
+        </p:spPr>
+      </p:sp>
+      <p:sp>
+        <p:nvSpPr>
+          <p:cNvPr id="3" name="文本占位符 2"/>
+          <p:cNvSpPr>
+            <a:spLocks noGrp="1"/>
+          </p:cNvSpPr>
+          <p:nvPr>
+            <p:ph type="body" idx="3"/>
+          </p:nvPr>
+        </p:nvSpPr>
         <p:spPr/>
-      </p:sp>
-      <p:sp>
-        <p:nvSpPr>
-          <p:cNvPr id="3" name="文本占位符 2"/>
-          <p:cNvSpPr>
-            <a:spLocks noGrp="1"/>
-          </p:cNvSpPr>
-          <p:nvPr>
-            <p:ph type="body" idx="3"/>
-          </p:nvPr>
-        </p:nvSpPr>
-        <p:spPr/>
         <p:txBody>
           <a:bodyPr/>
           <a:lstStyle/>
           <a:p>
-            <a:r>
-              <a:rPr lang="zh-CN" altLang="en-US"/>
-              <a:t>这里应该可以打开一个网页，招聘网站让大家看看。并且对照书上也是有的。</a:t>
-            </a:r>
+            <a:endParaRPr lang="zh-CN" altLang="en-US" dirty="0"/>
           </a:p>
         </p:txBody>
       </p:sp>
@@ -1006,27 +1012,29 @@
             <p:ph type="sldImg" idx="2"/>
           </p:nvPr>
         </p:nvSpPr>
+        <p:spPr>
+          <a:xfrm>
+            <a:off x="381000" y="685800"/>
+            <a:ext cx="6096000" cy="3429000"/>
+          </a:xfrm>
+        </p:spPr>
+      </p:sp>
+      <p:sp>
+        <p:nvSpPr>
+          <p:cNvPr id="3" name="文本占位符 2"/>
+          <p:cNvSpPr>
+            <a:spLocks noGrp="1"/>
+          </p:cNvSpPr>
+          <p:nvPr>
+            <p:ph type="body" idx="3"/>
+          </p:nvPr>
+        </p:nvSpPr>
         <p:spPr/>
-      </p:sp>
-      <p:sp>
-        <p:nvSpPr>
-          <p:cNvPr id="3" name="文本占位符 2"/>
-          <p:cNvSpPr>
-            <a:spLocks noGrp="1"/>
-          </p:cNvSpPr>
-          <p:nvPr>
-            <p:ph type="body" idx="3"/>
-          </p:nvPr>
-        </p:nvSpPr>
-        <p:spPr/>
         <p:txBody>
           <a:bodyPr/>
           <a:lstStyle/>
           <a:p>
-            <a:r>
-              <a:rPr lang="zh-CN" altLang="en-US"/>
-              <a:t>后面这两页可以从书上调查现状的表中分析出来，这里讲的时候可以结合课本。</a:t>
-            </a:r>
+            <a:endParaRPr lang="zh-CN" altLang="en-US"/>
           </a:p>
         </p:txBody>
       </p:sp>
@@ -5001,254 +5009,168 @@
       </p:grpSpPr>
       <p:sp>
         <p:nvSpPr>
-          <p:cNvPr id="12290" name="灯片编号占位符 6"/>
+          <p:cNvPr id="2" name="标题 1"/>
           <p:cNvSpPr>
             <a:spLocks noGrp="1"/>
           </p:cNvSpPr>
           <p:nvPr>
-            <p:ph type="sldNum" sz="quarter" idx="12"/>
-          </p:nvPr>
-        </p:nvSpPr>
-        <p:spPr>
-          <a:noFill/>
-          <a:extLst>
-            <a:ext uri="{909E8E84-426E-40DD-AFC4-6F175D3DCCD1}">
-              <a14:hiddenFill xmlns:a14="http://schemas.microsoft.com/office/drawing/2010/main">
-                <a:solidFill>
-                  <a:srgbClr val="FFFFFF"/>
-                </a:solidFill>
-              </a14:hiddenFill>
-            </a:ext>
-            <a:ext uri="{91240B29-F687-4F45-9708-019B960494DF}">
-              <a14:hiddenLine xmlns:a14="http://schemas.microsoft.com/office/drawing/2010/main" w="9525">
-                <a:solidFill>
-                  <a:srgbClr val="000000"/>
-                </a:solidFill>
-                <a:miter lim="800000"/>
-                <a:headEnd/>
-                <a:tailEnd/>
-              </a14:hiddenLine>
-            </a:ext>
-          </a:extLst>
-        </p:spPr>
-        <p:txBody>
-          <a:bodyPr/>
-          <a:lstStyle>
-            <a:lvl1pPr eaLnBrk="0" hangingPunct="0">
-              <a:defRPr>
-                <a:solidFill>
-                  <a:schemeClr val="tx1"/>
-                </a:solidFill>
-                <a:latin typeface="Verdana" panose="020B0604030504040204" pitchFamily="34" charset="0"/>
-                <a:ea typeface="宋体" panose="02010600030101010101" pitchFamily="2" charset="-122"/>
-              </a:defRPr>
-            </a:lvl1pPr>
-            <a:lvl2pPr marL="742950" indent="-285750" eaLnBrk="0" hangingPunct="0">
-              <a:defRPr>
-                <a:solidFill>
-                  <a:schemeClr val="tx1"/>
-                </a:solidFill>
-                <a:latin typeface="Verdana" panose="020B0604030504040204" pitchFamily="34" charset="0"/>
-                <a:ea typeface="宋体" panose="02010600030101010101" pitchFamily="2" charset="-122"/>
-              </a:defRPr>
-            </a:lvl2pPr>
-            <a:lvl3pPr marL="1143000" indent="-228600" eaLnBrk="0" hangingPunct="0">
-              <a:defRPr>
-                <a:solidFill>
-                  <a:schemeClr val="tx1"/>
-                </a:solidFill>
-                <a:latin typeface="Verdana" panose="020B0604030504040204" pitchFamily="34" charset="0"/>
-                <a:ea typeface="宋体" panose="02010600030101010101" pitchFamily="2" charset="-122"/>
-              </a:defRPr>
-            </a:lvl3pPr>
-            <a:lvl4pPr marL="1600200" indent="-228600" eaLnBrk="0" hangingPunct="0">
-              <a:defRPr>
-                <a:solidFill>
-                  <a:schemeClr val="tx1"/>
-                </a:solidFill>
-                <a:latin typeface="Verdana" panose="020B0604030504040204" pitchFamily="34" charset="0"/>
-                <a:ea typeface="宋体" panose="02010600030101010101" pitchFamily="2" charset="-122"/>
-              </a:defRPr>
-            </a:lvl4pPr>
-            <a:lvl5pPr marL="2057400" indent="-228600" eaLnBrk="0" hangingPunct="0">
-              <a:defRPr>
-                <a:solidFill>
-                  <a:schemeClr val="tx1"/>
-                </a:solidFill>
-                <a:latin typeface="Verdana" panose="020B0604030504040204" pitchFamily="34" charset="0"/>
-                <a:ea typeface="宋体" panose="02010600030101010101" pitchFamily="2" charset="-122"/>
-              </a:defRPr>
-            </a:lvl5pPr>
-            <a:lvl6pPr marL="2514600" indent="-228600" eaLnBrk="0" fontAlgn="base" hangingPunct="0">
-              <a:spcBef>
-                <a:spcPct val="0"/>
-              </a:spcBef>
-              <a:spcAft>
-                <a:spcPct val="0"/>
-              </a:spcAft>
-              <a:defRPr>
-                <a:solidFill>
-                  <a:schemeClr val="tx1"/>
-                </a:solidFill>
-                <a:latin typeface="Verdana" panose="020B0604030504040204" pitchFamily="34" charset="0"/>
-                <a:ea typeface="宋体" panose="02010600030101010101" pitchFamily="2" charset="-122"/>
-              </a:defRPr>
-            </a:lvl6pPr>
-            <a:lvl7pPr marL="2971800" indent="-228600" eaLnBrk="0" fontAlgn="base" hangingPunct="0">
-              <a:spcBef>
-                <a:spcPct val="0"/>
-              </a:spcBef>
-              <a:spcAft>
-                <a:spcPct val="0"/>
-              </a:spcAft>
-              <a:defRPr>
-                <a:solidFill>
-                  <a:schemeClr val="tx1"/>
-                </a:solidFill>
-                <a:latin typeface="Verdana" panose="020B0604030504040204" pitchFamily="34" charset="0"/>
-                <a:ea typeface="宋体" panose="02010600030101010101" pitchFamily="2" charset="-122"/>
-              </a:defRPr>
-            </a:lvl7pPr>
-            <a:lvl8pPr marL="3429000" indent="-228600" eaLnBrk="0" fontAlgn="base" hangingPunct="0">
-              <a:spcBef>
-                <a:spcPct val="0"/>
-              </a:spcBef>
-              <a:spcAft>
-                <a:spcPct val="0"/>
-              </a:spcAft>
-              <a:defRPr>
-                <a:solidFill>
-                  <a:schemeClr val="tx1"/>
-                </a:solidFill>
-                <a:latin typeface="Verdana" panose="020B0604030504040204" pitchFamily="34" charset="0"/>
-                <a:ea typeface="宋体" panose="02010600030101010101" pitchFamily="2" charset="-122"/>
-              </a:defRPr>
-            </a:lvl8pPr>
-            <a:lvl9pPr marL="3886200" indent="-228600" eaLnBrk="0" fontAlgn="base" hangingPunct="0">
-              <a:spcBef>
-                <a:spcPct val="0"/>
-              </a:spcBef>
-              <a:spcAft>
-                <a:spcPct val="0"/>
-              </a:spcAft>
-              <a:defRPr>
-                <a:solidFill>
-                  <a:schemeClr val="tx1"/>
-                </a:solidFill>
-                <a:latin typeface="Verdana" panose="020B0604030504040204" pitchFamily="34" charset="0"/>
-                <a:ea typeface="宋体" panose="02010600030101010101" pitchFamily="2" charset="-122"/>
-              </a:defRPr>
-            </a:lvl9pPr>
-          </a:lstStyle>
+            <p:ph type="title"/>
+          </p:nvPr>
+        </p:nvSpPr>
+        <p:spPr/>
+        <p:txBody>
+          <a:bodyPr/>
+          <a:lstStyle/>
           <a:p>
             <a:pPr eaLnBrk="1" hangingPunct="1"/>
-            <a:fld id="{3499A8DA-B8EF-43D9-8310-C4B3F2E4DE35}" type="slidenum">
-              <a:rPr lang="en-US" altLang="zh-CN" sz="900" smtClean="0"/>
-              <a:t>10</a:t>
-            </a:fld>
-            <a:endParaRPr lang="en-US" altLang="zh-CN" sz="900" smtClean="0"/>
-          </a:p>
-        </p:txBody>
-      </p:sp>
-      <p:sp>
-        <p:nvSpPr>
-          <p:cNvPr id="12291" name="Rectangle 2"/>
-          <p:cNvSpPr>
-            <a:spLocks noGrp="1" noChangeArrowheads="1"/>
-          </p:cNvSpPr>
-          <p:nvPr>
-            <p:ph type="title"/>
-          </p:nvPr>
-        </p:nvSpPr>
-        <p:spPr/>
-        <p:txBody>
-          <a:bodyPr/>
-          <a:lstStyle/>
-          <a:p>
-            <a:pPr eaLnBrk="1" hangingPunct="1"/>
-            <a:r>
-              <a:rPr lang="en-US" altLang="zh-CN" b="1" smtClean="0">
+            <a:r>
+              <a:rPr lang="en-US" altLang="zh-CN" b="1" dirty="0" err="1">
                 <a:latin typeface="黑体" panose="02010609060101010101" pitchFamily="49" charset="-122"/>
                 <a:ea typeface="黑体" panose="02010609060101010101" pitchFamily="49" charset="-122"/>
               </a:rPr>
-              <a:t>2.4 </a:t>
-            </a:r>
-            <a:r>
-              <a:rPr lang="zh-CN" altLang="en-US" b="1" smtClean="0">
+              <a:t>TMM</a:t>
+            </a:r>
+            <a:r>
+              <a:rPr lang="zh-CN" altLang="en-US" b="1" dirty="0">
                 <a:latin typeface="黑体" panose="02010609060101010101" pitchFamily="49" charset="-122"/>
                 <a:ea typeface="黑体" panose="02010609060101010101" pitchFamily="49" charset="-122"/>
               </a:rPr>
-              <a:t>国内软件测试职业现状</a:t>
-            </a:r>
-          </a:p>
-        </p:txBody>
-      </p:sp>
-      <p:sp>
-        <p:nvSpPr>
-          <p:cNvPr id="12292" name="Rectangle 3"/>
-          <p:cNvSpPr>
-            <a:spLocks noGrp="1" noChangeArrowheads="1"/>
-          </p:cNvSpPr>
-          <p:nvPr>
-            <p:ph type="body" sz="half" idx="1"/>
+              <a:t>模型</a:t>
+            </a:r>
+          </a:p>
+        </p:txBody>
+      </p:sp>
+      <p:sp>
+        <p:nvSpPr>
+          <p:cNvPr id="3" name="内容占位符 2"/>
+          <p:cNvSpPr>
+            <a:spLocks noGrp="1"/>
+          </p:cNvSpPr>
+          <p:nvPr>
+            <p:ph idx="1"/>
           </p:nvPr>
         </p:nvSpPr>
         <p:spPr>
           <a:xfrm>
-            <a:off x="562958" y="1314680"/>
-            <a:ext cx="5975601" cy="3200960"/>
+            <a:off x="566738" y="1314680"/>
+            <a:ext cx="8397262" cy="3200960"/>
           </a:xfrm>
         </p:spPr>
         <p:txBody>
           <a:bodyPr/>
           <a:lstStyle/>
           <a:p>
-            <a:pPr algn="just" eaLnBrk="1" hangingPunct="1"/>
-            <a:r>
-              <a:rPr lang="zh-CN" altLang="en-US" sz="2550" b="1" smtClean="0"/>
-              <a:t>总体职业特点</a:t>
-            </a:r>
-            <a:endParaRPr lang="en-US" altLang="zh-CN" sz="2550" b="1" smtClean="0"/>
-          </a:p>
-          <a:p>
-            <a:pPr lvl="1" algn="just" eaLnBrk="1" hangingPunct="1"/>
-            <a:r>
-              <a:rPr lang="zh-CN" altLang="en-US" b="1" smtClean="0"/>
-              <a:t>人才需求大</a:t>
-            </a:r>
-            <a:endParaRPr lang="en-US" altLang="zh-CN" b="1" smtClean="0"/>
-          </a:p>
-          <a:p>
-            <a:pPr lvl="1" algn="just" eaLnBrk="1" hangingPunct="1"/>
-            <a:r>
-              <a:rPr lang="zh-CN" altLang="en-US" b="1" smtClean="0"/>
-              <a:t>职业稳定</a:t>
-            </a:r>
-            <a:endParaRPr lang="en-US" altLang="zh-CN" b="1" smtClean="0"/>
-          </a:p>
-          <a:p>
-            <a:pPr lvl="1" algn="just" eaLnBrk="1" hangingPunct="1"/>
-            <a:r>
-              <a:rPr lang="zh-CN" altLang="en-US" b="1" smtClean="0"/>
-              <a:t>无性别歧视</a:t>
-            </a:r>
-            <a:endParaRPr lang="en-US" altLang="zh-CN" b="1" smtClean="0"/>
-          </a:p>
-          <a:p>
-            <a:pPr lvl="1" algn="just" eaLnBrk="1" hangingPunct="1"/>
-            <a:r>
-              <a:rPr lang="zh-CN" altLang="en-US" b="1" smtClean="0"/>
-              <a:t>但仍需掌握一定的业务和技术能力</a:t>
-            </a:r>
+            <a:pPr marL="0" indent="0">
+              <a:buNone/>
+            </a:pPr>
+            <a:r>
+              <a:rPr lang="zh-CN" altLang="zh-CN" sz="2325" b="1" dirty="0"/>
+              <a:t>第</a:t>
+            </a:r>
+            <a:r>
+              <a:rPr lang="en-US" altLang="zh-CN" sz="2325" b="1" dirty="0"/>
+              <a:t>5</a:t>
+            </a:r>
+            <a:r>
+              <a:rPr lang="zh-CN" altLang="zh-CN" sz="2325" b="1" dirty="0"/>
+              <a:t>级</a:t>
+            </a:r>
+            <a:r>
+              <a:rPr lang="en-US" altLang="zh-CN" sz="2325" b="1" dirty="0"/>
+              <a:t>. </a:t>
+            </a:r>
+            <a:r>
+              <a:rPr lang="zh-CN" altLang="zh-CN" sz="2325" b="1" dirty="0"/>
+              <a:t>最佳化</a:t>
+            </a:r>
+          </a:p>
+          <a:p>
+            <a:pPr marL="0" indent="0">
+              <a:buNone/>
+            </a:pPr>
+            <a:r>
+              <a:rPr lang="zh-CN" altLang="zh-CN" sz="2325" b="1" dirty="0">
+                <a:solidFill>
+                  <a:srgbClr val="FF0000"/>
+                </a:solidFill>
+              </a:rPr>
+              <a:t>措施：</a:t>
+            </a:r>
+            <a:r>
+              <a:rPr lang="zh-CN" altLang="zh-CN" sz="2325" b="1" dirty="0"/>
+              <a:t>建立缺陷预防的思想，通过统计抽样等方式不断改进测试，自动工具完全支持</a:t>
+            </a:r>
+          </a:p>
+          <a:p>
+            <a:pPr marL="0" indent="0">
+              <a:buNone/>
+            </a:pPr>
+            <a:r>
+              <a:rPr lang="zh-CN" altLang="zh-CN" sz="2325" b="1" dirty="0"/>
+              <a:t>测试用例的运行，开展各种与测试有关的度量活动。</a:t>
+            </a:r>
+          </a:p>
+          <a:p>
+            <a:pPr marL="0" indent="0">
+              <a:buNone/>
+            </a:pPr>
+            <a:r>
+              <a:rPr lang="zh-CN" altLang="zh-CN" sz="2325" b="1" dirty="0">
+                <a:solidFill>
+                  <a:srgbClr val="FF0000"/>
+                </a:solidFill>
+              </a:rPr>
+              <a:t>优势：</a:t>
+            </a:r>
+            <a:r>
+              <a:rPr lang="zh-CN" altLang="zh-CN" sz="2325" b="1" dirty="0"/>
+              <a:t>机制好转，不断改进测试，可以度量和优化产品质量。 </a:t>
+            </a:r>
+          </a:p>
+          <a:p>
+            <a:endParaRPr lang="zh-CN" altLang="en-US" dirty="0"/>
+          </a:p>
+        </p:txBody>
+      </p:sp>
+      <p:sp>
+        <p:nvSpPr>
+          <p:cNvPr id="4" name="灯片编号占位符 3"/>
+          <p:cNvSpPr>
+            <a:spLocks noGrp="1"/>
+          </p:cNvSpPr>
+          <p:nvPr>
+            <p:ph type="sldNum" sz="quarter" idx="12"/>
+          </p:nvPr>
+        </p:nvSpPr>
+        <p:spPr/>
+        <p:txBody>
+          <a:bodyPr/>
+          <a:lstStyle/>
+          <a:p>
+            <a:pPr>
+              <a:defRPr/>
+            </a:pPr>
+            <a:fld id="{B59BECC1-663C-4EC7-820E-2D2742E2A471}" type="slidenum">
+              <a:rPr lang="en-US" altLang="zh-CN" smtClean="0"/>
+              <a:t>10</a:t>
+            </a:fld>
+            <a:endParaRPr lang="en-US" altLang="zh-CN"/>
           </a:p>
         </p:txBody>
       </p:sp>
     </p:spTree>
+    <p:extLst>
+      <p:ext uri="{BB962C8B-B14F-4D97-AF65-F5344CB8AC3E}">
+        <p14:creationId xmlns:p14="http://schemas.microsoft.com/office/powerpoint/2010/main" val="895031182"/>
+      </p:ext>
+    </p:extLst>
   </p:cSld>
   <p:clrMapOvr>
     <a:masterClrMapping/>
   </p:clrMapOvr>
-  <p:transition/>
+  <p:transition>
+    <p:blinds dir="vert"/>
+  </p:transition>
   <p:timing>
     <p:tnLst>
       <p:par>
@@ -5278,7 +5200,7 @@
       </p:grpSpPr>
       <p:sp>
         <p:nvSpPr>
-          <p:cNvPr id="13314" name="灯片编号占位符 6"/>
+          <p:cNvPr id="8194" name="灯片编号占位符 5"/>
           <p:cNvSpPr>
             <a:spLocks noGrp="1"/>
           </p:cNvSpPr>
@@ -5419,7 +5341,7 @@
           </a:lstStyle>
           <a:p>
             <a:pPr eaLnBrk="1" hangingPunct="1"/>
-            <a:fld id="{4FE8EB93-6665-44CC-9EE4-1994B5F2441B}" type="slidenum">
+            <a:fld id="{76E9061D-89ED-4768-8DA6-0DBFF0E12820}" type="slidenum">
               <a:rPr lang="en-US" altLang="zh-CN" sz="900" smtClean="0"/>
               <a:t>11</a:t>
             </a:fld>
@@ -5429,7 +5351,7 @@
       </p:sp>
       <p:sp>
         <p:nvSpPr>
-          <p:cNvPr id="13315" name="Rectangle 2"/>
+          <p:cNvPr id="8195" name="Rectangle 2"/>
           <p:cNvSpPr>
             <a:spLocks noGrp="1" noChangeArrowheads="1"/>
           </p:cNvSpPr>
@@ -5444,84 +5366,75 @@
           <a:p>
             <a:pPr eaLnBrk="1" hangingPunct="1"/>
             <a:r>
-              <a:rPr lang="en-US" altLang="zh-CN" b="1" dirty="0" smtClean="0">
+              <a:rPr lang="en-US" altLang="zh-CN" b="1" smtClean="0">
                 <a:latin typeface="黑体" panose="02010609060101010101" pitchFamily="49" charset="-122"/>
                 <a:ea typeface="黑体" panose="02010609060101010101" pitchFamily="49" charset="-122"/>
               </a:rPr>
-              <a:t>2.4 </a:t>
-            </a:r>
-            <a:r>
-              <a:rPr lang="zh-CN" altLang="en-US" b="1" dirty="0" smtClean="0">
+              <a:t>2.2 </a:t>
+            </a:r>
+            <a:r>
+              <a:rPr lang="zh-CN" altLang="en-US" b="1" smtClean="0">
                 <a:latin typeface="黑体" panose="02010609060101010101" pitchFamily="49" charset="-122"/>
                 <a:ea typeface="黑体" panose="02010609060101010101" pitchFamily="49" charset="-122"/>
               </a:rPr>
-              <a:t>开发转测试与测试方向的区别</a:t>
-            </a:r>
-          </a:p>
-        </p:txBody>
-      </p:sp>
-      <p:sp>
-        <p:nvSpPr>
-          <p:cNvPr id="12292" name="Rectangle 3"/>
+              <a:t>软件测试的发展历程及现状</a:t>
+            </a:r>
+          </a:p>
+        </p:txBody>
+      </p:sp>
+      <p:sp>
+        <p:nvSpPr>
+          <p:cNvPr id="8196" name="Rectangle 3"/>
           <p:cNvSpPr>
             <a:spLocks noGrp="1" noChangeArrowheads="1"/>
           </p:cNvSpPr>
           <p:nvPr>
-            <p:ph type="body" sz="half" idx="1"/>
-          </p:nvPr>
-        </p:nvSpPr>
-        <p:spPr>
-          <a:xfrm>
-            <a:off x="562958" y="884150"/>
-            <a:ext cx="5975601" cy="3200960"/>
-          </a:xfrm>
-        </p:spPr>
+            <p:ph type="body" idx="1"/>
+          </p:nvPr>
+        </p:nvSpPr>
+        <p:spPr/>
         <p:txBody>
           <a:bodyPr/>
           <a:lstStyle/>
           <a:p>
-            <a:pPr marL="0" indent="0" algn="just" eaLnBrk="1" hangingPunct="1">
-              <a:buFont typeface="Wingdings" panose="05000000000000000000" pitchFamily="2" charset="2"/>
-              <a:buNone/>
-              <a:defRPr/>
-            </a:pPr>
-            <a:endParaRPr lang="zh-CN" altLang="en-US" sz="2550" b="1" dirty="0" smtClean="0"/>
-          </a:p>
-          <a:p>
-            <a:pPr algn="just" eaLnBrk="1" hangingPunct="1">
-              <a:defRPr/>
-            </a:pPr>
-            <a:r>
-              <a:rPr lang="zh-CN" altLang="en-US" sz="2550" b="1" dirty="0" smtClean="0"/>
-              <a:t>因为专业技能不同，导致：</a:t>
-            </a:r>
-          </a:p>
-          <a:p>
-            <a:pPr lvl="1" algn="just" eaLnBrk="1" hangingPunct="1">
-              <a:defRPr/>
-            </a:pPr>
-            <a:r>
-              <a:rPr lang="zh-CN" altLang="en-US" sz="2210" b="1" dirty="0" smtClean="0"/>
-              <a:t>就业单位不同</a:t>
-            </a:r>
-          </a:p>
-          <a:p>
-            <a:pPr lvl="1" algn="just" eaLnBrk="1" hangingPunct="1">
-              <a:defRPr/>
-            </a:pPr>
-            <a:r>
-              <a:rPr lang="zh-CN" altLang="en-US" sz="2210" b="1" dirty="0" smtClean="0"/>
-              <a:t>工资不同</a:t>
-            </a:r>
-          </a:p>
-          <a:p>
-            <a:pPr lvl="1" algn="just" eaLnBrk="1" hangingPunct="1">
-              <a:defRPr/>
-            </a:pPr>
-            <a:r>
-              <a:rPr lang="zh-CN" altLang="en-US" sz="2210" b="1" dirty="0" smtClean="0"/>
-              <a:t>发展前景不同</a:t>
-            </a:r>
+            <a:pPr algn="just" eaLnBrk="1" hangingPunct="1"/>
+            <a:r>
+              <a:rPr lang="zh-CN" altLang="en-US" sz="2550" b="1" smtClean="0"/>
+              <a:t>软件测试现状：国外现状</a:t>
+            </a:r>
+            <a:endParaRPr lang="en-US" altLang="zh-CN" sz="2550" b="1" smtClean="0"/>
+          </a:p>
+          <a:p>
+            <a:pPr algn="just" eaLnBrk="1" hangingPunct="1"/>
+            <a:r>
+              <a:rPr lang="zh-CN" altLang="en-US" sz="2550" b="1" smtClean="0"/>
+              <a:t>相当成熟，并已成为一个独立的产业</a:t>
+            </a:r>
+            <a:endParaRPr lang="en-US" altLang="zh-CN" sz="2550" b="1" smtClean="0"/>
+          </a:p>
+          <a:p>
+            <a:pPr lvl="1" algn="just" eaLnBrk="1" hangingPunct="1"/>
+            <a:r>
+              <a:rPr lang="zh-CN" altLang="en-US" sz="2325" b="1" smtClean="0"/>
+              <a:t>软件测试在公司中的地位非常重要</a:t>
+            </a:r>
+            <a:endParaRPr lang="en-US" altLang="zh-CN" sz="2325" b="1" smtClean="0"/>
+          </a:p>
+          <a:p>
+            <a:pPr lvl="1" algn="just" eaLnBrk="1" hangingPunct="1"/>
+            <a:r>
+              <a:rPr lang="zh-CN" altLang="en-US" sz="2325" b="1" smtClean="0"/>
+              <a:t>软件测试的理论研究蓬勃发展</a:t>
+            </a:r>
+            <a:endParaRPr lang="en-US" altLang="zh-CN" sz="2325" b="1" smtClean="0"/>
+          </a:p>
+          <a:p>
+            <a:pPr lvl="1" algn="just" eaLnBrk="1" hangingPunct="1"/>
+            <a:r>
+              <a:rPr lang="zh-CN" altLang="en-US" sz="2325" b="1" smtClean="0"/>
+              <a:t>软件测试市场繁荣</a:t>
+            </a:r>
+            <a:endParaRPr lang="en-US" altLang="zh-CN" sz="2325" b="1" smtClean="0"/>
           </a:p>
         </p:txBody>
       </p:sp>
@@ -5560,103 +5473,7 @@
       </p:grpSpPr>
       <p:sp>
         <p:nvSpPr>
-          <p:cNvPr id="14338" name="标题 1"/>
-          <p:cNvSpPr>
-            <a:spLocks noGrp="1"/>
-          </p:cNvSpPr>
-          <p:nvPr>
-            <p:ph type="title"/>
-          </p:nvPr>
-        </p:nvSpPr>
-        <p:spPr/>
-        <p:txBody>
-          <a:bodyPr/>
-          <a:lstStyle/>
-          <a:p>
-            <a:r>
-              <a:rPr lang="en-US" altLang="zh-CN" b="1" dirty="0">
-                <a:latin typeface="黑体" panose="02010609060101010101" pitchFamily="49" charset="-122"/>
-                <a:ea typeface="黑体" panose="02010609060101010101" pitchFamily="49" charset="-122"/>
-              </a:rPr>
-              <a:t>2.5</a:t>
-            </a:r>
-            <a:r>
-              <a:rPr lang="zh-CN" altLang="en-US" b="1" dirty="0">
-                <a:latin typeface="黑体" panose="02010609060101010101" pitchFamily="49" charset="-122"/>
-                <a:ea typeface="黑体" panose="02010609060101010101" pitchFamily="49" charset="-122"/>
-              </a:rPr>
-              <a:t>目前软件测试职业者的危机</a:t>
-            </a:r>
-          </a:p>
-        </p:txBody>
-      </p:sp>
-      <p:sp>
-        <p:nvSpPr>
-          <p:cNvPr id="14339" name="文本占位符 2"/>
-          <p:cNvSpPr>
-            <a:spLocks noGrp="1"/>
-          </p:cNvSpPr>
-          <p:nvPr>
-            <p:ph type="body" sz="half" idx="1"/>
-          </p:nvPr>
-        </p:nvSpPr>
-        <p:spPr>
-          <a:xfrm>
-            <a:off x="577215" y="1314450"/>
-            <a:ext cx="7998460" cy="3201035"/>
-          </a:xfrm>
-        </p:spPr>
-        <p:txBody>
-          <a:bodyPr/>
-          <a:lstStyle/>
-          <a:p>
-            <a:r>
-              <a:rPr lang="zh-CN" altLang="en-US" sz="2200" b="1" dirty="0"/>
-              <a:t>单纯的手工测试人员必须思考职业转型，否则必将逐渐被时代淘汰</a:t>
-            </a:r>
-            <a:endParaRPr lang="en-US" altLang="zh-CN" sz="2200" b="1" dirty="0"/>
-          </a:p>
-          <a:p>
-            <a:r>
-              <a:rPr lang="zh-CN" altLang="en-US" sz="2200" b="1" dirty="0"/>
-              <a:t>互联网测试职业一定以技术为依托，没有技术含量的测试逐渐失去竞争力</a:t>
-            </a:r>
-            <a:endParaRPr lang="en-US" altLang="zh-CN" sz="2200" b="1" dirty="0"/>
-          </a:p>
-          <a:p>
-            <a:r>
-              <a:rPr lang="zh-CN" altLang="en-US" sz="2200" b="1" dirty="0"/>
-              <a:t>互联网测试不会只侧重一个层面，必须是</a:t>
-            </a:r>
-            <a:r>
-              <a:rPr lang="en-US" altLang="zh-CN" sz="2200" b="1" dirty="0"/>
-              <a:t>web</a:t>
-            </a:r>
-            <a:r>
-              <a:rPr lang="zh-CN" altLang="en-US" sz="2200" b="1" dirty="0"/>
-              <a:t>端、移动端、服务端甚至微信端、云端的多重维度性的综合性测试，此为未来软件测试职业人才的职业竞争力精髓所在</a:t>
-            </a:r>
-            <a:endParaRPr lang="en-US" altLang="zh-CN" sz="2200" b="1" dirty="0"/>
-          </a:p>
-          <a:p>
-            <a:r>
-              <a:rPr lang="zh-CN" altLang="en-US" sz="2200" b="1" dirty="0"/>
-              <a:t>传统手工测试需要基于自身的测试从业经验，分析个人技能体系，根据期望的职业转型路线去针对性的提高自己，从此在</a:t>
-            </a:r>
-            <a:r>
-              <a:rPr lang="en-US" altLang="zh-CN" sz="2200" b="1" dirty="0"/>
-              <a:t>IT</a:t>
-            </a:r>
-            <a:r>
-              <a:rPr lang="zh-CN" altLang="en-US" sz="2200" b="1" dirty="0"/>
-              <a:t>行业立于不败之地！</a:t>
-            </a:r>
-          </a:p>
-        </p:txBody>
-      </p:sp>
-      <p:sp>
-        <p:nvSpPr>
-          <p:cNvPr id="14340" name="灯片编号占位符 4"/>
+          <p:cNvPr id="9218" name="灯片编号占位符 5"/>
           <p:cNvSpPr>
             <a:spLocks noGrp="1"/>
           </p:cNvSpPr>
@@ -5797,11 +5614,156 @@
           </a:lstStyle>
           <a:p>
             <a:pPr eaLnBrk="1" hangingPunct="1"/>
-            <a:fld id="{78D09F26-387D-4283-9716-E13D8B25F342}" type="slidenum">
+            <a:fld id="{35DEEFEE-6F61-42BF-8BDA-392D39DAA5FA}" type="slidenum">
               <a:rPr lang="en-US" altLang="zh-CN" sz="900" smtClean="0"/>
               <a:t>12</a:t>
             </a:fld>
             <a:endParaRPr lang="en-US" altLang="zh-CN" sz="900" smtClean="0"/>
+          </a:p>
+        </p:txBody>
+      </p:sp>
+      <p:sp>
+        <p:nvSpPr>
+          <p:cNvPr id="9219" name="Rectangle 2"/>
+          <p:cNvSpPr>
+            <a:spLocks noGrp="1" noChangeArrowheads="1"/>
+          </p:cNvSpPr>
+          <p:nvPr>
+            <p:ph type="title"/>
+          </p:nvPr>
+        </p:nvSpPr>
+        <p:spPr/>
+        <p:txBody>
+          <a:bodyPr/>
+          <a:lstStyle/>
+          <a:p>
+            <a:pPr eaLnBrk="1" hangingPunct="1"/>
+            <a:r>
+              <a:rPr lang="en-US" altLang="zh-CN" b="1" smtClean="0">
+                <a:latin typeface="黑体" panose="02010609060101010101" pitchFamily="49" charset="-122"/>
+                <a:ea typeface="黑体" panose="02010609060101010101" pitchFamily="49" charset="-122"/>
+              </a:rPr>
+              <a:t>2.2 </a:t>
+            </a:r>
+            <a:r>
+              <a:rPr lang="zh-CN" altLang="en-US" b="1" smtClean="0">
+                <a:latin typeface="黑体" panose="02010609060101010101" pitchFamily="49" charset="-122"/>
+                <a:ea typeface="黑体" panose="02010609060101010101" pitchFamily="49" charset="-122"/>
+              </a:rPr>
+              <a:t>软件测试的发展历程及现状</a:t>
+            </a:r>
+          </a:p>
+        </p:txBody>
+      </p:sp>
+      <p:sp>
+        <p:nvSpPr>
+          <p:cNvPr id="11268" name="Rectangle 3"/>
+          <p:cNvSpPr>
+            <a:spLocks noGrp="1" noChangeArrowheads="1"/>
+          </p:cNvSpPr>
+          <p:nvPr>
+            <p:ph type="body" idx="1"/>
+          </p:nvPr>
+        </p:nvSpPr>
+        <p:spPr>
+          <a:xfrm>
+            <a:off x="563245" y="1314450"/>
+            <a:ext cx="8012430" cy="3201035"/>
+          </a:xfrm>
+        </p:spPr>
+        <p:txBody>
+          <a:bodyPr/>
+          <a:lstStyle/>
+          <a:p>
+            <a:pPr algn="just" eaLnBrk="1" hangingPunct="1">
+              <a:defRPr/>
+            </a:pPr>
+            <a:r>
+              <a:rPr lang="zh-CN" altLang="en-US" sz="2550" b="1" dirty="0" smtClean="0"/>
+              <a:t>软件测试现状：国内现状</a:t>
+            </a:r>
+            <a:endParaRPr lang="en-US" altLang="zh-CN" sz="2550" b="1" dirty="0" smtClean="0"/>
+          </a:p>
+          <a:p>
+            <a:pPr algn="just" eaLnBrk="1" hangingPunct="1">
+              <a:defRPr/>
+            </a:pPr>
+            <a:r>
+              <a:rPr lang="zh-CN" altLang="en-US" sz="2550" b="1" dirty="0" smtClean="0"/>
+              <a:t>萌芽中的市场正在起步</a:t>
+            </a:r>
+            <a:endParaRPr lang="en-US" altLang="zh-CN" sz="2550" b="1" dirty="0" smtClean="0"/>
+          </a:p>
+          <a:p>
+            <a:pPr lvl="1" algn="just" eaLnBrk="1" hangingPunct="1">
+              <a:defRPr/>
+            </a:pPr>
+            <a:r>
+              <a:rPr lang="zh-CN" altLang="en-US" sz="2325" b="1" dirty="0" smtClean="0">
+                <a:cs typeface="+mn-cs"/>
+              </a:rPr>
+              <a:t>对软件测试的认识和重视程度在不断提高</a:t>
+            </a:r>
+            <a:endParaRPr lang="en-US" altLang="zh-CN" sz="2325" b="1" dirty="0" smtClean="0">
+              <a:cs typeface="+mn-cs"/>
+            </a:endParaRPr>
+          </a:p>
+          <a:p>
+            <a:pPr lvl="1" algn="just" eaLnBrk="1" hangingPunct="1">
+              <a:defRPr/>
+            </a:pPr>
+            <a:r>
+              <a:rPr lang="zh-CN" altLang="en-US" sz="2325" b="1" dirty="0" smtClean="0">
+                <a:cs typeface="+mn-cs"/>
+              </a:rPr>
+              <a:t>对软件产品化测试的技术研究</a:t>
+            </a:r>
+            <a:r>
+              <a:rPr lang="zh-CN" altLang="en-US" sz="2325" b="1" smtClean="0">
+                <a:cs typeface="+mn-cs"/>
+              </a:rPr>
+              <a:t>从</a:t>
+            </a:r>
+            <a:r>
+              <a:rPr lang="zh-CN" altLang="en-US" sz="2325" b="1" smtClean="0">
+                <a:cs typeface="+mn-cs"/>
+              </a:rPr>
+              <a:t>手工向</a:t>
+            </a:r>
+            <a:r>
+              <a:rPr lang="zh-CN" altLang="en-US" sz="2325" b="1" dirty="0" smtClean="0">
+                <a:cs typeface="+mn-cs"/>
+              </a:rPr>
+              <a:t>自动化方式转变</a:t>
+            </a:r>
+            <a:endParaRPr lang="en-US" altLang="zh-CN" sz="2325" b="1" dirty="0" smtClean="0">
+              <a:cs typeface="+mn-cs"/>
+            </a:endParaRPr>
+          </a:p>
+          <a:p>
+            <a:pPr lvl="1" algn="just" eaLnBrk="1" hangingPunct="1">
+              <a:defRPr/>
+            </a:pPr>
+            <a:r>
+              <a:rPr lang="zh-CN" altLang="en-US" sz="2325" b="1" dirty="0" smtClean="0">
+                <a:cs typeface="+mn-cs"/>
+              </a:rPr>
+              <a:t>软件测试人员需求大，人员素质不断提高</a:t>
+            </a:r>
+            <a:endParaRPr lang="en-US" altLang="zh-CN" sz="2325" b="1" dirty="0" smtClean="0">
+              <a:cs typeface="+mn-cs"/>
+            </a:endParaRPr>
+          </a:p>
+          <a:p>
+            <a:pPr lvl="1" algn="just" eaLnBrk="1" hangingPunct="1">
+              <a:defRPr/>
+            </a:pPr>
+            <a:r>
+              <a:rPr lang="zh-CN" altLang="en-US" sz="2325" b="1" dirty="0" smtClean="0">
+                <a:cs typeface="+mn-cs"/>
+              </a:rPr>
+              <a:t>测试服务体系初步形成规模</a:t>
+            </a:r>
           </a:p>
         </p:txBody>
       </p:sp>
@@ -5810,9 +5772,7 @@
   <p:clrMapOvr>
     <a:masterClrMapping/>
   </p:clrMapOvr>
-  <p:transition>
-    <p:blinds dir="vert"/>
-  </p:transition>
+  <p:transition/>
   <p:timing>
     <p:tnLst>
       <p:par>
@@ -5842,41 +5802,7 @@
       </p:grpSpPr>
       <p:sp>
         <p:nvSpPr>
-          <p:cNvPr id="15363" name="内容占位符 2"/>
-          <p:cNvSpPr>
-            <a:spLocks noGrp="1"/>
-          </p:cNvSpPr>
-          <p:nvPr>
-            <p:ph idx="4294967295"/>
-          </p:nvPr>
-        </p:nvSpPr>
-        <p:spPr>
-          <a:xfrm>
-            <a:off x="1506855" y="2018665"/>
-            <a:ext cx="6002020" cy="1327785"/>
-          </a:xfrm>
-        </p:spPr>
-        <p:txBody>
-          <a:bodyPr/>
-          <a:lstStyle/>
-          <a:p>
-            <a:pPr marL="0" indent="0" algn="ctr">
-              <a:buNone/>
-            </a:pPr>
-            <a:r>
-              <a:rPr lang="zh-CN" altLang="en-US" sz="3300" b="1" dirty="0">
-                <a:latin typeface="黑体" panose="02010609060101010101" pitchFamily="49" charset="-122"/>
-                <a:ea typeface="黑体" panose="02010609060101010101" pitchFamily="49" charset="-122"/>
-              </a:rPr>
-              <a:t>谢 谢</a:t>
-            </a:r>
-            <a:endParaRPr lang="zh-CN" altLang="en-US" sz="3300" dirty="0" smtClean="0"/>
-          </a:p>
-        </p:txBody>
-      </p:sp>
-      <p:sp>
-        <p:nvSpPr>
-          <p:cNvPr id="15364" name="灯片编号占位符 3"/>
+          <p:cNvPr id="10242" name="灯片编号占位符 5"/>
           <p:cNvSpPr>
             <a:spLocks noGrp="1"/>
           </p:cNvSpPr>
@@ -6017,9 +5943,1485 @@
           </a:lstStyle>
           <a:p>
             <a:pPr eaLnBrk="1" hangingPunct="1"/>
+            <a:fld id="{7A9050C5-671E-4C7E-B5AC-75D8879FC0BC}" type="slidenum">
+              <a:rPr lang="en-US" altLang="zh-CN" sz="900" smtClean="0"/>
+              <a:t>13</a:t>
+            </a:fld>
+            <a:endParaRPr lang="en-US" altLang="zh-CN" sz="900" smtClean="0"/>
+          </a:p>
+        </p:txBody>
+      </p:sp>
+      <p:sp>
+        <p:nvSpPr>
+          <p:cNvPr id="10243" name="Rectangle 2"/>
+          <p:cNvSpPr>
+            <a:spLocks noGrp="1" noChangeArrowheads="1"/>
+          </p:cNvSpPr>
+          <p:nvPr>
+            <p:ph type="title"/>
+          </p:nvPr>
+        </p:nvSpPr>
+        <p:spPr/>
+        <p:txBody>
+          <a:bodyPr/>
+          <a:lstStyle/>
+          <a:p>
+            <a:pPr eaLnBrk="1" hangingPunct="1"/>
+            <a:r>
+              <a:rPr lang="en-US" altLang="zh-CN" b="1" smtClean="0">
+                <a:latin typeface="黑体" panose="02010609060101010101" pitchFamily="49" charset="-122"/>
+                <a:ea typeface="黑体" panose="02010609060101010101" pitchFamily="49" charset="-122"/>
+              </a:rPr>
+              <a:t>2.2 </a:t>
+            </a:r>
+            <a:r>
+              <a:rPr lang="zh-CN" altLang="en-US" b="1" smtClean="0">
+                <a:latin typeface="黑体" panose="02010609060101010101" pitchFamily="49" charset="-122"/>
+                <a:ea typeface="黑体" panose="02010609060101010101" pitchFamily="49" charset="-122"/>
+              </a:rPr>
+              <a:t>软件测试的发展历程及现状</a:t>
+            </a:r>
+          </a:p>
+        </p:txBody>
+      </p:sp>
+      <p:sp>
+        <p:nvSpPr>
+          <p:cNvPr id="10244" name="Rectangle 3"/>
+          <p:cNvSpPr>
+            <a:spLocks noGrp="1" noChangeArrowheads="1"/>
+          </p:cNvSpPr>
+          <p:nvPr>
+            <p:ph type="body" idx="1"/>
+          </p:nvPr>
+        </p:nvSpPr>
+        <p:spPr/>
+        <p:txBody>
+          <a:bodyPr/>
+          <a:lstStyle/>
+          <a:p>
+            <a:pPr algn="just" eaLnBrk="1" hangingPunct="1"/>
+            <a:r>
+              <a:rPr lang="zh-CN" altLang="en-US" sz="2550" b="1" dirty="0" smtClean="0"/>
+              <a:t>外包测试现状</a:t>
+            </a:r>
+            <a:endParaRPr lang="en-US" altLang="zh-CN" sz="2550" b="1" dirty="0" smtClean="0"/>
+          </a:p>
+          <a:p>
+            <a:pPr algn="just" eaLnBrk="1" hangingPunct="1"/>
+            <a:r>
+              <a:rPr lang="zh-CN" altLang="en-US" sz="2550" b="1" dirty="0" smtClean="0"/>
+              <a:t>三种模式</a:t>
+            </a:r>
+            <a:endParaRPr lang="en-US" altLang="zh-CN" sz="2550" b="1" dirty="0" smtClean="0"/>
+          </a:p>
+          <a:p>
+            <a:pPr lvl="1" algn="just" eaLnBrk="1" hangingPunct="1"/>
+            <a:r>
+              <a:rPr lang="zh-CN" altLang="en-US" sz="2325" b="1" dirty="0" smtClean="0"/>
+              <a:t>现场测试模式</a:t>
+            </a:r>
+            <a:r>
+              <a:rPr lang="en-US" altLang="en-US" sz="2325" b="1" dirty="0" smtClean="0"/>
+              <a:t>(On-Site)</a:t>
+            </a:r>
+          </a:p>
+          <a:p>
+            <a:pPr lvl="1" algn="just" eaLnBrk="1" hangingPunct="1"/>
+            <a:r>
+              <a:rPr lang="zh-CN" altLang="en-US" sz="2325" b="1" dirty="0" smtClean="0"/>
+              <a:t>内部测试模式</a:t>
+            </a:r>
+            <a:r>
+              <a:rPr lang="en-US" altLang="en-US" sz="2325" b="1" dirty="0" smtClean="0"/>
+              <a:t>(In-House)</a:t>
+            </a:r>
+          </a:p>
+          <a:p>
+            <a:pPr lvl="2" algn="just" eaLnBrk="1" hangingPunct="1"/>
+            <a:r>
+              <a:rPr lang="zh-CN" altLang="en-US" sz="2100" b="1" dirty="0" smtClean="0"/>
+              <a:t>完全离岸外包模式</a:t>
+            </a:r>
+            <a:r>
+              <a:rPr lang="en-US" altLang="en-US" sz="2100" b="1" dirty="0" smtClean="0"/>
+              <a:t>(Off Shore)</a:t>
+            </a:r>
+            <a:endParaRPr lang="en-US" altLang="zh-CN" sz="2100" b="1" dirty="0" smtClean="0"/>
+          </a:p>
+          <a:p>
+            <a:pPr lvl="2" algn="just" eaLnBrk="1" hangingPunct="1"/>
+            <a:r>
+              <a:rPr lang="zh-CN" altLang="en-US" sz="2100" b="1" dirty="0" smtClean="0"/>
+              <a:t>现场增援与离岸结合模式</a:t>
+            </a:r>
+            <a:r>
+              <a:rPr lang="en-US" altLang="en-US" sz="2100" b="1" dirty="0" smtClean="0"/>
+              <a:t>(On </a:t>
+            </a:r>
+            <a:r>
+              <a:rPr lang="en-US" altLang="en-US" sz="2100" b="1" dirty="0" err="1" smtClean="0"/>
+              <a:t>Site+Off</a:t>
+            </a:r>
+            <a:r>
+              <a:rPr lang="en-US" altLang="en-US" sz="2100" b="1" dirty="0" smtClean="0"/>
+              <a:t> Shore)</a:t>
+            </a:r>
+          </a:p>
+          <a:p>
+            <a:pPr lvl="1" algn="just" eaLnBrk="1" hangingPunct="1"/>
+            <a:r>
+              <a:rPr lang="zh-CN" altLang="en-US" sz="2325" b="1" dirty="0" smtClean="0"/>
+              <a:t>设立联合研发中心模式</a:t>
+            </a:r>
+          </a:p>
+        </p:txBody>
+      </p:sp>
+    </p:spTree>
+  </p:cSld>
+  <p:clrMapOvr>
+    <a:masterClrMapping/>
+  </p:clrMapOvr>
+  <p:transition/>
+  <p:timing>
+    <p:tnLst>
+      <p:par>
+        <p:cTn id="1" dur="indefinite" restart="never" nodeType="tmRoot"/>
+      </p:par>
+    </p:tnLst>
+  </p:timing>
+</p:sld>
+</file>
+
+<file path=ppt/slides/slide14.xml><?xml version="1.0" encoding="utf-8"?>
+<p:sld xmlns:a="http://schemas.openxmlformats.org/drawingml/2006/main" xmlns:r="http://schemas.openxmlformats.org/officeDocument/2006/relationships" xmlns:p="http://schemas.openxmlformats.org/presentationml/2006/main">
+  <p:cSld>
+    <p:spTree>
+      <p:nvGrpSpPr>
+        <p:cNvPr id="1" name=""/>
+        <p:cNvGrpSpPr/>
+        <p:nvPr/>
+      </p:nvGrpSpPr>
+      <p:grpSpPr>
+        <a:xfrm>
+          <a:off x="0" y="0"/>
+          <a:ext cx="0" cy="0"/>
+          <a:chOff x="0" y="0"/>
+          <a:chExt cx="0" cy="0"/>
+        </a:xfrm>
+      </p:grpSpPr>
+      <p:sp>
+        <p:nvSpPr>
+          <p:cNvPr id="11266" name="灯片编号占位符 5"/>
+          <p:cNvSpPr>
+            <a:spLocks noGrp="1"/>
+          </p:cNvSpPr>
+          <p:nvPr>
+            <p:ph type="sldNum" sz="quarter" idx="12"/>
+          </p:nvPr>
+        </p:nvSpPr>
+        <p:spPr>
+          <a:noFill/>
+          <a:extLst>
+            <a:ext uri="{909E8E84-426E-40DD-AFC4-6F175D3DCCD1}">
+              <a14:hiddenFill xmlns:a14="http://schemas.microsoft.com/office/drawing/2010/main">
+                <a:solidFill>
+                  <a:srgbClr val="FFFFFF"/>
+                </a:solidFill>
+              </a14:hiddenFill>
+            </a:ext>
+            <a:ext uri="{91240B29-F687-4F45-9708-019B960494DF}">
+              <a14:hiddenLine xmlns:a14="http://schemas.microsoft.com/office/drawing/2010/main" w="9525">
+                <a:solidFill>
+                  <a:srgbClr val="000000"/>
+                </a:solidFill>
+                <a:miter lim="800000"/>
+                <a:headEnd/>
+                <a:tailEnd/>
+              </a14:hiddenLine>
+            </a:ext>
+          </a:extLst>
+        </p:spPr>
+        <p:txBody>
+          <a:bodyPr/>
+          <a:lstStyle>
+            <a:lvl1pPr eaLnBrk="0" hangingPunct="0">
+              <a:defRPr>
+                <a:solidFill>
+                  <a:schemeClr val="tx1"/>
+                </a:solidFill>
+                <a:latin typeface="Verdana" panose="020B0604030504040204" pitchFamily="34" charset="0"/>
+                <a:ea typeface="宋体" panose="02010600030101010101" pitchFamily="2" charset="-122"/>
+              </a:defRPr>
+            </a:lvl1pPr>
+            <a:lvl2pPr marL="742950" indent="-285750" eaLnBrk="0" hangingPunct="0">
+              <a:defRPr>
+                <a:solidFill>
+                  <a:schemeClr val="tx1"/>
+                </a:solidFill>
+                <a:latin typeface="Verdana" panose="020B0604030504040204" pitchFamily="34" charset="0"/>
+                <a:ea typeface="宋体" panose="02010600030101010101" pitchFamily="2" charset="-122"/>
+              </a:defRPr>
+            </a:lvl2pPr>
+            <a:lvl3pPr marL="1143000" indent="-228600" eaLnBrk="0" hangingPunct="0">
+              <a:defRPr>
+                <a:solidFill>
+                  <a:schemeClr val="tx1"/>
+                </a:solidFill>
+                <a:latin typeface="Verdana" panose="020B0604030504040204" pitchFamily="34" charset="0"/>
+                <a:ea typeface="宋体" panose="02010600030101010101" pitchFamily="2" charset="-122"/>
+              </a:defRPr>
+            </a:lvl3pPr>
+            <a:lvl4pPr marL="1600200" indent="-228600" eaLnBrk="0" hangingPunct="0">
+              <a:defRPr>
+                <a:solidFill>
+                  <a:schemeClr val="tx1"/>
+                </a:solidFill>
+                <a:latin typeface="Verdana" panose="020B0604030504040204" pitchFamily="34" charset="0"/>
+                <a:ea typeface="宋体" panose="02010600030101010101" pitchFamily="2" charset="-122"/>
+              </a:defRPr>
+            </a:lvl4pPr>
+            <a:lvl5pPr marL="2057400" indent="-228600" eaLnBrk="0" hangingPunct="0">
+              <a:defRPr>
+                <a:solidFill>
+                  <a:schemeClr val="tx1"/>
+                </a:solidFill>
+                <a:latin typeface="Verdana" panose="020B0604030504040204" pitchFamily="34" charset="0"/>
+                <a:ea typeface="宋体" panose="02010600030101010101" pitchFamily="2" charset="-122"/>
+              </a:defRPr>
+            </a:lvl5pPr>
+            <a:lvl6pPr marL="2514600" indent="-228600" eaLnBrk="0" fontAlgn="base" hangingPunct="0">
+              <a:spcBef>
+                <a:spcPct val="0"/>
+              </a:spcBef>
+              <a:spcAft>
+                <a:spcPct val="0"/>
+              </a:spcAft>
+              <a:defRPr>
+                <a:solidFill>
+                  <a:schemeClr val="tx1"/>
+                </a:solidFill>
+                <a:latin typeface="Verdana" panose="020B0604030504040204" pitchFamily="34" charset="0"/>
+                <a:ea typeface="宋体" panose="02010600030101010101" pitchFamily="2" charset="-122"/>
+              </a:defRPr>
+            </a:lvl6pPr>
+            <a:lvl7pPr marL="2971800" indent="-228600" eaLnBrk="0" fontAlgn="base" hangingPunct="0">
+              <a:spcBef>
+                <a:spcPct val="0"/>
+              </a:spcBef>
+              <a:spcAft>
+                <a:spcPct val="0"/>
+              </a:spcAft>
+              <a:defRPr>
+                <a:solidFill>
+                  <a:schemeClr val="tx1"/>
+                </a:solidFill>
+                <a:latin typeface="Verdana" panose="020B0604030504040204" pitchFamily="34" charset="0"/>
+                <a:ea typeface="宋体" panose="02010600030101010101" pitchFamily="2" charset="-122"/>
+              </a:defRPr>
+            </a:lvl7pPr>
+            <a:lvl8pPr marL="3429000" indent="-228600" eaLnBrk="0" fontAlgn="base" hangingPunct="0">
+              <a:spcBef>
+                <a:spcPct val="0"/>
+              </a:spcBef>
+              <a:spcAft>
+                <a:spcPct val="0"/>
+              </a:spcAft>
+              <a:defRPr>
+                <a:solidFill>
+                  <a:schemeClr val="tx1"/>
+                </a:solidFill>
+                <a:latin typeface="Verdana" panose="020B0604030504040204" pitchFamily="34" charset="0"/>
+                <a:ea typeface="宋体" panose="02010600030101010101" pitchFamily="2" charset="-122"/>
+              </a:defRPr>
+            </a:lvl8pPr>
+            <a:lvl9pPr marL="3886200" indent="-228600" eaLnBrk="0" fontAlgn="base" hangingPunct="0">
+              <a:spcBef>
+                <a:spcPct val="0"/>
+              </a:spcBef>
+              <a:spcAft>
+                <a:spcPct val="0"/>
+              </a:spcAft>
+              <a:defRPr>
+                <a:solidFill>
+                  <a:schemeClr val="tx1"/>
+                </a:solidFill>
+                <a:latin typeface="Verdana" panose="020B0604030504040204" pitchFamily="34" charset="0"/>
+                <a:ea typeface="宋体" panose="02010600030101010101" pitchFamily="2" charset="-122"/>
+              </a:defRPr>
+            </a:lvl9pPr>
+          </a:lstStyle>
+          <a:p>
+            <a:pPr eaLnBrk="1" hangingPunct="1"/>
+            <a:fld id="{E6A86B9C-59CE-4193-81CA-1B9250AD87C3}" type="slidenum">
+              <a:rPr lang="en-US" altLang="zh-CN" sz="900" smtClean="0"/>
+              <a:t>14</a:t>
+            </a:fld>
+            <a:endParaRPr lang="en-US" altLang="zh-CN" sz="900" smtClean="0"/>
+          </a:p>
+        </p:txBody>
+      </p:sp>
+      <p:sp>
+        <p:nvSpPr>
+          <p:cNvPr id="11267" name="Rectangle 2"/>
+          <p:cNvSpPr>
+            <a:spLocks noGrp="1" noChangeArrowheads="1"/>
+          </p:cNvSpPr>
+          <p:nvPr>
+            <p:ph type="title"/>
+          </p:nvPr>
+        </p:nvSpPr>
+        <p:spPr/>
+        <p:txBody>
+          <a:bodyPr/>
+          <a:lstStyle/>
+          <a:p>
+            <a:pPr eaLnBrk="1" hangingPunct="1"/>
+            <a:r>
+              <a:rPr lang="en-US" altLang="zh-CN" b="1" smtClean="0">
+                <a:latin typeface="黑体" panose="02010609060101010101" pitchFamily="49" charset="-122"/>
+                <a:ea typeface="黑体" panose="02010609060101010101" pitchFamily="49" charset="-122"/>
+              </a:rPr>
+              <a:t>2.3 </a:t>
+            </a:r>
+            <a:r>
+              <a:rPr lang="zh-CN" altLang="en-US" b="1" smtClean="0">
+                <a:latin typeface="黑体" panose="02010609060101010101" pitchFamily="49" charset="-122"/>
+                <a:ea typeface="黑体" panose="02010609060101010101" pitchFamily="49" charset="-122"/>
+              </a:rPr>
+              <a:t>软件测试的研究热点</a:t>
+            </a:r>
+          </a:p>
+        </p:txBody>
+      </p:sp>
+      <p:sp>
+        <p:nvSpPr>
+          <p:cNvPr id="11268" name="Rectangle 3"/>
+          <p:cNvSpPr>
+            <a:spLocks noGrp="1" noChangeArrowheads="1"/>
+          </p:cNvSpPr>
+          <p:nvPr>
+            <p:ph type="body" idx="1"/>
+          </p:nvPr>
+        </p:nvSpPr>
+        <p:spPr/>
+        <p:txBody>
+          <a:bodyPr/>
+          <a:lstStyle/>
+          <a:p>
+            <a:pPr algn="just" eaLnBrk="1" hangingPunct="1"/>
+            <a:r>
+              <a:rPr lang="zh-CN" altLang="en-US" sz="2550" b="1" smtClean="0"/>
+              <a:t>针对软件特点而展开的实用软件测试技术和方法的研究</a:t>
+            </a:r>
+            <a:endParaRPr lang="en-US" altLang="zh-CN" sz="2550" b="1" smtClean="0"/>
+          </a:p>
+          <a:p>
+            <a:pPr algn="just" eaLnBrk="1" hangingPunct="1"/>
+            <a:r>
+              <a:rPr lang="zh-CN" altLang="en-US" sz="2550" b="1" smtClean="0"/>
+              <a:t>针对新的软件开发技术展开的软件测试技术研究</a:t>
+            </a:r>
+            <a:endParaRPr lang="en-US" altLang="zh-CN" sz="2550" b="1" smtClean="0"/>
+          </a:p>
+          <a:p>
+            <a:pPr algn="just" eaLnBrk="1" hangingPunct="1"/>
+            <a:r>
+              <a:rPr lang="zh-CN" altLang="en-US" sz="2550" b="1" smtClean="0"/>
+              <a:t>软件自动化测试技术的研究</a:t>
+            </a:r>
+            <a:endParaRPr lang="en-US" altLang="zh-CN" sz="2550" b="1" smtClean="0"/>
+          </a:p>
+          <a:p>
+            <a:pPr algn="just" eaLnBrk="1" hangingPunct="1"/>
+            <a:r>
+              <a:rPr lang="zh-CN" altLang="en-US" sz="2550" b="1" smtClean="0"/>
+              <a:t>软件可信性研究</a:t>
+            </a:r>
+          </a:p>
+          <a:p>
+            <a:pPr algn="just" eaLnBrk="1" hangingPunct="1"/>
+            <a:endParaRPr lang="zh-CN" altLang="en-US" b="1" smtClean="0"/>
+          </a:p>
+        </p:txBody>
+      </p:sp>
+    </p:spTree>
+  </p:cSld>
+  <p:clrMapOvr>
+    <a:masterClrMapping/>
+  </p:clrMapOvr>
+  <p:transition/>
+  <p:timing>
+    <p:tnLst>
+      <p:par>
+        <p:cTn id="1" dur="indefinite" restart="never" nodeType="tmRoot"/>
+      </p:par>
+    </p:tnLst>
+  </p:timing>
+</p:sld>
+</file>
+
+<file path=ppt/slides/slide15.xml><?xml version="1.0" encoding="utf-8"?>
+<p:sld xmlns:a="http://schemas.openxmlformats.org/drawingml/2006/main" xmlns:r="http://schemas.openxmlformats.org/officeDocument/2006/relationships" xmlns:p="http://schemas.openxmlformats.org/presentationml/2006/main">
+  <p:cSld>
+    <p:spTree>
+      <p:nvGrpSpPr>
+        <p:cNvPr id="1" name=""/>
+        <p:cNvGrpSpPr/>
+        <p:nvPr/>
+      </p:nvGrpSpPr>
+      <p:grpSpPr>
+        <a:xfrm>
+          <a:off x="0" y="0"/>
+          <a:ext cx="0" cy="0"/>
+          <a:chOff x="0" y="0"/>
+          <a:chExt cx="0" cy="0"/>
+        </a:xfrm>
+      </p:grpSpPr>
+      <p:sp>
+        <p:nvSpPr>
+          <p:cNvPr id="12290" name="灯片编号占位符 6"/>
+          <p:cNvSpPr>
+            <a:spLocks noGrp="1"/>
+          </p:cNvSpPr>
+          <p:nvPr>
+            <p:ph type="sldNum" sz="quarter" idx="12"/>
+          </p:nvPr>
+        </p:nvSpPr>
+        <p:spPr>
+          <a:noFill/>
+          <a:extLst>
+            <a:ext uri="{909E8E84-426E-40DD-AFC4-6F175D3DCCD1}">
+              <a14:hiddenFill xmlns:a14="http://schemas.microsoft.com/office/drawing/2010/main">
+                <a:solidFill>
+                  <a:srgbClr val="FFFFFF"/>
+                </a:solidFill>
+              </a14:hiddenFill>
+            </a:ext>
+            <a:ext uri="{91240B29-F687-4F45-9708-019B960494DF}">
+              <a14:hiddenLine xmlns:a14="http://schemas.microsoft.com/office/drawing/2010/main" w="9525">
+                <a:solidFill>
+                  <a:srgbClr val="000000"/>
+                </a:solidFill>
+                <a:miter lim="800000"/>
+                <a:headEnd/>
+                <a:tailEnd/>
+              </a14:hiddenLine>
+            </a:ext>
+          </a:extLst>
+        </p:spPr>
+        <p:txBody>
+          <a:bodyPr/>
+          <a:lstStyle>
+            <a:lvl1pPr eaLnBrk="0" hangingPunct="0">
+              <a:defRPr>
+                <a:solidFill>
+                  <a:schemeClr val="tx1"/>
+                </a:solidFill>
+                <a:latin typeface="Verdana" panose="020B0604030504040204" pitchFamily="34" charset="0"/>
+                <a:ea typeface="宋体" panose="02010600030101010101" pitchFamily="2" charset="-122"/>
+              </a:defRPr>
+            </a:lvl1pPr>
+            <a:lvl2pPr marL="742950" indent="-285750" eaLnBrk="0" hangingPunct="0">
+              <a:defRPr>
+                <a:solidFill>
+                  <a:schemeClr val="tx1"/>
+                </a:solidFill>
+                <a:latin typeface="Verdana" panose="020B0604030504040204" pitchFamily="34" charset="0"/>
+                <a:ea typeface="宋体" panose="02010600030101010101" pitchFamily="2" charset="-122"/>
+              </a:defRPr>
+            </a:lvl2pPr>
+            <a:lvl3pPr marL="1143000" indent="-228600" eaLnBrk="0" hangingPunct="0">
+              <a:defRPr>
+                <a:solidFill>
+                  <a:schemeClr val="tx1"/>
+                </a:solidFill>
+                <a:latin typeface="Verdana" panose="020B0604030504040204" pitchFamily="34" charset="0"/>
+                <a:ea typeface="宋体" panose="02010600030101010101" pitchFamily="2" charset="-122"/>
+              </a:defRPr>
+            </a:lvl3pPr>
+            <a:lvl4pPr marL="1600200" indent="-228600" eaLnBrk="0" hangingPunct="0">
+              <a:defRPr>
+                <a:solidFill>
+                  <a:schemeClr val="tx1"/>
+                </a:solidFill>
+                <a:latin typeface="Verdana" panose="020B0604030504040204" pitchFamily="34" charset="0"/>
+                <a:ea typeface="宋体" panose="02010600030101010101" pitchFamily="2" charset="-122"/>
+              </a:defRPr>
+            </a:lvl4pPr>
+            <a:lvl5pPr marL="2057400" indent="-228600" eaLnBrk="0" hangingPunct="0">
+              <a:defRPr>
+                <a:solidFill>
+                  <a:schemeClr val="tx1"/>
+                </a:solidFill>
+                <a:latin typeface="Verdana" panose="020B0604030504040204" pitchFamily="34" charset="0"/>
+                <a:ea typeface="宋体" panose="02010600030101010101" pitchFamily="2" charset="-122"/>
+              </a:defRPr>
+            </a:lvl5pPr>
+            <a:lvl6pPr marL="2514600" indent="-228600" eaLnBrk="0" fontAlgn="base" hangingPunct="0">
+              <a:spcBef>
+                <a:spcPct val="0"/>
+              </a:spcBef>
+              <a:spcAft>
+                <a:spcPct val="0"/>
+              </a:spcAft>
+              <a:defRPr>
+                <a:solidFill>
+                  <a:schemeClr val="tx1"/>
+                </a:solidFill>
+                <a:latin typeface="Verdana" panose="020B0604030504040204" pitchFamily="34" charset="0"/>
+                <a:ea typeface="宋体" panose="02010600030101010101" pitchFamily="2" charset="-122"/>
+              </a:defRPr>
+            </a:lvl6pPr>
+            <a:lvl7pPr marL="2971800" indent="-228600" eaLnBrk="0" fontAlgn="base" hangingPunct="0">
+              <a:spcBef>
+                <a:spcPct val="0"/>
+              </a:spcBef>
+              <a:spcAft>
+                <a:spcPct val="0"/>
+              </a:spcAft>
+              <a:defRPr>
+                <a:solidFill>
+                  <a:schemeClr val="tx1"/>
+                </a:solidFill>
+                <a:latin typeface="Verdana" panose="020B0604030504040204" pitchFamily="34" charset="0"/>
+                <a:ea typeface="宋体" panose="02010600030101010101" pitchFamily="2" charset="-122"/>
+              </a:defRPr>
+            </a:lvl7pPr>
+            <a:lvl8pPr marL="3429000" indent="-228600" eaLnBrk="0" fontAlgn="base" hangingPunct="0">
+              <a:spcBef>
+                <a:spcPct val="0"/>
+              </a:spcBef>
+              <a:spcAft>
+                <a:spcPct val="0"/>
+              </a:spcAft>
+              <a:defRPr>
+                <a:solidFill>
+                  <a:schemeClr val="tx1"/>
+                </a:solidFill>
+                <a:latin typeface="Verdana" panose="020B0604030504040204" pitchFamily="34" charset="0"/>
+                <a:ea typeface="宋体" panose="02010600030101010101" pitchFamily="2" charset="-122"/>
+              </a:defRPr>
+            </a:lvl8pPr>
+            <a:lvl9pPr marL="3886200" indent="-228600" eaLnBrk="0" fontAlgn="base" hangingPunct="0">
+              <a:spcBef>
+                <a:spcPct val="0"/>
+              </a:spcBef>
+              <a:spcAft>
+                <a:spcPct val="0"/>
+              </a:spcAft>
+              <a:defRPr>
+                <a:solidFill>
+                  <a:schemeClr val="tx1"/>
+                </a:solidFill>
+                <a:latin typeface="Verdana" panose="020B0604030504040204" pitchFamily="34" charset="0"/>
+                <a:ea typeface="宋体" panose="02010600030101010101" pitchFamily="2" charset="-122"/>
+              </a:defRPr>
+            </a:lvl9pPr>
+          </a:lstStyle>
+          <a:p>
+            <a:pPr eaLnBrk="1" hangingPunct="1"/>
+            <a:fld id="{3499A8DA-B8EF-43D9-8310-C4B3F2E4DE35}" type="slidenum">
+              <a:rPr lang="en-US" altLang="zh-CN" sz="900" smtClean="0"/>
+              <a:t>15</a:t>
+            </a:fld>
+            <a:endParaRPr lang="en-US" altLang="zh-CN" sz="900" smtClean="0"/>
+          </a:p>
+        </p:txBody>
+      </p:sp>
+      <p:sp>
+        <p:nvSpPr>
+          <p:cNvPr id="12291" name="Rectangle 2"/>
+          <p:cNvSpPr>
+            <a:spLocks noGrp="1" noChangeArrowheads="1"/>
+          </p:cNvSpPr>
+          <p:nvPr>
+            <p:ph type="title"/>
+          </p:nvPr>
+        </p:nvSpPr>
+        <p:spPr/>
+        <p:txBody>
+          <a:bodyPr/>
+          <a:lstStyle/>
+          <a:p>
+            <a:pPr eaLnBrk="1" hangingPunct="1"/>
+            <a:r>
+              <a:rPr lang="en-US" altLang="zh-CN" b="1" smtClean="0">
+                <a:latin typeface="黑体" panose="02010609060101010101" pitchFamily="49" charset="-122"/>
+                <a:ea typeface="黑体" panose="02010609060101010101" pitchFamily="49" charset="-122"/>
+              </a:rPr>
+              <a:t>2.4 </a:t>
+            </a:r>
+            <a:r>
+              <a:rPr lang="zh-CN" altLang="en-US" b="1" smtClean="0">
+                <a:latin typeface="黑体" panose="02010609060101010101" pitchFamily="49" charset="-122"/>
+                <a:ea typeface="黑体" panose="02010609060101010101" pitchFamily="49" charset="-122"/>
+              </a:rPr>
+              <a:t>国内软件测试职业现状</a:t>
+            </a:r>
+          </a:p>
+        </p:txBody>
+      </p:sp>
+      <p:sp>
+        <p:nvSpPr>
+          <p:cNvPr id="12292" name="Rectangle 3"/>
+          <p:cNvSpPr>
+            <a:spLocks noGrp="1" noChangeArrowheads="1"/>
+          </p:cNvSpPr>
+          <p:nvPr>
+            <p:ph type="body" sz="half" idx="1"/>
+          </p:nvPr>
+        </p:nvSpPr>
+        <p:spPr>
+          <a:xfrm>
+            <a:off x="562958" y="1314680"/>
+            <a:ext cx="5975601" cy="3200960"/>
+          </a:xfrm>
+        </p:spPr>
+        <p:txBody>
+          <a:bodyPr/>
+          <a:lstStyle/>
+          <a:p>
+            <a:pPr algn="just" eaLnBrk="1" hangingPunct="1"/>
+            <a:r>
+              <a:rPr lang="zh-CN" altLang="en-US" sz="2550" b="1" dirty="0" smtClean="0"/>
+              <a:t>总体职业特点</a:t>
+            </a:r>
+            <a:endParaRPr lang="en-US" altLang="zh-CN" sz="2550" b="1" dirty="0" smtClean="0"/>
+          </a:p>
+          <a:p>
+            <a:pPr lvl="1" algn="just" eaLnBrk="1" hangingPunct="1"/>
+            <a:r>
+              <a:rPr lang="zh-CN" altLang="en-US" b="1" dirty="0" smtClean="0"/>
+              <a:t>人才需求大</a:t>
+            </a:r>
+            <a:endParaRPr lang="en-US" altLang="zh-CN" b="1" dirty="0" smtClean="0"/>
+          </a:p>
+          <a:p>
+            <a:pPr lvl="1" algn="just" eaLnBrk="1" hangingPunct="1"/>
+            <a:r>
+              <a:rPr lang="zh-CN" altLang="en-US" b="1" dirty="0" smtClean="0"/>
+              <a:t>职业稳定</a:t>
+            </a:r>
+            <a:endParaRPr lang="en-US" altLang="zh-CN" b="1" dirty="0" smtClean="0"/>
+          </a:p>
+          <a:p>
+            <a:pPr lvl="1" algn="just" eaLnBrk="1" hangingPunct="1"/>
+            <a:r>
+              <a:rPr lang="zh-CN" altLang="en-US" b="1" dirty="0" smtClean="0"/>
+              <a:t>无性别歧视</a:t>
+            </a:r>
+            <a:endParaRPr lang="en-US" altLang="zh-CN" b="1" dirty="0" smtClean="0"/>
+          </a:p>
+          <a:p>
+            <a:pPr lvl="1" algn="just" eaLnBrk="1" hangingPunct="1"/>
+            <a:r>
+              <a:rPr lang="zh-CN" altLang="en-US" b="1" dirty="0" smtClean="0"/>
+              <a:t>但仍需掌握一定的业务和技术能力</a:t>
+            </a:r>
+          </a:p>
+        </p:txBody>
+      </p:sp>
+    </p:spTree>
+  </p:cSld>
+  <p:clrMapOvr>
+    <a:masterClrMapping/>
+  </p:clrMapOvr>
+  <p:transition/>
+  <p:timing>
+    <p:tnLst>
+      <p:par>
+        <p:cTn id="1" dur="indefinite" restart="never" nodeType="tmRoot"/>
+      </p:par>
+    </p:tnLst>
+  </p:timing>
+</p:sld>
+</file>
+
+<file path=ppt/slides/slide16.xml><?xml version="1.0" encoding="utf-8"?>
+<p:sld xmlns:a="http://schemas.openxmlformats.org/drawingml/2006/main" xmlns:r="http://schemas.openxmlformats.org/officeDocument/2006/relationships" xmlns:p="http://schemas.openxmlformats.org/presentationml/2006/main">
+  <p:cSld>
+    <p:spTree>
+      <p:nvGrpSpPr>
+        <p:cNvPr id="1" name=""/>
+        <p:cNvGrpSpPr/>
+        <p:nvPr/>
+      </p:nvGrpSpPr>
+      <p:grpSpPr>
+        <a:xfrm>
+          <a:off x="0" y="0"/>
+          <a:ext cx="0" cy="0"/>
+          <a:chOff x="0" y="0"/>
+          <a:chExt cx="0" cy="0"/>
+        </a:xfrm>
+      </p:grpSpPr>
+      <p:sp>
+        <p:nvSpPr>
+          <p:cNvPr id="13314" name="灯片编号占位符 6"/>
+          <p:cNvSpPr>
+            <a:spLocks noGrp="1"/>
+          </p:cNvSpPr>
+          <p:nvPr>
+            <p:ph type="sldNum" sz="quarter" idx="12"/>
+          </p:nvPr>
+        </p:nvSpPr>
+        <p:spPr>
+          <a:noFill/>
+          <a:extLst>
+            <a:ext uri="{909E8E84-426E-40DD-AFC4-6F175D3DCCD1}">
+              <a14:hiddenFill xmlns:a14="http://schemas.microsoft.com/office/drawing/2010/main">
+                <a:solidFill>
+                  <a:srgbClr val="FFFFFF"/>
+                </a:solidFill>
+              </a14:hiddenFill>
+            </a:ext>
+            <a:ext uri="{91240B29-F687-4F45-9708-019B960494DF}">
+              <a14:hiddenLine xmlns:a14="http://schemas.microsoft.com/office/drawing/2010/main" w="9525">
+                <a:solidFill>
+                  <a:srgbClr val="000000"/>
+                </a:solidFill>
+                <a:miter lim="800000"/>
+                <a:headEnd/>
+                <a:tailEnd/>
+              </a14:hiddenLine>
+            </a:ext>
+          </a:extLst>
+        </p:spPr>
+        <p:txBody>
+          <a:bodyPr/>
+          <a:lstStyle>
+            <a:lvl1pPr eaLnBrk="0" hangingPunct="0">
+              <a:defRPr>
+                <a:solidFill>
+                  <a:schemeClr val="tx1"/>
+                </a:solidFill>
+                <a:latin typeface="Verdana" panose="020B0604030504040204" pitchFamily="34" charset="0"/>
+                <a:ea typeface="宋体" panose="02010600030101010101" pitchFamily="2" charset="-122"/>
+              </a:defRPr>
+            </a:lvl1pPr>
+            <a:lvl2pPr marL="742950" indent="-285750" eaLnBrk="0" hangingPunct="0">
+              <a:defRPr>
+                <a:solidFill>
+                  <a:schemeClr val="tx1"/>
+                </a:solidFill>
+                <a:latin typeface="Verdana" panose="020B0604030504040204" pitchFamily="34" charset="0"/>
+                <a:ea typeface="宋体" panose="02010600030101010101" pitchFamily="2" charset="-122"/>
+              </a:defRPr>
+            </a:lvl2pPr>
+            <a:lvl3pPr marL="1143000" indent="-228600" eaLnBrk="0" hangingPunct="0">
+              <a:defRPr>
+                <a:solidFill>
+                  <a:schemeClr val="tx1"/>
+                </a:solidFill>
+                <a:latin typeface="Verdana" panose="020B0604030504040204" pitchFamily="34" charset="0"/>
+                <a:ea typeface="宋体" panose="02010600030101010101" pitchFamily="2" charset="-122"/>
+              </a:defRPr>
+            </a:lvl3pPr>
+            <a:lvl4pPr marL="1600200" indent="-228600" eaLnBrk="0" hangingPunct="0">
+              <a:defRPr>
+                <a:solidFill>
+                  <a:schemeClr val="tx1"/>
+                </a:solidFill>
+                <a:latin typeface="Verdana" panose="020B0604030504040204" pitchFamily="34" charset="0"/>
+                <a:ea typeface="宋体" panose="02010600030101010101" pitchFamily="2" charset="-122"/>
+              </a:defRPr>
+            </a:lvl4pPr>
+            <a:lvl5pPr marL="2057400" indent="-228600" eaLnBrk="0" hangingPunct="0">
+              <a:defRPr>
+                <a:solidFill>
+                  <a:schemeClr val="tx1"/>
+                </a:solidFill>
+                <a:latin typeface="Verdana" panose="020B0604030504040204" pitchFamily="34" charset="0"/>
+                <a:ea typeface="宋体" panose="02010600030101010101" pitchFamily="2" charset="-122"/>
+              </a:defRPr>
+            </a:lvl5pPr>
+            <a:lvl6pPr marL="2514600" indent="-228600" eaLnBrk="0" fontAlgn="base" hangingPunct="0">
+              <a:spcBef>
+                <a:spcPct val="0"/>
+              </a:spcBef>
+              <a:spcAft>
+                <a:spcPct val="0"/>
+              </a:spcAft>
+              <a:defRPr>
+                <a:solidFill>
+                  <a:schemeClr val="tx1"/>
+                </a:solidFill>
+                <a:latin typeface="Verdana" panose="020B0604030504040204" pitchFamily="34" charset="0"/>
+                <a:ea typeface="宋体" panose="02010600030101010101" pitchFamily="2" charset="-122"/>
+              </a:defRPr>
+            </a:lvl6pPr>
+            <a:lvl7pPr marL="2971800" indent="-228600" eaLnBrk="0" fontAlgn="base" hangingPunct="0">
+              <a:spcBef>
+                <a:spcPct val="0"/>
+              </a:spcBef>
+              <a:spcAft>
+                <a:spcPct val="0"/>
+              </a:spcAft>
+              <a:defRPr>
+                <a:solidFill>
+                  <a:schemeClr val="tx1"/>
+                </a:solidFill>
+                <a:latin typeface="Verdana" panose="020B0604030504040204" pitchFamily="34" charset="0"/>
+                <a:ea typeface="宋体" panose="02010600030101010101" pitchFamily="2" charset="-122"/>
+              </a:defRPr>
+            </a:lvl7pPr>
+            <a:lvl8pPr marL="3429000" indent="-228600" eaLnBrk="0" fontAlgn="base" hangingPunct="0">
+              <a:spcBef>
+                <a:spcPct val="0"/>
+              </a:spcBef>
+              <a:spcAft>
+                <a:spcPct val="0"/>
+              </a:spcAft>
+              <a:defRPr>
+                <a:solidFill>
+                  <a:schemeClr val="tx1"/>
+                </a:solidFill>
+                <a:latin typeface="Verdana" panose="020B0604030504040204" pitchFamily="34" charset="0"/>
+                <a:ea typeface="宋体" panose="02010600030101010101" pitchFamily="2" charset="-122"/>
+              </a:defRPr>
+            </a:lvl8pPr>
+            <a:lvl9pPr marL="3886200" indent="-228600" eaLnBrk="0" fontAlgn="base" hangingPunct="0">
+              <a:spcBef>
+                <a:spcPct val="0"/>
+              </a:spcBef>
+              <a:spcAft>
+                <a:spcPct val="0"/>
+              </a:spcAft>
+              <a:defRPr>
+                <a:solidFill>
+                  <a:schemeClr val="tx1"/>
+                </a:solidFill>
+                <a:latin typeface="Verdana" panose="020B0604030504040204" pitchFamily="34" charset="0"/>
+                <a:ea typeface="宋体" panose="02010600030101010101" pitchFamily="2" charset="-122"/>
+              </a:defRPr>
+            </a:lvl9pPr>
+          </a:lstStyle>
+          <a:p>
+            <a:pPr eaLnBrk="1" hangingPunct="1"/>
+            <a:fld id="{4FE8EB93-6665-44CC-9EE4-1994B5F2441B}" type="slidenum">
+              <a:rPr lang="en-US" altLang="zh-CN" sz="900" smtClean="0"/>
+              <a:t>16</a:t>
+            </a:fld>
+            <a:endParaRPr lang="en-US" altLang="zh-CN" sz="900" smtClean="0"/>
+          </a:p>
+        </p:txBody>
+      </p:sp>
+      <p:sp>
+        <p:nvSpPr>
+          <p:cNvPr id="13315" name="Rectangle 2"/>
+          <p:cNvSpPr>
+            <a:spLocks noGrp="1" noChangeArrowheads="1"/>
+          </p:cNvSpPr>
+          <p:nvPr>
+            <p:ph type="title"/>
+          </p:nvPr>
+        </p:nvSpPr>
+        <p:spPr/>
+        <p:txBody>
+          <a:bodyPr/>
+          <a:lstStyle/>
+          <a:p>
+            <a:pPr eaLnBrk="1" hangingPunct="1"/>
+            <a:r>
+              <a:rPr lang="en-US" altLang="zh-CN" b="1" dirty="0" smtClean="0">
+                <a:latin typeface="黑体" panose="02010609060101010101" pitchFamily="49" charset="-122"/>
+                <a:ea typeface="黑体" panose="02010609060101010101" pitchFamily="49" charset="-122"/>
+              </a:rPr>
+              <a:t>2.4 </a:t>
+            </a:r>
+            <a:r>
+              <a:rPr lang="zh-CN" altLang="en-US" b="1" dirty="0" smtClean="0">
+                <a:latin typeface="黑体" panose="02010609060101010101" pitchFamily="49" charset="-122"/>
+                <a:ea typeface="黑体" panose="02010609060101010101" pitchFamily="49" charset="-122"/>
+              </a:rPr>
+              <a:t>开发转测试与测试方向的区别</a:t>
+            </a:r>
+          </a:p>
+        </p:txBody>
+      </p:sp>
+      <p:sp>
+        <p:nvSpPr>
+          <p:cNvPr id="12292" name="Rectangle 3"/>
+          <p:cNvSpPr>
+            <a:spLocks noGrp="1" noChangeArrowheads="1"/>
+          </p:cNvSpPr>
+          <p:nvPr>
+            <p:ph type="body" sz="half" idx="1"/>
+          </p:nvPr>
+        </p:nvSpPr>
+        <p:spPr>
+          <a:xfrm>
+            <a:off x="562958" y="884150"/>
+            <a:ext cx="5975601" cy="3200960"/>
+          </a:xfrm>
+        </p:spPr>
+        <p:txBody>
+          <a:bodyPr/>
+          <a:lstStyle/>
+          <a:p>
+            <a:pPr marL="0" indent="0" algn="just" eaLnBrk="1" hangingPunct="1">
+              <a:buFont typeface="Wingdings" panose="05000000000000000000" pitchFamily="2" charset="2"/>
+              <a:buNone/>
+              <a:defRPr/>
+            </a:pPr>
+            <a:endParaRPr lang="zh-CN" altLang="en-US" sz="2550" b="1" dirty="0" smtClean="0"/>
+          </a:p>
+          <a:p>
+            <a:pPr algn="just" eaLnBrk="1" hangingPunct="1">
+              <a:defRPr/>
+            </a:pPr>
+            <a:r>
+              <a:rPr lang="zh-CN" altLang="en-US" sz="2550" b="1" dirty="0" smtClean="0"/>
+              <a:t>因为专业技能不同，导致：</a:t>
+            </a:r>
+          </a:p>
+          <a:p>
+            <a:pPr lvl="1" algn="just" eaLnBrk="1" hangingPunct="1">
+              <a:defRPr/>
+            </a:pPr>
+            <a:r>
+              <a:rPr lang="zh-CN" altLang="en-US" sz="2325" b="1" dirty="0"/>
+              <a:t>就业单位不同</a:t>
+            </a:r>
+          </a:p>
+          <a:p>
+            <a:pPr lvl="1" algn="just" eaLnBrk="1" hangingPunct="1">
+              <a:defRPr/>
+            </a:pPr>
+            <a:r>
+              <a:rPr lang="zh-CN" altLang="en-US" sz="2325" b="1" dirty="0"/>
+              <a:t>工资不同</a:t>
+            </a:r>
+          </a:p>
+          <a:p>
+            <a:pPr lvl="1" algn="just" eaLnBrk="1" hangingPunct="1">
+              <a:defRPr/>
+            </a:pPr>
+            <a:r>
+              <a:rPr lang="zh-CN" altLang="en-US" sz="2325" b="1" dirty="0"/>
+              <a:t>发展前景不同</a:t>
+            </a:r>
+          </a:p>
+        </p:txBody>
+      </p:sp>
+    </p:spTree>
+  </p:cSld>
+  <p:clrMapOvr>
+    <a:masterClrMapping/>
+  </p:clrMapOvr>
+  <p:transition/>
+  <p:timing>
+    <p:tnLst>
+      <p:par>
+        <p:cTn id="1" dur="indefinite" restart="never" nodeType="tmRoot"/>
+      </p:par>
+    </p:tnLst>
+  </p:timing>
+</p:sld>
+</file>
+
+<file path=ppt/slides/slide17.xml><?xml version="1.0" encoding="utf-8"?>
+<p:sld xmlns:a="http://schemas.openxmlformats.org/drawingml/2006/main" xmlns:r="http://schemas.openxmlformats.org/officeDocument/2006/relationships" xmlns:p="http://schemas.openxmlformats.org/presentationml/2006/main">
+  <p:cSld>
+    <p:spTree>
+      <p:nvGrpSpPr>
+        <p:cNvPr id="1" name=""/>
+        <p:cNvGrpSpPr/>
+        <p:nvPr/>
+      </p:nvGrpSpPr>
+      <p:grpSpPr>
+        <a:xfrm>
+          <a:off x="0" y="0"/>
+          <a:ext cx="0" cy="0"/>
+          <a:chOff x="0" y="0"/>
+          <a:chExt cx="0" cy="0"/>
+        </a:xfrm>
+      </p:grpSpPr>
+      <p:sp>
+        <p:nvSpPr>
+          <p:cNvPr id="14338" name="标题 1"/>
+          <p:cNvSpPr>
+            <a:spLocks noGrp="1"/>
+          </p:cNvSpPr>
+          <p:nvPr>
+            <p:ph type="title"/>
+          </p:nvPr>
+        </p:nvSpPr>
+        <p:spPr/>
+        <p:txBody>
+          <a:bodyPr/>
+          <a:lstStyle/>
+          <a:p>
+            <a:r>
+              <a:rPr lang="en-US" altLang="zh-CN" b="1" dirty="0">
+                <a:latin typeface="黑体" panose="02010609060101010101" pitchFamily="49" charset="-122"/>
+                <a:ea typeface="黑体" panose="02010609060101010101" pitchFamily="49" charset="-122"/>
+              </a:rPr>
+              <a:t>2.5</a:t>
+            </a:r>
+            <a:r>
+              <a:rPr lang="zh-CN" altLang="en-US" b="1" dirty="0">
+                <a:latin typeface="黑体" panose="02010609060101010101" pitchFamily="49" charset="-122"/>
+                <a:ea typeface="黑体" panose="02010609060101010101" pitchFamily="49" charset="-122"/>
+              </a:rPr>
+              <a:t>目前软件测试职业者的危机</a:t>
+            </a:r>
+          </a:p>
+        </p:txBody>
+      </p:sp>
+      <p:sp>
+        <p:nvSpPr>
+          <p:cNvPr id="14339" name="文本占位符 2"/>
+          <p:cNvSpPr>
+            <a:spLocks noGrp="1"/>
+          </p:cNvSpPr>
+          <p:nvPr>
+            <p:ph type="body" sz="half" idx="1"/>
+          </p:nvPr>
+        </p:nvSpPr>
+        <p:spPr>
+          <a:xfrm>
+            <a:off x="540000" y="1314450"/>
+            <a:ext cx="8035675" cy="3201035"/>
+          </a:xfrm>
+        </p:spPr>
+        <p:txBody>
+          <a:bodyPr/>
+          <a:lstStyle/>
+          <a:p>
+            <a:r>
+              <a:rPr lang="zh-CN" altLang="en-US" sz="2000" b="1" dirty="0"/>
+              <a:t>单纯的手工测试人员必须思考</a:t>
+            </a:r>
+            <a:r>
+              <a:rPr lang="zh-CN" altLang="en-US" sz="2000" b="1" dirty="0">
+                <a:solidFill>
+                  <a:srgbClr val="FF0000"/>
+                </a:solidFill>
+              </a:rPr>
+              <a:t>职业转型</a:t>
+            </a:r>
+            <a:r>
+              <a:rPr lang="zh-CN" altLang="en-US" sz="2000" b="1" dirty="0"/>
+              <a:t>，否则必将逐渐被时代淘汰</a:t>
+            </a:r>
+            <a:endParaRPr lang="en-US" altLang="zh-CN" sz="2000" b="1" dirty="0"/>
+          </a:p>
+          <a:p>
+            <a:r>
+              <a:rPr lang="zh-CN" altLang="en-US" sz="2000" b="1" dirty="0"/>
+              <a:t>互联网测试职业一定以技术为依托，没有技术含量的测试逐渐失去竞争力</a:t>
+            </a:r>
+            <a:endParaRPr lang="en-US" altLang="zh-CN" sz="2000" b="1" dirty="0"/>
+          </a:p>
+          <a:p>
+            <a:r>
+              <a:rPr lang="zh-CN" altLang="en-US" sz="2000" b="1" dirty="0"/>
+              <a:t>互联网测试不会只侧重一个层面，必须是</a:t>
+            </a:r>
+            <a:r>
+              <a:rPr lang="en-US" altLang="zh-CN" sz="2000" b="1" dirty="0"/>
+              <a:t>web</a:t>
+            </a:r>
+            <a:r>
+              <a:rPr lang="zh-CN" altLang="en-US" sz="2000" b="1" dirty="0"/>
+              <a:t>端、移动端、服务端甚至微信端、云端的多重维度性的</a:t>
+            </a:r>
+            <a:r>
+              <a:rPr lang="zh-CN" altLang="en-US" sz="2000" b="1" dirty="0">
+                <a:solidFill>
+                  <a:srgbClr val="FF0000"/>
+                </a:solidFill>
+              </a:rPr>
+              <a:t>综合性测试</a:t>
+            </a:r>
+            <a:r>
+              <a:rPr lang="zh-CN" altLang="en-US" sz="2000" b="1" dirty="0"/>
+              <a:t>，此为未来软件测试职业人才的职业竞争力精髓所在</a:t>
+            </a:r>
+            <a:endParaRPr lang="en-US" altLang="zh-CN" sz="2000" b="1" dirty="0"/>
+          </a:p>
+          <a:p>
+            <a:r>
+              <a:rPr lang="zh-CN" altLang="en-US" sz="2000" b="1" dirty="0"/>
+              <a:t>传统手工测试需要基于自身的测试从业经验，分析个人技能体系，根据期望的职业转型路线去针对性的提高自己，从此在</a:t>
+            </a:r>
+            <a:r>
+              <a:rPr lang="en-US" altLang="zh-CN" sz="2000" b="1" dirty="0"/>
+              <a:t>IT</a:t>
+            </a:r>
+            <a:r>
+              <a:rPr lang="zh-CN" altLang="en-US" sz="2000" b="1" dirty="0"/>
+              <a:t>行业立于不败之地！</a:t>
+            </a:r>
+          </a:p>
+        </p:txBody>
+      </p:sp>
+      <p:sp>
+        <p:nvSpPr>
+          <p:cNvPr id="14340" name="灯片编号占位符 4"/>
+          <p:cNvSpPr>
+            <a:spLocks noGrp="1"/>
+          </p:cNvSpPr>
+          <p:nvPr>
+            <p:ph type="sldNum" sz="quarter" idx="12"/>
+          </p:nvPr>
+        </p:nvSpPr>
+        <p:spPr>
+          <a:noFill/>
+          <a:extLst>
+            <a:ext uri="{909E8E84-426E-40DD-AFC4-6F175D3DCCD1}">
+              <a14:hiddenFill xmlns:a14="http://schemas.microsoft.com/office/drawing/2010/main">
+                <a:solidFill>
+                  <a:srgbClr val="FFFFFF"/>
+                </a:solidFill>
+              </a14:hiddenFill>
+            </a:ext>
+            <a:ext uri="{91240B29-F687-4F45-9708-019B960494DF}">
+              <a14:hiddenLine xmlns:a14="http://schemas.microsoft.com/office/drawing/2010/main" w="9525">
+                <a:solidFill>
+                  <a:srgbClr val="000000"/>
+                </a:solidFill>
+                <a:miter lim="800000"/>
+                <a:headEnd/>
+                <a:tailEnd/>
+              </a14:hiddenLine>
+            </a:ext>
+          </a:extLst>
+        </p:spPr>
+        <p:txBody>
+          <a:bodyPr/>
+          <a:lstStyle>
+            <a:lvl1pPr eaLnBrk="0" hangingPunct="0">
+              <a:defRPr>
+                <a:solidFill>
+                  <a:schemeClr val="tx1"/>
+                </a:solidFill>
+                <a:latin typeface="Verdana" panose="020B0604030504040204" pitchFamily="34" charset="0"/>
+                <a:ea typeface="宋体" panose="02010600030101010101" pitchFamily="2" charset="-122"/>
+              </a:defRPr>
+            </a:lvl1pPr>
+            <a:lvl2pPr marL="742950" indent="-285750" eaLnBrk="0" hangingPunct="0">
+              <a:defRPr>
+                <a:solidFill>
+                  <a:schemeClr val="tx1"/>
+                </a:solidFill>
+                <a:latin typeface="Verdana" panose="020B0604030504040204" pitchFamily="34" charset="0"/>
+                <a:ea typeface="宋体" panose="02010600030101010101" pitchFamily="2" charset="-122"/>
+              </a:defRPr>
+            </a:lvl2pPr>
+            <a:lvl3pPr marL="1143000" indent="-228600" eaLnBrk="0" hangingPunct="0">
+              <a:defRPr>
+                <a:solidFill>
+                  <a:schemeClr val="tx1"/>
+                </a:solidFill>
+                <a:latin typeface="Verdana" panose="020B0604030504040204" pitchFamily="34" charset="0"/>
+                <a:ea typeface="宋体" panose="02010600030101010101" pitchFamily="2" charset="-122"/>
+              </a:defRPr>
+            </a:lvl3pPr>
+            <a:lvl4pPr marL="1600200" indent="-228600" eaLnBrk="0" hangingPunct="0">
+              <a:defRPr>
+                <a:solidFill>
+                  <a:schemeClr val="tx1"/>
+                </a:solidFill>
+                <a:latin typeface="Verdana" panose="020B0604030504040204" pitchFamily="34" charset="0"/>
+                <a:ea typeface="宋体" panose="02010600030101010101" pitchFamily="2" charset="-122"/>
+              </a:defRPr>
+            </a:lvl4pPr>
+            <a:lvl5pPr marL="2057400" indent="-228600" eaLnBrk="0" hangingPunct="0">
+              <a:defRPr>
+                <a:solidFill>
+                  <a:schemeClr val="tx1"/>
+                </a:solidFill>
+                <a:latin typeface="Verdana" panose="020B0604030504040204" pitchFamily="34" charset="0"/>
+                <a:ea typeface="宋体" panose="02010600030101010101" pitchFamily="2" charset="-122"/>
+              </a:defRPr>
+            </a:lvl5pPr>
+            <a:lvl6pPr marL="2514600" indent="-228600" eaLnBrk="0" fontAlgn="base" hangingPunct="0">
+              <a:spcBef>
+                <a:spcPct val="0"/>
+              </a:spcBef>
+              <a:spcAft>
+                <a:spcPct val="0"/>
+              </a:spcAft>
+              <a:defRPr>
+                <a:solidFill>
+                  <a:schemeClr val="tx1"/>
+                </a:solidFill>
+                <a:latin typeface="Verdana" panose="020B0604030504040204" pitchFamily="34" charset="0"/>
+                <a:ea typeface="宋体" panose="02010600030101010101" pitchFamily="2" charset="-122"/>
+              </a:defRPr>
+            </a:lvl6pPr>
+            <a:lvl7pPr marL="2971800" indent="-228600" eaLnBrk="0" fontAlgn="base" hangingPunct="0">
+              <a:spcBef>
+                <a:spcPct val="0"/>
+              </a:spcBef>
+              <a:spcAft>
+                <a:spcPct val="0"/>
+              </a:spcAft>
+              <a:defRPr>
+                <a:solidFill>
+                  <a:schemeClr val="tx1"/>
+                </a:solidFill>
+                <a:latin typeface="Verdana" panose="020B0604030504040204" pitchFamily="34" charset="0"/>
+                <a:ea typeface="宋体" panose="02010600030101010101" pitchFamily="2" charset="-122"/>
+              </a:defRPr>
+            </a:lvl7pPr>
+            <a:lvl8pPr marL="3429000" indent="-228600" eaLnBrk="0" fontAlgn="base" hangingPunct="0">
+              <a:spcBef>
+                <a:spcPct val="0"/>
+              </a:spcBef>
+              <a:spcAft>
+                <a:spcPct val="0"/>
+              </a:spcAft>
+              <a:defRPr>
+                <a:solidFill>
+                  <a:schemeClr val="tx1"/>
+                </a:solidFill>
+                <a:latin typeface="Verdana" panose="020B0604030504040204" pitchFamily="34" charset="0"/>
+                <a:ea typeface="宋体" panose="02010600030101010101" pitchFamily="2" charset="-122"/>
+              </a:defRPr>
+            </a:lvl8pPr>
+            <a:lvl9pPr marL="3886200" indent="-228600" eaLnBrk="0" fontAlgn="base" hangingPunct="0">
+              <a:spcBef>
+                <a:spcPct val="0"/>
+              </a:spcBef>
+              <a:spcAft>
+                <a:spcPct val="0"/>
+              </a:spcAft>
+              <a:defRPr>
+                <a:solidFill>
+                  <a:schemeClr val="tx1"/>
+                </a:solidFill>
+                <a:latin typeface="Verdana" panose="020B0604030504040204" pitchFamily="34" charset="0"/>
+                <a:ea typeface="宋体" panose="02010600030101010101" pitchFamily="2" charset="-122"/>
+              </a:defRPr>
+            </a:lvl9pPr>
+          </a:lstStyle>
+          <a:p>
+            <a:pPr eaLnBrk="1" hangingPunct="1"/>
+            <a:fld id="{78D09F26-387D-4283-9716-E13D8B25F342}" type="slidenum">
+              <a:rPr lang="en-US" altLang="zh-CN" sz="900" smtClean="0"/>
+              <a:t>17</a:t>
+            </a:fld>
+            <a:endParaRPr lang="en-US" altLang="zh-CN" sz="900" smtClean="0"/>
+          </a:p>
+        </p:txBody>
+      </p:sp>
+    </p:spTree>
+  </p:cSld>
+  <p:clrMapOvr>
+    <a:masterClrMapping/>
+  </p:clrMapOvr>
+  <p:transition>
+    <p:blinds dir="vert"/>
+  </p:transition>
+  <p:timing>
+    <p:tnLst>
+      <p:par>
+        <p:cTn id="1" dur="indefinite" restart="never" nodeType="tmRoot"/>
+      </p:par>
+    </p:tnLst>
+  </p:timing>
+</p:sld>
+</file>
+
+<file path=ppt/slides/slide18.xml><?xml version="1.0" encoding="utf-8"?>
+<p:sld xmlns:a="http://schemas.openxmlformats.org/drawingml/2006/main" xmlns:r="http://schemas.openxmlformats.org/officeDocument/2006/relationships" xmlns:p="http://schemas.openxmlformats.org/presentationml/2006/main">
+  <p:cSld>
+    <p:spTree>
+      <p:nvGrpSpPr>
+        <p:cNvPr id="1" name=""/>
+        <p:cNvGrpSpPr/>
+        <p:nvPr/>
+      </p:nvGrpSpPr>
+      <p:grpSpPr>
+        <a:xfrm>
+          <a:off x="0" y="0"/>
+          <a:ext cx="0" cy="0"/>
+          <a:chOff x="0" y="0"/>
+          <a:chExt cx="0" cy="0"/>
+        </a:xfrm>
+      </p:grpSpPr>
+      <p:sp>
+        <p:nvSpPr>
+          <p:cNvPr id="15363" name="内容占位符 2"/>
+          <p:cNvSpPr>
+            <a:spLocks noGrp="1"/>
+          </p:cNvSpPr>
+          <p:nvPr>
+            <p:ph idx="4294967295"/>
+          </p:nvPr>
+        </p:nvSpPr>
+        <p:spPr>
+          <a:xfrm>
+            <a:off x="1506855" y="2018665"/>
+            <a:ext cx="6002020" cy="1327785"/>
+          </a:xfrm>
+        </p:spPr>
+        <p:txBody>
+          <a:bodyPr/>
+          <a:lstStyle/>
+          <a:p>
+            <a:pPr marL="0" indent="0" algn="ctr">
+              <a:buNone/>
+            </a:pPr>
+            <a:r>
+              <a:rPr lang="zh-CN" altLang="en-US" sz="3300" b="1" dirty="0">
+                <a:latin typeface="黑体" panose="02010609060101010101" pitchFamily="49" charset="-122"/>
+                <a:ea typeface="黑体" panose="02010609060101010101" pitchFamily="49" charset="-122"/>
+              </a:rPr>
+              <a:t>谢 谢</a:t>
+            </a:r>
+            <a:endParaRPr lang="zh-CN" altLang="en-US" sz="3300" dirty="0" smtClean="0"/>
+          </a:p>
+        </p:txBody>
+      </p:sp>
+      <p:sp>
+        <p:nvSpPr>
+          <p:cNvPr id="15364" name="灯片编号占位符 3"/>
+          <p:cNvSpPr>
+            <a:spLocks noGrp="1"/>
+          </p:cNvSpPr>
+          <p:nvPr>
+            <p:ph type="sldNum" sz="quarter" idx="12"/>
+          </p:nvPr>
+        </p:nvSpPr>
+        <p:spPr>
+          <a:noFill/>
+          <a:extLst>
+            <a:ext uri="{909E8E84-426E-40DD-AFC4-6F175D3DCCD1}">
+              <a14:hiddenFill xmlns:a14="http://schemas.microsoft.com/office/drawing/2010/main">
+                <a:solidFill>
+                  <a:srgbClr val="FFFFFF"/>
+                </a:solidFill>
+              </a14:hiddenFill>
+            </a:ext>
+            <a:ext uri="{91240B29-F687-4F45-9708-019B960494DF}">
+              <a14:hiddenLine xmlns:a14="http://schemas.microsoft.com/office/drawing/2010/main" w="9525">
+                <a:solidFill>
+                  <a:srgbClr val="000000"/>
+                </a:solidFill>
+                <a:miter lim="800000"/>
+                <a:headEnd/>
+                <a:tailEnd/>
+              </a14:hiddenLine>
+            </a:ext>
+          </a:extLst>
+        </p:spPr>
+        <p:txBody>
+          <a:bodyPr/>
+          <a:lstStyle>
+            <a:lvl1pPr eaLnBrk="0" hangingPunct="0">
+              <a:defRPr>
+                <a:solidFill>
+                  <a:schemeClr val="tx1"/>
+                </a:solidFill>
+                <a:latin typeface="Verdana" panose="020B0604030504040204" pitchFamily="34" charset="0"/>
+                <a:ea typeface="宋体" panose="02010600030101010101" pitchFamily="2" charset="-122"/>
+              </a:defRPr>
+            </a:lvl1pPr>
+            <a:lvl2pPr marL="742950" indent="-285750" eaLnBrk="0" hangingPunct="0">
+              <a:defRPr>
+                <a:solidFill>
+                  <a:schemeClr val="tx1"/>
+                </a:solidFill>
+                <a:latin typeface="Verdana" panose="020B0604030504040204" pitchFamily="34" charset="0"/>
+                <a:ea typeface="宋体" panose="02010600030101010101" pitchFamily="2" charset="-122"/>
+              </a:defRPr>
+            </a:lvl2pPr>
+            <a:lvl3pPr marL="1143000" indent="-228600" eaLnBrk="0" hangingPunct="0">
+              <a:defRPr>
+                <a:solidFill>
+                  <a:schemeClr val="tx1"/>
+                </a:solidFill>
+                <a:latin typeface="Verdana" panose="020B0604030504040204" pitchFamily="34" charset="0"/>
+                <a:ea typeface="宋体" panose="02010600030101010101" pitchFamily="2" charset="-122"/>
+              </a:defRPr>
+            </a:lvl3pPr>
+            <a:lvl4pPr marL="1600200" indent="-228600" eaLnBrk="0" hangingPunct="0">
+              <a:defRPr>
+                <a:solidFill>
+                  <a:schemeClr val="tx1"/>
+                </a:solidFill>
+                <a:latin typeface="Verdana" panose="020B0604030504040204" pitchFamily="34" charset="0"/>
+                <a:ea typeface="宋体" panose="02010600030101010101" pitchFamily="2" charset="-122"/>
+              </a:defRPr>
+            </a:lvl4pPr>
+            <a:lvl5pPr marL="2057400" indent="-228600" eaLnBrk="0" hangingPunct="0">
+              <a:defRPr>
+                <a:solidFill>
+                  <a:schemeClr val="tx1"/>
+                </a:solidFill>
+                <a:latin typeface="Verdana" panose="020B0604030504040204" pitchFamily="34" charset="0"/>
+                <a:ea typeface="宋体" panose="02010600030101010101" pitchFamily="2" charset="-122"/>
+              </a:defRPr>
+            </a:lvl5pPr>
+            <a:lvl6pPr marL="2514600" indent="-228600" eaLnBrk="0" fontAlgn="base" hangingPunct="0">
+              <a:spcBef>
+                <a:spcPct val="0"/>
+              </a:spcBef>
+              <a:spcAft>
+                <a:spcPct val="0"/>
+              </a:spcAft>
+              <a:defRPr>
+                <a:solidFill>
+                  <a:schemeClr val="tx1"/>
+                </a:solidFill>
+                <a:latin typeface="Verdana" panose="020B0604030504040204" pitchFamily="34" charset="0"/>
+                <a:ea typeface="宋体" panose="02010600030101010101" pitchFamily="2" charset="-122"/>
+              </a:defRPr>
+            </a:lvl6pPr>
+            <a:lvl7pPr marL="2971800" indent="-228600" eaLnBrk="0" fontAlgn="base" hangingPunct="0">
+              <a:spcBef>
+                <a:spcPct val="0"/>
+              </a:spcBef>
+              <a:spcAft>
+                <a:spcPct val="0"/>
+              </a:spcAft>
+              <a:defRPr>
+                <a:solidFill>
+                  <a:schemeClr val="tx1"/>
+                </a:solidFill>
+                <a:latin typeface="Verdana" panose="020B0604030504040204" pitchFamily="34" charset="0"/>
+                <a:ea typeface="宋体" panose="02010600030101010101" pitchFamily="2" charset="-122"/>
+              </a:defRPr>
+            </a:lvl7pPr>
+            <a:lvl8pPr marL="3429000" indent="-228600" eaLnBrk="0" fontAlgn="base" hangingPunct="0">
+              <a:spcBef>
+                <a:spcPct val="0"/>
+              </a:spcBef>
+              <a:spcAft>
+                <a:spcPct val="0"/>
+              </a:spcAft>
+              <a:defRPr>
+                <a:solidFill>
+                  <a:schemeClr val="tx1"/>
+                </a:solidFill>
+                <a:latin typeface="Verdana" panose="020B0604030504040204" pitchFamily="34" charset="0"/>
+                <a:ea typeface="宋体" panose="02010600030101010101" pitchFamily="2" charset="-122"/>
+              </a:defRPr>
+            </a:lvl8pPr>
+            <a:lvl9pPr marL="3886200" indent="-228600" eaLnBrk="0" fontAlgn="base" hangingPunct="0">
+              <a:spcBef>
+                <a:spcPct val="0"/>
+              </a:spcBef>
+              <a:spcAft>
+                <a:spcPct val="0"/>
+              </a:spcAft>
+              <a:defRPr>
+                <a:solidFill>
+                  <a:schemeClr val="tx1"/>
+                </a:solidFill>
+                <a:latin typeface="Verdana" panose="020B0604030504040204" pitchFamily="34" charset="0"/>
+                <a:ea typeface="宋体" panose="02010600030101010101" pitchFamily="2" charset="-122"/>
+              </a:defRPr>
+            </a:lvl9pPr>
+          </a:lstStyle>
+          <a:p>
+            <a:pPr eaLnBrk="1" hangingPunct="1"/>
             <a:fld id="{EE5BA688-2E35-430C-85C4-5CF899299DA8}" type="slidenum">
               <a:rPr lang="en-US" altLang="zh-CN" sz="900" smtClean="0"/>
-              <a:t>13</a:t>
+              <a:t>18</a:t>
             </a:fld>
             <a:endParaRPr lang="en-US" altLang="zh-CN" sz="900" smtClean="0"/>
           </a:p>
@@ -6774,14 +8176,14 @@
           <a:p>
             <a:pPr eaLnBrk="1" hangingPunct="1"/>
             <a:r>
-              <a:rPr lang="en-US" altLang="zh-CN" b="1" smtClean="0">
+              <a:rPr lang="en-US" altLang="zh-CN" b="1" dirty="0" smtClean="0">
                 <a:latin typeface="黑体" panose="02010609060101010101" pitchFamily="49" charset="-122"/>
                 <a:ea typeface="黑体" panose="02010609060101010101" pitchFamily="49" charset="-122"/>
               </a:rPr>
               <a:t>2.1 </a:t>
             </a:r>
             <a:r>
-              <a:rPr lang="zh-CN" altLang="en-US" b="1" smtClean="0">
+              <a:rPr lang="zh-CN" altLang="en-US" b="1" dirty="0" smtClean="0">
                 <a:latin typeface="黑体" panose="02010609060101010101" pitchFamily="49" charset="-122"/>
                 <a:ea typeface="黑体" panose="02010609060101010101" pitchFamily="49" charset="-122"/>
               </a:rPr>
@@ -7039,14 +8441,14 @@
           <a:p>
             <a:pPr eaLnBrk="1" hangingPunct="1"/>
             <a:r>
-              <a:rPr lang="en-US" altLang="zh-CN" b="1" smtClean="0">
+              <a:rPr lang="en-US" altLang="zh-CN" b="1" dirty="0" smtClean="0">
                 <a:latin typeface="黑体" panose="02010609060101010101" pitchFamily="49" charset="-122"/>
                 <a:ea typeface="黑体" panose="02010609060101010101" pitchFamily="49" charset="-122"/>
               </a:rPr>
               <a:t>2.2 </a:t>
             </a:r>
             <a:r>
-              <a:rPr lang="zh-CN" altLang="en-US" b="1" smtClean="0">
+              <a:rPr lang="zh-CN" altLang="en-US" b="1" dirty="0" smtClean="0">
                 <a:latin typeface="黑体" panose="02010609060101010101" pitchFamily="49" charset="-122"/>
                 <a:ea typeface="黑体" panose="02010609060101010101" pitchFamily="49" charset="-122"/>
               </a:rPr>
@@ -7072,37 +8474,37 @@
           <a:p>
             <a:pPr algn="just" eaLnBrk="1" hangingPunct="1"/>
             <a:r>
-              <a:rPr lang="zh-CN" altLang="en-US" sz="2550" b="1" smtClean="0"/>
+              <a:rPr lang="zh-CN" altLang="en-US" sz="2550" b="1" dirty="0" smtClean="0"/>
               <a:t>软件的测试的发展历程</a:t>
             </a:r>
-            <a:endParaRPr lang="en-US" altLang="zh-CN" sz="2550" b="1" smtClean="0"/>
+            <a:endParaRPr lang="en-US" altLang="zh-CN" sz="2550" b="1" dirty="0" smtClean="0"/>
           </a:p>
           <a:p>
             <a:pPr lvl="1" algn="just"/>
             <a:r>
-              <a:rPr lang="zh-CN" altLang="en-US" sz="2325" b="1" smtClean="0"/>
+              <a:rPr lang="zh-CN" altLang="en-US" sz="2325" b="1" dirty="0" smtClean="0"/>
               <a:t>第一阶段：初始阶段</a:t>
             </a:r>
-            <a:endParaRPr lang="en-US" altLang="zh-CN" sz="2325" b="1" smtClean="0"/>
+            <a:endParaRPr lang="en-US" altLang="zh-CN" sz="2325" b="1" dirty="0" smtClean="0"/>
           </a:p>
           <a:p>
             <a:pPr lvl="1" algn="just"/>
             <a:r>
-              <a:rPr lang="zh-CN" altLang="en-US" sz="2325" b="1" smtClean="0"/>
+              <a:rPr lang="zh-CN" altLang="en-US" sz="2325" b="1" dirty="0" smtClean="0"/>
               <a:t>第二阶段：定义阶段</a:t>
             </a:r>
           </a:p>
           <a:p>
             <a:pPr lvl="1"/>
             <a:r>
-              <a:rPr lang="zh-CN" altLang="en-US" sz="2325" b="1" smtClean="0"/>
+              <a:rPr lang="zh-CN" altLang="en-US" sz="2325" b="1" dirty="0" smtClean="0"/>
               <a:t>第三阶段：集成阶段</a:t>
             </a:r>
           </a:p>
           <a:p>
             <a:pPr lvl="1"/>
             <a:r>
-              <a:rPr lang="zh-CN" altLang="en-US" sz="2325" b="1" smtClean="0"/>
+              <a:rPr lang="zh-CN" altLang="en-US" sz="2325" b="1" dirty="0" smtClean="0"/>
               <a:t>第四阶段：管理、测量和最佳化阶段</a:t>
             </a:r>
           </a:p>
@@ -7143,196 +8545,49 @@
       </p:grpSpPr>
       <p:sp>
         <p:nvSpPr>
-          <p:cNvPr id="8194" name="灯片编号占位符 5"/>
+          <p:cNvPr id="2" name="标题 1"/>
           <p:cNvSpPr>
             <a:spLocks noGrp="1"/>
           </p:cNvSpPr>
           <p:nvPr>
-            <p:ph type="sldNum" sz="quarter" idx="12"/>
-          </p:nvPr>
-        </p:nvSpPr>
-        <p:spPr>
-          <a:noFill/>
-          <a:extLst>
-            <a:ext uri="{909E8E84-426E-40DD-AFC4-6F175D3DCCD1}">
-              <a14:hiddenFill xmlns:a14="http://schemas.microsoft.com/office/drawing/2010/main">
-                <a:solidFill>
-                  <a:srgbClr val="FFFFFF"/>
-                </a:solidFill>
-              </a14:hiddenFill>
-            </a:ext>
-            <a:ext uri="{91240B29-F687-4F45-9708-019B960494DF}">
-              <a14:hiddenLine xmlns:a14="http://schemas.microsoft.com/office/drawing/2010/main" w="9525">
-                <a:solidFill>
-                  <a:srgbClr val="000000"/>
-                </a:solidFill>
-                <a:miter lim="800000"/>
-                <a:headEnd/>
-                <a:tailEnd/>
-              </a14:hiddenLine>
-            </a:ext>
-          </a:extLst>
-        </p:spPr>
-        <p:txBody>
-          <a:bodyPr/>
-          <a:lstStyle>
-            <a:lvl1pPr eaLnBrk="0" hangingPunct="0">
-              <a:defRPr>
-                <a:solidFill>
-                  <a:schemeClr val="tx1"/>
-                </a:solidFill>
-                <a:latin typeface="Verdana" panose="020B0604030504040204" pitchFamily="34" charset="0"/>
-                <a:ea typeface="宋体" panose="02010600030101010101" pitchFamily="2" charset="-122"/>
-              </a:defRPr>
-            </a:lvl1pPr>
-            <a:lvl2pPr marL="742950" indent="-285750" eaLnBrk="0" hangingPunct="0">
-              <a:defRPr>
-                <a:solidFill>
-                  <a:schemeClr val="tx1"/>
-                </a:solidFill>
-                <a:latin typeface="Verdana" panose="020B0604030504040204" pitchFamily="34" charset="0"/>
-                <a:ea typeface="宋体" panose="02010600030101010101" pitchFamily="2" charset="-122"/>
-              </a:defRPr>
-            </a:lvl2pPr>
-            <a:lvl3pPr marL="1143000" indent="-228600" eaLnBrk="0" hangingPunct="0">
-              <a:defRPr>
-                <a:solidFill>
-                  <a:schemeClr val="tx1"/>
-                </a:solidFill>
-                <a:latin typeface="Verdana" panose="020B0604030504040204" pitchFamily="34" charset="0"/>
-                <a:ea typeface="宋体" panose="02010600030101010101" pitchFamily="2" charset="-122"/>
-              </a:defRPr>
-            </a:lvl3pPr>
-            <a:lvl4pPr marL="1600200" indent="-228600" eaLnBrk="0" hangingPunct="0">
-              <a:defRPr>
-                <a:solidFill>
-                  <a:schemeClr val="tx1"/>
-                </a:solidFill>
-                <a:latin typeface="Verdana" panose="020B0604030504040204" pitchFamily="34" charset="0"/>
-                <a:ea typeface="宋体" panose="02010600030101010101" pitchFamily="2" charset="-122"/>
-              </a:defRPr>
-            </a:lvl4pPr>
-            <a:lvl5pPr marL="2057400" indent="-228600" eaLnBrk="0" hangingPunct="0">
-              <a:defRPr>
-                <a:solidFill>
-                  <a:schemeClr val="tx1"/>
-                </a:solidFill>
-                <a:latin typeface="Verdana" panose="020B0604030504040204" pitchFamily="34" charset="0"/>
-                <a:ea typeface="宋体" panose="02010600030101010101" pitchFamily="2" charset="-122"/>
-              </a:defRPr>
-            </a:lvl5pPr>
-            <a:lvl6pPr marL="2514600" indent="-228600" eaLnBrk="0" fontAlgn="base" hangingPunct="0">
-              <a:spcBef>
-                <a:spcPct val="0"/>
-              </a:spcBef>
-              <a:spcAft>
-                <a:spcPct val="0"/>
-              </a:spcAft>
-              <a:defRPr>
-                <a:solidFill>
-                  <a:schemeClr val="tx1"/>
-                </a:solidFill>
-                <a:latin typeface="Verdana" panose="020B0604030504040204" pitchFamily="34" charset="0"/>
-                <a:ea typeface="宋体" panose="02010600030101010101" pitchFamily="2" charset="-122"/>
-              </a:defRPr>
-            </a:lvl6pPr>
-            <a:lvl7pPr marL="2971800" indent="-228600" eaLnBrk="0" fontAlgn="base" hangingPunct="0">
-              <a:spcBef>
-                <a:spcPct val="0"/>
-              </a:spcBef>
-              <a:spcAft>
-                <a:spcPct val="0"/>
-              </a:spcAft>
-              <a:defRPr>
-                <a:solidFill>
-                  <a:schemeClr val="tx1"/>
-                </a:solidFill>
-                <a:latin typeface="Verdana" panose="020B0604030504040204" pitchFamily="34" charset="0"/>
-                <a:ea typeface="宋体" panose="02010600030101010101" pitchFamily="2" charset="-122"/>
-              </a:defRPr>
-            </a:lvl7pPr>
-            <a:lvl8pPr marL="3429000" indent="-228600" eaLnBrk="0" fontAlgn="base" hangingPunct="0">
-              <a:spcBef>
-                <a:spcPct val="0"/>
-              </a:spcBef>
-              <a:spcAft>
-                <a:spcPct val="0"/>
-              </a:spcAft>
-              <a:defRPr>
-                <a:solidFill>
-                  <a:schemeClr val="tx1"/>
-                </a:solidFill>
-                <a:latin typeface="Verdana" panose="020B0604030504040204" pitchFamily="34" charset="0"/>
-                <a:ea typeface="宋体" panose="02010600030101010101" pitchFamily="2" charset="-122"/>
-              </a:defRPr>
-            </a:lvl8pPr>
-            <a:lvl9pPr marL="3886200" indent="-228600" eaLnBrk="0" fontAlgn="base" hangingPunct="0">
-              <a:spcBef>
-                <a:spcPct val="0"/>
-              </a:spcBef>
-              <a:spcAft>
-                <a:spcPct val="0"/>
-              </a:spcAft>
-              <a:defRPr>
-                <a:solidFill>
-                  <a:schemeClr val="tx1"/>
-                </a:solidFill>
-                <a:latin typeface="Verdana" panose="020B0604030504040204" pitchFamily="34" charset="0"/>
-                <a:ea typeface="宋体" panose="02010600030101010101" pitchFamily="2" charset="-122"/>
-              </a:defRPr>
-            </a:lvl9pPr>
-          </a:lstStyle>
+            <p:ph type="title"/>
+          </p:nvPr>
+        </p:nvSpPr>
+        <p:spPr/>
+        <p:txBody>
+          <a:bodyPr/>
+          <a:lstStyle/>
           <a:p>
             <a:pPr eaLnBrk="1" hangingPunct="1"/>
-            <a:fld id="{76E9061D-89ED-4768-8DA6-0DBFF0E12820}" type="slidenum">
-              <a:rPr lang="en-US" altLang="zh-CN" sz="900" smtClean="0"/>
-              <a:t>6</a:t>
-            </a:fld>
-            <a:endParaRPr lang="en-US" altLang="zh-CN" sz="900" smtClean="0"/>
-          </a:p>
-        </p:txBody>
-      </p:sp>
-      <p:sp>
-        <p:nvSpPr>
-          <p:cNvPr id="8195" name="Rectangle 2"/>
-          <p:cNvSpPr>
-            <a:spLocks noGrp="1" noChangeArrowheads="1"/>
-          </p:cNvSpPr>
-          <p:nvPr>
-            <p:ph type="title"/>
-          </p:nvPr>
-        </p:nvSpPr>
-        <p:spPr/>
-        <p:txBody>
-          <a:bodyPr/>
-          <a:lstStyle/>
-          <a:p>
-            <a:pPr eaLnBrk="1" hangingPunct="1"/>
-            <a:r>
-              <a:rPr lang="en-US" altLang="zh-CN" b="1" smtClean="0">
+            <a:r>
+              <a:rPr lang="en-US" altLang="zh-CN" b="1" dirty="0" err="1">
                 <a:latin typeface="黑体" panose="02010609060101010101" pitchFamily="49" charset="-122"/>
                 <a:ea typeface="黑体" panose="02010609060101010101" pitchFamily="49" charset="-122"/>
               </a:rPr>
-              <a:t>2.2 </a:t>
-            </a:r>
-            <a:r>
-              <a:rPr lang="zh-CN" altLang="en-US" b="1" smtClean="0">
+              <a:t>TMM</a:t>
+            </a:r>
+            <a:r>
+              <a:rPr lang="zh-CN" altLang="en-US" b="1" dirty="0">
                 <a:latin typeface="黑体" panose="02010609060101010101" pitchFamily="49" charset="-122"/>
                 <a:ea typeface="黑体" panose="02010609060101010101" pitchFamily="49" charset="-122"/>
               </a:rPr>
-              <a:t>软件测试的发展历程及现状</a:t>
-            </a:r>
-          </a:p>
-        </p:txBody>
-      </p:sp>
-      <p:sp>
-        <p:nvSpPr>
-          <p:cNvPr id="8196" name="Rectangle 3"/>
-          <p:cNvSpPr>
-            <a:spLocks noGrp="1" noChangeArrowheads="1"/>
-          </p:cNvSpPr>
-          <p:nvPr>
-            <p:ph type="body" idx="1"/>
+              <a:t>模型</a:t>
+            </a:r>
+            <a:endParaRPr lang="zh-CN" altLang="en-US" b="1" dirty="0">
+              <a:latin typeface="黑体" panose="02010609060101010101" pitchFamily="49" charset="-122"/>
+              <a:ea typeface="黑体" panose="02010609060101010101" pitchFamily="49" charset="-122"/>
+            </a:endParaRPr>
+          </a:p>
+        </p:txBody>
+      </p:sp>
+      <p:sp>
+        <p:nvSpPr>
+          <p:cNvPr id="3" name="内容占位符 2"/>
+          <p:cNvSpPr>
+            <a:spLocks noGrp="1"/>
+          </p:cNvSpPr>
+          <p:nvPr>
+            <p:ph idx="1"/>
           </p:nvPr>
         </p:nvSpPr>
         <p:spPr/>
@@ -7340,53 +8595,149 @@
           <a:bodyPr/>
           <a:lstStyle/>
           <a:p>
-            <a:pPr algn="just" eaLnBrk="1" hangingPunct="1"/>
-            <a:r>
-              <a:rPr lang="zh-CN" altLang="en-US" sz="2550" b="1" smtClean="0"/>
-              <a:t>软件测试现状：国外现状</a:t>
-            </a:r>
-            <a:endParaRPr lang="en-US" altLang="zh-CN" sz="2550" b="1" smtClean="0"/>
-          </a:p>
-          <a:p>
-            <a:pPr algn="just" eaLnBrk="1" hangingPunct="1"/>
-            <a:r>
-              <a:rPr lang="zh-CN" altLang="en-US" sz="2550" b="1" smtClean="0"/>
-              <a:t>相当成熟，并已成为一个独立的产业</a:t>
-            </a:r>
-            <a:endParaRPr lang="en-US" altLang="zh-CN" sz="2550" b="1" smtClean="0"/>
-          </a:p>
-          <a:p>
-            <a:pPr lvl="1" algn="just" eaLnBrk="1" hangingPunct="1"/>
-            <a:r>
-              <a:rPr lang="zh-CN" altLang="en-US" sz="2325" b="1" smtClean="0"/>
-              <a:t>软件测试在公司中的地位非常重要</a:t>
-            </a:r>
-            <a:endParaRPr lang="en-US" altLang="zh-CN" sz="2325" b="1" smtClean="0"/>
-          </a:p>
-          <a:p>
-            <a:pPr lvl="1" algn="just" eaLnBrk="1" hangingPunct="1"/>
-            <a:r>
-              <a:rPr lang="zh-CN" altLang="en-US" sz="2325" b="1" smtClean="0"/>
-              <a:t>软件测试的理论研究蓬勃发展</a:t>
-            </a:r>
-            <a:endParaRPr lang="en-US" altLang="zh-CN" sz="2325" b="1" smtClean="0"/>
-          </a:p>
-          <a:p>
-            <a:pPr lvl="1" algn="just" eaLnBrk="1" hangingPunct="1"/>
-            <a:r>
-              <a:rPr lang="zh-CN" altLang="en-US" sz="2325" b="1" smtClean="0"/>
-              <a:t>软件测试市场繁荣</a:t>
-            </a:r>
-            <a:endParaRPr lang="en-US" altLang="zh-CN" sz="2325" b="1" smtClean="0"/>
+            <a:r>
+              <a:rPr lang="zh-CN" altLang="zh-CN" dirty="0"/>
+              <a:t>第</a:t>
+            </a:r>
+            <a:r>
+              <a:rPr lang="en-US" altLang="zh-CN" sz="2325" b="1" dirty="0"/>
+              <a:t>1</a:t>
+            </a:r>
+            <a:r>
+              <a:rPr lang="zh-CN" altLang="zh-CN" sz="2325" b="1" dirty="0"/>
+              <a:t>级</a:t>
+            </a:r>
+            <a:r>
+              <a:rPr lang="en-US" altLang="zh-CN" sz="2325" b="1" dirty="0"/>
+              <a:t>.</a:t>
+            </a:r>
+            <a:r>
+              <a:rPr lang="zh-CN" altLang="zh-CN" sz="2325" b="1" dirty="0"/>
+              <a:t>初始阶段</a:t>
+            </a:r>
+          </a:p>
+          <a:p>
+            <a:pPr marL="0" indent="0">
+              <a:buNone/>
+            </a:pPr>
+            <a:r>
+              <a:rPr lang="zh-CN" altLang="zh-CN" sz="2325" b="1" dirty="0">
+                <a:solidFill>
+                  <a:srgbClr val="FF0000"/>
+                </a:solidFill>
+              </a:rPr>
+              <a:t>措施：</a:t>
+            </a:r>
+            <a:r>
+              <a:rPr lang="zh-CN" altLang="zh-CN" sz="2325" b="1" dirty="0"/>
+              <a:t>测试是完全混乱无序的，测试等同于调试，编码完成后随意地测试和调试，目标是</a:t>
+            </a:r>
+            <a:r>
+              <a:rPr lang="zh-CN" altLang="zh-CN" sz="2325" b="1" dirty="0" smtClean="0"/>
+              <a:t>表明</a:t>
+            </a:r>
+            <a:r>
+              <a:rPr lang="zh-CN" altLang="zh-CN" sz="2325" b="1" dirty="0"/>
+              <a:t>软件是奏效的。</a:t>
+            </a:r>
+          </a:p>
+          <a:p>
+            <a:pPr marL="0" indent="0">
+              <a:buNone/>
+            </a:pPr>
+            <a:r>
+              <a:rPr lang="zh-CN" altLang="zh-CN" sz="2325" b="1" dirty="0">
+                <a:solidFill>
+                  <a:srgbClr val="FF0000"/>
+                </a:solidFill>
+              </a:rPr>
+              <a:t>优势：</a:t>
+            </a:r>
+            <a:r>
+              <a:rPr lang="zh-CN" altLang="zh-CN" sz="2325" b="1" dirty="0"/>
+              <a:t>最省力气。</a:t>
+            </a:r>
+          </a:p>
+          <a:p>
+            <a:pPr marL="0" indent="0">
+              <a:buNone/>
+            </a:pPr>
+            <a:r>
+              <a:rPr lang="zh-CN" altLang="zh-CN" sz="2325" b="1" dirty="0">
+                <a:solidFill>
+                  <a:srgbClr val="FF0000"/>
+                </a:solidFill>
+              </a:rPr>
+              <a:t>弊端：</a:t>
+            </a:r>
+            <a:r>
+              <a:rPr lang="zh-CN" altLang="zh-CN" sz="2325" b="1" dirty="0"/>
+              <a:t>开发出的软件产品得不到任何质量的保证，存在很多缺陷，用户无法</a:t>
+            </a:r>
+            <a:r>
+              <a:rPr lang="zh-CN" altLang="zh-CN" sz="2325" b="1" dirty="0" smtClean="0"/>
+              <a:t>接受</a:t>
+            </a:r>
+            <a:r>
+              <a:rPr lang="zh-CN" altLang="en-US" sz="2325" b="1" dirty="0" smtClean="0"/>
+              <a:t>，失败的概率很大</a:t>
+            </a:r>
+            <a:r>
+              <a:rPr lang="zh-CN" altLang="zh-CN" sz="2325" b="1" dirty="0" smtClean="0"/>
+              <a:t>。</a:t>
+            </a:r>
+            <a:endParaRPr lang="zh-CN" altLang="zh-CN" sz="2325" b="1" dirty="0"/>
+          </a:p>
+          <a:p>
+            <a:pPr marL="0" indent="0">
+              <a:buNone/>
+            </a:pPr>
+            <a:endParaRPr lang="zh-CN" altLang="zh-CN" dirty="0"/>
+          </a:p>
+          <a:p>
+            <a:endParaRPr lang="zh-CN" altLang="en-US" dirty="0"/>
+          </a:p>
+        </p:txBody>
+      </p:sp>
+      <p:sp>
+        <p:nvSpPr>
+          <p:cNvPr id="4" name="灯片编号占位符 3"/>
+          <p:cNvSpPr>
+            <a:spLocks noGrp="1"/>
+          </p:cNvSpPr>
+          <p:nvPr>
+            <p:ph type="sldNum" sz="quarter" idx="12"/>
+          </p:nvPr>
+        </p:nvSpPr>
+        <p:spPr/>
+        <p:txBody>
+          <a:bodyPr/>
+          <a:lstStyle/>
+          <a:p>
+            <a:pPr>
+              <a:defRPr/>
+            </a:pPr>
+            <a:fld id="{B59BECC1-663C-4EC7-820E-2D2742E2A471}" type="slidenum">
+              <a:rPr lang="en-US" altLang="zh-CN" smtClean="0"/>
+              <a:t>6</a:t>
+            </a:fld>
+            <a:endParaRPr lang="en-US" altLang="zh-CN"/>
           </a:p>
         </p:txBody>
       </p:sp>
     </p:spTree>
+    <p:extLst>
+      <p:ext uri="{BB962C8B-B14F-4D97-AF65-F5344CB8AC3E}">
+        <p14:creationId xmlns:p14="http://schemas.microsoft.com/office/powerpoint/2010/main" val="1802970670"/>
+      </p:ext>
+    </p:extLst>
   </p:cSld>
   <p:clrMapOvr>
     <a:masterClrMapping/>
   </p:clrMapOvr>
-  <p:transition/>
+  <p:transition>
+    <p:blinds dir="vert"/>
+  </p:transition>
   <p:timing>
     <p:tnLst>
       <p:par>
@@ -7400,6 +8751,19 @@
 <file path=ppt/slides/slide7.xml><?xml version="1.0" encoding="utf-8"?>
 <p:sld xmlns:a="http://schemas.openxmlformats.org/drawingml/2006/main" xmlns:r="http://schemas.openxmlformats.org/officeDocument/2006/relationships" xmlns:p="http://schemas.openxmlformats.org/presentationml/2006/main">
   <p:cSld>
+    <p:bg>
+      <p:bgPr>
+        <a:pattFill prst="ltHorz">
+          <a:fgClr>
+            <a:schemeClr val="bg2"/>
+          </a:fgClr>
+          <a:bgClr>
+            <a:schemeClr val="bg1"/>
+          </a:bgClr>
+        </a:pattFill>
+        <a:effectLst/>
+      </p:bgPr>
+    </p:bg>
     <p:spTree>
       <p:nvGrpSpPr>
         <p:cNvPr id="1" name=""/>
@@ -7416,288 +8780,180 @@
       </p:grpSpPr>
       <p:sp>
         <p:nvSpPr>
-          <p:cNvPr id="9218" name="灯片编号占位符 5"/>
+          <p:cNvPr id="2" name="标题 1"/>
           <p:cNvSpPr>
             <a:spLocks noGrp="1"/>
           </p:cNvSpPr>
           <p:nvPr>
-            <p:ph type="sldNum" sz="quarter" idx="12"/>
-          </p:nvPr>
-        </p:nvSpPr>
-        <p:spPr>
-          <a:noFill/>
-          <a:extLst>
-            <a:ext uri="{909E8E84-426E-40DD-AFC4-6F175D3DCCD1}">
-              <a14:hiddenFill xmlns:a14="http://schemas.microsoft.com/office/drawing/2010/main">
-                <a:solidFill>
-                  <a:srgbClr val="FFFFFF"/>
-                </a:solidFill>
-              </a14:hiddenFill>
-            </a:ext>
-            <a:ext uri="{91240B29-F687-4F45-9708-019B960494DF}">
-              <a14:hiddenLine xmlns:a14="http://schemas.microsoft.com/office/drawing/2010/main" w="9525">
-                <a:solidFill>
-                  <a:srgbClr val="000000"/>
-                </a:solidFill>
-                <a:miter lim="800000"/>
-                <a:headEnd/>
-                <a:tailEnd/>
-              </a14:hiddenLine>
-            </a:ext>
-          </a:extLst>
-        </p:spPr>
-        <p:txBody>
-          <a:bodyPr/>
-          <a:lstStyle>
-            <a:lvl1pPr eaLnBrk="0" hangingPunct="0">
-              <a:defRPr>
-                <a:solidFill>
-                  <a:schemeClr val="tx1"/>
-                </a:solidFill>
-                <a:latin typeface="Verdana" panose="020B0604030504040204" pitchFamily="34" charset="0"/>
-                <a:ea typeface="宋体" panose="02010600030101010101" pitchFamily="2" charset="-122"/>
-              </a:defRPr>
-            </a:lvl1pPr>
-            <a:lvl2pPr marL="742950" indent="-285750" eaLnBrk="0" hangingPunct="0">
-              <a:defRPr>
-                <a:solidFill>
-                  <a:schemeClr val="tx1"/>
-                </a:solidFill>
-                <a:latin typeface="Verdana" panose="020B0604030504040204" pitchFamily="34" charset="0"/>
-                <a:ea typeface="宋体" panose="02010600030101010101" pitchFamily="2" charset="-122"/>
-              </a:defRPr>
-            </a:lvl2pPr>
-            <a:lvl3pPr marL="1143000" indent="-228600" eaLnBrk="0" hangingPunct="0">
-              <a:defRPr>
-                <a:solidFill>
-                  <a:schemeClr val="tx1"/>
-                </a:solidFill>
-                <a:latin typeface="Verdana" panose="020B0604030504040204" pitchFamily="34" charset="0"/>
-                <a:ea typeface="宋体" panose="02010600030101010101" pitchFamily="2" charset="-122"/>
-              </a:defRPr>
-            </a:lvl3pPr>
-            <a:lvl4pPr marL="1600200" indent="-228600" eaLnBrk="0" hangingPunct="0">
-              <a:defRPr>
-                <a:solidFill>
-                  <a:schemeClr val="tx1"/>
-                </a:solidFill>
-                <a:latin typeface="Verdana" panose="020B0604030504040204" pitchFamily="34" charset="0"/>
-                <a:ea typeface="宋体" panose="02010600030101010101" pitchFamily="2" charset="-122"/>
-              </a:defRPr>
-            </a:lvl4pPr>
-            <a:lvl5pPr marL="2057400" indent="-228600" eaLnBrk="0" hangingPunct="0">
-              <a:defRPr>
-                <a:solidFill>
-                  <a:schemeClr val="tx1"/>
-                </a:solidFill>
-                <a:latin typeface="Verdana" panose="020B0604030504040204" pitchFamily="34" charset="0"/>
-                <a:ea typeface="宋体" panose="02010600030101010101" pitchFamily="2" charset="-122"/>
-              </a:defRPr>
-            </a:lvl5pPr>
-            <a:lvl6pPr marL="2514600" indent="-228600" eaLnBrk="0" fontAlgn="base" hangingPunct="0">
-              <a:spcBef>
-                <a:spcPct val="0"/>
-              </a:spcBef>
-              <a:spcAft>
-                <a:spcPct val="0"/>
-              </a:spcAft>
-              <a:defRPr>
-                <a:solidFill>
-                  <a:schemeClr val="tx1"/>
-                </a:solidFill>
-                <a:latin typeface="Verdana" panose="020B0604030504040204" pitchFamily="34" charset="0"/>
-                <a:ea typeface="宋体" panose="02010600030101010101" pitchFamily="2" charset="-122"/>
-              </a:defRPr>
-            </a:lvl6pPr>
-            <a:lvl7pPr marL="2971800" indent="-228600" eaLnBrk="0" fontAlgn="base" hangingPunct="0">
-              <a:spcBef>
-                <a:spcPct val="0"/>
-              </a:spcBef>
-              <a:spcAft>
-                <a:spcPct val="0"/>
-              </a:spcAft>
-              <a:defRPr>
-                <a:solidFill>
-                  <a:schemeClr val="tx1"/>
-                </a:solidFill>
-                <a:latin typeface="Verdana" panose="020B0604030504040204" pitchFamily="34" charset="0"/>
-                <a:ea typeface="宋体" panose="02010600030101010101" pitchFamily="2" charset="-122"/>
-              </a:defRPr>
-            </a:lvl7pPr>
-            <a:lvl8pPr marL="3429000" indent="-228600" eaLnBrk="0" fontAlgn="base" hangingPunct="0">
-              <a:spcBef>
-                <a:spcPct val="0"/>
-              </a:spcBef>
-              <a:spcAft>
-                <a:spcPct val="0"/>
-              </a:spcAft>
-              <a:defRPr>
-                <a:solidFill>
-                  <a:schemeClr val="tx1"/>
-                </a:solidFill>
-                <a:latin typeface="Verdana" panose="020B0604030504040204" pitchFamily="34" charset="0"/>
-                <a:ea typeface="宋体" panose="02010600030101010101" pitchFamily="2" charset="-122"/>
-              </a:defRPr>
-            </a:lvl8pPr>
-            <a:lvl9pPr marL="3886200" indent="-228600" eaLnBrk="0" fontAlgn="base" hangingPunct="0">
-              <a:spcBef>
-                <a:spcPct val="0"/>
-              </a:spcBef>
-              <a:spcAft>
-                <a:spcPct val="0"/>
-              </a:spcAft>
-              <a:defRPr>
-                <a:solidFill>
-                  <a:schemeClr val="tx1"/>
-                </a:solidFill>
-                <a:latin typeface="Verdana" panose="020B0604030504040204" pitchFamily="34" charset="0"/>
-                <a:ea typeface="宋体" panose="02010600030101010101" pitchFamily="2" charset="-122"/>
-              </a:defRPr>
-            </a:lvl9pPr>
-          </a:lstStyle>
+            <p:ph type="title"/>
+          </p:nvPr>
+        </p:nvSpPr>
+        <p:spPr/>
+        <p:txBody>
+          <a:bodyPr/>
+          <a:lstStyle/>
           <a:p>
             <a:pPr eaLnBrk="1" hangingPunct="1"/>
-            <a:fld id="{35DEEFEE-6F61-42BF-8BDA-392D39DAA5FA}" type="slidenum">
-              <a:rPr lang="en-US" altLang="zh-CN" sz="900" smtClean="0"/>
-              <a:t>7</a:t>
-            </a:fld>
-            <a:endParaRPr lang="en-US" altLang="zh-CN" sz="900" smtClean="0"/>
-          </a:p>
-        </p:txBody>
-      </p:sp>
-      <p:sp>
-        <p:nvSpPr>
-          <p:cNvPr id="9219" name="Rectangle 2"/>
-          <p:cNvSpPr>
-            <a:spLocks noGrp="1" noChangeArrowheads="1"/>
-          </p:cNvSpPr>
-          <p:nvPr>
-            <p:ph type="title"/>
-          </p:nvPr>
-        </p:nvSpPr>
-        <p:spPr/>
-        <p:txBody>
-          <a:bodyPr/>
-          <a:lstStyle/>
-          <a:p>
-            <a:pPr eaLnBrk="1" hangingPunct="1"/>
-            <a:r>
-              <a:rPr lang="en-US" altLang="zh-CN" b="1" smtClean="0">
+            <a:r>
+              <a:rPr lang="en-US" altLang="zh-CN" b="1" dirty="0" err="1">
                 <a:latin typeface="黑体" panose="02010609060101010101" pitchFamily="49" charset="-122"/>
                 <a:ea typeface="黑体" panose="02010609060101010101" pitchFamily="49" charset="-122"/>
               </a:rPr>
-              <a:t>2.2 </a:t>
-            </a:r>
-            <a:r>
-              <a:rPr lang="zh-CN" altLang="en-US" b="1" smtClean="0">
+              <a:t>TMM</a:t>
+            </a:r>
+            <a:r>
+              <a:rPr lang="zh-CN" altLang="en-US" b="1" dirty="0">
                 <a:latin typeface="黑体" panose="02010609060101010101" pitchFamily="49" charset="-122"/>
                 <a:ea typeface="黑体" panose="02010609060101010101" pitchFamily="49" charset="-122"/>
               </a:rPr>
-              <a:t>软件测试的发展历程及现状</a:t>
-            </a:r>
-          </a:p>
-        </p:txBody>
-      </p:sp>
-      <p:sp>
-        <p:nvSpPr>
-          <p:cNvPr id="11268" name="Rectangle 3"/>
-          <p:cNvSpPr>
-            <a:spLocks noGrp="1" noChangeArrowheads="1"/>
-          </p:cNvSpPr>
-          <p:nvPr>
-            <p:ph type="body" idx="1"/>
+              <a:t>模型</a:t>
+            </a:r>
+          </a:p>
+        </p:txBody>
+      </p:sp>
+      <p:sp>
+        <p:nvSpPr>
+          <p:cNvPr id="3" name="内容占位符 2"/>
+          <p:cNvSpPr>
+            <a:spLocks noGrp="1"/>
+          </p:cNvSpPr>
+          <p:nvPr>
+            <p:ph idx="1"/>
           </p:nvPr>
         </p:nvSpPr>
         <p:spPr>
           <a:xfrm>
-            <a:off x="563245" y="1314450"/>
-            <a:ext cx="8012430" cy="3201035"/>
+            <a:off x="396000" y="1314680"/>
+            <a:ext cx="8856000" cy="3200960"/>
           </a:xfrm>
         </p:spPr>
         <p:txBody>
           <a:bodyPr/>
           <a:lstStyle/>
           <a:p>
-            <a:pPr algn="just" eaLnBrk="1" hangingPunct="1">
+            <a:pPr marL="0" indent="0">
+              <a:buFont typeface="Wingdings" panose="05000000000000000000" pitchFamily="2" charset="2"/>
+              <a:buNone/>
+            </a:pPr>
+            <a:r>
+              <a:rPr lang="zh-CN" altLang="zh-CN" sz="2325" b="1" dirty="0"/>
+              <a:t>第</a:t>
+            </a:r>
+            <a:r>
+              <a:rPr lang="en-US" altLang="zh-CN" sz="2325" b="1" dirty="0"/>
+              <a:t>2</a:t>
+            </a:r>
+            <a:r>
+              <a:rPr lang="zh-CN" altLang="zh-CN" sz="2325" b="1" dirty="0"/>
+              <a:t>级</a:t>
+            </a:r>
+            <a:r>
+              <a:rPr lang="en-US" altLang="zh-CN" sz="2325" b="1" dirty="0"/>
+              <a:t>.</a:t>
+            </a:r>
+            <a:r>
+              <a:rPr lang="zh-CN" altLang="zh-CN" sz="2325" b="1" dirty="0"/>
+              <a:t>定义阶段</a:t>
+            </a:r>
+          </a:p>
+          <a:p>
+            <a:pPr marL="0" indent="0">
+              <a:buFont typeface="Wingdings" panose="05000000000000000000" pitchFamily="2" charset="2"/>
+              <a:buNone/>
+            </a:pPr>
+            <a:r>
+              <a:rPr lang="zh-CN" altLang="zh-CN" sz="2325" b="1" dirty="0">
+                <a:solidFill>
+                  <a:srgbClr val="FF0000"/>
+                </a:solidFill>
+              </a:rPr>
+              <a:t>措施：</a:t>
+            </a:r>
+            <a:r>
+              <a:rPr lang="zh-CN" altLang="zh-CN" sz="2325" b="1" dirty="0"/>
+              <a:t>测试不同于调试。将测试定义为编码完成后的阶段和工作，所有测试都是基于执行的，而且强烈依赖于代码，只有当编码完成后才开始测试，目标是表明软件符合其技术规范。</a:t>
+            </a:r>
+          </a:p>
+          <a:p>
+            <a:pPr marL="0" indent="0">
+              <a:buFont typeface="Wingdings" panose="05000000000000000000" pitchFamily="2" charset="2"/>
+              <a:buNone/>
+            </a:pPr>
+            <a:r>
+              <a:rPr lang="zh-CN" altLang="zh-CN" sz="2325" b="1" dirty="0">
+                <a:solidFill>
+                  <a:srgbClr val="FF0000"/>
+                </a:solidFill>
+              </a:rPr>
+              <a:t>优势：</a:t>
+            </a:r>
+            <a:r>
+              <a:rPr lang="zh-CN" altLang="zh-CN" sz="2325" b="1" dirty="0"/>
+              <a:t>人们掌握了一定的测试技术和方法，取得了一定的效果。</a:t>
+            </a:r>
+          </a:p>
+          <a:p>
+            <a:pPr marL="0" indent="0">
+              <a:buFont typeface="Wingdings" panose="05000000000000000000" pitchFamily="2" charset="2"/>
+              <a:buNone/>
+            </a:pPr>
+            <a:r>
+              <a:rPr lang="zh-CN" altLang="zh-CN" sz="2325" b="1" dirty="0">
+                <a:solidFill>
+                  <a:srgbClr val="FF0000"/>
+                </a:solidFill>
+              </a:rPr>
+              <a:t>弊端：</a:t>
+            </a:r>
+            <a:r>
+              <a:rPr lang="zh-CN" altLang="zh-CN" sz="2325" b="1" dirty="0"/>
+              <a:t>在需求和设计中没有测试，从而导致大量缺陷扩散到代码中，开发出的软件产品仍然会存在较多缺陷，产品存在质量问题。</a:t>
+            </a:r>
+          </a:p>
+          <a:p>
+            <a:endParaRPr lang="zh-CN" altLang="en-US" dirty="0"/>
+          </a:p>
+        </p:txBody>
+      </p:sp>
+      <p:sp>
+        <p:nvSpPr>
+          <p:cNvPr id="4" name="灯片编号占位符 3"/>
+          <p:cNvSpPr>
+            <a:spLocks noGrp="1"/>
+          </p:cNvSpPr>
+          <p:nvPr>
+            <p:ph type="sldNum" sz="quarter" idx="12"/>
+          </p:nvPr>
+        </p:nvSpPr>
+        <p:spPr/>
+        <p:txBody>
+          <a:bodyPr/>
+          <a:lstStyle/>
+          <a:p>
+            <a:pPr>
               <a:defRPr/>
             </a:pPr>
-            <a:r>
-              <a:rPr lang="zh-CN" altLang="en-US" sz="2550" b="1" dirty="0" smtClean="0"/>
-              <a:t>软件测试现状：国内现状</a:t>
-            </a:r>
-            <a:endParaRPr lang="en-US" altLang="zh-CN" sz="2550" b="1" dirty="0" smtClean="0"/>
-          </a:p>
-          <a:p>
-            <a:pPr algn="just" eaLnBrk="1" hangingPunct="1">
-              <a:defRPr/>
-            </a:pPr>
-            <a:r>
-              <a:rPr lang="zh-CN" altLang="en-US" sz="2550" b="1" dirty="0" smtClean="0"/>
-              <a:t>萌芽中的市场正在起步</a:t>
-            </a:r>
-            <a:endParaRPr lang="en-US" altLang="zh-CN" sz="2550" b="1" dirty="0" smtClean="0"/>
-          </a:p>
-          <a:p>
-            <a:pPr lvl="1" algn="just" eaLnBrk="1" hangingPunct="1">
-              <a:defRPr/>
-            </a:pPr>
-            <a:r>
-              <a:rPr lang="zh-CN" altLang="en-US" sz="2325" b="1" dirty="0" smtClean="0">
-                <a:cs typeface="+mn-cs"/>
-              </a:rPr>
-              <a:t>对软件测试的认识和重视程度在不断提高</a:t>
-            </a:r>
-            <a:endParaRPr lang="en-US" altLang="zh-CN" sz="2325" b="1" dirty="0" smtClean="0">
-              <a:cs typeface="+mn-cs"/>
-            </a:endParaRPr>
-          </a:p>
-          <a:p>
-            <a:pPr lvl="1" algn="just" eaLnBrk="1" hangingPunct="1">
-              <a:defRPr/>
-            </a:pPr>
-            <a:r>
-              <a:rPr lang="zh-CN" altLang="en-US" sz="2325" b="1" dirty="0" smtClean="0">
-                <a:cs typeface="+mn-cs"/>
-              </a:rPr>
-              <a:t>对软件产品化测试的技术研究从手动向自动化方式转变</a:t>
-            </a:r>
-            <a:endParaRPr lang="en-US" altLang="zh-CN" sz="2325" b="1" dirty="0" smtClean="0">
-              <a:cs typeface="+mn-cs"/>
-            </a:endParaRPr>
-          </a:p>
-          <a:p>
-            <a:pPr lvl="1" algn="just" eaLnBrk="1" hangingPunct="1">
-              <a:defRPr/>
-            </a:pPr>
-            <a:r>
-              <a:rPr lang="zh-CN" altLang="en-US" sz="2325" b="1" dirty="0" smtClean="0">
-                <a:cs typeface="+mn-cs"/>
-              </a:rPr>
-              <a:t>软件测试人员需求大，人员素质不断提高</a:t>
-            </a:r>
-            <a:endParaRPr lang="en-US" altLang="zh-CN" sz="2325" b="1" dirty="0" smtClean="0">
-              <a:cs typeface="+mn-cs"/>
-            </a:endParaRPr>
-          </a:p>
-          <a:p>
-            <a:pPr lvl="1" algn="just" eaLnBrk="1" hangingPunct="1">
-              <a:defRPr/>
-            </a:pPr>
-            <a:r>
-              <a:rPr lang="zh-CN" altLang="en-US" sz="2325" b="1" dirty="0" smtClean="0">
-                <a:cs typeface="+mn-cs"/>
-              </a:rPr>
-              <a:t>测试服务体系初步形成规模</a:t>
-            </a:r>
+            <a:fld id="{B59BECC1-663C-4EC7-820E-2D2742E2A471}" type="slidenum">
+              <a:rPr lang="en-US" altLang="zh-CN" smtClean="0"/>
+              <a:t>7</a:t>
+            </a:fld>
+            <a:endParaRPr lang="en-US" altLang="zh-CN"/>
           </a:p>
         </p:txBody>
       </p:sp>
     </p:spTree>
+    <p:extLst>
+      <p:ext uri="{BB962C8B-B14F-4D97-AF65-F5344CB8AC3E}">
+        <p14:creationId xmlns:p14="http://schemas.microsoft.com/office/powerpoint/2010/main" val="4103409215"/>
+      </p:ext>
+    </p:extLst>
   </p:cSld>
   <p:clrMapOvr>
-    <a:masterClrMapping/>
+    <a:overrideClrMapping bg1="lt1" tx1="dk1" bg2="lt2" tx2="dk2" accent1="accent1" accent2="accent2" accent3="accent3" accent4="accent4" accent5="accent5" accent6="accent6" hlink="hlink" folHlink="folHlink"/>
   </p:clrMapOvr>
-  <p:transition/>
+  <p:transition>
+    <p:blinds dir="vert"/>
+  </p:transition>
   <p:timing>
     <p:tnLst>
       <p:par>
@@ -7727,196 +8983,45 @@
       </p:grpSpPr>
       <p:sp>
         <p:nvSpPr>
-          <p:cNvPr id="10242" name="灯片编号占位符 5"/>
+          <p:cNvPr id="2" name="标题 1"/>
           <p:cNvSpPr>
             <a:spLocks noGrp="1"/>
           </p:cNvSpPr>
           <p:nvPr>
-            <p:ph type="sldNum" sz="quarter" idx="12"/>
-          </p:nvPr>
-        </p:nvSpPr>
-        <p:spPr>
-          <a:noFill/>
-          <a:extLst>
-            <a:ext uri="{909E8E84-426E-40DD-AFC4-6F175D3DCCD1}">
-              <a14:hiddenFill xmlns:a14="http://schemas.microsoft.com/office/drawing/2010/main">
-                <a:solidFill>
-                  <a:srgbClr val="FFFFFF"/>
-                </a:solidFill>
-              </a14:hiddenFill>
-            </a:ext>
-            <a:ext uri="{91240B29-F687-4F45-9708-019B960494DF}">
-              <a14:hiddenLine xmlns:a14="http://schemas.microsoft.com/office/drawing/2010/main" w="9525">
-                <a:solidFill>
-                  <a:srgbClr val="000000"/>
-                </a:solidFill>
-                <a:miter lim="800000"/>
-                <a:headEnd/>
-                <a:tailEnd/>
-              </a14:hiddenLine>
-            </a:ext>
-          </a:extLst>
-        </p:spPr>
-        <p:txBody>
-          <a:bodyPr/>
-          <a:lstStyle>
-            <a:lvl1pPr eaLnBrk="0" hangingPunct="0">
-              <a:defRPr>
-                <a:solidFill>
-                  <a:schemeClr val="tx1"/>
-                </a:solidFill>
-                <a:latin typeface="Verdana" panose="020B0604030504040204" pitchFamily="34" charset="0"/>
-                <a:ea typeface="宋体" panose="02010600030101010101" pitchFamily="2" charset="-122"/>
-              </a:defRPr>
-            </a:lvl1pPr>
-            <a:lvl2pPr marL="742950" indent="-285750" eaLnBrk="0" hangingPunct="0">
-              <a:defRPr>
-                <a:solidFill>
-                  <a:schemeClr val="tx1"/>
-                </a:solidFill>
-                <a:latin typeface="Verdana" panose="020B0604030504040204" pitchFamily="34" charset="0"/>
-                <a:ea typeface="宋体" panose="02010600030101010101" pitchFamily="2" charset="-122"/>
-              </a:defRPr>
-            </a:lvl2pPr>
-            <a:lvl3pPr marL="1143000" indent="-228600" eaLnBrk="0" hangingPunct="0">
-              <a:defRPr>
-                <a:solidFill>
-                  <a:schemeClr val="tx1"/>
-                </a:solidFill>
-                <a:latin typeface="Verdana" panose="020B0604030504040204" pitchFamily="34" charset="0"/>
-                <a:ea typeface="宋体" panose="02010600030101010101" pitchFamily="2" charset="-122"/>
-              </a:defRPr>
-            </a:lvl3pPr>
-            <a:lvl4pPr marL="1600200" indent="-228600" eaLnBrk="0" hangingPunct="0">
-              <a:defRPr>
-                <a:solidFill>
-                  <a:schemeClr val="tx1"/>
-                </a:solidFill>
-                <a:latin typeface="Verdana" panose="020B0604030504040204" pitchFamily="34" charset="0"/>
-                <a:ea typeface="宋体" panose="02010600030101010101" pitchFamily="2" charset="-122"/>
-              </a:defRPr>
-            </a:lvl4pPr>
-            <a:lvl5pPr marL="2057400" indent="-228600" eaLnBrk="0" hangingPunct="0">
-              <a:defRPr>
-                <a:solidFill>
-                  <a:schemeClr val="tx1"/>
-                </a:solidFill>
-                <a:latin typeface="Verdana" panose="020B0604030504040204" pitchFamily="34" charset="0"/>
-                <a:ea typeface="宋体" panose="02010600030101010101" pitchFamily="2" charset="-122"/>
-              </a:defRPr>
-            </a:lvl5pPr>
-            <a:lvl6pPr marL="2514600" indent="-228600" eaLnBrk="0" fontAlgn="base" hangingPunct="0">
-              <a:spcBef>
-                <a:spcPct val="0"/>
-              </a:spcBef>
-              <a:spcAft>
-                <a:spcPct val="0"/>
-              </a:spcAft>
-              <a:defRPr>
-                <a:solidFill>
-                  <a:schemeClr val="tx1"/>
-                </a:solidFill>
-                <a:latin typeface="Verdana" panose="020B0604030504040204" pitchFamily="34" charset="0"/>
-                <a:ea typeface="宋体" panose="02010600030101010101" pitchFamily="2" charset="-122"/>
-              </a:defRPr>
-            </a:lvl6pPr>
-            <a:lvl7pPr marL="2971800" indent="-228600" eaLnBrk="0" fontAlgn="base" hangingPunct="0">
-              <a:spcBef>
-                <a:spcPct val="0"/>
-              </a:spcBef>
-              <a:spcAft>
-                <a:spcPct val="0"/>
-              </a:spcAft>
-              <a:defRPr>
-                <a:solidFill>
-                  <a:schemeClr val="tx1"/>
-                </a:solidFill>
-                <a:latin typeface="Verdana" panose="020B0604030504040204" pitchFamily="34" charset="0"/>
-                <a:ea typeface="宋体" panose="02010600030101010101" pitchFamily="2" charset="-122"/>
-              </a:defRPr>
-            </a:lvl7pPr>
-            <a:lvl8pPr marL="3429000" indent="-228600" eaLnBrk="0" fontAlgn="base" hangingPunct="0">
-              <a:spcBef>
-                <a:spcPct val="0"/>
-              </a:spcBef>
-              <a:spcAft>
-                <a:spcPct val="0"/>
-              </a:spcAft>
-              <a:defRPr>
-                <a:solidFill>
-                  <a:schemeClr val="tx1"/>
-                </a:solidFill>
-                <a:latin typeface="Verdana" panose="020B0604030504040204" pitchFamily="34" charset="0"/>
-                <a:ea typeface="宋体" panose="02010600030101010101" pitchFamily="2" charset="-122"/>
-              </a:defRPr>
-            </a:lvl8pPr>
-            <a:lvl9pPr marL="3886200" indent="-228600" eaLnBrk="0" fontAlgn="base" hangingPunct="0">
-              <a:spcBef>
-                <a:spcPct val="0"/>
-              </a:spcBef>
-              <a:spcAft>
-                <a:spcPct val="0"/>
-              </a:spcAft>
-              <a:defRPr>
-                <a:solidFill>
-                  <a:schemeClr val="tx1"/>
-                </a:solidFill>
-                <a:latin typeface="Verdana" panose="020B0604030504040204" pitchFamily="34" charset="0"/>
-                <a:ea typeface="宋体" panose="02010600030101010101" pitchFamily="2" charset="-122"/>
-              </a:defRPr>
-            </a:lvl9pPr>
-          </a:lstStyle>
+            <p:ph type="title"/>
+          </p:nvPr>
+        </p:nvSpPr>
+        <p:spPr/>
+        <p:txBody>
+          <a:bodyPr/>
+          <a:lstStyle/>
           <a:p>
             <a:pPr eaLnBrk="1" hangingPunct="1"/>
-            <a:fld id="{7A9050C5-671E-4C7E-B5AC-75D8879FC0BC}" type="slidenum">
-              <a:rPr lang="en-US" altLang="zh-CN" sz="900" smtClean="0"/>
-              <a:t>8</a:t>
-            </a:fld>
-            <a:endParaRPr lang="en-US" altLang="zh-CN" sz="900" smtClean="0"/>
-          </a:p>
-        </p:txBody>
-      </p:sp>
-      <p:sp>
-        <p:nvSpPr>
-          <p:cNvPr id="10243" name="Rectangle 2"/>
-          <p:cNvSpPr>
-            <a:spLocks noGrp="1" noChangeArrowheads="1"/>
-          </p:cNvSpPr>
-          <p:nvPr>
-            <p:ph type="title"/>
-          </p:nvPr>
-        </p:nvSpPr>
-        <p:spPr/>
-        <p:txBody>
-          <a:bodyPr/>
-          <a:lstStyle/>
-          <a:p>
-            <a:pPr eaLnBrk="1" hangingPunct="1"/>
-            <a:r>
-              <a:rPr lang="en-US" altLang="zh-CN" b="1" smtClean="0">
+            <a:r>
+              <a:rPr lang="en-US" altLang="zh-CN" b="1" dirty="0" err="1">
                 <a:latin typeface="黑体" panose="02010609060101010101" pitchFamily="49" charset="-122"/>
                 <a:ea typeface="黑体" panose="02010609060101010101" pitchFamily="49" charset="-122"/>
               </a:rPr>
-              <a:t>2.2 </a:t>
-            </a:r>
-            <a:r>
-              <a:rPr lang="zh-CN" altLang="en-US" b="1" smtClean="0">
+              <a:t>TMM</a:t>
+            </a:r>
+            <a:r>
+              <a:rPr lang="zh-CN" altLang="en-US" b="1" dirty="0">
                 <a:latin typeface="黑体" panose="02010609060101010101" pitchFamily="49" charset="-122"/>
                 <a:ea typeface="黑体" panose="02010609060101010101" pitchFamily="49" charset="-122"/>
               </a:rPr>
-              <a:t>软件测试的发展历程及现状</a:t>
-            </a:r>
-          </a:p>
-        </p:txBody>
-      </p:sp>
-      <p:sp>
-        <p:nvSpPr>
-          <p:cNvPr id="10244" name="Rectangle 3"/>
-          <p:cNvSpPr>
-            <a:spLocks noGrp="1" noChangeArrowheads="1"/>
-          </p:cNvSpPr>
-          <p:nvPr>
-            <p:ph type="body" idx="1"/>
+              <a:t>模型</a:t>
+            </a:r>
+          </a:p>
+        </p:txBody>
+      </p:sp>
+      <p:sp>
+        <p:nvSpPr>
+          <p:cNvPr id="3" name="内容占位符 2"/>
+          <p:cNvSpPr>
+            <a:spLocks noGrp="1"/>
+          </p:cNvSpPr>
+          <p:nvPr>
+            <p:ph idx="1"/>
           </p:nvPr>
         </p:nvSpPr>
         <p:spPr/>
@@ -7924,81 +9029,134 @@
           <a:bodyPr/>
           <a:lstStyle/>
           <a:p>
-            <a:pPr algn="just" eaLnBrk="1" hangingPunct="1"/>
-            <a:r>
-              <a:rPr lang="zh-CN" altLang="en-US" sz="2550" b="1" smtClean="0"/>
-              <a:t>外包测试现状</a:t>
-            </a:r>
-            <a:endParaRPr lang="en-US" altLang="zh-CN" sz="2550" b="1" smtClean="0"/>
-          </a:p>
-          <a:p>
-            <a:pPr algn="just" eaLnBrk="1" hangingPunct="1"/>
-            <a:r>
-              <a:rPr lang="zh-CN" altLang="en-US" sz="2550" b="1" smtClean="0"/>
-              <a:t>三种模式</a:t>
-            </a:r>
-            <a:endParaRPr lang="en-US" altLang="zh-CN" sz="2550" b="1" smtClean="0"/>
-          </a:p>
-          <a:p>
-            <a:pPr lvl="1" algn="just" eaLnBrk="1" hangingPunct="1"/>
-            <a:r>
-              <a:rPr lang="zh-CN" altLang="en-US" sz="2325" b="1" smtClean="0"/>
-              <a:t>现场测试模式</a:t>
-            </a:r>
-            <a:r>
-              <a:rPr lang="en-US" altLang="en-US" sz="2325" b="1" smtClean="0"/>
-              <a:t>(On-Site)</a:t>
-            </a:r>
-          </a:p>
-          <a:p>
-            <a:pPr lvl="1" algn="just" eaLnBrk="1" hangingPunct="1"/>
-            <a:r>
-              <a:rPr lang="zh-CN" altLang="en-US" sz="2325" b="1" smtClean="0"/>
-              <a:t>内部测试模式</a:t>
-            </a:r>
-            <a:r>
-              <a:rPr lang="en-US" altLang="en-US" sz="2325" b="1" smtClean="0"/>
-              <a:t>(In-House)</a:t>
-            </a:r>
-          </a:p>
-          <a:p>
-            <a:pPr lvl="2" algn="just" eaLnBrk="1" hangingPunct="1"/>
-            <a:r>
-              <a:rPr lang="zh-CN" altLang="en-US" sz="2100" b="1" smtClean="0"/>
-              <a:t>完全离岸外包模式</a:t>
-            </a:r>
-            <a:r>
-              <a:rPr lang="en-US" altLang="en-US" sz="2100" b="1" smtClean="0"/>
-              <a:t>(Off Shore)</a:t>
-            </a:r>
-            <a:endParaRPr lang="en-US" altLang="zh-CN" sz="2100" b="1" smtClean="0"/>
-          </a:p>
-          <a:p>
-            <a:pPr lvl="2" algn="just" eaLnBrk="1" hangingPunct="1"/>
-            <a:r>
-              <a:rPr lang="zh-CN" altLang="en-US" sz="2100" b="1" smtClean="0"/>
-              <a:t>现场增援与离岸结合模式</a:t>
-            </a:r>
-            <a:r>
-              <a:rPr lang="en-US" altLang="en-US" sz="2100" b="1" smtClean="0"/>
-              <a:t>(On Site+Off Shore)</a:t>
-            </a:r>
-          </a:p>
-          <a:p>
-            <a:pPr lvl="1" algn="just" eaLnBrk="1" hangingPunct="1"/>
-            <a:r>
-              <a:rPr lang="zh-CN" altLang="en-US" sz="2325" b="1" smtClean="0"/>
-              <a:t>设立联合研发中心模式</a:t>
-            </a:r>
+            <a:pPr marL="0" indent="0">
+              <a:buNone/>
+            </a:pPr>
+            <a:r>
+              <a:rPr lang="zh-CN" altLang="zh-CN" sz="2325" b="1" dirty="0"/>
+              <a:t>第</a:t>
+            </a:r>
+            <a:r>
+              <a:rPr lang="en-US" altLang="zh-CN" sz="2325" b="1" dirty="0"/>
+              <a:t>3</a:t>
+            </a:r>
+            <a:r>
+              <a:rPr lang="zh-CN" altLang="zh-CN" sz="2325" b="1" dirty="0"/>
+              <a:t>级</a:t>
+            </a:r>
+            <a:r>
+              <a:rPr lang="en-US" altLang="zh-CN" sz="2325" b="1" dirty="0"/>
+              <a:t>. </a:t>
+            </a:r>
+            <a:r>
+              <a:rPr lang="zh-CN" altLang="zh-CN" sz="2325" b="1" dirty="0"/>
+              <a:t>集成阶段</a:t>
+            </a:r>
+          </a:p>
+          <a:p>
+            <a:pPr marL="0" indent="0">
+              <a:buNone/>
+            </a:pPr>
+            <a:r>
+              <a:rPr lang="zh-CN" altLang="zh-CN" sz="2325" b="1" dirty="0">
+                <a:solidFill>
+                  <a:srgbClr val="FF0000"/>
+                </a:solidFill>
+              </a:rPr>
+              <a:t>措施：</a:t>
+            </a:r>
+            <a:r>
+              <a:rPr lang="zh-CN" altLang="zh-CN" sz="2325" b="1" dirty="0"/>
+              <a:t>将测试集成到整个软件生存周期，开始考虑客户和用户的需求来建立测试目标，</a:t>
+            </a:r>
+          </a:p>
+          <a:p>
+            <a:pPr marL="0" indent="0">
+              <a:buNone/>
+            </a:pPr>
+            <a:r>
+              <a:rPr lang="zh-CN" altLang="zh-CN" sz="2325" b="1" dirty="0"/>
+              <a:t>将测试看做专业化的活动，成立专门的测试组织，拥有基本的测试工具。</a:t>
+            </a:r>
+          </a:p>
+          <a:p>
+            <a:pPr marL="0" indent="0">
+              <a:buNone/>
+            </a:pPr>
+            <a:r>
+              <a:rPr lang="zh-CN" altLang="zh-CN" sz="2325" b="1" dirty="0">
+                <a:solidFill>
+                  <a:srgbClr val="FF0000"/>
+                </a:solidFill>
+              </a:rPr>
+              <a:t>优势：</a:t>
+            </a:r>
+            <a:r>
+              <a:rPr lang="zh-CN" altLang="zh-CN" sz="2325" b="1" dirty="0"/>
+              <a:t>基于技术的测试，效果更好。</a:t>
+            </a:r>
+          </a:p>
+          <a:p>
+            <a:pPr marL="0" indent="0">
+              <a:buNone/>
+            </a:pPr>
+            <a:r>
+              <a:rPr lang="zh-CN" altLang="zh-CN" sz="2325" b="1" dirty="0">
+                <a:solidFill>
+                  <a:srgbClr val="FF0000"/>
+                </a:solidFill>
+              </a:rPr>
+              <a:t>弊端：</a:t>
+            </a:r>
+            <a:r>
+              <a:rPr lang="zh-CN" altLang="zh-CN" sz="2325" b="1" dirty="0"/>
+              <a:t>在整个软件生存周期中没有建立正式的评审程序，没有开展评审活动，测试组疲于应付。 </a:t>
+            </a:r>
+          </a:p>
+          <a:p>
+            <a:endParaRPr lang="zh-CN" altLang="en-US" dirty="0"/>
+          </a:p>
+        </p:txBody>
+      </p:sp>
+      <p:sp>
+        <p:nvSpPr>
+          <p:cNvPr id="4" name="灯片编号占位符 3"/>
+          <p:cNvSpPr>
+            <a:spLocks noGrp="1"/>
+          </p:cNvSpPr>
+          <p:nvPr>
+            <p:ph type="sldNum" sz="quarter" idx="12"/>
+          </p:nvPr>
+        </p:nvSpPr>
+        <p:spPr/>
+        <p:txBody>
+          <a:bodyPr/>
+          <a:lstStyle/>
+          <a:p>
+            <a:pPr>
+              <a:defRPr/>
+            </a:pPr>
+            <a:fld id="{B59BECC1-663C-4EC7-820E-2D2742E2A471}" type="slidenum">
+              <a:rPr lang="en-US" altLang="zh-CN" smtClean="0"/>
+              <a:t>8</a:t>
+            </a:fld>
+            <a:endParaRPr lang="en-US" altLang="zh-CN"/>
           </a:p>
         </p:txBody>
       </p:sp>
     </p:spTree>
+    <p:extLst>
+      <p:ext uri="{BB962C8B-B14F-4D97-AF65-F5344CB8AC3E}">
+        <p14:creationId xmlns:p14="http://schemas.microsoft.com/office/powerpoint/2010/main" val="1436071322"/>
+      </p:ext>
+    </p:extLst>
   </p:cSld>
   <p:clrMapOvr>
     <a:masterClrMapping/>
   </p:clrMapOvr>
-  <p:transition/>
+  <p:transition>
+    <p:blinds dir="vert"/>
+  </p:transition>
   <p:timing>
     <p:tnLst>
       <p:par>
@@ -8028,196 +9186,160 @@
       </p:grpSpPr>
       <p:sp>
         <p:nvSpPr>
-          <p:cNvPr id="11266" name="灯片编号占位符 5"/>
+          <p:cNvPr id="2" name="标题 1"/>
           <p:cNvSpPr>
             <a:spLocks noGrp="1"/>
           </p:cNvSpPr>
           <p:nvPr>
-            <p:ph type="sldNum" sz="quarter" idx="12"/>
-          </p:nvPr>
-        </p:nvSpPr>
-        <p:spPr>
-          <a:noFill/>
-          <a:extLst>
-            <a:ext uri="{909E8E84-426E-40DD-AFC4-6F175D3DCCD1}">
-              <a14:hiddenFill xmlns:a14="http://schemas.microsoft.com/office/drawing/2010/main">
-                <a:solidFill>
-                  <a:srgbClr val="FFFFFF"/>
-                </a:solidFill>
-              </a14:hiddenFill>
-            </a:ext>
-            <a:ext uri="{91240B29-F687-4F45-9708-019B960494DF}">
-              <a14:hiddenLine xmlns:a14="http://schemas.microsoft.com/office/drawing/2010/main" w="9525">
-                <a:solidFill>
-                  <a:srgbClr val="000000"/>
-                </a:solidFill>
-                <a:miter lim="800000"/>
-                <a:headEnd/>
-                <a:tailEnd/>
-              </a14:hiddenLine>
-            </a:ext>
-          </a:extLst>
-        </p:spPr>
-        <p:txBody>
-          <a:bodyPr/>
-          <a:lstStyle>
-            <a:lvl1pPr eaLnBrk="0" hangingPunct="0">
-              <a:defRPr>
-                <a:solidFill>
-                  <a:schemeClr val="tx1"/>
-                </a:solidFill>
-                <a:latin typeface="Verdana" panose="020B0604030504040204" pitchFamily="34" charset="0"/>
-                <a:ea typeface="宋体" panose="02010600030101010101" pitchFamily="2" charset="-122"/>
-              </a:defRPr>
-            </a:lvl1pPr>
-            <a:lvl2pPr marL="742950" indent="-285750" eaLnBrk="0" hangingPunct="0">
-              <a:defRPr>
-                <a:solidFill>
-                  <a:schemeClr val="tx1"/>
-                </a:solidFill>
-                <a:latin typeface="Verdana" panose="020B0604030504040204" pitchFamily="34" charset="0"/>
-                <a:ea typeface="宋体" panose="02010600030101010101" pitchFamily="2" charset="-122"/>
-              </a:defRPr>
-            </a:lvl2pPr>
-            <a:lvl3pPr marL="1143000" indent="-228600" eaLnBrk="0" hangingPunct="0">
-              <a:defRPr>
-                <a:solidFill>
-                  <a:schemeClr val="tx1"/>
-                </a:solidFill>
-                <a:latin typeface="Verdana" panose="020B0604030504040204" pitchFamily="34" charset="0"/>
-                <a:ea typeface="宋体" panose="02010600030101010101" pitchFamily="2" charset="-122"/>
-              </a:defRPr>
-            </a:lvl3pPr>
-            <a:lvl4pPr marL="1600200" indent="-228600" eaLnBrk="0" hangingPunct="0">
-              <a:defRPr>
-                <a:solidFill>
-                  <a:schemeClr val="tx1"/>
-                </a:solidFill>
-                <a:latin typeface="Verdana" panose="020B0604030504040204" pitchFamily="34" charset="0"/>
-                <a:ea typeface="宋体" panose="02010600030101010101" pitchFamily="2" charset="-122"/>
-              </a:defRPr>
-            </a:lvl4pPr>
-            <a:lvl5pPr marL="2057400" indent="-228600" eaLnBrk="0" hangingPunct="0">
-              <a:defRPr>
-                <a:solidFill>
-                  <a:schemeClr val="tx1"/>
-                </a:solidFill>
-                <a:latin typeface="Verdana" panose="020B0604030504040204" pitchFamily="34" charset="0"/>
-                <a:ea typeface="宋体" panose="02010600030101010101" pitchFamily="2" charset="-122"/>
-              </a:defRPr>
-            </a:lvl5pPr>
-            <a:lvl6pPr marL="2514600" indent="-228600" eaLnBrk="0" fontAlgn="base" hangingPunct="0">
-              <a:spcBef>
-                <a:spcPct val="0"/>
-              </a:spcBef>
-              <a:spcAft>
-                <a:spcPct val="0"/>
-              </a:spcAft>
-              <a:defRPr>
-                <a:solidFill>
-                  <a:schemeClr val="tx1"/>
-                </a:solidFill>
-                <a:latin typeface="Verdana" panose="020B0604030504040204" pitchFamily="34" charset="0"/>
-                <a:ea typeface="宋体" panose="02010600030101010101" pitchFamily="2" charset="-122"/>
-              </a:defRPr>
-            </a:lvl6pPr>
-            <a:lvl7pPr marL="2971800" indent="-228600" eaLnBrk="0" fontAlgn="base" hangingPunct="0">
-              <a:spcBef>
-                <a:spcPct val="0"/>
-              </a:spcBef>
-              <a:spcAft>
-                <a:spcPct val="0"/>
-              </a:spcAft>
-              <a:defRPr>
-                <a:solidFill>
-                  <a:schemeClr val="tx1"/>
-                </a:solidFill>
-                <a:latin typeface="Verdana" panose="020B0604030504040204" pitchFamily="34" charset="0"/>
-                <a:ea typeface="宋体" panose="02010600030101010101" pitchFamily="2" charset="-122"/>
-              </a:defRPr>
-            </a:lvl7pPr>
-            <a:lvl8pPr marL="3429000" indent="-228600" eaLnBrk="0" fontAlgn="base" hangingPunct="0">
-              <a:spcBef>
-                <a:spcPct val="0"/>
-              </a:spcBef>
-              <a:spcAft>
-                <a:spcPct val="0"/>
-              </a:spcAft>
-              <a:defRPr>
-                <a:solidFill>
-                  <a:schemeClr val="tx1"/>
-                </a:solidFill>
-                <a:latin typeface="Verdana" panose="020B0604030504040204" pitchFamily="34" charset="0"/>
-                <a:ea typeface="宋体" panose="02010600030101010101" pitchFamily="2" charset="-122"/>
-              </a:defRPr>
-            </a:lvl8pPr>
-            <a:lvl9pPr marL="3886200" indent="-228600" eaLnBrk="0" fontAlgn="base" hangingPunct="0">
-              <a:spcBef>
-                <a:spcPct val="0"/>
-              </a:spcBef>
-              <a:spcAft>
-                <a:spcPct val="0"/>
-              </a:spcAft>
-              <a:defRPr>
-                <a:solidFill>
-                  <a:schemeClr val="tx1"/>
-                </a:solidFill>
-                <a:latin typeface="Verdana" panose="020B0604030504040204" pitchFamily="34" charset="0"/>
-                <a:ea typeface="宋体" panose="02010600030101010101" pitchFamily="2" charset="-122"/>
-              </a:defRPr>
-            </a:lvl9pPr>
-          </a:lstStyle>
+            <p:ph type="title"/>
+          </p:nvPr>
+        </p:nvSpPr>
+        <p:spPr/>
+        <p:txBody>
+          <a:bodyPr/>
+          <a:lstStyle/>
           <a:p>
             <a:pPr eaLnBrk="1" hangingPunct="1"/>
-            <a:fld id="{E6A86B9C-59CE-4193-81CA-1B9250AD87C3}" type="slidenum">
-              <a:rPr lang="en-US" altLang="zh-CN" sz="900" smtClean="0"/>
-              <a:t>9</a:t>
-            </a:fld>
-            <a:endParaRPr lang="en-US" altLang="zh-CN" sz="900" smtClean="0"/>
-          </a:p>
-        </p:txBody>
-      </p:sp>
-      <p:sp>
-        <p:nvSpPr>
-          <p:cNvPr id="11267" name="Rectangle 2"/>
-          <p:cNvSpPr>
-            <a:spLocks noGrp="1" noChangeArrowheads="1"/>
-          </p:cNvSpPr>
-          <p:nvPr>
-            <p:ph type="title"/>
-          </p:nvPr>
-        </p:nvSpPr>
-        <p:spPr/>
-        <p:txBody>
-          <a:bodyPr/>
-          <a:lstStyle/>
-          <a:p>
-            <a:pPr eaLnBrk="1" hangingPunct="1"/>
-            <a:r>
-              <a:rPr lang="en-US" altLang="zh-CN" b="1" smtClean="0">
+            <a:r>
+              <a:rPr lang="en-US" altLang="zh-CN" b="1" dirty="0" err="1">
                 <a:latin typeface="黑体" panose="02010609060101010101" pitchFamily="49" charset="-122"/>
                 <a:ea typeface="黑体" panose="02010609060101010101" pitchFamily="49" charset="-122"/>
               </a:rPr>
-              <a:t>2.3 </a:t>
-            </a:r>
-            <a:r>
-              <a:rPr lang="zh-CN" altLang="en-US" b="1" smtClean="0">
+              <a:t>TMM</a:t>
+            </a:r>
+            <a:r>
+              <a:rPr lang="zh-CN" altLang="en-US" b="1" dirty="0">
                 <a:latin typeface="黑体" panose="02010609060101010101" pitchFamily="49" charset="-122"/>
                 <a:ea typeface="黑体" panose="02010609060101010101" pitchFamily="49" charset="-122"/>
               </a:rPr>
-              <a:t>软件测试的研究热点</a:t>
-            </a:r>
-          </a:p>
-        </p:txBody>
-      </p:sp>
-      <p:sp>
-        <p:nvSpPr>
-          <p:cNvPr id="11268" name="Rectangle 3"/>
-          <p:cNvSpPr>
-            <a:spLocks noGrp="1" noChangeArrowheads="1"/>
-          </p:cNvSpPr>
-          <p:nvPr>
-            <p:ph type="body" idx="1"/>
+              <a:t>模型</a:t>
+            </a:r>
+          </a:p>
+        </p:txBody>
+      </p:sp>
+      <p:sp>
+        <p:nvSpPr>
+          <p:cNvPr id="3" name="内容占位符 2"/>
+          <p:cNvSpPr>
+            <a:spLocks noGrp="1"/>
+          </p:cNvSpPr>
+          <p:nvPr>
+            <p:ph idx="1"/>
+          </p:nvPr>
+        </p:nvSpPr>
+        <p:spPr>
+          <a:xfrm>
+            <a:off x="566738" y="1314680"/>
+            <a:ext cx="8325262" cy="3200960"/>
+          </a:xfrm>
+        </p:spPr>
+        <p:txBody>
+          <a:bodyPr/>
+          <a:lstStyle/>
+          <a:p>
+            <a:r>
+              <a:rPr lang="zh-CN" altLang="zh-CN" sz="2325" b="1" dirty="0"/>
+              <a:t>第</a:t>
+            </a:r>
+            <a:r>
+              <a:rPr lang="en-US" altLang="zh-CN" sz="2325" b="1" dirty="0"/>
+              <a:t>4</a:t>
+            </a:r>
+            <a:r>
+              <a:rPr lang="zh-CN" altLang="zh-CN" sz="2325" b="1" dirty="0"/>
+              <a:t>级</a:t>
+            </a:r>
+            <a:r>
+              <a:rPr lang="en-US" altLang="zh-CN" sz="2325" b="1" dirty="0"/>
+              <a:t>. </a:t>
+            </a:r>
+            <a:r>
+              <a:rPr lang="zh-CN" altLang="zh-CN" sz="2325" b="1" dirty="0"/>
+              <a:t>管理与测量</a:t>
+            </a:r>
+          </a:p>
+          <a:p>
+            <a:pPr marL="0" indent="0">
+              <a:buNone/>
+            </a:pPr>
+            <a:r>
+              <a:rPr lang="zh-CN" altLang="zh-CN" sz="2325" b="1" dirty="0">
+                <a:solidFill>
+                  <a:srgbClr val="FF0000"/>
+                </a:solidFill>
+              </a:rPr>
+              <a:t>措施：</a:t>
+            </a:r>
+            <a:r>
+              <a:rPr lang="zh-CN" altLang="zh-CN" sz="2325" b="1" dirty="0"/>
+              <a:t>测试成为一个可以测量和量化的过程，开发过程引入评审机制，测试用例和</a:t>
+            </a:r>
+            <a:r>
+              <a:rPr lang="zh-CN" altLang="zh-CN" sz="2325" b="1" dirty="0" smtClean="0"/>
+              <a:t>测试</a:t>
+            </a:r>
+            <a:r>
+              <a:rPr lang="zh-CN" altLang="zh-CN" sz="2325" b="1" dirty="0"/>
+              <a:t>过程被管理起来。</a:t>
+            </a:r>
+          </a:p>
+          <a:p>
+            <a:pPr marL="0" indent="0">
+              <a:buNone/>
+            </a:pPr>
+            <a:r>
+              <a:rPr lang="zh-CN" altLang="zh-CN" sz="2325" b="1" dirty="0">
+                <a:solidFill>
+                  <a:srgbClr val="FF0000"/>
+                </a:solidFill>
+              </a:rPr>
+              <a:t>优势：</a:t>
+            </a:r>
+            <a:r>
+              <a:rPr lang="zh-CN" altLang="zh-CN" sz="2325" b="1" dirty="0"/>
+              <a:t>基于规范的测试，拥有流程控制，出现质量管理活动。</a:t>
+            </a:r>
+          </a:p>
+          <a:p>
+            <a:pPr marL="0" indent="0">
+              <a:buNone/>
+            </a:pPr>
+            <a:r>
+              <a:rPr lang="zh-CN" altLang="zh-CN" sz="2325" b="1" dirty="0">
+                <a:solidFill>
+                  <a:srgbClr val="FF0000"/>
+                </a:solidFill>
+              </a:rPr>
+              <a:t>弊端：</a:t>
+            </a:r>
+            <a:r>
+              <a:rPr lang="zh-CN" altLang="zh-CN" sz="2325" b="1" dirty="0"/>
+              <a:t>只能被动地找缺陷，无法主动控制缺陷。</a:t>
+            </a:r>
+          </a:p>
+          <a:p>
+            <a:pPr marL="0" indent="0">
+              <a:buNone/>
+            </a:pPr>
+            <a:r>
+              <a:rPr lang="en-US" altLang="zh-CN" sz="2325" b="1" dirty="0"/>
+              <a:t> </a:t>
+            </a:r>
+            <a:endParaRPr lang="zh-CN" altLang="zh-CN" sz="2325" b="1" dirty="0"/>
+          </a:p>
+          <a:p>
+            <a:endParaRPr lang="zh-CN" altLang="en-US" dirty="0"/>
+          </a:p>
+        </p:txBody>
+      </p:sp>
+      <p:sp>
+        <p:nvSpPr>
+          <p:cNvPr id="4" name="灯片编号占位符 3"/>
+          <p:cNvSpPr>
+            <a:spLocks noGrp="1"/>
+          </p:cNvSpPr>
+          <p:nvPr>
+            <p:ph type="sldNum" sz="quarter" idx="12"/>
           </p:nvPr>
         </p:nvSpPr>
         <p:spPr/>
@@ -8225,48 +9347,30 @@
           <a:bodyPr/>
           <a:lstStyle/>
           <a:p>
-            <a:pPr algn="just" eaLnBrk="1" hangingPunct="1"/>
-            <a:r>
-              <a:rPr lang="zh-CN" altLang="en-US" sz="2550" b="1" smtClean="0"/>
-              <a:t>针对软件特点而展开的实用软件测试技术和方法的研究</a:t>
-            </a:r>
-            <a:endParaRPr lang="en-US" altLang="zh-CN" sz="2550" b="1" smtClean="0"/>
-          </a:p>
-          <a:p>
-            <a:pPr algn="just" eaLnBrk="1" hangingPunct="1"/>
-            <a:r>
-              <a:rPr lang="zh-CN" altLang="en-US" sz="2550" b="1" smtClean="0"/>
-              <a:t>针对新的软件开发技术展开的软件测试技术研究</a:t>
-            </a:r>
-            <a:endParaRPr lang="en-US" altLang="zh-CN" sz="2550" b="1" smtClean="0"/>
-          </a:p>
-          <a:p>
-            <a:pPr algn="just" eaLnBrk="1" hangingPunct="1"/>
-            <a:r>
-              <a:rPr lang="zh-CN" altLang="en-US" sz="2550" b="1" smtClean="0"/>
-              <a:t>软件自动化测试技术的研究</a:t>
-            </a:r>
-            <a:endParaRPr lang="en-US" altLang="zh-CN" sz="2550" b="1" smtClean="0"/>
-          </a:p>
-          <a:p>
-            <a:pPr algn="just" eaLnBrk="1" hangingPunct="1"/>
-            <a:r>
-              <a:rPr lang="zh-CN" altLang="en-US" sz="2550" b="1" smtClean="0"/>
-              <a:t>软件可信性研究</a:t>
-            </a:r>
-          </a:p>
-          <a:p>
-            <a:pPr algn="just" eaLnBrk="1" hangingPunct="1"/>
-            <a:endParaRPr lang="zh-CN" altLang="en-US" b="1" smtClean="0"/>
+            <a:pPr>
+              <a:defRPr/>
+            </a:pPr>
+            <a:fld id="{B59BECC1-663C-4EC7-820E-2D2742E2A471}" type="slidenum">
+              <a:rPr lang="en-US" altLang="zh-CN" smtClean="0"/>
+              <a:t>9</a:t>
+            </a:fld>
+            <a:endParaRPr lang="en-US" altLang="zh-CN"/>
           </a:p>
         </p:txBody>
       </p:sp>
     </p:spTree>
+    <p:extLst>
+      <p:ext uri="{BB962C8B-B14F-4D97-AF65-F5344CB8AC3E}">
+        <p14:creationId xmlns:p14="http://schemas.microsoft.com/office/powerpoint/2010/main" val="3853054514"/>
+      </p:ext>
+    </p:extLst>
   </p:cSld>
   <p:clrMapOvr>
     <a:masterClrMapping/>
   </p:clrMapOvr>
-  <p:transition/>
+  <p:transition>
+    <p:blinds dir="vert"/>
+  </p:transition>
   <p:timing>
     <p:tnLst>
       <p:par>
@@ -8871,7 +9975,7 @@
   </a:extraClrSchemeLst>
   <a:extLst>
     <a:ext uri="{05A4C25C-085E-4340-85A3-A5531E510DB2}">
-      <thm15:themeFamily xmlns:thm15="http://schemas.microsoft.com/office/thememl/2012/main" xmlns="" name="Office Theme" id="{62F939B6-93AF-4DB8-9C6B-D6C7DFDC589F}" vid="{4A3C46E8-61CC-4603-A589-7422A47A8E4A}"/>
+      <thm15:themeFamily xmlns="" xmlns:thm15="http://schemas.microsoft.com/office/thememl/2012/main" name="Office Theme" id="{62F939B6-93AF-4DB8-9C6B-D6C7DFDC589F}" vid="{4A3C46E8-61CC-4603-A589-7422A47A8E4A}"/>
     </a:ext>
   </a:extLst>
 </a:theme>
@@ -9159,7 +10263,7 @@
   <a:extraClrSchemeLst/>
   <a:extLst>
     <a:ext uri="{05A4C25C-085E-4340-85A3-A5531E510DB2}">
-      <thm15:themeFamily xmlns:thm15="http://schemas.microsoft.com/office/thememl/2012/main" xmlns="" name="Office Theme" id="{62F939B6-93AF-4DB8-9C6B-D6C7DFDC589F}" vid="{4A3C46E8-61CC-4603-A589-7422A47A8E4A}"/>
+      <thm15:themeFamily xmlns="" xmlns:thm15="http://schemas.microsoft.com/office/thememl/2012/main" name="Office Theme" id="{62F939B6-93AF-4DB8-9C6B-D6C7DFDC589F}" vid="{4A3C46E8-61CC-4603-A589-7422A47A8E4A}"/>
     </a:ext>
   </a:extLst>
 </a:theme>
@@ -9447,8 +10551,51 @@
   <a:extraClrSchemeLst/>
   <a:extLst>
     <a:ext uri="{05A4C25C-085E-4340-85A3-A5531E510DB2}">
-      <thm15:themeFamily xmlns:thm15="http://schemas.microsoft.com/office/thememl/2012/main" xmlns="" name="Office Theme" id="{62F939B6-93AF-4DB8-9C6B-D6C7DFDC589F}" vid="{4A3C46E8-61CC-4603-A589-7422A47A8E4A}"/>
+      <thm15:themeFamily xmlns="" xmlns:thm15="http://schemas.microsoft.com/office/thememl/2012/main" name="Office Theme" id="{62F939B6-93AF-4DB8-9C6B-D6C7DFDC589F}" vid="{4A3C46E8-61CC-4603-A589-7422A47A8E4A}"/>
     </a:ext>
   </a:extLst>
 </a:theme>
+</file>
+
+<file path=ppt/theme/themeOverride1.xml><?xml version="1.0" encoding="utf-8"?>
+<a:themeOverride xmlns:a="http://schemas.openxmlformats.org/drawingml/2006/main">
+  <a:clrScheme name="Profile 9">
+    <a:dk1>
+      <a:srgbClr val="000000"/>
+    </a:dk1>
+    <a:lt1>
+      <a:srgbClr val="FFFFFF"/>
+    </a:lt1>
+    <a:dk2>
+      <a:srgbClr val="000000"/>
+    </a:dk2>
+    <a:lt2>
+      <a:srgbClr val="DDDDDD"/>
+    </a:lt2>
+    <a:accent1>
+      <a:srgbClr val="A3B2C1"/>
+    </a:accent1>
+    <a:accent2>
+      <a:srgbClr val="CC0000"/>
+    </a:accent2>
+    <a:accent3>
+      <a:srgbClr val="FFFFFF"/>
+    </a:accent3>
+    <a:accent4>
+      <a:srgbClr val="000000"/>
+    </a:accent4>
+    <a:accent5>
+      <a:srgbClr val="CED5DD"/>
+    </a:accent5>
+    <a:accent6>
+      <a:srgbClr val="B90000"/>
+    </a:accent6>
+    <a:hlink>
+      <a:srgbClr val="336699"/>
+    </a:hlink>
+    <a:folHlink>
+      <a:srgbClr val="003366"/>
+    </a:folHlink>
+  </a:clrScheme>
+</a:themeOverride>
 </file>